--- a/计算机网络/互联网协议/示意图.pptx
+++ b/计算机网络/互联网协议/示意图.pptx
@@ -5,7 +5,7 @@
     <p:sldMasterId id="2147483649" r:id="rId1"/>
   </p:sldMasterIdLst>
   <p:notesMasterIdLst>
-    <p:notesMasterId r:id="rId18"/>
+    <p:notesMasterId r:id="rId14"/>
   </p:notesMasterIdLst>
   <p:sldIdLst>
     <p:sldId id="293" r:id="rId2"/>
@@ -19,11 +19,7 @@
     <p:sldId id="297" r:id="rId10"/>
     <p:sldId id="302" r:id="rId11"/>
     <p:sldId id="303" r:id="rId12"/>
-    <p:sldId id="306" r:id="rId13"/>
-    <p:sldId id="308" r:id="rId14"/>
-    <p:sldId id="309" r:id="rId15"/>
-    <p:sldId id="310" r:id="rId16"/>
-    <p:sldId id="312" r:id="rId17"/>
+    <p:sldId id="305" r:id="rId13"/>
   </p:sldIdLst>
   <p:sldSz cx="12192000" cy="6858000"/>
   <p:notesSz cx="6858000" cy="9144000"/>
@@ -780,7 +776,7 @@
           <p:cNvPr id="4097" name="Rectangle 1">
             <a:extLst>
               <a:ext uri="{FF2B5EF4-FFF2-40B4-BE49-F238E27FC236}">
-                <a16:creationId xmlns:a16="http://schemas.microsoft.com/office/drawing/2014/main" id="{565A64E7-9CD6-4CA0-BB1F-239A37432A4C}"/>
+                <a16:creationId xmlns:a16="http://schemas.microsoft.com/office/drawing/2014/main" xmlns="" id="{565A64E7-9CD6-4CA0-BB1F-239A37432A4C}"/>
               </a:ext>
             </a:extLst>
           </p:cNvPr>
@@ -840,7 +836,7 @@
           <p:cNvPr id="4098" name="Rectangle 2">
             <a:extLst>
               <a:ext uri="{FF2B5EF4-FFF2-40B4-BE49-F238E27FC236}">
-                <a16:creationId xmlns:a16="http://schemas.microsoft.com/office/drawing/2014/main" id="{BEC89F56-1C5B-450B-BA44-8C5C6738B526}"/>
+                <a16:creationId xmlns:a16="http://schemas.microsoft.com/office/drawing/2014/main" xmlns="" id="{BEC89F56-1C5B-450B-BA44-8C5C6738B526}"/>
               </a:ext>
             </a:extLst>
           </p:cNvPr>
@@ -1123,7 +1119,7 @@
           <p:cNvPr id="2" name="标题 1">
             <a:extLst>
               <a:ext uri="{FF2B5EF4-FFF2-40B4-BE49-F238E27FC236}">
-                <a16:creationId xmlns:a16="http://schemas.microsoft.com/office/drawing/2014/main" id="{33920F4C-4250-4125-8984-E27C967C7C91}"/>
+                <a16:creationId xmlns:a16="http://schemas.microsoft.com/office/drawing/2014/main" xmlns="" id="{33920F4C-4250-4125-8984-E27C967C7C91}"/>
               </a:ext>
             </a:extLst>
           </p:cNvPr>
@@ -1163,7 +1159,7 @@
           <p:cNvPr id="3" name="副标题 2">
             <a:extLst>
               <a:ext uri="{FF2B5EF4-FFF2-40B4-BE49-F238E27FC236}">
-                <a16:creationId xmlns:a16="http://schemas.microsoft.com/office/drawing/2014/main" id="{CCF65E6E-81FD-4631-BDBA-343341FD9BED}"/>
+                <a16:creationId xmlns:a16="http://schemas.microsoft.com/office/drawing/2014/main" xmlns="" id="{CCF65E6E-81FD-4631-BDBA-343341FD9BED}"/>
               </a:ext>
             </a:extLst>
           </p:cNvPr>
@@ -1236,7 +1232,7 @@
           <p:cNvPr id="4" name="灯片编号占位符 3">
             <a:extLst>
               <a:ext uri="{FF2B5EF4-FFF2-40B4-BE49-F238E27FC236}">
-                <a16:creationId xmlns:a16="http://schemas.microsoft.com/office/drawing/2014/main" id="{47937965-0035-43F3-A8F9-BA99A5C466AA}"/>
+                <a16:creationId xmlns:a16="http://schemas.microsoft.com/office/drawing/2014/main" xmlns="" id="{47937965-0035-43F3-A8F9-BA99A5C466AA}"/>
               </a:ext>
             </a:extLst>
           </p:cNvPr>
@@ -1300,7 +1296,7 @@
           <p:cNvPr id="2" name="标题 1">
             <a:extLst>
               <a:ext uri="{FF2B5EF4-FFF2-40B4-BE49-F238E27FC236}">
-                <a16:creationId xmlns:a16="http://schemas.microsoft.com/office/drawing/2014/main" id="{5B0188C7-8DF4-45E6-BB0A-3DE8FA47D954}"/>
+                <a16:creationId xmlns:a16="http://schemas.microsoft.com/office/drawing/2014/main" xmlns="" id="{5B0188C7-8DF4-45E6-BB0A-3DE8FA47D954}"/>
               </a:ext>
             </a:extLst>
           </p:cNvPr>
@@ -1336,7 +1332,7 @@
           <p:cNvPr id="3" name="竖排文字占位符 2">
             <a:extLst>
               <a:ext uri="{FF2B5EF4-FFF2-40B4-BE49-F238E27FC236}">
-                <a16:creationId xmlns:a16="http://schemas.microsoft.com/office/drawing/2014/main" id="{332766E8-BF75-446A-964B-9715DDF66D28}"/>
+                <a16:creationId xmlns:a16="http://schemas.microsoft.com/office/drawing/2014/main" xmlns="" id="{332766E8-BF75-446A-964B-9715DDF66D28}"/>
               </a:ext>
             </a:extLst>
           </p:cNvPr>
@@ -1401,7 +1397,7 @@
           <p:cNvPr id="4" name="灯片编号占位符 3">
             <a:extLst>
               <a:ext uri="{FF2B5EF4-FFF2-40B4-BE49-F238E27FC236}">
-                <a16:creationId xmlns:a16="http://schemas.microsoft.com/office/drawing/2014/main" id="{553A1DE0-A6FD-4D1F-A299-AD52DB77F17D}"/>
+                <a16:creationId xmlns:a16="http://schemas.microsoft.com/office/drawing/2014/main" xmlns="" id="{553A1DE0-A6FD-4D1F-A299-AD52DB77F17D}"/>
               </a:ext>
             </a:extLst>
           </p:cNvPr>
@@ -1465,7 +1461,7 @@
           <p:cNvPr id="2" name="竖排标题 1">
             <a:extLst>
               <a:ext uri="{FF2B5EF4-FFF2-40B4-BE49-F238E27FC236}">
-                <a16:creationId xmlns:a16="http://schemas.microsoft.com/office/drawing/2014/main" id="{91216533-0BD7-4F3B-AC52-7D59BF32C6B7}"/>
+                <a16:creationId xmlns:a16="http://schemas.microsoft.com/office/drawing/2014/main" xmlns="" id="{91216533-0BD7-4F3B-AC52-7D59BF32C6B7}"/>
               </a:ext>
             </a:extLst>
           </p:cNvPr>
@@ -1501,7 +1497,7 @@
           <p:cNvPr id="3" name="竖排文字占位符 2">
             <a:extLst>
               <a:ext uri="{FF2B5EF4-FFF2-40B4-BE49-F238E27FC236}">
-                <a16:creationId xmlns:a16="http://schemas.microsoft.com/office/drawing/2014/main" id="{4B9DCB10-4EE5-4A4E-A344-9273E798B8A0}"/>
+                <a16:creationId xmlns:a16="http://schemas.microsoft.com/office/drawing/2014/main" xmlns="" id="{4B9DCB10-4EE5-4A4E-A344-9273E798B8A0}"/>
               </a:ext>
             </a:extLst>
           </p:cNvPr>
@@ -1566,7 +1562,7 @@
           <p:cNvPr id="4" name="灯片编号占位符 3">
             <a:extLst>
               <a:ext uri="{FF2B5EF4-FFF2-40B4-BE49-F238E27FC236}">
-                <a16:creationId xmlns:a16="http://schemas.microsoft.com/office/drawing/2014/main" id="{36606AC1-ADDE-49A6-9E3D-5F936A179597}"/>
+                <a16:creationId xmlns:a16="http://schemas.microsoft.com/office/drawing/2014/main" xmlns="" id="{36606AC1-ADDE-49A6-9E3D-5F936A179597}"/>
               </a:ext>
             </a:extLst>
           </p:cNvPr>
@@ -1630,7 +1626,7 @@
           <p:cNvPr id="2" name="标题 1">
             <a:extLst>
               <a:ext uri="{FF2B5EF4-FFF2-40B4-BE49-F238E27FC236}">
-                <a16:creationId xmlns:a16="http://schemas.microsoft.com/office/drawing/2014/main" id="{1AB45643-41E5-4F8A-A3FB-70282E6F91E4}"/>
+                <a16:creationId xmlns:a16="http://schemas.microsoft.com/office/drawing/2014/main" xmlns="" id="{1AB45643-41E5-4F8A-A3FB-70282E6F91E4}"/>
               </a:ext>
             </a:extLst>
           </p:cNvPr>
@@ -1666,7 +1662,7 @@
           <p:cNvPr id="3" name="内容占位符 2">
             <a:extLst>
               <a:ext uri="{FF2B5EF4-FFF2-40B4-BE49-F238E27FC236}">
-                <a16:creationId xmlns:a16="http://schemas.microsoft.com/office/drawing/2014/main" id="{E635A896-792B-4191-811D-D0D9BE8A97FD}"/>
+                <a16:creationId xmlns:a16="http://schemas.microsoft.com/office/drawing/2014/main" xmlns="" id="{E635A896-792B-4191-811D-D0D9BE8A97FD}"/>
               </a:ext>
             </a:extLst>
           </p:cNvPr>
@@ -1731,7 +1727,7 @@
           <p:cNvPr id="4" name="灯片编号占位符 3">
             <a:extLst>
               <a:ext uri="{FF2B5EF4-FFF2-40B4-BE49-F238E27FC236}">
-                <a16:creationId xmlns:a16="http://schemas.microsoft.com/office/drawing/2014/main" id="{2752FF08-65C9-4F66-835B-7EDC0DD8252F}"/>
+                <a16:creationId xmlns:a16="http://schemas.microsoft.com/office/drawing/2014/main" xmlns="" id="{2752FF08-65C9-4F66-835B-7EDC0DD8252F}"/>
               </a:ext>
             </a:extLst>
           </p:cNvPr>
@@ -1795,7 +1791,7 @@
           <p:cNvPr id="2" name="标题 1">
             <a:extLst>
               <a:ext uri="{FF2B5EF4-FFF2-40B4-BE49-F238E27FC236}">
-                <a16:creationId xmlns:a16="http://schemas.microsoft.com/office/drawing/2014/main" id="{DEF0F9E6-6E4E-4C9E-A98D-EF8DABD21CAB}"/>
+                <a16:creationId xmlns:a16="http://schemas.microsoft.com/office/drawing/2014/main" xmlns="" id="{DEF0F9E6-6E4E-4C9E-A98D-EF8DABD21CAB}"/>
               </a:ext>
             </a:extLst>
           </p:cNvPr>
@@ -1835,7 +1831,7 @@
           <p:cNvPr id="3" name="文本占位符 2">
             <a:extLst>
               <a:ext uri="{FF2B5EF4-FFF2-40B4-BE49-F238E27FC236}">
-                <a16:creationId xmlns:a16="http://schemas.microsoft.com/office/drawing/2014/main" id="{8D9ABEE6-AE6E-4050-8164-5EBC00252ACF}"/>
+                <a16:creationId xmlns:a16="http://schemas.microsoft.com/office/drawing/2014/main" xmlns="" id="{8D9ABEE6-AE6E-4050-8164-5EBC00252ACF}"/>
               </a:ext>
             </a:extLst>
           </p:cNvPr>
@@ -1909,7 +1905,7 @@
           <p:cNvPr id="4" name="灯片编号占位符 3">
             <a:extLst>
               <a:ext uri="{FF2B5EF4-FFF2-40B4-BE49-F238E27FC236}">
-                <a16:creationId xmlns:a16="http://schemas.microsoft.com/office/drawing/2014/main" id="{8E786AA7-4871-4B03-B855-2BCA04E63482}"/>
+                <a16:creationId xmlns:a16="http://schemas.microsoft.com/office/drawing/2014/main" xmlns="" id="{8E786AA7-4871-4B03-B855-2BCA04E63482}"/>
               </a:ext>
             </a:extLst>
           </p:cNvPr>
@@ -1973,7 +1969,7 @@
           <p:cNvPr id="2" name="标题 1">
             <a:extLst>
               <a:ext uri="{FF2B5EF4-FFF2-40B4-BE49-F238E27FC236}">
-                <a16:creationId xmlns:a16="http://schemas.microsoft.com/office/drawing/2014/main" id="{757AFEB8-002C-464E-9FC8-10826243CD30}"/>
+                <a16:creationId xmlns:a16="http://schemas.microsoft.com/office/drawing/2014/main" xmlns="" id="{757AFEB8-002C-464E-9FC8-10826243CD30}"/>
               </a:ext>
             </a:extLst>
           </p:cNvPr>
@@ -2009,7 +2005,7 @@
           <p:cNvPr id="3" name="内容占位符 2">
             <a:extLst>
               <a:ext uri="{FF2B5EF4-FFF2-40B4-BE49-F238E27FC236}">
-                <a16:creationId xmlns:a16="http://schemas.microsoft.com/office/drawing/2014/main" id="{343C147F-0E80-4BC5-88C0-0B13AB1C0E8E}"/>
+                <a16:creationId xmlns:a16="http://schemas.microsoft.com/office/drawing/2014/main" xmlns="" id="{343C147F-0E80-4BC5-88C0-0B13AB1C0E8E}"/>
               </a:ext>
             </a:extLst>
           </p:cNvPr>
@@ -2074,7 +2070,7 @@
           <p:cNvPr id="4" name="内容占位符 3">
             <a:extLst>
               <a:ext uri="{FF2B5EF4-FFF2-40B4-BE49-F238E27FC236}">
-                <a16:creationId xmlns:a16="http://schemas.microsoft.com/office/drawing/2014/main" id="{ABE29A0D-470A-4D24-B5E4-D69B45AFAA1A}"/>
+                <a16:creationId xmlns:a16="http://schemas.microsoft.com/office/drawing/2014/main" xmlns="" id="{ABE29A0D-470A-4D24-B5E4-D69B45AFAA1A}"/>
               </a:ext>
             </a:extLst>
           </p:cNvPr>
@@ -2139,7 +2135,7 @@
           <p:cNvPr id="5" name="灯片编号占位符 4">
             <a:extLst>
               <a:ext uri="{FF2B5EF4-FFF2-40B4-BE49-F238E27FC236}">
-                <a16:creationId xmlns:a16="http://schemas.microsoft.com/office/drawing/2014/main" id="{3D4E71FC-FA32-40B2-A781-96D870E3A664}"/>
+                <a16:creationId xmlns:a16="http://schemas.microsoft.com/office/drawing/2014/main" xmlns="" id="{3D4E71FC-FA32-40B2-A781-96D870E3A664}"/>
               </a:ext>
             </a:extLst>
           </p:cNvPr>
@@ -2203,7 +2199,7 @@
           <p:cNvPr id="2" name="标题 1">
             <a:extLst>
               <a:ext uri="{FF2B5EF4-FFF2-40B4-BE49-F238E27FC236}">
-                <a16:creationId xmlns:a16="http://schemas.microsoft.com/office/drawing/2014/main" id="{D088E822-3460-4549-B734-2357F8BD35D2}"/>
+                <a16:creationId xmlns:a16="http://schemas.microsoft.com/office/drawing/2014/main" xmlns="" id="{D088E822-3460-4549-B734-2357F8BD35D2}"/>
               </a:ext>
             </a:extLst>
           </p:cNvPr>
@@ -2239,7 +2235,7 @@
           <p:cNvPr id="3" name="文本占位符 2">
             <a:extLst>
               <a:ext uri="{FF2B5EF4-FFF2-40B4-BE49-F238E27FC236}">
-                <a16:creationId xmlns:a16="http://schemas.microsoft.com/office/drawing/2014/main" id="{25F6B7B6-AAD1-46DE-812D-E279B2BA4CAA}"/>
+                <a16:creationId xmlns:a16="http://schemas.microsoft.com/office/drawing/2014/main" xmlns="" id="{25F6B7B6-AAD1-46DE-812D-E279B2BA4CAA}"/>
               </a:ext>
             </a:extLst>
           </p:cNvPr>
@@ -2313,7 +2309,7 @@
           <p:cNvPr id="4" name="内容占位符 3">
             <a:extLst>
               <a:ext uri="{FF2B5EF4-FFF2-40B4-BE49-F238E27FC236}">
-                <a16:creationId xmlns:a16="http://schemas.microsoft.com/office/drawing/2014/main" id="{E6EF8512-4BCF-429F-98B6-A40F21E02F3B}"/>
+                <a16:creationId xmlns:a16="http://schemas.microsoft.com/office/drawing/2014/main" xmlns="" id="{E6EF8512-4BCF-429F-98B6-A40F21E02F3B}"/>
               </a:ext>
             </a:extLst>
           </p:cNvPr>
@@ -2378,7 +2374,7 @@
           <p:cNvPr id="5" name="文本占位符 4">
             <a:extLst>
               <a:ext uri="{FF2B5EF4-FFF2-40B4-BE49-F238E27FC236}">
-                <a16:creationId xmlns:a16="http://schemas.microsoft.com/office/drawing/2014/main" id="{2E43955C-CB2E-44EA-8DEC-762EDA6D8F57}"/>
+                <a16:creationId xmlns:a16="http://schemas.microsoft.com/office/drawing/2014/main" xmlns="" id="{2E43955C-CB2E-44EA-8DEC-762EDA6D8F57}"/>
               </a:ext>
             </a:extLst>
           </p:cNvPr>
@@ -2452,7 +2448,7 @@
           <p:cNvPr id="6" name="内容占位符 5">
             <a:extLst>
               <a:ext uri="{FF2B5EF4-FFF2-40B4-BE49-F238E27FC236}">
-                <a16:creationId xmlns:a16="http://schemas.microsoft.com/office/drawing/2014/main" id="{FF04F6E5-926D-46BC-967B-30BA700C57B5}"/>
+                <a16:creationId xmlns:a16="http://schemas.microsoft.com/office/drawing/2014/main" xmlns="" id="{FF04F6E5-926D-46BC-967B-30BA700C57B5}"/>
               </a:ext>
             </a:extLst>
           </p:cNvPr>
@@ -2517,7 +2513,7 @@
           <p:cNvPr id="7" name="灯片编号占位符 6">
             <a:extLst>
               <a:ext uri="{FF2B5EF4-FFF2-40B4-BE49-F238E27FC236}">
-                <a16:creationId xmlns:a16="http://schemas.microsoft.com/office/drawing/2014/main" id="{A67352EA-DCBA-42ED-B669-CF6A9048E629}"/>
+                <a16:creationId xmlns:a16="http://schemas.microsoft.com/office/drawing/2014/main" xmlns="" id="{A67352EA-DCBA-42ED-B669-CF6A9048E629}"/>
               </a:ext>
             </a:extLst>
           </p:cNvPr>
@@ -2581,7 +2577,7 @@
           <p:cNvPr id="2" name="标题 1">
             <a:extLst>
               <a:ext uri="{FF2B5EF4-FFF2-40B4-BE49-F238E27FC236}">
-                <a16:creationId xmlns:a16="http://schemas.microsoft.com/office/drawing/2014/main" id="{566439B8-A890-4BF3-A5FC-9269282A0AA1}"/>
+                <a16:creationId xmlns:a16="http://schemas.microsoft.com/office/drawing/2014/main" xmlns="" id="{566439B8-A890-4BF3-A5FC-9269282A0AA1}"/>
               </a:ext>
             </a:extLst>
           </p:cNvPr>
@@ -2617,7 +2613,7 @@
           <p:cNvPr id="3" name="灯片编号占位符 2">
             <a:extLst>
               <a:ext uri="{FF2B5EF4-FFF2-40B4-BE49-F238E27FC236}">
-                <a16:creationId xmlns:a16="http://schemas.microsoft.com/office/drawing/2014/main" id="{DC232DAC-B15C-46F2-8CAE-846C4A5E236A}"/>
+                <a16:creationId xmlns:a16="http://schemas.microsoft.com/office/drawing/2014/main" xmlns="" id="{DC232DAC-B15C-46F2-8CAE-846C4A5E236A}"/>
               </a:ext>
             </a:extLst>
           </p:cNvPr>
@@ -2681,7 +2677,7 @@
           <p:cNvPr id="2" name="灯片编号占位符 1">
             <a:extLst>
               <a:ext uri="{FF2B5EF4-FFF2-40B4-BE49-F238E27FC236}">
-                <a16:creationId xmlns:a16="http://schemas.microsoft.com/office/drawing/2014/main" id="{97A36CCC-2ABB-464B-82A7-289602FB00C7}"/>
+                <a16:creationId xmlns:a16="http://schemas.microsoft.com/office/drawing/2014/main" xmlns="" id="{97A36CCC-2ABB-464B-82A7-289602FB00C7}"/>
               </a:ext>
             </a:extLst>
           </p:cNvPr>
@@ -2745,7 +2741,7 @@
           <p:cNvPr id="2" name="标题 1">
             <a:extLst>
               <a:ext uri="{FF2B5EF4-FFF2-40B4-BE49-F238E27FC236}">
-                <a16:creationId xmlns:a16="http://schemas.microsoft.com/office/drawing/2014/main" id="{34A01729-8E96-427E-B87C-84725AC1F1A2}"/>
+                <a16:creationId xmlns:a16="http://schemas.microsoft.com/office/drawing/2014/main" xmlns="" id="{34A01729-8E96-427E-B87C-84725AC1F1A2}"/>
               </a:ext>
             </a:extLst>
           </p:cNvPr>
@@ -2785,7 +2781,7 @@
           <p:cNvPr id="3" name="内容占位符 2">
             <a:extLst>
               <a:ext uri="{FF2B5EF4-FFF2-40B4-BE49-F238E27FC236}">
-                <a16:creationId xmlns:a16="http://schemas.microsoft.com/office/drawing/2014/main" id="{E129B704-0C29-4DA0-AAE3-8730A27EC2C3}"/>
+                <a16:creationId xmlns:a16="http://schemas.microsoft.com/office/drawing/2014/main" xmlns="" id="{E129B704-0C29-4DA0-AAE3-8730A27EC2C3}"/>
               </a:ext>
             </a:extLst>
           </p:cNvPr>
@@ -2878,7 +2874,7 @@
           <p:cNvPr id="4" name="文本占位符 3">
             <a:extLst>
               <a:ext uri="{FF2B5EF4-FFF2-40B4-BE49-F238E27FC236}">
-                <a16:creationId xmlns:a16="http://schemas.microsoft.com/office/drawing/2014/main" id="{BD61614F-03CD-4D7C-AB94-0D876667233E}"/>
+                <a16:creationId xmlns:a16="http://schemas.microsoft.com/office/drawing/2014/main" xmlns="" id="{BD61614F-03CD-4D7C-AB94-0D876667233E}"/>
               </a:ext>
             </a:extLst>
           </p:cNvPr>
@@ -2952,7 +2948,7 @@
           <p:cNvPr id="5" name="灯片编号占位符 4">
             <a:extLst>
               <a:ext uri="{FF2B5EF4-FFF2-40B4-BE49-F238E27FC236}">
-                <a16:creationId xmlns:a16="http://schemas.microsoft.com/office/drawing/2014/main" id="{5F584EEA-F424-4D5A-9512-C341C6F74527}"/>
+                <a16:creationId xmlns:a16="http://schemas.microsoft.com/office/drawing/2014/main" xmlns="" id="{5F584EEA-F424-4D5A-9512-C341C6F74527}"/>
               </a:ext>
             </a:extLst>
           </p:cNvPr>
@@ -3016,7 +3012,7 @@
           <p:cNvPr id="2" name="标题 1">
             <a:extLst>
               <a:ext uri="{FF2B5EF4-FFF2-40B4-BE49-F238E27FC236}">
-                <a16:creationId xmlns:a16="http://schemas.microsoft.com/office/drawing/2014/main" id="{8AC0D9A2-D4AA-4901-B563-F938E76BA47B}"/>
+                <a16:creationId xmlns:a16="http://schemas.microsoft.com/office/drawing/2014/main" xmlns="" id="{8AC0D9A2-D4AA-4901-B563-F938E76BA47B}"/>
               </a:ext>
             </a:extLst>
           </p:cNvPr>
@@ -3056,7 +3052,7 @@
           <p:cNvPr id="3" name="图片占位符 2">
             <a:extLst>
               <a:ext uri="{FF2B5EF4-FFF2-40B4-BE49-F238E27FC236}">
-                <a16:creationId xmlns:a16="http://schemas.microsoft.com/office/drawing/2014/main" id="{55B52424-42FD-4880-9E96-0C7B44DF59E6}"/>
+                <a16:creationId xmlns:a16="http://schemas.microsoft.com/office/drawing/2014/main" xmlns="" id="{55B52424-42FD-4880-9E96-0C7B44DF59E6}"/>
               </a:ext>
             </a:extLst>
           </p:cNvPr>
@@ -3126,7 +3122,7 @@
           <p:cNvPr id="4" name="文本占位符 3">
             <a:extLst>
               <a:ext uri="{FF2B5EF4-FFF2-40B4-BE49-F238E27FC236}">
-                <a16:creationId xmlns:a16="http://schemas.microsoft.com/office/drawing/2014/main" id="{A9ACC898-B51A-4746-96CF-9C1B90950FE9}"/>
+                <a16:creationId xmlns:a16="http://schemas.microsoft.com/office/drawing/2014/main" xmlns="" id="{A9ACC898-B51A-4746-96CF-9C1B90950FE9}"/>
               </a:ext>
             </a:extLst>
           </p:cNvPr>
@@ -3200,7 +3196,7 @@
           <p:cNvPr id="5" name="灯片编号占位符 4">
             <a:extLst>
               <a:ext uri="{FF2B5EF4-FFF2-40B4-BE49-F238E27FC236}">
-                <a16:creationId xmlns:a16="http://schemas.microsoft.com/office/drawing/2014/main" id="{FF76DA64-88F7-483C-AE16-E94C47973A01}"/>
+                <a16:creationId xmlns:a16="http://schemas.microsoft.com/office/drawing/2014/main" xmlns="" id="{FF76DA64-88F7-483C-AE16-E94C47973A01}"/>
               </a:ext>
             </a:extLst>
           </p:cNvPr>
@@ -3272,7 +3268,7 @@
           <p:cNvPr id="2049" name="Picture 1" descr="ppt元素-11.png">
             <a:extLst>
               <a:ext uri="{FF2B5EF4-FFF2-40B4-BE49-F238E27FC236}">
-                <a16:creationId xmlns:a16="http://schemas.microsoft.com/office/drawing/2014/main" id="{4CBE4F7A-DF60-480C-A0F2-6DFBCF878D11}"/>
+                <a16:creationId xmlns:a16="http://schemas.microsoft.com/office/drawing/2014/main" xmlns="" id="{4CBE4F7A-DF60-480C-A0F2-6DFBCF878D11}"/>
               </a:ext>
             </a:extLst>
           </p:cNvPr>
@@ -3343,7 +3339,7 @@
           <p:cNvPr id="2050" name="Rectangle 2">
             <a:extLst>
               <a:ext uri="{FF2B5EF4-FFF2-40B4-BE49-F238E27FC236}">
-                <a16:creationId xmlns:a16="http://schemas.microsoft.com/office/drawing/2014/main" id="{8C0EE73C-67BB-4C42-8BD8-750C3733AD42}"/>
+                <a16:creationId xmlns:a16="http://schemas.microsoft.com/office/drawing/2014/main" xmlns="" id="{8C0EE73C-67BB-4C42-8BD8-750C3733AD42}"/>
               </a:ext>
             </a:extLst>
           </p:cNvPr>
@@ -3894,7 +3890,7 @@
           <p:cNvPr id="34" name="图片 33">
             <a:extLst>
               <a:ext uri="{FF2B5EF4-FFF2-40B4-BE49-F238E27FC236}">
-                <a16:creationId xmlns:a16="http://schemas.microsoft.com/office/drawing/2014/main" id="{C49BA596-B860-41A3-9734-D1BA0CD74A42}"/>
+                <a16:creationId xmlns:a16="http://schemas.microsoft.com/office/drawing/2014/main" xmlns="" id="{C49BA596-B860-41A3-9734-D1BA0CD74A42}"/>
               </a:ext>
             </a:extLst>
           </p:cNvPr>
@@ -3978,6 +3974,14 @@
               </a:rPr>
               <a:t>应用层 </a:t>
             </a:r>
+            <a:r>
+              <a:rPr lang="en-US" altLang="zh-CN" sz="1400" dirty="0">
+                <a:solidFill>
+                  <a:schemeClr val="bg1"/>
+                </a:solidFill>
+              </a:rPr>
+              <a:t/>
+            </a:r>
             <a:br>
               <a:rPr lang="en-US" altLang="zh-CN" sz="1400" dirty="0">
                 <a:solidFill>
@@ -4059,6 +4063,14 @@
               </a:rPr>
               <a:t>传输层 </a:t>
             </a:r>
+            <a:r>
+              <a:rPr lang="en-US" altLang="zh-CN" sz="1400" dirty="0">
+                <a:solidFill>
+                  <a:schemeClr val="bg1"/>
+                </a:solidFill>
+              </a:rPr>
+              <a:t/>
+            </a:r>
             <a:br>
               <a:rPr lang="en-US" altLang="zh-CN" sz="1400" dirty="0">
                 <a:solidFill>
@@ -4139,6 +4151,14 @@
               </a:rPr>
               <a:t>网络层 </a:t>
             </a:r>
+            <a:r>
+              <a:rPr lang="en-US" altLang="zh-CN" sz="1400" dirty="0">
+                <a:solidFill>
+                  <a:schemeClr val="bg1"/>
+                </a:solidFill>
+              </a:rPr>
+              <a:t/>
+            </a:r>
             <a:br>
               <a:rPr lang="en-US" altLang="zh-CN" sz="1400" dirty="0">
                 <a:solidFill>
@@ -4220,6 +4240,14 @@
               </a:rPr>
               <a:t>链路层 </a:t>
             </a:r>
+            <a:r>
+              <a:rPr lang="en-US" altLang="zh-CN" sz="1400" dirty="0">
+                <a:solidFill>
+                  <a:schemeClr val="bg1"/>
+                </a:solidFill>
+              </a:rPr>
+              <a:t/>
+            </a:r>
             <a:br>
               <a:rPr lang="en-US" altLang="zh-CN" sz="1400" dirty="0">
                 <a:solidFill>
@@ -4301,6 +4329,14 @@
               </a:rPr>
               <a:t>物理层 </a:t>
             </a:r>
+            <a:r>
+              <a:rPr lang="en-US" altLang="zh-CN" sz="1400" dirty="0">
+                <a:solidFill>
+                  <a:schemeClr val="bg1"/>
+                </a:solidFill>
+              </a:rPr>
+              <a:t/>
+            </a:r>
             <a:br>
               <a:rPr lang="en-US" altLang="zh-CN" sz="1400" dirty="0">
                 <a:solidFill>
@@ -4340,7 +4376,7 @@
           <p:cNvPr id="35" name="流程图: 过程 34">
             <a:extLst>
               <a:ext uri="{FF2B5EF4-FFF2-40B4-BE49-F238E27FC236}">
-                <a16:creationId xmlns:a16="http://schemas.microsoft.com/office/drawing/2014/main" id="{DEE6F68B-D383-4456-A945-5D2426316FC6}"/>
+                <a16:creationId xmlns:a16="http://schemas.microsoft.com/office/drawing/2014/main" xmlns="" id="{DEE6F68B-D383-4456-A945-5D2426316FC6}"/>
               </a:ext>
             </a:extLst>
           </p:cNvPr>
@@ -4446,7 +4482,7 @@
           <p:cNvPr id="21" name="图片 20">
             <a:extLst>
               <a:ext uri="{FF2B5EF4-FFF2-40B4-BE49-F238E27FC236}">
-                <a16:creationId xmlns:a16="http://schemas.microsoft.com/office/drawing/2014/main" id="{C49BA596-B860-41A3-9734-D1BA0CD74A42}"/>
+                <a16:creationId xmlns:a16="http://schemas.microsoft.com/office/drawing/2014/main" xmlns="" id="{C49BA596-B860-41A3-9734-D1BA0CD74A42}"/>
               </a:ext>
             </a:extLst>
           </p:cNvPr>
@@ -4470,7 +4506,7 @@
         <p:spPr>
           <a:xfrm>
             <a:off x="3071664" y="2204864"/>
-            <a:ext cx="5587246" cy="2465438"/>
+            <a:ext cx="5587246" cy="2736304"/>
           </a:xfrm>
           <a:prstGeom prst="rect">
             <a:avLst/>
@@ -4614,7 +4650,7 @@
           <p:cNvPr id="24" name="流程图: 过程 23">
             <a:extLst>
               <a:ext uri="{FF2B5EF4-FFF2-40B4-BE49-F238E27FC236}">
-                <a16:creationId xmlns:a16="http://schemas.microsoft.com/office/drawing/2014/main" id="{DEE6F68B-D383-4456-A945-5D2426316FC6}"/>
+                <a16:creationId xmlns:a16="http://schemas.microsoft.com/office/drawing/2014/main" xmlns="" id="{DEE6F68B-D383-4456-A945-5D2426316FC6}"/>
               </a:ext>
             </a:extLst>
           </p:cNvPr>
@@ -4789,7 +4825,7 @@
           <p:cNvPr id="29" name="流程图: 过程 28">
             <a:extLst>
               <a:ext uri="{FF2B5EF4-FFF2-40B4-BE49-F238E27FC236}">
-                <a16:creationId xmlns:a16="http://schemas.microsoft.com/office/drawing/2014/main" id="{DEE6F68B-D383-4456-A945-5D2426316FC6}"/>
+                <a16:creationId xmlns:a16="http://schemas.microsoft.com/office/drawing/2014/main" xmlns="" id="{DEE6F68B-D383-4456-A945-5D2426316FC6}"/>
               </a:ext>
             </a:extLst>
           </p:cNvPr>
@@ -4884,6 +4920,75 @@
           </a:effectLst>
         </p:spPr>
       </p:cxnSp>
+      <p:sp>
+        <p:nvSpPr>
+          <p:cNvPr id="10" name="流程图: 过程 9">
+            <a:extLst>
+              <a:ext uri="{FF2B5EF4-FFF2-40B4-BE49-F238E27FC236}">
+                <a16:creationId xmlns:a16="http://schemas.microsoft.com/office/drawing/2014/main" xmlns="" id="{DEE6F68B-D383-4456-A945-5D2426316FC6}"/>
+              </a:ext>
+            </a:extLst>
+          </p:cNvPr>
+          <p:cNvSpPr/>
+          <p:nvPr/>
+        </p:nvSpPr>
+        <p:spPr>
+          <a:xfrm>
+            <a:off x="4727848" y="4602415"/>
+            <a:ext cx="2448272" cy="304578"/>
+          </a:xfrm>
+          <a:prstGeom prst="flowChartProcess">
+            <a:avLst/>
+          </a:prstGeom>
+          <a:noFill/>
+          <a:ln>
+            <a:noFill/>
+            <a:prstDash val="dash"/>
+          </a:ln>
+          <a:effectLst/>
+        </p:spPr>
+        <p:style>
+          <a:lnRef idx="2">
+            <a:schemeClr val="accent1">
+              <a:shade val="50000"/>
+            </a:schemeClr>
+          </a:lnRef>
+          <a:fillRef idx="1">
+            <a:schemeClr val="accent1"/>
+          </a:fillRef>
+          <a:effectRef idx="0">
+            <a:schemeClr val="accent1"/>
+          </a:effectRef>
+          <a:fontRef idx="minor">
+            <a:schemeClr val="lt1"/>
+          </a:fontRef>
+        </p:style>
+        <p:txBody>
+          <a:bodyPr rtlCol="0" anchor="ctr"/>
+          <a:lstStyle/>
+          <a:p>
+            <a:r>
+              <a:rPr lang="zh-CN" altLang="en-US" sz="1800" dirty="0" smtClean="0"/>
+              <a:t>网络层 </a:t>
+            </a:r>
+            <a:r>
+              <a:rPr lang="en-US" altLang="zh-CN" sz="1800" dirty="0" smtClean="0"/>
+              <a:t>+ </a:t>
+            </a:r>
+            <a:r>
+              <a:rPr lang="zh-CN" altLang="en-US" sz="1800" dirty="0" smtClean="0"/>
+              <a:t>链路层</a:t>
+            </a:r>
+            <a:endParaRPr lang="zh-CN" altLang="en-US" sz="1800" dirty="0">
+              <a:solidFill>
+                <a:schemeClr val="bg1"/>
+              </a:solidFill>
+              <a:latin typeface="微软雅黑" panose="020B0503020204020204" pitchFamily="34" charset="-122"/>
+              <a:ea typeface="微软雅黑" panose="020B0503020204020204" pitchFamily="34" charset="-122"/>
+            </a:endParaRPr>
+          </a:p>
+        </p:txBody>
+      </p:sp>
     </p:spTree>
     <p:extLst>
       <p:ext uri="{BB962C8B-B14F-4D97-AF65-F5344CB8AC3E}">
@@ -4934,7 +5039,7 @@
           <p:cNvPr id="21" name="图片 20">
             <a:extLst>
               <a:ext uri="{FF2B5EF4-FFF2-40B4-BE49-F238E27FC236}">
-                <a16:creationId xmlns:a16="http://schemas.microsoft.com/office/drawing/2014/main" id="{C49BA596-B860-41A3-9734-D1BA0CD74A42}"/>
+                <a16:creationId xmlns:a16="http://schemas.microsoft.com/office/drawing/2014/main" xmlns="" id="{C49BA596-B860-41A3-9734-D1BA0CD74A42}"/>
               </a:ext>
             </a:extLst>
           </p:cNvPr>
@@ -4957,8 +5062,8 @@
         </p:blipFill>
         <p:spPr>
           <a:xfrm>
-            <a:off x="3287688" y="1412776"/>
-            <a:ext cx="5587246" cy="4523111"/>
+            <a:off x="3215680" y="1628800"/>
+            <a:ext cx="5587246" cy="3816424"/>
           </a:xfrm>
           <a:prstGeom prst="rect">
             <a:avLst/>
@@ -4979,7 +5084,7 @@
         </p:nvSpPr>
         <p:spPr bwMode="auto">
           <a:xfrm>
-            <a:off x="3465161" y="4869447"/>
+            <a:off x="3393153" y="4077359"/>
             <a:ext cx="1152128" cy="576064"/>
           </a:xfrm>
           <a:prstGeom prst="rect">
@@ -5039,7 +5144,7 @@
         </p:nvSpPr>
         <p:spPr bwMode="auto">
           <a:xfrm>
-            <a:off x="4617289" y="4869447"/>
+            <a:off x="4545281" y="4077359"/>
             <a:ext cx="3960000" cy="576064"/>
           </a:xfrm>
           <a:prstGeom prst="rect">
@@ -5102,7 +5207,7 @@
           <p:cNvPr id="24" name="流程图: 过程 23">
             <a:extLst>
               <a:ext uri="{FF2B5EF4-FFF2-40B4-BE49-F238E27FC236}">
-                <a16:creationId xmlns:a16="http://schemas.microsoft.com/office/drawing/2014/main" id="{DEE6F68B-D383-4456-A945-5D2426316FC6}"/>
+                <a16:creationId xmlns:a16="http://schemas.microsoft.com/office/drawing/2014/main" xmlns="" id="{DEE6F68B-D383-4456-A945-5D2426316FC6}"/>
               </a:ext>
             </a:extLst>
           </p:cNvPr>
@@ -5111,7 +5216,7 @@
         </p:nvSpPr>
         <p:spPr>
           <a:xfrm>
-            <a:off x="4887319" y="5445511"/>
+            <a:off x="4815311" y="4653423"/>
             <a:ext cx="2448272" cy="450501"/>
           </a:xfrm>
           <a:prstGeom prst="flowChartProcess">
@@ -5166,7 +5271,7 @@
         </p:nvSpPr>
         <p:spPr bwMode="auto">
           <a:xfrm>
-            <a:off x="4611006" y="3730616"/>
+            <a:off x="4538998" y="2938528"/>
             <a:ext cx="1152128" cy="576064"/>
           </a:xfrm>
           <a:prstGeom prst="rect">
@@ -5225,7 +5330,7 @@
         </p:nvSpPr>
         <p:spPr bwMode="auto">
           <a:xfrm>
-            <a:off x="5763134" y="3730616"/>
+            <a:off x="5691126" y="2938528"/>
             <a:ext cx="2811014" cy="576064"/>
           </a:xfrm>
           <a:prstGeom prst="rect">
@@ -5277,7 +5382,7 @@
           <p:cNvPr id="29" name="流程图: 过程 28">
             <a:extLst>
               <a:ext uri="{FF2B5EF4-FFF2-40B4-BE49-F238E27FC236}">
-                <a16:creationId xmlns:a16="http://schemas.microsoft.com/office/drawing/2014/main" id="{DEE6F68B-D383-4456-A945-5D2426316FC6}"/>
+                <a16:creationId xmlns:a16="http://schemas.microsoft.com/office/drawing/2014/main" xmlns="" id="{DEE6F68B-D383-4456-A945-5D2426316FC6}"/>
               </a:ext>
             </a:extLst>
           </p:cNvPr>
@@ -5286,7 +5391,7 @@
         </p:nvSpPr>
         <p:spPr>
           <a:xfrm>
-            <a:off x="5373153" y="4304834"/>
+            <a:off x="5301145" y="3512746"/>
             <a:ext cx="2448272" cy="450501"/>
           </a:xfrm>
           <a:prstGeom prst="flowChartProcess">
@@ -5345,7 +5450,7 @@
         </p:nvCxnSpPr>
         <p:spPr bwMode="auto">
           <a:xfrm>
-            <a:off x="4614147" y="4123417"/>
+            <a:off x="4542139" y="3331329"/>
             <a:ext cx="0" cy="746030"/>
           </a:xfrm>
           <a:prstGeom prst="straightConnector1">
@@ -5380,7 +5485,7 @@
         </p:nvSpPr>
         <p:spPr bwMode="auto">
           <a:xfrm>
-            <a:off x="6399487" y="2663793"/>
+            <a:off x="6327479" y="1871705"/>
             <a:ext cx="2174660" cy="504056"/>
           </a:xfrm>
           <a:prstGeom prst="rect">
@@ -5434,7 +5539,7 @@
         </p:nvSpPr>
         <p:spPr bwMode="auto">
           <a:xfrm>
-            <a:off x="5763135" y="2663793"/>
+            <a:off x="5691127" y="1871705"/>
             <a:ext cx="636352" cy="504056"/>
           </a:xfrm>
           <a:prstGeom prst="rect">
@@ -5485,7 +5590,7 @@
           <p:cNvPr id="13" name="流程图: 过程 12">
             <a:extLst>
               <a:ext uri="{FF2B5EF4-FFF2-40B4-BE49-F238E27FC236}">
-                <a16:creationId xmlns:a16="http://schemas.microsoft.com/office/drawing/2014/main" id="{DEE6F68B-D383-4456-A945-5D2426316FC6}"/>
+                <a16:creationId xmlns:a16="http://schemas.microsoft.com/office/drawing/2014/main" xmlns="" id="{DEE6F68B-D383-4456-A945-5D2426316FC6}"/>
               </a:ext>
             </a:extLst>
           </p:cNvPr>
@@ -5494,7 +5599,7 @@
         </p:nvSpPr>
         <p:spPr>
           <a:xfrm>
-            <a:off x="5944505" y="3144025"/>
+            <a:off x="5872497" y="2351937"/>
             <a:ext cx="2448272" cy="450501"/>
           </a:xfrm>
           <a:prstGeom prst="flowChartProcess">
@@ -5547,64 +5652,10 @@
       </p:sp>
       <p:sp>
         <p:nvSpPr>
-          <p:cNvPr id="14" name="矩形 13"/>
-          <p:cNvSpPr/>
-          <p:nvPr/>
-        </p:nvSpPr>
-        <p:spPr bwMode="auto">
-          <a:xfrm>
-            <a:off x="6386125" y="1577849"/>
-            <a:ext cx="2174660" cy="504056"/>
-          </a:xfrm>
-          <a:prstGeom prst="rect">
-            <a:avLst/>
-          </a:prstGeom>
-          <a:solidFill>
-            <a:srgbClr val="FE4E29"/>
-          </a:solidFill>
-          <a:ln w="12700" cap="flat" cmpd="sng" algn="ctr">
-            <a:solidFill>
-              <a:schemeClr val="bg1"/>
-            </a:solidFill>
-            <a:prstDash val="solid"/>
-            <a:round/>
-            <a:headEnd type="none" w="med" len="med"/>
-            <a:tailEnd type="none"/>
-          </a:ln>
-          <a:effectLst>
-            <a:outerShdw blurRad="12700" dist="12700" dir="5400000" algn="ctr" rotWithShape="0">
-              <a:srgbClr val="000000">
-                <a:alpha val="50000"/>
-              </a:srgbClr>
-            </a:outerShdw>
-          </a:effectLst>
-        </p:spPr>
-        <p:txBody>
-          <a:bodyPr rtlCol="0" anchor="ctr"/>
-          <a:lstStyle/>
-          <a:p>
-            <a:r>
-              <a:rPr lang="en-US" altLang="zh-CN" sz="1400" dirty="0">
-                <a:solidFill>
-                  <a:schemeClr val="tx1"/>
-                </a:solidFill>
-              </a:rPr>
-              <a:t>Data</a:t>
-            </a:r>
-            <a:endParaRPr lang="zh-CN" altLang="en-US" sz="1400" dirty="0">
-              <a:solidFill>
-                <a:schemeClr val="tx1"/>
-              </a:solidFill>
-            </a:endParaRPr>
-          </a:p>
-        </p:txBody>
-      </p:sp>
-      <p:sp>
-        <p:nvSpPr>
-          <p:cNvPr id="15" name="流程图: 过程 14">
+          <p:cNvPr id="16" name="流程图: 过程 15">
             <a:extLst>
               <a:ext uri="{FF2B5EF4-FFF2-40B4-BE49-F238E27FC236}">
-                <a16:creationId xmlns:a16="http://schemas.microsoft.com/office/drawing/2014/main" id="{DEE6F68B-D383-4456-A945-5D2426316FC6}"/>
+                <a16:creationId xmlns:a16="http://schemas.microsoft.com/office/drawing/2014/main" xmlns="" id="{DEE6F68B-D383-4456-A945-5D2426316FC6}"/>
               </a:ext>
             </a:extLst>
           </p:cNvPr>
@@ -5613,8 +5664,8 @@
         </p:nvSpPr>
         <p:spPr>
           <a:xfrm>
-            <a:off x="6331084" y="2113283"/>
-            <a:ext cx="2311466" cy="359491"/>
+            <a:off x="4636291" y="5098708"/>
+            <a:ext cx="2793623" cy="304578"/>
           </a:xfrm>
           <a:prstGeom prst="flowChartProcess">
             <a:avLst/>
@@ -5647,10 +5698,30 @@
           <a:lstStyle/>
           <a:p>
             <a:r>
-              <a:rPr lang="zh-CN" altLang="en-US" sz="1500" dirty="0"/>
-              <a:t>应用层数据报</a:t>
-            </a:r>
-            <a:endParaRPr lang="zh-CN" altLang="en-US" sz="1500" dirty="0">
+              <a:rPr lang="zh-CN" altLang="en-US" sz="1800" dirty="0" smtClean="0"/>
+              <a:t>传输层 </a:t>
+            </a:r>
+            <a:r>
+              <a:rPr lang="en-US" altLang="zh-CN" sz="1800" dirty="0" smtClean="0"/>
+              <a:t>+ </a:t>
+            </a:r>
+            <a:r>
+              <a:rPr lang="zh-CN" altLang="en-US" sz="1800" dirty="0" smtClean="0"/>
+              <a:t>网络层 </a:t>
+            </a:r>
+            <a:r>
+              <a:rPr lang="en-US" altLang="zh-CN" sz="1800" dirty="0" smtClean="0"/>
+              <a:t>+ </a:t>
+            </a:r>
+            <a:r>
+              <a:rPr lang="zh-CN" altLang="en-US" sz="1800" dirty="0" smtClean="0"/>
+              <a:t>链路层 </a:t>
+            </a:r>
+            <a:r>
+              <a:rPr lang="en-US" altLang="zh-CN" sz="1800" dirty="0" smtClean="0"/>
+              <a:t> </a:t>
+            </a:r>
+            <a:endParaRPr lang="zh-CN" altLang="en-US" sz="1800" dirty="0">
               <a:solidFill>
                 <a:schemeClr val="bg1"/>
               </a:solidFill>
@@ -5707,10 +5778,10 @@
       </p:grpSpPr>
       <p:pic>
         <p:nvPicPr>
-          <p:cNvPr id="38" name="图片 37">
+          <p:cNvPr id="21" name="图片 20">
             <a:extLst>
               <a:ext uri="{FF2B5EF4-FFF2-40B4-BE49-F238E27FC236}">
-                <a16:creationId xmlns:a16="http://schemas.microsoft.com/office/drawing/2014/main" id="{C49BA596-B860-41A3-9734-D1BA0CD74A42}"/>
+                <a16:creationId xmlns:a16="http://schemas.microsoft.com/office/drawing/2014/main" xmlns="" id="{C49BA596-B860-41A3-9734-D1BA0CD74A42}"/>
               </a:ext>
             </a:extLst>
           </p:cNvPr>
@@ -5733,8 +5804,8 @@
         </p:blipFill>
         <p:spPr>
           <a:xfrm>
-            <a:off x="3287688" y="2060848"/>
-            <a:ext cx="5797711" cy="3853854"/>
+            <a:off x="3287688" y="1412776"/>
+            <a:ext cx="5587246" cy="4824536"/>
           </a:xfrm>
           <a:prstGeom prst="rect">
             <a:avLst/>
@@ -5747,148 +5818,138 @@
           <a:effectLst/>
         </p:spPr>
       </p:pic>
-      <p:grpSp>
-        <p:nvGrpSpPr>
-          <p:cNvPr id="3" name="组合 2"/>
-          <p:cNvGrpSpPr/>
+      <p:sp>
+        <p:nvSpPr>
+          <p:cNvPr id="22" name="矩形 21"/>
+          <p:cNvSpPr/>
           <p:nvPr/>
-        </p:nvGrpSpPr>
-        <p:grpSpPr>
-          <a:xfrm>
-            <a:off x="4655840" y="2452988"/>
-            <a:ext cx="2952328" cy="3160691"/>
-            <a:chOff x="3935760" y="1376772"/>
-            <a:chExt cx="3816424" cy="4329648"/>
-          </a:xfrm>
-        </p:grpSpPr>
-        <p:sp>
-          <p:nvSpPr>
-            <p:cNvPr id="2" name="矩形 1"/>
-            <p:cNvSpPr/>
-            <p:nvPr/>
-          </p:nvSpPr>
-          <p:spPr bwMode="auto">
-            <a:xfrm>
-              <a:off x="4295800" y="1484784"/>
-              <a:ext cx="3240360" cy="4104456"/>
-            </a:xfrm>
-            <a:prstGeom prst="rect">
-              <a:avLst/>
-            </a:prstGeom>
-            <a:noFill/>
-            <a:ln w="25400" cap="flat" cmpd="sng" algn="ctr">
+        </p:nvSpPr>
+        <p:spPr bwMode="auto">
+          <a:xfrm>
+            <a:off x="3465161" y="4869447"/>
+            <a:ext cx="1152128" cy="576064"/>
+          </a:xfrm>
+          <a:prstGeom prst="rect">
+            <a:avLst/>
+          </a:prstGeom>
+          <a:solidFill>
+            <a:srgbClr val="2990D0"/>
+          </a:solidFill>
+          <a:ln w="12700" cap="flat" cmpd="sng" algn="ctr">
+            <a:solidFill>
+              <a:schemeClr val="bg1"/>
+            </a:solidFill>
+            <a:prstDash val="solid"/>
+            <a:round/>
+            <a:headEnd type="none" w="med" len="med"/>
+            <a:tailEnd type="none"/>
+          </a:ln>
+          <a:effectLst/>
+        </p:spPr>
+        <p:txBody>
+          <a:bodyPr rtlCol="0" anchor="ctr"/>
+          <a:lstStyle/>
+          <a:p>
+            <a:pPr algn="ctr"/>
+            <a:r>
+              <a:rPr lang="en-US" altLang="zh-CN" sz="1400" dirty="0">
+                <a:solidFill>
+                  <a:schemeClr val="bg1"/>
+                </a:solidFill>
+              </a:rPr>
+              <a:t>Head</a:t>
+            </a:r>
+          </a:p>
+          <a:p>
+            <a:pPr algn="ctr"/>
+            <a:r>
+              <a:rPr lang="en-US" altLang="zh-CN" sz="1400" dirty="0">
+                <a:solidFill>
+                  <a:schemeClr val="bg1"/>
+                </a:solidFill>
+              </a:rPr>
+              <a:t>18 Byte</a:t>
+            </a:r>
+            <a:endParaRPr lang="zh-CN" altLang="en-US" sz="1400" dirty="0">
               <a:solidFill>
                 <a:schemeClr val="bg1"/>
               </a:solidFill>
-              <a:prstDash val="solid"/>
-              <a:round/>
-              <a:headEnd type="none" w="med" len="med"/>
-              <a:tailEnd type="none"/>
-            </a:ln>
-            <a:effectLst>
-              <a:outerShdw blurRad="12700" dist="12700" dir="5400000" algn="ctr" rotWithShape="0">
-                <a:srgbClr val="000000">
-                  <a:alpha val="50000"/>
-                </a:srgbClr>
-              </a:outerShdw>
-            </a:effectLst>
-          </p:spPr>
-          <p:txBody>
-            <a:bodyPr rtlCol="0" anchor="ctr"/>
-            <a:lstStyle/>
-            <a:p>
-              <a:pPr algn="ctr"/>
-              <a:endParaRPr lang="zh-CN" altLang="en-US"/>
-            </a:p>
-          </p:txBody>
-        </p:sp>
-        <p:pic>
-          <p:nvPicPr>
-            <p:cNvPr id="16" name="图片 15">
-              <a:extLst>
-                <a:ext uri="{FF2B5EF4-FFF2-40B4-BE49-F238E27FC236}">
-                  <a16:creationId xmlns:a16="http://schemas.microsoft.com/office/drawing/2014/main" id="{C49BA596-B860-41A3-9734-D1BA0CD74A42}"/>
-                </a:ext>
-              </a:extLst>
-            </p:cNvPr>
-            <p:cNvPicPr>
-              <a:picLocks noChangeAspect="1"/>
-            </p:cNvPicPr>
-            <p:nvPr/>
-          </p:nvPicPr>
-          <p:blipFill>
-            <a:blip r:embed="rId3">
-              <a:extLst>
-                <a:ext uri="{28A0092B-C50C-407E-A947-70E740481C1C}">
-                  <a14:useLocalDpi xmlns:a14="http://schemas.microsoft.com/office/drawing/2010/main" val="0"/>
-                </a:ext>
-              </a:extLst>
-            </a:blip>
-            <a:stretch>
-              <a:fillRect/>
-            </a:stretch>
-          </p:blipFill>
-          <p:spPr>
-            <a:xfrm>
-              <a:off x="4007768" y="1376772"/>
-              <a:ext cx="3744416" cy="216024"/>
-            </a:xfrm>
-            <a:prstGeom prst="rect">
-              <a:avLst/>
-            </a:prstGeom>
-            <a:ln>
-              <a:noFill/>
-            </a:ln>
-            <a:effectLst/>
-          </p:spPr>
-        </p:pic>
-        <p:pic>
-          <p:nvPicPr>
-            <p:cNvPr id="17" name="图片 16">
-              <a:extLst>
-                <a:ext uri="{FF2B5EF4-FFF2-40B4-BE49-F238E27FC236}">
-                  <a16:creationId xmlns:a16="http://schemas.microsoft.com/office/drawing/2014/main" id="{C49BA596-B860-41A3-9734-D1BA0CD74A42}"/>
-                </a:ext>
-              </a:extLst>
-            </p:cNvPr>
-            <p:cNvPicPr>
-              <a:picLocks noChangeAspect="1"/>
-            </p:cNvPicPr>
-            <p:nvPr/>
-          </p:nvPicPr>
-          <p:blipFill>
-            <a:blip r:embed="rId3">
-              <a:extLst>
-                <a:ext uri="{28A0092B-C50C-407E-A947-70E740481C1C}">
-                  <a14:useLocalDpi xmlns:a14="http://schemas.microsoft.com/office/drawing/2010/main" val="0"/>
-                </a:ext>
-              </a:extLst>
-            </a:blip>
-            <a:stretch>
-              <a:fillRect/>
-            </a:stretch>
-          </p:blipFill>
-          <p:spPr>
-            <a:xfrm>
-              <a:off x="3935760" y="5490396"/>
-              <a:ext cx="3744416" cy="216024"/>
-            </a:xfrm>
-            <a:prstGeom prst="rect">
-              <a:avLst/>
-            </a:prstGeom>
-            <a:ln>
-              <a:noFill/>
-            </a:ln>
-            <a:effectLst/>
-          </p:spPr>
-        </p:pic>
-      </p:grpSp>
+            </a:endParaRPr>
+          </a:p>
+        </p:txBody>
+      </p:sp>
       <p:sp>
         <p:nvSpPr>
-          <p:cNvPr id="19" name="流程图: 过程 18">
+          <p:cNvPr id="23" name="矩形 22"/>
+          <p:cNvSpPr/>
+          <p:nvPr/>
+        </p:nvSpPr>
+        <p:spPr bwMode="auto">
+          <a:xfrm>
+            <a:off x="4617289" y="4869447"/>
+            <a:ext cx="3960000" cy="576064"/>
+          </a:xfrm>
+          <a:prstGeom prst="rect">
+            <a:avLst/>
+          </a:prstGeom>
+          <a:solidFill>
+            <a:srgbClr val="2990D0"/>
+          </a:solidFill>
+          <a:ln w="12700" cap="flat" cmpd="sng" algn="ctr">
+            <a:solidFill>
+              <a:schemeClr val="bg1"/>
+            </a:solidFill>
+            <a:prstDash val="solid"/>
+            <a:round/>
+            <a:headEnd type="none" w="med" len="med"/>
+            <a:tailEnd type="none"/>
+          </a:ln>
+          <a:effectLst>
+            <a:outerShdw blurRad="12700" dist="12700" dir="5400000" algn="ctr" rotWithShape="0">
+              <a:srgbClr val="000000">
+                <a:alpha val="50000"/>
+              </a:srgbClr>
+            </a:outerShdw>
+          </a:effectLst>
+        </p:spPr>
+        <p:txBody>
+          <a:bodyPr rtlCol="0" anchor="ctr"/>
+          <a:lstStyle/>
+          <a:p>
+            <a:pPr algn="ctr"/>
+            <a:r>
+              <a:rPr lang="en-US" altLang="zh-CN" sz="1400" dirty="0">
+                <a:solidFill>
+                  <a:schemeClr val="bg1"/>
+                </a:solidFill>
+              </a:rPr>
+              <a:t>Data</a:t>
+            </a:r>
+          </a:p>
+          <a:p>
+            <a:pPr algn="ctr"/>
+            <a:r>
+              <a:rPr lang="en-US" altLang="zh-CN" sz="1400" dirty="0">
+                <a:solidFill>
+                  <a:schemeClr val="bg1"/>
+                </a:solidFill>
+              </a:rPr>
+              <a:t>46 - 1500 Byte</a:t>
+            </a:r>
+            <a:endParaRPr lang="zh-CN" altLang="en-US" sz="1400" dirty="0">
+              <a:solidFill>
+                <a:schemeClr val="bg1"/>
+              </a:solidFill>
+            </a:endParaRPr>
+          </a:p>
+        </p:txBody>
+      </p:sp>
+      <p:sp>
+        <p:nvSpPr>
+          <p:cNvPr id="24" name="流程图: 过程 23">
             <a:extLst>
               <a:ext uri="{FF2B5EF4-FFF2-40B4-BE49-F238E27FC236}">
-                <a16:creationId xmlns:a16="http://schemas.microsoft.com/office/drawing/2014/main" id="{DEE6F68B-D383-4456-A945-5D2426316FC6}"/>
+                <a16:creationId xmlns:a16="http://schemas.microsoft.com/office/drawing/2014/main" xmlns="" id="{DEE6F68B-D383-4456-A945-5D2426316FC6}"/>
               </a:ext>
             </a:extLst>
           </p:cNvPr>
@@ -5897,8 +5958,8 @@
         </p:nvSpPr>
         <p:spPr>
           <a:xfrm>
-            <a:off x="4260653" y="2201566"/>
-            <a:ext cx="1310154" cy="288385"/>
+            <a:off x="4887319" y="5445511"/>
+            <a:ext cx="2448272" cy="450501"/>
           </a:xfrm>
           <a:prstGeom prst="flowChartProcess">
             <a:avLst/>
@@ -5932,7 +5993,7 @@
           <a:p>
             <a:r>
               <a:rPr lang="zh-CN" altLang="en-US" sz="1500" dirty="0"/>
-              <a:t>客户端</a:t>
+              <a:t>以太网数据帧</a:t>
             </a:r>
             <a:endParaRPr lang="zh-CN" altLang="en-US" sz="1500" dirty="0">
               <a:solidFill>
@@ -5946,10 +6007,124 @@
       </p:sp>
       <p:sp>
         <p:nvSpPr>
-          <p:cNvPr id="20" name="流程图: 过程 19">
+          <p:cNvPr id="27" name="矩形 26"/>
+          <p:cNvSpPr/>
+          <p:nvPr/>
+        </p:nvSpPr>
+        <p:spPr bwMode="auto">
+          <a:xfrm>
+            <a:off x="4611006" y="3730616"/>
+            <a:ext cx="1152128" cy="576064"/>
+          </a:xfrm>
+          <a:prstGeom prst="rect">
+            <a:avLst/>
+          </a:prstGeom>
+          <a:solidFill>
+            <a:srgbClr val="FFC000"/>
+          </a:solidFill>
+          <a:ln w="12700" cap="flat" cmpd="sng" algn="ctr">
+            <a:solidFill>
+              <a:schemeClr val="bg1"/>
+            </a:solidFill>
+            <a:prstDash val="solid"/>
+            <a:round/>
+            <a:headEnd type="none" w="med" len="med"/>
+            <a:tailEnd type="none"/>
+          </a:ln>
+          <a:effectLst/>
+        </p:spPr>
+        <p:txBody>
+          <a:bodyPr rtlCol="0" anchor="ctr"/>
+          <a:lstStyle/>
+          <a:p>
+            <a:pPr algn="ctr"/>
+            <a:r>
+              <a:rPr lang="en-US" altLang="zh-CN" sz="1400" dirty="0">
+                <a:solidFill>
+                  <a:schemeClr val="tx1"/>
+                </a:solidFill>
+              </a:rPr>
+              <a:t>Head</a:t>
+            </a:r>
+          </a:p>
+          <a:p>
+            <a:r>
+              <a:rPr lang="en-US" altLang="zh-CN" sz="1400" dirty="0">
+                <a:solidFill>
+                  <a:schemeClr val="tx1"/>
+                </a:solidFill>
+              </a:rPr>
+              <a:t>20 - 60 Byte</a:t>
+            </a:r>
+            <a:endParaRPr lang="zh-CN" altLang="en-US" sz="1400" dirty="0">
+              <a:solidFill>
+                <a:schemeClr val="tx1"/>
+              </a:solidFill>
+            </a:endParaRPr>
+          </a:p>
+        </p:txBody>
+      </p:sp>
+      <p:sp>
+        <p:nvSpPr>
+          <p:cNvPr id="28" name="矩形 27"/>
+          <p:cNvSpPr/>
+          <p:nvPr/>
+        </p:nvSpPr>
+        <p:spPr bwMode="auto">
+          <a:xfrm>
+            <a:off x="5763134" y="3730616"/>
+            <a:ext cx="2811014" cy="576064"/>
+          </a:xfrm>
+          <a:prstGeom prst="rect">
+            <a:avLst/>
+          </a:prstGeom>
+          <a:solidFill>
+            <a:srgbClr val="FFC000"/>
+          </a:solidFill>
+          <a:ln w="12700" cap="flat" cmpd="sng" algn="ctr">
+            <a:solidFill>
+              <a:schemeClr val="bg1"/>
+            </a:solidFill>
+            <a:prstDash val="solid"/>
+            <a:round/>
+            <a:headEnd type="none" w="med" len="med"/>
+            <a:tailEnd type="none"/>
+          </a:ln>
+          <a:effectLst>
+            <a:outerShdw blurRad="12700" dist="12700" dir="5400000" algn="ctr" rotWithShape="0">
+              <a:srgbClr val="000000">
+                <a:alpha val="50000"/>
+              </a:srgbClr>
+            </a:outerShdw>
+          </a:effectLst>
+        </p:spPr>
+        <p:txBody>
+          <a:bodyPr rtlCol="0" anchor="ctr"/>
+          <a:lstStyle/>
+          <a:p>
+            <a:pPr algn="ctr"/>
+            <a:r>
+              <a:rPr lang="en-US" altLang="zh-CN" sz="1400" dirty="0">
+                <a:solidFill>
+                  <a:schemeClr val="tx1"/>
+                </a:solidFill>
+              </a:rPr>
+              <a:t>Data</a:t>
+            </a:r>
+            <a:endParaRPr lang="zh-CN" altLang="en-US" sz="1400" dirty="0">
+              <a:solidFill>
+                <a:schemeClr val="tx1"/>
+              </a:solidFill>
+            </a:endParaRPr>
+          </a:p>
+        </p:txBody>
+      </p:sp>
+      <p:sp>
+        <p:nvSpPr>
+          <p:cNvPr id="29" name="流程图: 过程 28">
             <a:extLst>
               <a:ext uri="{FF2B5EF4-FFF2-40B4-BE49-F238E27FC236}">
-                <a16:creationId xmlns:a16="http://schemas.microsoft.com/office/drawing/2014/main" id="{DEE6F68B-D383-4456-A945-5D2426316FC6}"/>
+                <a16:creationId xmlns:a16="http://schemas.microsoft.com/office/drawing/2014/main" xmlns="" id="{DEE6F68B-D383-4456-A945-5D2426316FC6}"/>
               </a:ext>
             </a:extLst>
           </p:cNvPr>
@@ -5958,8 +6133,8 @@
         </p:nvSpPr>
         <p:spPr>
           <a:xfrm>
-            <a:off x="6759796" y="2202542"/>
-            <a:ext cx="1290952" cy="329296"/>
+            <a:off x="5373153" y="4304834"/>
+            <a:ext cx="2448272" cy="450501"/>
           </a:xfrm>
           <a:prstGeom prst="flowChartProcess">
             <a:avLst/>
@@ -5992,8 +6167,12 @@
           <a:lstStyle/>
           <a:p>
             <a:r>
+              <a:rPr lang="en-US" altLang="zh-CN" sz="1500" dirty="0"/>
+              <a:t>IP</a:t>
+            </a:r>
+            <a:r>
               <a:rPr lang="zh-CN" altLang="en-US" sz="1500" dirty="0"/>
-              <a:t>服务端</a:t>
+              <a:t>数据报</a:t>
             </a:r>
             <a:endParaRPr lang="zh-CN" altLang="en-US" sz="1500" dirty="0">
               <a:solidFill>
@@ -6007,14 +6186,14 @@
       </p:sp>
       <p:cxnSp>
         <p:nvCxnSpPr>
-          <p:cNvPr id="5" name="直接箭头连接符 4"/>
+          <p:cNvPr id="30" name="直接箭头连接符 29"/>
           <p:cNvCxnSpPr/>
           <p:nvPr/>
         </p:nvCxnSpPr>
         <p:spPr bwMode="auto">
           <a:xfrm>
-            <a:off x="4942099" y="2637038"/>
-            <a:ext cx="2519966" cy="700569"/>
+            <a:off x="4614147" y="4123417"/>
+            <a:ext cx="0" cy="746030"/>
           </a:xfrm>
           <a:prstGeom prst="straightConnector1">
             <a:avLst/>
@@ -6022,14 +6201,14 @@
           <a:solidFill>
             <a:srgbClr val="FFFFFF"/>
           </a:solidFill>
-          <a:ln w="25400" cap="flat" cmpd="sng" algn="ctr">
+          <a:ln w="12700" cap="flat" cmpd="sng" algn="ctr">
             <a:solidFill>
               <a:schemeClr val="bg1"/>
             </a:solidFill>
-            <a:prstDash val="solid"/>
+            <a:prstDash val="dash"/>
             <a:round/>
             <a:headEnd type="none" w="med" len="med"/>
-            <a:tailEnd type="arrow"/>
+            <a:tailEnd type="none"/>
           </a:ln>
           <a:effectLst>
             <a:outerShdw blurRad="12700" dist="12700" dir="5400000" algn="ctr" rotWithShape="0">
@@ -6040,31 +6219,31 @@
           </a:effectLst>
         </p:spPr>
       </p:cxnSp>
-      <p:cxnSp>
-        <p:nvCxnSpPr>
-          <p:cNvPr id="25" name="直接箭头连接符 24"/>
-          <p:cNvCxnSpPr/>
+      <p:sp>
+        <p:nvSpPr>
+          <p:cNvPr id="10" name="矩形 9"/>
+          <p:cNvSpPr/>
           <p:nvPr/>
-        </p:nvCxnSpPr>
+        </p:nvSpPr>
         <p:spPr bwMode="auto">
-          <a:xfrm flipH="1">
-            <a:off x="4942099" y="3374046"/>
-            <a:ext cx="2519967" cy="597977"/>
-          </a:xfrm>
-          <a:prstGeom prst="straightConnector1">
+          <a:xfrm>
+            <a:off x="6399487" y="2663793"/>
+            <a:ext cx="2174660" cy="504056"/>
+          </a:xfrm>
+          <a:prstGeom prst="rect">
             <a:avLst/>
           </a:prstGeom>
           <a:solidFill>
-            <a:srgbClr val="FFFFFF"/>
+            <a:srgbClr val="87A13E"/>
           </a:solidFill>
-          <a:ln w="25400" cap="flat" cmpd="sng" algn="ctr">
+          <a:ln w="12700" cap="flat" cmpd="sng" algn="ctr">
             <a:solidFill>
               <a:schemeClr val="bg1"/>
             </a:solidFill>
             <a:prstDash val="solid"/>
             <a:round/>
             <a:headEnd type="none" w="med" len="med"/>
-            <a:tailEnd type="arrow"/>
+            <a:tailEnd type="none"/>
           </a:ln>
           <a:effectLst>
             <a:outerShdw blurRad="12700" dist="12700" dir="5400000" algn="ctr" rotWithShape="0">
@@ -6074,32 +6253,51 @@
             </a:outerShdw>
           </a:effectLst>
         </p:spPr>
-      </p:cxnSp>
-      <p:cxnSp>
-        <p:nvCxnSpPr>
-          <p:cNvPr id="31" name="直接箭头连接符 30"/>
-          <p:cNvCxnSpPr/>
+        <p:txBody>
+          <a:bodyPr rtlCol="0" anchor="ctr"/>
+          <a:lstStyle/>
+          <a:p>
+            <a:r>
+              <a:rPr lang="en-US" altLang="zh-CN" sz="1400" dirty="0">
+                <a:solidFill>
+                  <a:schemeClr val="bg1"/>
+                </a:solidFill>
+              </a:rPr>
+              <a:t>Data</a:t>
+            </a:r>
+            <a:endParaRPr lang="zh-CN" altLang="en-US" sz="1400" dirty="0">
+              <a:solidFill>
+                <a:schemeClr val="bg1"/>
+              </a:solidFill>
+            </a:endParaRPr>
+          </a:p>
+        </p:txBody>
+      </p:sp>
+      <p:sp>
+        <p:nvSpPr>
+          <p:cNvPr id="12" name="矩形 11"/>
+          <p:cNvSpPr/>
           <p:nvPr/>
-        </p:nvCxnSpPr>
+        </p:nvSpPr>
         <p:spPr bwMode="auto">
           <a:xfrm>
-            <a:off x="4942099" y="4014951"/>
-            <a:ext cx="2498957" cy="806203"/>
-          </a:xfrm>
-          <a:prstGeom prst="straightConnector1">
+            <a:off x="5763135" y="2663793"/>
+            <a:ext cx="636352" cy="504056"/>
+          </a:xfrm>
+          <a:prstGeom prst="rect">
             <a:avLst/>
           </a:prstGeom>
           <a:solidFill>
-            <a:srgbClr val="FFFFFF"/>
+            <a:srgbClr val="87A13E"/>
           </a:solidFill>
-          <a:ln w="25400" cap="flat" cmpd="sng" algn="ctr">
+          <a:ln w="12700" cap="flat" cmpd="sng" algn="ctr">
             <a:solidFill>
               <a:schemeClr val="bg1"/>
             </a:solidFill>
             <a:prstDash val="solid"/>
             <a:round/>
             <a:headEnd type="none" w="med" len="med"/>
-            <a:tailEnd type="arrow"/>
+            <a:tailEnd type="none"/>
           </a:ln>
           <a:effectLst>
             <a:outerShdw blurRad="12700" dist="12700" dir="5400000" algn="ctr" rotWithShape="0">
@@ -6109,13 +6307,32 @@
             </a:outerShdw>
           </a:effectLst>
         </p:spPr>
-      </p:cxnSp>
+        <p:txBody>
+          <a:bodyPr rtlCol="0" anchor="ctr"/>
+          <a:lstStyle/>
+          <a:p>
+            <a:r>
+              <a:rPr lang="en-US" altLang="zh-CN" sz="1400" dirty="0">
+                <a:solidFill>
+                  <a:schemeClr val="bg1"/>
+                </a:solidFill>
+              </a:rPr>
+              <a:t>Head</a:t>
+            </a:r>
+            <a:endParaRPr lang="zh-CN" altLang="en-US" sz="1400" dirty="0">
+              <a:solidFill>
+                <a:schemeClr val="bg1"/>
+              </a:solidFill>
+            </a:endParaRPr>
+          </a:p>
+        </p:txBody>
+      </p:sp>
       <p:sp>
         <p:nvSpPr>
-          <p:cNvPr id="32" name="流程图: 过程 31">
+          <p:cNvPr id="13" name="流程图: 过程 12">
             <a:extLst>
               <a:ext uri="{FF2B5EF4-FFF2-40B4-BE49-F238E27FC236}">
-                <a16:creationId xmlns:a16="http://schemas.microsoft.com/office/drawing/2014/main" id="{DEE6F68B-D383-4456-A945-5D2426316FC6}"/>
+                <a16:creationId xmlns:a16="http://schemas.microsoft.com/office/drawing/2014/main" xmlns="" id="{DEE6F68B-D383-4456-A945-5D2426316FC6}"/>
               </a:ext>
             </a:extLst>
           </p:cNvPr>
@@ -6123,9 +6340,9 @@
           <p:nvPr/>
         </p:nvSpPr>
         <p:spPr>
-          <a:xfrm rot="939490">
-            <a:off x="5418027" y="2680484"/>
-            <a:ext cx="1368481" cy="309427"/>
+          <a:xfrm>
+            <a:off x="5944505" y="3144025"/>
+            <a:ext cx="2448272" cy="450501"/>
           </a:xfrm>
           <a:prstGeom prst="flowChartProcess">
             <a:avLst/>
@@ -6158,18 +6375,14 @@
           <a:lstStyle/>
           <a:p>
             <a:r>
-              <a:rPr lang="en-US" altLang="zh-CN" sz="1200" dirty="0"/>
-              <a:t>SYN(</a:t>
-            </a:r>
-            <a:r>
-              <a:rPr lang="en-US" altLang="zh-CN" sz="1200" dirty="0" err="1"/>
-              <a:t>seq</a:t>
-            </a:r>
-            <a:r>
-              <a:rPr lang="en-US" altLang="zh-CN" sz="1200" dirty="0"/>
-              <a:t> = x)</a:t>
-            </a:r>
-            <a:endParaRPr lang="zh-CN" altLang="en-US" sz="1200" dirty="0">
+              <a:rPr lang="en-US" altLang="zh-CN" sz="1500" dirty="0"/>
+              <a:t>TCP / UDP</a:t>
+            </a:r>
+            <a:r>
+              <a:rPr lang="zh-CN" altLang="en-US" sz="1500" dirty="0"/>
+              <a:t>数据报</a:t>
+            </a:r>
+            <a:endParaRPr lang="zh-CN" altLang="en-US" sz="1500" dirty="0">
               <a:solidFill>
                 <a:schemeClr val="bg1"/>
               </a:solidFill>
@@ -6181,10 +6394,64 @@
       </p:sp>
       <p:sp>
         <p:nvSpPr>
-          <p:cNvPr id="34" name="流程图: 过程 33">
+          <p:cNvPr id="14" name="矩形 13"/>
+          <p:cNvSpPr/>
+          <p:nvPr/>
+        </p:nvSpPr>
+        <p:spPr bwMode="auto">
+          <a:xfrm>
+            <a:off x="6386125" y="1577849"/>
+            <a:ext cx="2174660" cy="504056"/>
+          </a:xfrm>
+          <a:prstGeom prst="rect">
+            <a:avLst/>
+          </a:prstGeom>
+          <a:solidFill>
+            <a:srgbClr val="FE4E29"/>
+          </a:solidFill>
+          <a:ln w="12700" cap="flat" cmpd="sng" algn="ctr">
+            <a:solidFill>
+              <a:schemeClr val="bg1"/>
+            </a:solidFill>
+            <a:prstDash val="solid"/>
+            <a:round/>
+            <a:headEnd type="none" w="med" len="med"/>
+            <a:tailEnd type="none"/>
+          </a:ln>
+          <a:effectLst>
+            <a:outerShdw blurRad="12700" dist="12700" dir="5400000" algn="ctr" rotWithShape="0">
+              <a:srgbClr val="000000">
+                <a:alpha val="50000"/>
+              </a:srgbClr>
+            </a:outerShdw>
+          </a:effectLst>
+        </p:spPr>
+        <p:txBody>
+          <a:bodyPr rtlCol="0" anchor="ctr"/>
+          <a:lstStyle/>
+          <a:p>
+            <a:r>
+              <a:rPr lang="en-US" altLang="zh-CN" sz="1400" dirty="0">
+                <a:solidFill>
+                  <a:schemeClr val="tx1"/>
+                </a:solidFill>
+              </a:rPr>
+              <a:t>Data</a:t>
+            </a:r>
+            <a:endParaRPr lang="zh-CN" altLang="en-US" sz="1400" dirty="0">
+              <a:solidFill>
+                <a:schemeClr val="tx1"/>
+              </a:solidFill>
+            </a:endParaRPr>
+          </a:p>
+        </p:txBody>
+      </p:sp>
+      <p:sp>
+        <p:nvSpPr>
+          <p:cNvPr id="15" name="流程图: 过程 14">
             <a:extLst>
               <a:ext uri="{FF2B5EF4-FFF2-40B4-BE49-F238E27FC236}">
-                <a16:creationId xmlns:a16="http://schemas.microsoft.com/office/drawing/2014/main" id="{DEE6F68B-D383-4456-A945-5D2426316FC6}"/>
+                <a16:creationId xmlns:a16="http://schemas.microsoft.com/office/drawing/2014/main" xmlns="" id="{DEE6F68B-D383-4456-A945-5D2426316FC6}"/>
               </a:ext>
             </a:extLst>
           </p:cNvPr>
@@ -6192,9 +6459,9 @@
           <p:nvPr/>
         </p:nvSpPr>
         <p:spPr>
-          <a:xfrm rot="1059811">
-            <a:off x="5124268" y="4117829"/>
-            <a:ext cx="2089725" cy="309427"/>
+          <a:xfrm>
+            <a:off x="6331084" y="2113283"/>
+            <a:ext cx="2311466" cy="359491"/>
           </a:xfrm>
           <a:prstGeom prst="flowChartProcess">
             <a:avLst/>
@@ -6227,18 +6494,10 @@
           <a:lstStyle/>
           <a:p>
             <a:r>
-              <a:rPr lang="en-US" altLang="zh-CN" sz="1200" dirty="0"/>
-              <a:t>ACK(</a:t>
-            </a:r>
-            <a:r>
-              <a:rPr lang="en-US" altLang="zh-CN" sz="1200" dirty="0" err="1"/>
-              <a:t>ack</a:t>
-            </a:r>
-            <a:r>
-              <a:rPr lang="en-US" altLang="zh-CN" sz="1200" dirty="0"/>
-              <a:t> = y + 1)</a:t>
-            </a:r>
-            <a:endParaRPr lang="zh-CN" altLang="en-US" sz="1200" dirty="0">
+              <a:rPr lang="zh-CN" altLang="en-US" sz="1500" dirty="0"/>
+              <a:t>应用层数据报</a:t>
+            </a:r>
+            <a:endParaRPr lang="zh-CN" altLang="en-US" sz="1500" dirty="0">
               <a:solidFill>
                 <a:schemeClr val="bg1"/>
               </a:solidFill>
@@ -6250,264 +6509,10 @@
       </p:sp>
       <p:sp>
         <p:nvSpPr>
-          <p:cNvPr id="26" name="矩形 25"/>
-          <p:cNvSpPr/>
-          <p:nvPr/>
-        </p:nvSpPr>
-        <p:spPr>
-          <a:xfrm>
-            <a:off x="5073407" y="5500719"/>
-            <a:ext cx="2047601" cy="323165"/>
-          </a:xfrm>
-          <a:prstGeom prst="rect">
-            <a:avLst/>
-          </a:prstGeom>
-        </p:spPr>
-        <p:txBody>
-          <a:bodyPr wrap="square">
-            <a:spAutoFit/>
-          </a:bodyPr>
-          <a:lstStyle/>
-          <a:p>
-            <a:r>
-              <a:rPr lang="en-US" altLang="zh-CN" sz="1500" dirty="0">
-                <a:solidFill>
-                  <a:schemeClr val="lt1"/>
-                </a:solidFill>
-                <a:latin typeface="+mn-lt"/>
-                <a:ea typeface="+mn-ea"/>
-                <a:cs typeface="+mn-cs"/>
-              </a:rPr>
-              <a:t>3</a:t>
-            </a:r>
-            <a:r>
-              <a:rPr lang="zh-CN" altLang="en-US" sz="1500" dirty="0">
-                <a:solidFill>
-                  <a:schemeClr val="lt1"/>
-                </a:solidFill>
-                <a:latin typeface="+mn-lt"/>
-                <a:ea typeface="+mn-ea"/>
-                <a:cs typeface="+mn-cs"/>
-              </a:rPr>
-              <a:t>次握手流程图</a:t>
-            </a:r>
-          </a:p>
-        </p:txBody>
-      </p:sp>
-      <p:sp>
-        <p:nvSpPr>
-          <p:cNvPr id="23" name="矩形 22"/>
-          <p:cNvSpPr/>
-          <p:nvPr/>
-        </p:nvSpPr>
-        <p:spPr bwMode="auto">
-          <a:xfrm>
-            <a:off x="3486740" y="2644555"/>
-            <a:ext cx="1440000" cy="1370396"/>
-          </a:xfrm>
-          <a:prstGeom prst="rect">
-            <a:avLst/>
-          </a:prstGeom>
-          <a:solidFill>
-            <a:srgbClr val="FFAF06"/>
-          </a:solidFill>
-          <a:ln w="12700" cap="flat" cmpd="sng" algn="ctr">
-            <a:noFill/>
-            <a:prstDash val="solid"/>
-            <a:round/>
-            <a:headEnd type="none" w="med" len="med"/>
-            <a:tailEnd type="none"/>
-          </a:ln>
-          <a:effectLst>
-            <a:outerShdw blurRad="12700" dist="12700" dir="5400000" algn="ctr" rotWithShape="0">
-              <a:srgbClr val="000000">
-                <a:alpha val="50000"/>
-              </a:srgbClr>
-            </a:outerShdw>
-          </a:effectLst>
-        </p:spPr>
-        <p:txBody>
-          <a:bodyPr rtlCol="0" anchor="ctr"/>
-          <a:lstStyle/>
-          <a:p>
-            <a:r>
-              <a:rPr lang="en-US" altLang="zh-CN" sz="1400" dirty="0">
-                <a:solidFill>
-                  <a:schemeClr val="bg1"/>
-                </a:solidFill>
-              </a:rPr>
-              <a:t>SYN-SEND</a:t>
-            </a:r>
-            <a:endParaRPr lang="zh-CN" altLang="en-US" sz="1400" dirty="0">
-              <a:solidFill>
-                <a:schemeClr val="bg1"/>
-              </a:solidFill>
-            </a:endParaRPr>
-          </a:p>
-        </p:txBody>
-      </p:sp>
-      <p:sp>
-        <p:nvSpPr>
-          <p:cNvPr id="27" name="矩形 26"/>
-          <p:cNvSpPr/>
-          <p:nvPr/>
-        </p:nvSpPr>
-        <p:spPr bwMode="auto">
-          <a:xfrm>
-            <a:off x="7462065" y="3366904"/>
-            <a:ext cx="1440000" cy="1454249"/>
-          </a:xfrm>
-          <a:prstGeom prst="rect">
-            <a:avLst/>
-          </a:prstGeom>
-          <a:solidFill>
-            <a:srgbClr val="FFAF06"/>
-          </a:solidFill>
-          <a:ln w="12700" cap="flat" cmpd="sng" algn="ctr">
-            <a:noFill/>
-            <a:prstDash val="solid"/>
-            <a:round/>
-            <a:headEnd type="none" w="med" len="med"/>
-            <a:tailEnd type="none"/>
-          </a:ln>
-          <a:effectLst>
-            <a:outerShdw blurRad="12700" dist="12700" dir="5400000" algn="ctr" rotWithShape="0">
-              <a:srgbClr val="000000">
-                <a:alpha val="50000"/>
-              </a:srgbClr>
-            </a:outerShdw>
-          </a:effectLst>
-        </p:spPr>
-        <p:txBody>
-          <a:bodyPr rtlCol="0" anchor="ctr"/>
-          <a:lstStyle/>
-          <a:p>
-            <a:r>
-              <a:rPr lang="en-US" altLang="zh-CN" sz="1400" dirty="0">
-                <a:solidFill>
-                  <a:schemeClr val="bg1"/>
-                </a:solidFill>
-              </a:rPr>
-              <a:t>SYN-RCVD</a:t>
-            </a:r>
-            <a:endParaRPr lang="zh-CN" altLang="en-US" sz="1400" dirty="0">
-              <a:solidFill>
-                <a:schemeClr val="bg1"/>
-              </a:solidFill>
-            </a:endParaRPr>
-          </a:p>
-        </p:txBody>
-      </p:sp>
-      <p:sp>
-        <p:nvSpPr>
-          <p:cNvPr id="39" name="矩形 38"/>
-          <p:cNvSpPr/>
-          <p:nvPr/>
-        </p:nvSpPr>
-        <p:spPr bwMode="auto">
-          <a:xfrm>
-            <a:off x="7462065" y="4828295"/>
-            <a:ext cx="1440000" cy="671965"/>
-          </a:xfrm>
-          <a:prstGeom prst="rect">
-            <a:avLst/>
-          </a:prstGeom>
-          <a:solidFill>
-            <a:srgbClr val="87A13E"/>
-          </a:solidFill>
-          <a:ln w="12700" cap="flat" cmpd="sng" algn="ctr">
-            <a:noFill/>
-            <a:prstDash val="solid"/>
-            <a:round/>
-            <a:headEnd type="none" w="med" len="med"/>
-            <a:tailEnd type="none"/>
-          </a:ln>
-          <a:effectLst>
-            <a:outerShdw blurRad="12700" dist="12700" dir="5400000" algn="ctr" rotWithShape="0">
-              <a:srgbClr val="000000">
-                <a:alpha val="50000"/>
-              </a:srgbClr>
-            </a:outerShdw>
-          </a:effectLst>
-        </p:spPr>
-        <p:txBody>
-          <a:bodyPr rtlCol="0" anchor="ctr"/>
-          <a:lstStyle/>
-          <a:p>
-            <a:r>
-              <a:rPr lang="en-US" altLang="zh-CN" sz="1400" dirty="0">
-                <a:solidFill>
-                  <a:schemeClr val="bg1"/>
-                </a:solidFill>
-              </a:rPr>
-              <a:t>ESTABLISHED</a:t>
-            </a:r>
-            <a:endParaRPr lang="zh-CN" altLang="en-US" sz="1400" dirty="0">
-              <a:solidFill>
-                <a:schemeClr val="bg1"/>
-              </a:solidFill>
-            </a:endParaRPr>
-          </a:p>
-        </p:txBody>
-      </p:sp>
-      <p:sp>
-        <p:nvSpPr>
-          <p:cNvPr id="40" name="矩形 39"/>
-          <p:cNvSpPr/>
-          <p:nvPr/>
-        </p:nvSpPr>
-        <p:spPr bwMode="auto">
-          <a:xfrm>
-            <a:off x="3490551" y="4021668"/>
-            <a:ext cx="1440000" cy="1423556"/>
-          </a:xfrm>
-          <a:prstGeom prst="rect">
-            <a:avLst/>
-          </a:prstGeom>
-          <a:solidFill>
-            <a:srgbClr val="87A13E"/>
-          </a:solidFill>
-          <a:ln w="12700" cap="flat" cmpd="sng" algn="ctr">
-            <a:noFill/>
-            <a:prstDash val="solid"/>
-            <a:round/>
-            <a:headEnd type="none" w="med" len="med"/>
-            <a:tailEnd type="none"/>
-          </a:ln>
-          <a:effectLst>
-            <a:outerShdw blurRad="12700" dist="12700" dir="5400000" algn="ctr" rotWithShape="0">
-              <a:srgbClr val="000000">
-                <a:alpha val="50000"/>
-              </a:srgbClr>
-            </a:outerShdw>
-          </a:effectLst>
-        </p:spPr>
-        <p:txBody>
-          <a:bodyPr rtlCol="0" anchor="ctr"/>
-          <a:lstStyle/>
-          <a:p>
-            <a:r>
-              <a:rPr lang="en-US" altLang="zh-CN" sz="1400" dirty="0">
-                <a:solidFill>
-                  <a:schemeClr val="bg1"/>
-                </a:solidFill>
-              </a:rPr>
-              <a:t>ESTABLISHED</a:t>
-            </a:r>
-            <a:endParaRPr lang="zh-CN" altLang="en-US" sz="1400" dirty="0">
-              <a:solidFill>
-                <a:schemeClr val="bg1"/>
-              </a:solidFill>
-            </a:endParaRPr>
-          </a:p>
-        </p:txBody>
-      </p:sp>
-      <p:sp>
-        <p:nvSpPr>
-          <p:cNvPr id="42" name="流程图: 过程 41">
+          <p:cNvPr id="16" name="流程图: 过程 15">
             <a:extLst>
               <a:ext uri="{FF2B5EF4-FFF2-40B4-BE49-F238E27FC236}">
-                <a16:creationId xmlns:a16="http://schemas.microsoft.com/office/drawing/2014/main" id="{DEE6F68B-D383-4456-A945-5D2426316FC6}"/>
+                <a16:creationId xmlns:a16="http://schemas.microsoft.com/office/drawing/2014/main" xmlns="" id="{DEE6F68B-D383-4456-A945-5D2426316FC6}"/>
               </a:ext>
             </a:extLst>
           </p:cNvPr>
@@ -6516,8 +6521,8 @@
         </p:nvSpPr>
         <p:spPr>
           <a:xfrm>
-            <a:off x="5171474" y="4829636"/>
-            <a:ext cx="2089725" cy="309427"/>
+            <a:off x="4079776" y="5886963"/>
+            <a:ext cx="4176464" cy="304578"/>
           </a:xfrm>
           <a:prstGeom prst="flowChartProcess">
             <a:avLst/>
@@ -6550,91 +6555,34 @@
           <a:lstStyle/>
           <a:p>
             <a:r>
-              <a:rPr lang="zh-CN" altLang="en-US" sz="1200" dirty="0">
-                <a:solidFill>
-                  <a:srgbClr val="92D050"/>
-                </a:solidFill>
-              </a:rPr>
-              <a:t>数据传输</a:t>
-            </a:r>
-            <a:endParaRPr lang="zh-CN" altLang="en-US" sz="1200" dirty="0">
-              <a:solidFill>
-                <a:srgbClr val="92D050"/>
-              </a:solidFill>
-              <a:latin typeface="微软雅黑" panose="020B0503020204020204" pitchFamily="34" charset="-122"/>
-              <a:ea typeface="微软雅黑" panose="020B0503020204020204" pitchFamily="34" charset="-122"/>
-            </a:endParaRPr>
-          </a:p>
-        </p:txBody>
-      </p:sp>
-      <p:sp>
-        <p:nvSpPr>
-          <p:cNvPr id="43" name="流程图: 过程 42">
-            <a:extLst>
-              <a:ext uri="{FF2B5EF4-FFF2-40B4-BE49-F238E27FC236}">
-                <a16:creationId xmlns:a16="http://schemas.microsoft.com/office/drawing/2014/main" id="{DEE6F68B-D383-4456-A945-5D2426316FC6}"/>
-              </a:ext>
-            </a:extLst>
-          </p:cNvPr>
-          <p:cNvSpPr/>
-          <p:nvPr/>
-        </p:nvSpPr>
-        <p:spPr>
-          <a:xfrm rot="20789542">
-            <a:off x="4846967" y="3402771"/>
-            <a:ext cx="2411500" cy="309427"/>
-          </a:xfrm>
-          <a:prstGeom prst="flowChartProcess">
-            <a:avLst/>
-          </a:prstGeom>
-          <a:noFill/>
-          <a:ln>
-            <a:noFill/>
-            <a:prstDash val="dash"/>
-          </a:ln>
-          <a:effectLst/>
-        </p:spPr>
-        <p:style>
-          <a:lnRef idx="2">
-            <a:schemeClr val="accent1">
-              <a:shade val="50000"/>
-            </a:schemeClr>
-          </a:lnRef>
-          <a:fillRef idx="1">
-            <a:schemeClr val="accent1"/>
-          </a:fillRef>
-          <a:effectRef idx="0">
-            <a:schemeClr val="accent1"/>
-          </a:effectRef>
-          <a:fontRef idx="minor">
-            <a:schemeClr val="lt1"/>
-          </a:fontRef>
-        </p:style>
-        <p:txBody>
-          <a:bodyPr rtlCol="0" anchor="ctr"/>
-          <a:lstStyle/>
-          <a:p>
-            <a:r>
-              <a:rPr lang="en-US" altLang="zh-CN" sz="1200" dirty="0"/>
-              <a:t>(SYN, ACK)(</a:t>
-            </a:r>
-            <a:r>
-              <a:rPr lang="en-US" altLang="zh-CN" sz="1200" dirty="0" err="1"/>
-              <a:t>seq</a:t>
-            </a:r>
-            <a:r>
-              <a:rPr lang="en-US" altLang="zh-CN" sz="1200" dirty="0"/>
-              <a:t> = y, </a:t>
-            </a:r>
-            <a:r>
-              <a:rPr lang="en-US" altLang="zh-CN" sz="1200" dirty="0" err="1"/>
-              <a:t>ack</a:t>
-            </a:r>
-            <a:r>
-              <a:rPr lang="en-US" altLang="zh-CN" sz="1200" dirty="0"/>
-              <a:t>= x + 1)</a:t>
-            </a:r>
-            <a:endParaRPr lang="zh-CN" altLang="en-US" sz="1200" dirty="0">
+              <a:rPr lang="zh-CN" altLang="en-US" sz="1800" dirty="0" smtClean="0"/>
+              <a:t>应用层 </a:t>
+            </a:r>
+            <a:r>
+              <a:rPr lang="en-US" altLang="zh-CN" sz="1800" dirty="0" smtClean="0"/>
+              <a:t>+ </a:t>
+            </a:r>
+            <a:r>
+              <a:rPr lang="zh-CN" altLang="en-US" sz="1800" dirty="0" smtClean="0"/>
+              <a:t>传输层 </a:t>
+            </a:r>
+            <a:r>
+              <a:rPr lang="en-US" altLang="zh-CN" sz="1800" dirty="0" smtClean="0"/>
+              <a:t>+ </a:t>
+            </a:r>
+            <a:r>
+              <a:rPr lang="zh-CN" altLang="en-US" sz="1800" dirty="0" smtClean="0"/>
+              <a:t>网络层 </a:t>
+            </a:r>
+            <a:r>
+              <a:rPr lang="en-US" altLang="zh-CN" sz="1800" dirty="0" smtClean="0"/>
+              <a:t>+ </a:t>
+            </a:r>
+            <a:r>
+              <a:rPr lang="zh-CN" altLang="en-US" sz="1800" dirty="0" smtClean="0"/>
+              <a:t>链路层</a:t>
+            </a:r>
+            <a:endParaRPr lang="zh-CN" altLang="en-US" sz="1800" dirty="0">
               <a:solidFill>
                 <a:schemeClr val="bg1"/>
               </a:solidFill>
@@ -6644,5850 +6592,10 @@
           </a:p>
         </p:txBody>
       </p:sp>
-      <p:cxnSp>
-        <p:nvCxnSpPr>
-          <p:cNvPr id="44" name="直接箭头连接符 43"/>
-          <p:cNvCxnSpPr/>
-          <p:nvPr/>
-        </p:nvCxnSpPr>
-        <p:spPr bwMode="auto">
-          <a:xfrm flipV="1">
-            <a:off x="5122082" y="5146951"/>
-            <a:ext cx="2160000" cy="8251"/>
-          </a:xfrm>
-          <a:prstGeom prst="straightConnector1">
-            <a:avLst/>
-          </a:prstGeom>
-          <a:solidFill>
-            <a:srgbClr val="FFFFFF"/>
-          </a:solidFill>
-          <a:ln w="25400" cap="flat" cmpd="sng" algn="ctr">
-            <a:solidFill>
-              <a:srgbClr val="87A13E"/>
-            </a:solidFill>
-            <a:prstDash val="solid"/>
-            <a:round/>
-            <a:headEnd type="arrow" w="med" len="med"/>
-            <a:tailEnd type="arrow"/>
-          </a:ln>
-          <a:effectLst/>
-        </p:spPr>
-      </p:cxnSp>
     </p:spTree>
     <p:extLst>
       <p:ext uri="{BB962C8B-B14F-4D97-AF65-F5344CB8AC3E}">
-        <p14:creationId xmlns:p14="http://schemas.microsoft.com/office/powerpoint/2010/main" val="4027069572"/>
-      </p:ext>
-    </p:extLst>
-  </p:cSld>
-  <p:clrMapOvr>
-    <a:masterClrMapping/>
-  </p:clrMapOvr>
-  <p:transition spd="med"/>
-</p:sld>
-</file>
-
-<file path=ppt/slides/slide13.xml><?xml version="1.0" encoding="utf-8"?>
-<p:sld xmlns:a="http://schemas.openxmlformats.org/drawingml/2006/main" xmlns:r="http://schemas.openxmlformats.org/officeDocument/2006/relationships" xmlns:p="http://schemas.openxmlformats.org/presentationml/2006/main" showMasterSp="0">
-  <p:cSld>
-    <p:bg>
-      <p:bgPr>
-        <a:blipFill dpi="0" rotWithShape="1">
-          <a:blip r:embed="rId2">
-            <a:lum/>
-          </a:blip>
-          <a:srcRect/>
-          <a:stretch>
-            <a:fillRect/>
-          </a:stretch>
-        </a:blipFill>
-        <a:effectLst/>
-      </p:bgPr>
-    </p:bg>
-    <p:spTree>
-      <p:nvGrpSpPr>
-        <p:cNvPr id="1" name=""/>
-        <p:cNvGrpSpPr/>
-        <p:nvPr/>
-      </p:nvGrpSpPr>
-      <p:grpSpPr>
-        <a:xfrm>
-          <a:off x="0" y="0"/>
-          <a:ext cx="0" cy="0"/>
-          <a:chOff x="0" y="0"/>
-          <a:chExt cx="0" cy="0"/>
-        </a:xfrm>
-      </p:grpSpPr>
-      <p:pic>
-        <p:nvPicPr>
-          <p:cNvPr id="38" name="图片 37">
-            <a:extLst>
-              <a:ext uri="{FF2B5EF4-FFF2-40B4-BE49-F238E27FC236}">
-                <a16:creationId xmlns:a16="http://schemas.microsoft.com/office/drawing/2014/main" id="{C49BA596-B860-41A3-9734-D1BA0CD74A42}"/>
-              </a:ext>
-            </a:extLst>
-          </p:cNvPr>
-          <p:cNvPicPr>
-            <a:picLocks noChangeAspect="1"/>
-          </p:cNvPicPr>
-          <p:nvPr/>
-        </p:nvPicPr>
-        <p:blipFill>
-          <a:blip r:embed="rId3">
-            <a:extLst>
-              <a:ext uri="{28A0092B-C50C-407E-A947-70E740481C1C}">
-                <a14:useLocalDpi xmlns:a14="http://schemas.microsoft.com/office/drawing/2010/main" val="0"/>
-              </a:ext>
-            </a:extLst>
-          </a:blip>
-          <a:stretch>
-            <a:fillRect/>
-          </a:stretch>
-        </p:blipFill>
-        <p:spPr>
-          <a:xfrm>
-            <a:off x="3331634" y="2060848"/>
-            <a:ext cx="5704457" cy="3853854"/>
-          </a:xfrm>
-          <a:prstGeom prst="rect">
-            <a:avLst/>
-          </a:prstGeom>
-          <a:ln>
-            <a:solidFill>
-              <a:schemeClr val="bg1"/>
-            </a:solidFill>
-          </a:ln>
-          <a:effectLst/>
-        </p:spPr>
-      </p:pic>
-      <p:grpSp>
-        <p:nvGrpSpPr>
-          <p:cNvPr id="3" name="组合 2"/>
-          <p:cNvGrpSpPr/>
-          <p:nvPr/>
-        </p:nvGrpSpPr>
-        <p:grpSpPr>
-          <a:xfrm>
-            <a:off x="4655840" y="2452988"/>
-            <a:ext cx="2952328" cy="3160691"/>
-            <a:chOff x="3935760" y="1376772"/>
-            <a:chExt cx="3816424" cy="4329648"/>
-          </a:xfrm>
-        </p:grpSpPr>
-        <p:sp>
-          <p:nvSpPr>
-            <p:cNvPr id="2" name="矩形 1"/>
-            <p:cNvSpPr/>
-            <p:nvPr/>
-          </p:nvSpPr>
-          <p:spPr bwMode="auto">
-            <a:xfrm>
-              <a:off x="4295800" y="1484784"/>
-              <a:ext cx="3240360" cy="4104456"/>
-            </a:xfrm>
-            <a:prstGeom prst="rect">
-              <a:avLst/>
-            </a:prstGeom>
-            <a:noFill/>
-            <a:ln w="25400" cap="flat" cmpd="sng" algn="ctr">
-              <a:solidFill>
-                <a:schemeClr val="bg1"/>
-              </a:solidFill>
-              <a:prstDash val="solid"/>
-              <a:round/>
-              <a:headEnd type="none" w="med" len="med"/>
-              <a:tailEnd type="none"/>
-            </a:ln>
-            <a:effectLst>
-              <a:outerShdw blurRad="12700" dist="12700" dir="5400000" algn="ctr" rotWithShape="0">
-                <a:srgbClr val="000000">
-                  <a:alpha val="50000"/>
-                </a:srgbClr>
-              </a:outerShdw>
-            </a:effectLst>
-          </p:spPr>
-          <p:txBody>
-            <a:bodyPr rtlCol="0" anchor="ctr"/>
-            <a:lstStyle/>
-            <a:p>
-              <a:pPr algn="ctr"/>
-              <a:endParaRPr lang="zh-CN" altLang="en-US"/>
-            </a:p>
-          </p:txBody>
-        </p:sp>
-        <p:pic>
-          <p:nvPicPr>
-            <p:cNvPr id="16" name="图片 15">
-              <a:extLst>
-                <a:ext uri="{FF2B5EF4-FFF2-40B4-BE49-F238E27FC236}">
-                  <a16:creationId xmlns:a16="http://schemas.microsoft.com/office/drawing/2014/main" id="{C49BA596-B860-41A3-9734-D1BA0CD74A42}"/>
-                </a:ext>
-              </a:extLst>
-            </p:cNvPr>
-            <p:cNvPicPr>
-              <a:picLocks noChangeAspect="1"/>
-            </p:cNvPicPr>
-            <p:nvPr/>
-          </p:nvPicPr>
-          <p:blipFill>
-            <a:blip r:embed="rId3">
-              <a:extLst>
-                <a:ext uri="{28A0092B-C50C-407E-A947-70E740481C1C}">
-                  <a14:useLocalDpi xmlns:a14="http://schemas.microsoft.com/office/drawing/2010/main" val="0"/>
-                </a:ext>
-              </a:extLst>
-            </a:blip>
-            <a:stretch>
-              <a:fillRect/>
-            </a:stretch>
-          </p:blipFill>
-          <p:spPr>
-            <a:xfrm>
-              <a:off x="4007768" y="1376772"/>
-              <a:ext cx="3744416" cy="216024"/>
-            </a:xfrm>
-            <a:prstGeom prst="rect">
-              <a:avLst/>
-            </a:prstGeom>
-            <a:ln>
-              <a:noFill/>
-            </a:ln>
-            <a:effectLst/>
-          </p:spPr>
-        </p:pic>
-        <p:pic>
-          <p:nvPicPr>
-            <p:cNvPr id="17" name="图片 16">
-              <a:extLst>
-                <a:ext uri="{FF2B5EF4-FFF2-40B4-BE49-F238E27FC236}">
-                  <a16:creationId xmlns:a16="http://schemas.microsoft.com/office/drawing/2014/main" id="{C49BA596-B860-41A3-9734-D1BA0CD74A42}"/>
-                </a:ext>
-              </a:extLst>
-            </p:cNvPr>
-            <p:cNvPicPr>
-              <a:picLocks noChangeAspect="1"/>
-            </p:cNvPicPr>
-            <p:nvPr/>
-          </p:nvPicPr>
-          <p:blipFill>
-            <a:blip r:embed="rId3">
-              <a:extLst>
-                <a:ext uri="{28A0092B-C50C-407E-A947-70E740481C1C}">
-                  <a14:useLocalDpi xmlns:a14="http://schemas.microsoft.com/office/drawing/2010/main" val="0"/>
-                </a:ext>
-              </a:extLst>
-            </a:blip>
-            <a:stretch>
-              <a:fillRect/>
-            </a:stretch>
-          </p:blipFill>
-          <p:spPr>
-            <a:xfrm>
-              <a:off x="3935760" y="5490396"/>
-              <a:ext cx="3744416" cy="216024"/>
-            </a:xfrm>
-            <a:prstGeom prst="rect">
-              <a:avLst/>
-            </a:prstGeom>
-            <a:ln>
-              <a:noFill/>
-            </a:ln>
-            <a:effectLst/>
-          </p:spPr>
-        </p:pic>
-      </p:grpSp>
-      <p:sp>
-        <p:nvSpPr>
-          <p:cNvPr id="19" name="流程图: 过程 18">
-            <a:extLst>
-              <a:ext uri="{FF2B5EF4-FFF2-40B4-BE49-F238E27FC236}">
-                <a16:creationId xmlns:a16="http://schemas.microsoft.com/office/drawing/2014/main" id="{DEE6F68B-D383-4456-A945-5D2426316FC6}"/>
-              </a:ext>
-            </a:extLst>
-          </p:cNvPr>
-          <p:cNvSpPr/>
-          <p:nvPr/>
-        </p:nvSpPr>
-        <p:spPr>
-          <a:xfrm>
-            <a:off x="4260653" y="2201566"/>
-            <a:ext cx="1310154" cy="288385"/>
-          </a:xfrm>
-          <a:prstGeom prst="flowChartProcess">
-            <a:avLst/>
-          </a:prstGeom>
-          <a:noFill/>
-          <a:ln>
-            <a:noFill/>
-            <a:prstDash val="dash"/>
-          </a:ln>
-          <a:effectLst/>
-        </p:spPr>
-        <p:style>
-          <a:lnRef idx="2">
-            <a:schemeClr val="accent1">
-              <a:shade val="50000"/>
-            </a:schemeClr>
-          </a:lnRef>
-          <a:fillRef idx="1">
-            <a:schemeClr val="accent1"/>
-          </a:fillRef>
-          <a:effectRef idx="0">
-            <a:schemeClr val="accent1"/>
-          </a:effectRef>
-          <a:fontRef idx="minor">
-            <a:schemeClr val="lt1"/>
-          </a:fontRef>
-        </p:style>
-        <p:txBody>
-          <a:bodyPr rtlCol="0" anchor="ctr"/>
-          <a:lstStyle/>
-          <a:p>
-            <a:r>
-              <a:rPr lang="zh-CN" altLang="en-US" sz="1500" dirty="0"/>
-              <a:t>客户端</a:t>
-            </a:r>
-            <a:endParaRPr lang="zh-CN" altLang="en-US" sz="1500" dirty="0">
-              <a:solidFill>
-                <a:schemeClr val="bg1"/>
-              </a:solidFill>
-              <a:latin typeface="微软雅黑" panose="020B0503020204020204" pitchFamily="34" charset="-122"/>
-              <a:ea typeface="微软雅黑" panose="020B0503020204020204" pitchFamily="34" charset="-122"/>
-            </a:endParaRPr>
-          </a:p>
-        </p:txBody>
-      </p:sp>
-      <p:sp>
-        <p:nvSpPr>
-          <p:cNvPr id="20" name="流程图: 过程 19">
-            <a:extLst>
-              <a:ext uri="{FF2B5EF4-FFF2-40B4-BE49-F238E27FC236}">
-                <a16:creationId xmlns:a16="http://schemas.microsoft.com/office/drawing/2014/main" id="{DEE6F68B-D383-4456-A945-5D2426316FC6}"/>
-              </a:ext>
-            </a:extLst>
-          </p:cNvPr>
-          <p:cNvSpPr/>
-          <p:nvPr/>
-        </p:nvSpPr>
-        <p:spPr>
-          <a:xfrm>
-            <a:off x="6759796" y="2202542"/>
-            <a:ext cx="1290952" cy="329296"/>
-          </a:xfrm>
-          <a:prstGeom prst="flowChartProcess">
-            <a:avLst/>
-          </a:prstGeom>
-          <a:noFill/>
-          <a:ln>
-            <a:noFill/>
-            <a:prstDash val="dash"/>
-          </a:ln>
-          <a:effectLst/>
-        </p:spPr>
-        <p:style>
-          <a:lnRef idx="2">
-            <a:schemeClr val="accent1">
-              <a:shade val="50000"/>
-            </a:schemeClr>
-          </a:lnRef>
-          <a:fillRef idx="1">
-            <a:schemeClr val="accent1"/>
-          </a:fillRef>
-          <a:effectRef idx="0">
-            <a:schemeClr val="accent1"/>
-          </a:effectRef>
-          <a:fontRef idx="minor">
-            <a:schemeClr val="lt1"/>
-          </a:fontRef>
-        </p:style>
-        <p:txBody>
-          <a:bodyPr rtlCol="0" anchor="ctr"/>
-          <a:lstStyle/>
-          <a:p>
-            <a:r>
-              <a:rPr lang="zh-CN" altLang="en-US" sz="1500" dirty="0"/>
-              <a:t>服务端</a:t>
-            </a:r>
-            <a:endParaRPr lang="zh-CN" altLang="en-US" sz="1500" dirty="0">
-              <a:solidFill>
-                <a:schemeClr val="bg1"/>
-              </a:solidFill>
-              <a:latin typeface="微软雅黑" panose="020B0503020204020204" pitchFamily="34" charset="-122"/>
-              <a:ea typeface="微软雅黑" panose="020B0503020204020204" pitchFamily="34" charset="-122"/>
-            </a:endParaRPr>
-          </a:p>
-        </p:txBody>
-      </p:sp>
-      <p:cxnSp>
-        <p:nvCxnSpPr>
-          <p:cNvPr id="5" name="直接箭头连接符 4"/>
-          <p:cNvCxnSpPr/>
-          <p:nvPr/>
-        </p:nvCxnSpPr>
-        <p:spPr bwMode="auto">
-          <a:xfrm>
-            <a:off x="4942099" y="2637038"/>
-            <a:ext cx="2519966" cy="700569"/>
-          </a:xfrm>
-          <a:prstGeom prst="straightConnector1">
-            <a:avLst/>
-          </a:prstGeom>
-          <a:solidFill>
-            <a:srgbClr val="FFFFFF"/>
-          </a:solidFill>
-          <a:ln w="25400" cap="flat" cmpd="sng" algn="ctr">
-            <a:solidFill>
-              <a:schemeClr val="bg1"/>
-            </a:solidFill>
-            <a:prstDash val="solid"/>
-            <a:round/>
-            <a:headEnd type="none" w="med" len="med"/>
-            <a:tailEnd type="arrow"/>
-          </a:ln>
-          <a:effectLst>
-            <a:outerShdw blurRad="12700" dist="12700" dir="5400000" algn="ctr" rotWithShape="0">
-              <a:srgbClr val="000000">
-                <a:alpha val="50000"/>
-              </a:srgbClr>
-            </a:outerShdw>
-          </a:effectLst>
-        </p:spPr>
-      </p:cxnSp>
-      <p:cxnSp>
-        <p:nvCxnSpPr>
-          <p:cNvPr id="25" name="直接箭头连接符 24"/>
-          <p:cNvCxnSpPr/>
-          <p:nvPr/>
-        </p:nvCxnSpPr>
-        <p:spPr bwMode="auto">
-          <a:xfrm flipH="1">
-            <a:off x="4942099" y="3374046"/>
-            <a:ext cx="2519967" cy="597977"/>
-          </a:xfrm>
-          <a:prstGeom prst="straightConnector1">
-            <a:avLst/>
-          </a:prstGeom>
-          <a:solidFill>
-            <a:srgbClr val="FFFFFF"/>
-          </a:solidFill>
-          <a:ln w="25400" cap="flat" cmpd="sng" algn="ctr">
-            <a:solidFill>
-              <a:schemeClr val="bg1"/>
-            </a:solidFill>
-            <a:prstDash val="solid"/>
-            <a:round/>
-            <a:headEnd type="none" w="med" len="med"/>
-            <a:tailEnd type="arrow"/>
-          </a:ln>
-          <a:effectLst>
-            <a:outerShdw blurRad="12700" dist="12700" dir="5400000" algn="ctr" rotWithShape="0">
-              <a:srgbClr val="000000">
-                <a:alpha val="50000"/>
-              </a:srgbClr>
-            </a:outerShdw>
-          </a:effectLst>
-        </p:spPr>
-      </p:cxnSp>
-      <p:cxnSp>
-        <p:nvCxnSpPr>
-          <p:cNvPr id="31" name="直接箭头连接符 30"/>
-          <p:cNvCxnSpPr/>
-          <p:nvPr/>
-        </p:nvCxnSpPr>
-        <p:spPr bwMode="auto">
-          <a:xfrm>
-            <a:off x="4942099" y="4014951"/>
-            <a:ext cx="2498957" cy="806203"/>
-          </a:xfrm>
-          <a:prstGeom prst="straightConnector1">
-            <a:avLst/>
-          </a:prstGeom>
-          <a:solidFill>
-            <a:srgbClr val="FFFFFF"/>
-          </a:solidFill>
-          <a:ln w="25400" cap="flat" cmpd="sng" algn="ctr">
-            <a:solidFill>
-              <a:schemeClr val="bg1"/>
-            </a:solidFill>
-            <a:prstDash val="solid"/>
-            <a:round/>
-            <a:headEnd type="none" w="med" len="med"/>
-            <a:tailEnd type="arrow"/>
-          </a:ln>
-          <a:effectLst>
-            <a:outerShdw blurRad="12700" dist="12700" dir="5400000" algn="ctr" rotWithShape="0">
-              <a:srgbClr val="000000">
-                <a:alpha val="50000"/>
-              </a:srgbClr>
-            </a:outerShdw>
-          </a:effectLst>
-        </p:spPr>
-      </p:cxnSp>
-      <p:sp>
-        <p:nvSpPr>
-          <p:cNvPr id="32" name="流程图: 过程 31">
-            <a:extLst>
-              <a:ext uri="{FF2B5EF4-FFF2-40B4-BE49-F238E27FC236}">
-                <a16:creationId xmlns:a16="http://schemas.microsoft.com/office/drawing/2014/main" id="{DEE6F68B-D383-4456-A945-5D2426316FC6}"/>
-              </a:ext>
-            </a:extLst>
-          </p:cNvPr>
-          <p:cNvSpPr/>
-          <p:nvPr/>
-        </p:nvSpPr>
-        <p:spPr>
-          <a:xfrm rot="939490">
-            <a:off x="5418027" y="2680484"/>
-            <a:ext cx="1368481" cy="309427"/>
-          </a:xfrm>
-          <a:prstGeom prst="flowChartProcess">
-            <a:avLst/>
-          </a:prstGeom>
-          <a:noFill/>
-          <a:ln>
-            <a:noFill/>
-            <a:prstDash val="dash"/>
-          </a:ln>
-          <a:effectLst/>
-        </p:spPr>
-        <p:style>
-          <a:lnRef idx="2">
-            <a:schemeClr val="accent1">
-              <a:shade val="50000"/>
-            </a:schemeClr>
-          </a:lnRef>
-          <a:fillRef idx="1">
-            <a:schemeClr val="accent1"/>
-          </a:fillRef>
-          <a:effectRef idx="0">
-            <a:schemeClr val="accent1"/>
-          </a:effectRef>
-          <a:fontRef idx="minor">
-            <a:schemeClr val="lt1"/>
-          </a:fontRef>
-        </p:style>
-        <p:txBody>
-          <a:bodyPr rtlCol="0" anchor="ctr"/>
-          <a:lstStyle/>
-          <a:p>
-            <a:r>
-              <a:rPr lang="en-US" altLang="zh-CN" sz="1200" dirty="0"/>
-              <a:t>SYN(</a:t>
-            </a:r>
-            <a:r>
-              <a:rPr lang="en-US" altLang="zh-CN" sz="1200" dirty="0" err="1"/>
-              <a:t>seq</a:t>
-            </a:r>
-            <a:r>
-              <a:rPr lang="en-US" altLang="zh-CN" sz="1200" dirty="0"/>
-              <a:t> = x)</a:t>
-            </a:r>
-            <a:endParaRPr lang="zh-CN" altLang="en-US" sz="1200" dirty="0">
-              <a:solidFill>
-                <a:schemeClr val="bg1"/>
-              </a:solidFill>
-              <a:latin typeface="微软雅黑" panose="020B0503020204020204" pitchFamily="34" charset="-122"/>
-              <a:ea typeface="微软雅黑" panose="020B0503020204020204" pitchFamily="34" charset="-122"/>
-            </a:endParaRPr>
-          </a:p>
-        </p:txBody>
-      </p:sp>
-      <p:sp>
-        <p:nvSpPr>
-          <p:cNvPr id="33" name="流程图: 过程 32">
-            <a:extLst>
-              <a:ext uri="{FF2B5EF4-FFF2-40B4-BE49-F238E27FC236}">
-                <a16:creationId xmlns:a16="http://schemas.microsoft.com/office/drawing/2014/main" id="{DEE6F68B-D383-4456-A945-5D2426316FC6}"/>
-              </a:ext>
-            </a:extLst>
-          </p:cNvPr>
-          <p:cNvSpPr/>
-          <p:nvPr/>
-        </p:nvSpPr>
-        <p:spPr>
-          <a:xfrm rot="20789542">
-            <a:off x="4846967" y="3402771"/>
-            <a:ext cx="2411500" cy="309427"/>
-          </a:xfrm>
-          <a:prstGeom prst="flowChartProcess">
-            <a:avLst/>
-          </a:prstGeom>
-          <a:noFill/>
-          <a:ln>
-            <a:noFill/>
-            <a:prstDash val="dash"/>
-          </a:ln>
-          <a:effectLst/>
-        </p:spPr>
-        <p:style>
-          <a:lnRef idx="2">
-            <a:schemeClr val="accent1">
-              <a:shade val="50000"/>
-            </a:schemeClr>
-          </a:lnRef>
-          <a:fillRef idx="1">
-            <a:schemeClr val="accent1"/>
-          </a:fillRef>
-          <a:effectRef idx="0">
-            <a:schemeClr val="accent1"/>
-          </a:effectRef>
-          <a:fontRef idx="minor">
-            <a:schemeClr val="lt1"/>
-          </a:fontRef>
-        </p:style>
-        <p:txBody>
-          <a:bodyPr rtlCol="0" anchor="ctr"/>
-          <a:lstStyle/>
-          <a:p>
-            <a:r>
-              <a:rPr lang="en-US" altLang="zh-CN" sz="1200" dirty="0"/>
-              <a:t>(SYN, ACK)(</a:t>
-            </a:r>
-            <a:r>
-              <a:rPr lang="en-US" altLang="zh-CN" sz="1200" dirty="0" err="1"/>
-              <a:t>seq</a:t>
-            </a:r>
-            <a:r>
-              <a:rPr lang="en-US" altLang="zh-CN" sz="1200" dirty="0"/>
-              <a:t> = y, </a:t>
-            </a:r>
-            <a:r>
-              <a:rPr lang="en-US" altLang="zh-CN" sz="1200" dirty="0" err="1"/>
-              <a:t>ack</a:t>
-            </a:r>
-            <a:r>
-              <a:rPr lang="en-US" altLang="zh-CN" sz="1200" dirty="0"/>
-              <a:t>= x + 1)</a:t>
-            </a:r>
-            <a:endParaRPr lang="zh-CN" altLang="en-US" sz="1200" dirty="0">
-              <a:solidFill>
-                <a:schemeClr val="bg1"/>
-              </a:solidFill>
-              <a:latin typeface="微软雅黑" panose="020B0503020204020204" pitchFamily="34" charset="-122"/>
-              <a:ea typeface="微软雅黑" panose="020B0503020204020204" pitchFamily="34" charset="-122"/>
-            </a:endParaRPr>
-          </a:p>
-        </p:txBody>
-      </p:sp>
-      <p:sp>
-        <p:nvSpPr>
-          <p:cNvPr id="34" name="流程图: 过程 33">
-            <a:extLst>
-              <a:ext uri="{FF2B5EF4-FFF2-40B4-BE49-F238E27FC236}">
-                <a16:creationId xmlns:a16="http://schemas.microsoft.com/office/drawing/2014/main" id="{DEE6F68B-D383-4456-A945-5D2426316FC6}"/>
-              </a:ext>
-            </a:extLst>
-          </p:cNvPr>
-          <p:cNvSpPr/>
-          <p:nvPr/>
-        </p:nvSpPr>
-        <p:spPr>
-          <a:xfrm rot="1059811">
-            <a:off x="5124268" y="4117829"/>
-            <a:ext cx="2089725" cy="309427"/>
-          </a:xfrm>
-          <a:prstGeom prst="flowChartProcess">
-            <a:avLst/>
-          </a:prstGeom>
-          <a:noFill/>
-          <a:ln>
-            <a:noFill/>
-            <a:prstDash val="dash"/>
-          </a:ln>
-          <a:effectLst/>
-        </p:spPr>
-        <p:style>
-          <a:lnRef idx="2">
-            <a:schemeClr val="accent1">
-              <a:shade val="50000"/>
-            </a:schemeClr>
-          </a:lnRef>
-          <a:fillRef idx="1">
-            <a:schemeClr val="accent1"/>
-          </a:fillRef>
-          <a:effectRef idx="0">
-            <a:schemeClr val="accent1"/>
-          </a:effectRef>
-          <a:fontRef idx="minor">
-            <a:schemeClr val="lt1"/>
-          </a:fontRef>
-        </p:style>
-        <p:txBody>
-          <a:bodyPr rtlCol="0" anchor="ctr"/>
-          <a:lstStyle/>
-          <a:p>
-            <a:r>
-              <a:rPr lang="en-US" altLang="zh-CN" sz="1200" dirty="0"/>
-              <a:t>ACK(</a:t>
-            </a:r>
-            <a:r>
-              <a:rPr lang="en-US" altLang="zh-CN" sz="1200" dirty="0" err="1"/>
-              <a:t>ack</a:t>
-            </a:r>
-            <a:r>
-              <a:rPr lang="en-US" altLang="zh-CN" sz="1200" dirty="0"/>
-              <a:t> = y + 1)</a:t>
-            </a:r>
-            <a:endParaRPr lang="zh-CN" altLang="en-US" sz="1200" dirty="0">
-              <a:solidFill>
-                <a:schemeClr val="bg1"/>
-              </a:solidFill>
-              <a:latin typeface="微软雅黑" panose="020B0503020204020204" pitchFamily="34" charset="-122"/>
-              <a:ea typeface="微软雅黑" panose="020B0503020204020204" pitchFamily="34" charset="-122"/>
-            </a:endParaRPr>
-          </a:p>
-        </p:txBody>
-      </p:sp>
-      <p:sp>
-        <p:nvSpPr>
-          <p:cNvPr id="26" name="矩形 25"/>
-          <p:cNvSpPr/>
-          <p:nvPr/>
-        </p:nvSpPr>
-        <p:spPr>
-          <a:xfrm>
-            <a:off x="4260653" y="5500719"/>
-            <a:ext cx="3790095" cy="323165"/>
-          </a:xfrm>
-          <a:prstGeom prst="rect">
-            <a:avLst/>
-          </a:prstGeom>
-        </p:spPr>
-        <p:txBody>
-          <a:bodyPr wrap="square">
-            <a:spAutoFit/>
-          </a:bodyPr>
-          <a:lstStyle/>
-          <a:p>
-            <a:r>
-              <a:rPr lang="zh-CN" altLang="en-US" sz="1500" dirty="0">
-                <a:solidFill>
-                  <a:schemeClr val="lt1"/>
-                </a:solidFill>
-              </a:rPr>
-              <a:t>双方确认自己与对方的发送与接收是正常</a:t>
-            </a:r>
-          </a:p>
-        </p:txBody>
-      </p:sp>
-      <p:cxnSp>
-        <p:nvCxnSpPr>
-          <p:cNvPr id="41" name="直接箭头连接符 40"/>
-          <p:cNvCxnSpPr/>
-          <p:nvPr/>
-        </p:nvCxnSpPr>
-        <p:spPr bwMode="auto">
-          <a:xfrm flipV="1">
-            <a:off x="5122082" y="5146951"/>
-            <a:ext cx="2160000" cy="8251"/>
-          </a:xfrm>
-          <a:prstGeom prst="straightConnector1">
-            <a:avLst/>
-          </a:prstGeom>
-          <a:solidFill>
-            <a:srgbClr val="FFFFFF"/>
-          </a:solidFill>
-          <a:ln w="25400" cap="flat" cmpd="sng" algn="ctr">
-            <a:solidFill>
-              <a:srgbClr val="87A13E"/>
-            </a:solidFill>
-            <a:prstDash val="solid"/>
-            <a:round/>
-            <a:headEnd type="arrow" w="med" len="med"/>
-            <a:tailEnd type="arrow"/>
-          </a:ln>
-          <a:effectLst/>
-        </p:spPr>
-      </p:cxnSp>
-      <p:sp>
-        <p:nvSpPr>
-          <p:cNvPr id="42" name="流程图: 过程 41">
-            <a:extLst>
-              <a:ext uri="{FF2B5EF4-FFF2-40B4-BE49-F238E27FC236}">
-                <a16:creationId xmlns:a16="http://schemas.microsoft.com/office/drawing/2014/main" id="{DEE6F68B-D383-4456-A945-5D2426316FC6}"/>
-              </a:ext>
-            </a:extLst>
-          </p:cNvPr>
-          <p:cNvSpPr/>
-          <p:nvPr/>
-        </p:nvSpPr>
-        <p:spPr>
-          <a:xfrm>
-            <a:off x="5171474" y="4829636"/>
-            <a:ext cx="2089725" cy="309427"/>
-          </a:xfrm>
-          <a:prstGeom prst="flowChartProcess">
-            <a:avLst/>
-          </a:prstGeom>
-          <a:noFill/>
-          <a:ln>
-            <a:noFill/>
-            <a:prstDash val="dash"/>
-          </a:ln>
-          <a:effectLst/>
-        </p:spPr>
-        <p:style>
-          <a:lnRef idx="2">
-            <a:schemeClr val="accent1">
-              <a:shade val="50000"/>
-            </a:schemeClr>
-          </a:lnRef>
-          <a:fillRef idx="1">
-            <a:schemeClr val="accent1"/>
-          </a:fillRef>
-          <a:effectRef idx="0">
-            <a:schemeClr val="accent1"/>
-          </a:effectRef>
-          <a:fontRef idx="minor">
-            <a:schemeClr val="lt1"/>
-          </a:fontRef>
-        </p:style>
-        <p:txBody>
-          <a:bodyPr rtlCol="0" anchor="ctr"/>
-          <a:lstStyle/>
-          <a:p>
-            <a:r>
-              <a:rPr lang="zh-CN" altLang="en-US" sz="1200" dirty="0">
-                <a:solidFill>
-                  <a:srgbClr val="92D050"/>
-                </a:solidFill>
-              </a:rPr>
-              <a:t>数据传输</a:t>
-            </a:r>
-            <a:endParaRPr lang="zh-CN" altLang="en-US" sz="1200" dirty="0">
-              <a:solidFill>
-                <a:srgbClr val="92D050"/>
-              </a:solidFill>
-              <a:latin typeface="微软雅黑" panose="020B0503020204020204" pitchFamily="34" charset="-122"/>
-              <a:ea typeface="微软雅黑" panose="020B0503020204020204" pitchFamily="34" charset="-122"/>
-            </a:endParaRPr>
-          </a:p>
-        </p:txBody>
-      </p:sp>
-      <p:sp>
-        <p:nvSpPr>
-          <p:cNvPr id="22" name="流程图: 过程 21">
-            <a:extLst>
-              <a:ext uri="{FF2B5EF4-FFF2-40B4-BE49-F238E27FC236}">
-                <a16:creationId xmlns:a16="http://schemas.microsoft.com/office/drawing/2014/main" id="{DEE6F68B-D383-4456-A945-5D2426316FC6}"/>
-              </a:ext>
-            </a:extLst>
-          </p:cNvPr>
-          <p:cNvSpPr/>
-          <p:nvPr/>
-        </p:nvSpPr>
-        <p:spPr>
-          <a:xfrm>
-            <a:off x="7439646" y="3203123"/>
-            <a:ext cx="1132826" cy="297259"/>
-          </a:xfrm>
-          <a:prstGeom prst="flowChartProcess">
-            <a:avLst/>
-          </a:prstGeom>
-          <a:noFill/>
-          <a:ln>
-            <a:noFill/>
-            <a:prstDash val="dash"/>
-          </a:ln>
-          <a:effectLst/>
-        </p:spPr>
-        <p:style>
-          <a:lnRef idx="2">
-            <a:schemeClr val="accent1">
-              <a:shade val="50000"/>
-            </a:schemeClr>
-          </a:lnRef>
-          <a:fillRef idx="1">
-            <a:schemeClr val="accent1"/>
-          </a:fillRef>
-          <a:effectRef idx="0">
-            <a:schemeClr val="accent1"/>
-          </a:effectRef>
-          <a:fontRef idx="minor">
-            <a:schemeClr val="lt1"/>
-          </a:fontRef>
-        </p:style>
-        <p:txBody>
-          <a:bodyPr rtlCol="0" anchor="ctr"/>
-          <a:lstStyle/>
-          <a:p>
-            <a:r>
-              <a:rPr lang="zh-CN" altLang="en-US" sz="1200" dirty="0">
-                <a:solidFill>
-                  <a:srgbClr val="92D050"/>
-                </a:solidFill>
-              </a:rPr>
-              <a:t>确认我方</a:t>
-            </a:r>
-            <a:br>
-              <a:rPr lang="en-US" altLang="zh-CN" sz="1200" dirty="0">
-                <a:solidFill>
-                  <a:srgbClr val="92D050"/>
-                </a:solidFill>
-              </a:rPr>
-            </a:br>
-            <a:r>
-              <a:rPr lang="zh-CN" altLang="en-US" sz="1200" dirty="0">
-                <a:solidFill>
-                  <a:srgbClr val="92D050"/>
-                </a:solidFill>
-              </a:rPr>
-              <a:t>接收消息正常</a:t>
-            </a:r>
-            <a:endParaRPr lang="zh-CN" altLang="en-US" sz="1200" dirty="0">
-              <a:solidFill>
-                <a:srgbClr val="92D050"/>
-              </a:solidFill>
-              <a:latin typeface="微软雅黑" panose="020B0503020204020204" pitchFamily="34" charset="-122"/>
-              <a:ea typeface="微软雅黑" panose="020B0503020204020204" pitchFamily="34" charset="-122"/>
-            </a:endParaRPr>
-          </a:p>
-        </p:txBody>
-      </p:sp>
-      <p:sp>
-        <p:nvSpPr>
-          <p:cNvPr id="24" name="流程图: 过程 23">
-            <a:extLst>
-              <a:ext uri="{FF2B5EF4-FFF2-40B4-BE49-F238E27FC236}">
-                <a16:creationId xmlns:a16="http://schemas.microsoft.com/office/drawing/2014/main" id="{DEE6F68B-D383-4456-A945-5D2426316FC6}"/>
-              </a:ext>
-            </a:extLst>
-          </p:cNvPr>
-          <p:cNvSpPr/>
-          <p:nvPr/>
-        </p:nvSpPr>
-        <p:spPr>
-          <a:xfrm>
-            <a:off x="3331635" y="3844858"/>
-            <a:ext cx="1610464" cy="297259"/>
-          </a:xfrm>
-          <a:prstGeom prst="flowChartProcess">
-            <a:avLst/>
-          </a:prstGeom>
-          <a:noFill/>
-          <a:ln>
-            <a:noFill/>
-            <a:prstDash val="dash"/>
-          </a:ln>
-          <a:effectLst/>
-        </p:spPr>
-        <p:style>
-          <a:lnRef idx="2">
-            <a:schemeClr val="accent1">
-              <a:shade val="50000"/>
-            </a:schemeClr>
-          </a:lnRef>
-          <a:fillRef idx="1">
-            <a:schemeClr val="accent1"/>
-          </a:fillRef>
-          <a:effectRef idx="0">
-            <a:schemeClr val="accent1"/>
-          </a:effectRef>
-          <a:fontRef idx="minor">
-            <a:schemeClr val="lt1"/>
-          </a:fontRef>
-        </p:style>
-        <p:txBody>
-          <a:bodyPr rtlCol="0" anchor="ctr"/>
-          <a:lstStyle/>
-          <a:p>
-            <a:r>
-              <a:rPr lang="zh-CN" altLang="en-US" sz="1200" dirty="0">
-                <a:solidFill>
-                  <a:srgbClr val="92D050"/>
-                </a:solidFill>
-              </a:rPr>
-              <a:t>确认我方</a:t>
-            </a:r>
-            <a:br>
-              <a:rPr lang="en-US" altLang="zh-CN" sz="1200" dirty="0">
-                <a:solidFill>
-                  <a:srgbClr val="92D050"/>
-                </a:solidFill>
-              </a:rPr>
-            </a:br>
-            <a:r>
-              <a:rPr lang="zh-CN" altLang="en-US" sz="1200" dirty="0">
-                <a:solidFill>
-                  <a:srgbClr val="92D050"/>
-                </a:solidFill>
-              </a:rPr>
-              <a:t>发送 </a:t>
-            </a:r>
-            <a:r>
-              <a:rPr lang="en-US" altLang="zh-CN" sz="1200" dirty="0">
-                <a:solidFill>
-                  <a:srgbClr val="92D050"/>
-                </a:solidFill>
-              </a:rPr>
-              <a:t>+ </a:t>
-            </a:r>
-            <a:r>
-              <a:rPr lang="zh-CN" altLang="en-US" sz="1200" dirty="0">
-                <a:solidFill>
-                  <a:srgbClr val="92D050"/>
-                </a:solidFill>
-              </a:rPr>
-              <a:t>接收消息正常</a:t>
-            </a:r>
-            <a:endParaRPr lang="zh-CN" altLang="en-US" sz="1200" dirty="0">
-              <a:solidFill>
-                <a:srgbClr val="92D050"/>
-              </a:solidFill>
-              <a:latin typeface="微软雅黑" panose="020B0503020204020204" pitchFamily="34" charset="-122"/>
-              <a:ea typeface="微软雅黑" panose="020B0503020204020204" pitchFamily="34" charset="-122"/>
-            </a:endParaRPr>
-          </a:p>
-        </p:txBody>
-      </p:sp>
-      <p:sp>
-        <p:nvSpPr>
-          <p:cNvPr id="28" name="流程图: 过程 27">
-            <a:extLst>
-              <a:ext uri="{FF2B5EF4-FFF2-40B4-BE49-F238E27FC236}">
-                <a16:creationId xmlns:a16="http://schemas.microsoft.com/office/drawing/2014/main" id="{DEE6F68B-D383-4456-A945-5D2426316FC6}"/>
-              </a:ext>
-            </a:extLst>
-          </p:cNvPr>
-          <p:cNvSpPr/>
-          <p:nvPr/>
-        </p:nvSpPr>
-        <p:spPr>
-          <a:xfrm>
-            <a:off x="7441056" y="4666328"/>
-            <a:ext cx="1595036" cy="297259"/>
-          </a:xfrm>
-          <a:prstGeom prst="flowChartProcess">
-            <a:avLst/>
-          </a:prstGeom>
-          <a:noFill/>
-          <a:ln>
-            <a:noFill/>
-            <a:prstDash val="dash"/>
-          </a:ln>
-          <a:effectLst/>
-        </p:spPr>
-        <p:style>
-          <a:lnRef idx="2">
-            <a:schemeClr val="accent1">
-              <a:shade val="50000"/>
-            </a:schemeClr>
-          </a:lnRef>
-          <a:fillRef idx="1">
-            <a:schemeClr val="accent1"/>
-          </a:fillRef>
-          <a:effectRef idx="0">
-            <a:schemeClr val="accent1"/>
-          </a:effectRef>
-          <a:fontRef idx="minor">
-            <a:schemeClr val="lt1"/>
-          </a:fontRef>
-        </p:style>
-        <p:txBody>
-          <a:bodyPr rtlCol="0" anchor="ctr"/>
-          <a:lstStyle/>
-          <a:p>
-            <a:r>
-              <a:rPr lang="zh-CN" altLang="en-US" sz="1200" dirty="0">
-                <a:solidFill>
-                  <a:srgbClr val="92D050"/>
-                </a:solidFill>
-              </a:rPr>
-              <a:t>确认我方</a:t>
-            </a:r>
-            <a:br>
-              <a:rPr lang="en-US" altLang="zh-CN" sz="1200" dirty="0">
-                <a:solidFill>
-                  <a:srgbClr val="92D050"/>
-                </a:solidFill>
-              </a:rPr>
-            </a:br>
-            <a:r>
-              <a:rPr lang="zh-CN" altLang="en-US" sz="1200" dirty="0">
-                <a:solidFill>
-                  <a:srgbClr val="92D050"/>
-                </a:solidFill>
-              </a:rPr>
-              <a:t>发送 </a:t>
-            </a:r>
-            <a:r>
-              <a:rPr lang="en-US" altLang="zh-CN" sz="1200" dirty="0">
-                <a:solidFill>
-                  <a:srgbClr val="92D050"/>
-                </a:solidFill>
-              </a:rPr>
-              <a:t>+ </a:t>
-            </a:r>
-            <a:r>
-              <a:rPr lang="zh-CN" altLang="en-US" sz="1200" dirty="0">
-                <a:solidFill>
-                  <a:srgbClr val="92D050"/>
-                </a:solidFill>
-              </a:rPr>
-              <a:t>接收消息正常</a:t>
-            </a:r>
-            <a:endParaRPr lang="zh-CN" altLang="en-US" sz="1200" dirty="0">
-              <a:solidFill>
-                <a:srgbClr val="92D050"/>
-              </a:solidFill>
-              <a:latin typeface="微软雅黑" panose="020B0503020204020204" pitchFamily="34" charset="-122"/>
-              <a:ea typeface="微软雅黑" panose="020B0503020204020204" pitchFamily="34" charset="-122"/>
-            </a:endParaRPr>
-          </a:p>
-        </p:txBody>
-      </p:sp>
-    </p:spTree>
-    <p:extLst>
-      <p:ext uri="{BB962C8B-B14F-4D97-AF65-F5344CB8AC3E}">
-        <p14:creationId xmlns:p14="http://schemas.microsoft.com/office/powerpoint/2010/main" val="1356638982"/>
-      </p:ext>
-    </p:extLst>
-  </p:cSld>
-  <p:clrMapOvr>
-    <a:masterClrMapping/>
-  </p:clrMapOvr>
-  <p:transition spd="med"/>
-</p:sld>
-</file>
-
-<file path=ppt/slides/slide14.xml><?xml version="1.0" encoding="utf-8"?>
-<p:sld xmlns:a="http://schemas.openxmlformats.org/drawingml/2006/main" xmlns:r="http://schemas.openxmlformats.org/officeDocument/2006/relationships" xmlns:p="http://schemas.openxmlformats.org/presentationml/2006/main" showMasterSp="0">
-  <p:cSld>
-    <p:bg>
-      <p:bgPr>
-        <a:blipFill dpi="0" rotWithShape="1">
-          <a:blip r:embed="rId2">
-            <a:lum/>
-          </a:blip>
-          <a:srcRect/>
-          <a:stretch>
-            <a:fillRect/>
-          </a:stretch>
-        </a:blipFill>
-        <a:effectLst/>
-      </p:bgPr>
-    </p:bg>
-    <p:spTree>
-      <p:nvGrpSpPr>
-        <p:cNvPr id="1" name=""/>
-        <p:cNvGrpSpPr/>
-        <p:nvPr/>
-      </p:nvGrpSpPr>
-      <p:grpSpPr>
-        <a:xfrm>
-          <a:off x="0" y="0"/>
-          <a:ext cx="0" cy="0"/>
-          <a:chOff x="0" y="0"/>
-          <a:chExt cx="0" cy="0"/>
-        </a:xfrm>
-      </p:grpSpPr>
-      <p:pic>
-        <p:nvPicPr>
-          <p:cNvPr id="38" name="图片 37">
-            <a:extLst>
-              <a:ext uri="{FF2B5EF4-FFF2-40B4-BE49-F238E27FC236}">
-                <a16:creationId xmlns:a16="http://schemas.microsoft.com/office/drawing/2014/main" id="{C49BA596-B860-41A3-9734-D1BA0CD74A42}"/>
-              </a:ext>
-            </a:extLst>
-          </p:cNvPr>
-          <p:cNvPicPr>
-            <a:picLocks noChangeAspect="1"/>
-          </p:cNvPicPr>
-          <p:nvPr/>
-        </p:nvPicPr>
-        <p:blipFill>
-          <a:blip r:embed="rId3">
-            <a:extLst>
-              <a:ext uri="{28A0092B-C50C-407E-A947-70E740481C1C}">
-                <a14:useLocalDpi xmlns:a14="http://schemas.microsoft.com/office/drawing/2010/main" val="0"/>
-              </a:ext>
-            </a:extLst>
-          </a:blip>
-          <a:stretch>
-            <a:fillRect/>
-          </a:stretch>
-        </p:blipFill>
-        <p:spPr>
-          <a:xfrm>
-            <a:off x="2279576" y="404664"/>
-            <a:ext cx="7416824" cy="5832648"/>
-          </a:xfrm>
-          <a:prstGeom prst="rect">
-            <a:avLst/>
-          </a:prstGeom>
-          <a:ln>
-            <a:solidFill>
-              <a:schemeClr val="bg1"/>
-            </a:solidFill>
-          </a:ln>
-          <a:effectLst/>
-        </p:spPr>
-      </p:pic>
-      <p:grpSp>
-        <p:nvGrpSpPr>
-          <p:cNvPr id="3" name="组合 2"/>
-          <p:cNvGrpSpPr/>
-          <p:nvPr/>
-        </p:nvGrpSpPr>
-        <p:grpSpPr>
-          <a:xfrm>
-            <a:off x="4583832" y="751589"/>
-            <a:ext cx="2957774" cy="5355215"/>
-            <a:chOff x="3935760" y="1339905"/>
-            <a:chExt cx="3823464" cy="4366515"/>
-          </a:xfrm>
-          <a:effectLst/>
-        </p:grpSpPr>
-        <p:sp>
-          <p:nvSpPr>
-            <p:cNvPr id="2" name="矩形 1"/>
-            <p:cNvSpPr/>
-            <p:nvPr/>
-          </p:nvSpPr>
-          <p:spPr bwMode="auto">
-            <a:xfrm>
-              <a:off x="4295800" y="1484784"/>
-              <a:ext cx="3240360" cy="4104456"/>
-            </a:xfrm>
-            <a:prstGeom prst="rect">
-              <a:avLst/>
-            </a:prstGeom>
-            <a:noFill/>
-            <a:ln w="25400" cap="flat" cmpd="sng" algn="ctr">
-              <a:solidFill>
-                <a:schemeClr val="bg1"/>
-              </a:solidFill>
-              <a:prstDash val="solid"/>
-              <a:round/>
-              <a:headEnd type="none" w="med" len="med"/>
-              <a:tailEnd type="none"/>
-            </a:ln>
-            <a:effectLst>
-              <a:outerShdw blurRad="12700" dist="12700" dir="5400000" algn="ctr" rotWithShape="0">
-                <a:srgbClr val="000000">
-                  <a:alpha val="50000"/>
-                </a:srgbClr>
-              </a:outerShdw>
-            </a:effectLst>
-          </p:spPr>
-          <p:txBody>
-            <a:bodyPr rtlCol="0" anchor="ctr"/>
-            <a:lstStyle/>
-            <a:p>
-              <a:pPr algn="ctr"/>
-              <a:endParaRPr lang="zh-CN" altLang="en-US"/>
-            </a:p>
-          </p:txBody>
-        </p:sp>
-        <p:pic>
-          <p:nvPicPr>
-            <p:cNvPr id="16" name="图片 15">
-              <a:extLst>
-                <a:ext uri="{FF2B5EF4-FFF2-40B4-BE49-F238E27FC236}">
-                  <a16:creationId xmlns:a16="http://schemas.microsoft.com/office/drawing/2014/main" id="{C49BA596-B860-41A3-9734-D1BA0CD74A42}"/>
-                </a:ext>
-              </a:extLst>
-            </p:cNvPr>
-            <p:cNvPicPr>
-              <a:picLocks noChangeAspect="1"/>
-            </p:cNvPicPr>
-            <p:nvPr/>
-          </p:nvPicPr>
-          <p:blipFill>
-            <a:blip r:embed="rId3">
-              <a:extLst>
-                <a:ext uri="{28A0092B-C50C-407E-A947-70E740481C1C}">
-                  <a14:useLocalDpi xmlns:a14="http://schemas.microsoft.com/office/drawing/2010/main" val="0"/>
-                </a:ext>
-              </a:extLst>
-            </a:blip>
-            <a:stretch>
-              <a:fillRect/>
-            </a:stretch>
-          </p:blipFill>
-          <p:spPr>
-            <a:xfrm>
-              <a:off x="4014808" y="1339905"/>
-              <a:ext cx="3744416" cy="216024"/>
-            </a:xfrm>
-            <a:prstGeom prst="rect">
-              <a:avLst/>
-            </a:prstGeom>
-            <a:ln>
-              <a:noFill/>
-            </a:ln>
-            <a:effectLst/>
-          </p:spPr>
-        </p:pic>
-        <p:pic>
-          <p:nvPicPr>
-            <p:cNvPr id="17" name="图片 16">
-              <a:extLst>
-                <a:ext uri="{FF2B5EF4-FFF2-40B4-BE49-F238E27FC236}">
-                  <a16:creationId xmlns:a16="http://schemas.microsoft.com/office/drawing/2014/main" id="{C49BA596-B860-41A3-9734-D1BA0CD74A42}"/>
-                </a:ext>
-              </a:extLst>
-            </p:cNvPr>
-            <p:cNvPicPr>
-              <a:picLocks noChangeAspect="1"/>
-            </p:cNvPicPr>
-            <p:nvPr/>
-          </p:nvPicPr>
-          <p:blipFill>
-            <a:blip r:embed="rId3">
-              <a:extLst>
-                <a:ext uri="{28A0092B-C50C-407E-A947-70E740481C1C}">
-                  <a14:useLocalDpi xmlns:a14="http://schemas.microsoft.com/office/drawing/2010/main" val="0"/>
-                </a:ext>
-              </a:extLst>
-            </a:blip>
-            <a:stretch>
-              <a:fillRect/>
-            </a:stretch>
-          </p:blipFill>
-          <p:spPr>
-            <a:xfrm>
-              <a:off x="3935760" y="5490396"/>
-              <a:ext cx="3744416" cy="216024"/>
-            </a:xfrm>
-            <a:prstGeom prst="rect">
-              <a:avLst/>
-            </a:prstGeom>
-            <a:ln>
-              <a:noFill/>
-            </a:ln>
-            <a:effectLst/>
-          </p:spPr>
-        </p:pic>
-      </p:grpSp>
-      <p:sp>
-        <p:nvSpPr>
-          <p:cNvPr id="19" name="流程图: 过程 18">
-            <a:extLst>
-              <a:ext uri="{FF2B5EF4-FFF2-40B4-BE49-F238E27FC236}">
-                <a16:creationId xmlns:a16="http://schemas.microsoft.com/office/drawing/2014/main" id="{DEE6F68B-D383-4456-A945-5D2426316FC6}"/>
-              </a:ext>
-            </a:extLst>
-          </p:cNvPr>
-          <p:cNvSpPr/>
-          <p:nvPr/>
-        </p:nvSpPr>
-        <p:spPr>
-          <a:xfrm>
-            <a:off x="4188645" y="545382"/>
-            <a:ext cx="1310154" cy="288385"/>
-          </a:xfrm>
-          <a:prstGeom prst="flowChartProcess">
-            <a:avLst/>
-          </a:prstGeom>
-          <a:noFill/>
-          <a:ln>
-            <a:noFill/>
-            <a:prstDash val="dash"/>
-          </a:ln>
-          <a:effectLst/>
-        </p:spPr>
-        <p:style>
-          <a:lnRef idx="2">
-            <a:schemeClr val="accent1">
-              <a:shade val="50000"/>
-            </a:schemeClr>
-          </a:lnRef>
-          <a:fillRef idx="1">
-            <a:schemeClr val="accent1"/>
-          </a:fillRef>
-          <a:effectRef idx="0">
-            <a:schemeClr val="accent1"/>
-          </a:effectRef>
-          <a:fontRef idx="minor">
-            <a:schemeClr val="lt1"/>
-          </a:fontRef>
-        </p:style>
-        <p:txBody>
-          <a:bodyPr rtlCol="0" anchor="ctr"/>
-          <a:lstStyle/>
-          <a:p>
-            <a:r>
-              <a:rPr lang="zh-CN" altLang="en-US" sz="1500" dirty="0"/>
-              <a:t>客户端</a:t>
-            </a:r>
-            <a:endParaRPr lang="zh-CN" altLang="en-US" sz="1500" dirty="0">
-              <a:solidFill>
-                <a:schemeClr val="bg1"/>
-              </a:solidFill>
-              <a:latin typeface="微软雅黑" panose="020B0503020204020204" pitchFamily="34" charset="-122"/>
-              <a:ea typeface="微软雅黑" panose="020B0503020204020204" pitchFamily="34" charset="-122"/>
-            </a:endParaRPr>
-          </a:p>
-        </p:txBody>
-      </p:sp>
-      <p:sp>
-        <p:nvSpPr>
-          <p:cNvPr id="20" name="流程图: 过程 19">
-            <a:extLst>
-              <a:ext uri="{FF2B5EF4-FFF2-40B4-BE49-F238E27FC236}">
-                <a16:creationId xmlns:a16="http://schemas.microsoft.com/office/drawing/2014/main" id="{DEE6F68B-D383-4456-A945-5D2426316FC6}"/>
-              </a:ext>
-            </a:extLst>
-          </p:cNvPr>
-          <p:cNvSpPr/>
-          <p:nvPr/>
-        </p:nvSpPr>
-        <p:spPr>
-          <a:xfrm>
-            <a:off x="6687788" y="546358"/>
-            <a:ext cx="1290952" cy="329296"/>
-          </a:xfrm>
-          <a:prstGeom prst="flowChartProcess">
-            <a:avLst/>
-          </a:prstGeom>
-          <a:noFill/>
-          <a:ln>
-            <a:noFill/>
-            <a:prstDash val="dash"/>
-          </a:ln>
-          <a:effectLst/>
-        </p:spPr>
-        <p:style>
-          <a:lnRef idx="2">
-            <a:schemeClr val="accent1">
-              <a:shade val="50000"/>
-            </a:schemeClr>
-          </a:lnRef>
-          <a:fillRef idx="1">
-            <a:schemeClr val="accent1"/>
-          </a:fillRef>
-          <a:effectRef idx="0">
-            <a:schemeClr val="accent1"/>
-          </a:effectRef>
-          <a:fontRef idx="minor">
-            <a:schemeClr val="lt1"/>
-          </a:fontRef>
-        </p:style>
-        <p:txBody>
-          <a:bodyPr rtlCol="0" anchor="ctr"/>
-          <a:lstStyle/>
-          <a:p>
-            <a:r>
-              <a:rPr lang="zh-CN" altLang="en-US" sz="1500" dirty="0"/>
-              <a:t>服务端</a:t>
-            </a:r>
-            <a:endParaRPr lang="zh-CN" altLang="en-US" sz="1500" dirty="0">
-              <a:solidFill>
-                <a:schemeClr val="bg1"/>
-              </a:solidFill>
-              <a:latin typeface="微软雅黑" panose="020B0503020204020204" pitchFamily="34" charset="-122"/>
-              <a:ea typeface="微软雅黑" panose="020B0503020204020204" pitchFamily="34" charset="-122"/>
-            </a:endParaRPr>
-          </a:p>
-        </p:txBody>
-      </p:sp>
-      <p:cxnSp>
-        <p:nvCxnSpPr>
-          <p:cNvPr id="5" name="直接箭头连接符 4"/>
-          <p:cNvCxnSpPr/>
-          <p:nvPr/>
-        </p:nvCxnSpPr>
-        <p:spPr bwMode="auto">
-          <a:xfrm>
-            <a:off x="4883944" y="1365388"/>
-            <a:ext cx="2485104" cy="688538"/>
-          </a:xfrm>
-          <a:prstGeom prst="straightConnector1">
-            <a:avLst/>
-          </a:prstGeom>
-          <a:solidFill>
-            <a:srgbClr val="FFFFFF"/>
-          </a:solidFill>
-          <a:ln w="25400" cap="flat" cmpd="sng" algn="ctr">
-            <a:solidFill>
-              <a:schemeClr val="bg1"/>
-            </a:solidFill>
-            <a:prstDash val="solid"/>
-            <a:round/>
-            <a:headEnd type="none" w="med" len="med"/>
-            <a:tailEnd type="arrow"/>
-          </a:ln>
-          <a:effectLst>
-            <a:outerShdw blurRad="12700" dist="12700" dir="5400000" algn="ctr" rotWithShape="0">
-              <a:srgbClr val="000000">
-                <a:alpha val="50000"/>
-              </a:srgbClr>
-            </a:outerShdw>
-          </a:effectLst>
-        </p:spPr>
-      </p:cxnSp>
-      <p:cxnSp>
-        <p:nvCxnSpPr>
-          <p:cNvPr id="25" name="直接箭头连接符 24"/>
-          <p:cNvCxnSpPr/>
-          <p:nvPr/>
-        </p:nvCxnSpPr>
-        <p:spPr bwMode="auto">
-          <a:xfrm flipH="1">
-            <a:off x="4865485" y="2098948"/>
-            <a:ext cx="2485103" cy="601707"/>
-          </a:xfrm>
-          <a:prstGeom prst="straightConnector1">
-            <a:avLst/>
-          </a:prstGeom>
-          <a:solidFill>
-            <a:srgbClr val="FFFFFF"/>
-          </a:solidFill>
-          <a:ln w="25400" cap="flat" cmpd="sng" algn="ctr">
-            <a:solidFill>
-              <a:schemeClr val="bg1"/>
-            </a:solidFill>
-            <a:prstDash val="solid"/>
-            <a:round/>
-            <a:headEnd type="none" w="med" len="med"/>
-            <a:tailEnd type="arrow"/>
-          </a:ln>
-          <a:effectLst>
-            <a:outerShdw blurRad="12700" dist="12700" dir="5400000" algn="ctr" rotWithShape="0">
-              <a:srgbClr val="000000">
-                <a:alpha val="50000"/>
-              </a:srgbClr>
-            </a:outerShdw>
-          </a:effectLst>
-        </p:spPr>
-      </p:cxnSp>
-      <p:cxnSp>
-        <p:nvCxnSpPr>
-          <p:cNvPr id="31" name="直接箭头连接符 30"/>
-          <p:cNvCxnSpPr/>
-          <p:nvPr/>
-        </p:nvCxnSpPr>
-        <p:spPr bwMode="auto">
-          <a:xfrm>
-            <a:off x="4872768" y="4008487"/>
-            <a:ext cx="2498957" cy="806203"/>
-          </a:xfrm>
-          <a:prstGeom prst="straightConnector1">
-            <a:avLst/>
-          </a:prstGeom>
-          <a:solidFill>
-            <a:srgbClr val="FFFFFF"/>
-          </a:solidFill>
-          <a:ln w="25400" cap="flat" cmpd="sng" algn="ctr">
-            <a:solidFill>
-              <a:schemeClr val="bg1"/>
-            </a:solidFill>
-            <a:prstDash val="solid"/>
-            <a:round/>
-            <a:headEnd type="none" w="med" len="med"/>
-            <a:tailEnd type="arrow"/>
-          </a:ln>
-          <a:effectLst>
-            <a:outerShdw blurRad="12700" dist="12700" dir="5400000" algn="ctr" rotWithShape="0">
-              <a:srgbClr val="000000">
-                <a:alpha val="50000"/>
-              </a:srgbClr>
-            </a:outerShdw>
-          </a:effectLst>
-        </p:spPr>
-      </p:cxnSp>
-      <p:sp>
-        <p:nvSpPr>
-          <p:cNvPr id="32" name="流程图: 过程 31">
-            <a:extLst>
-              <a:ext uri="{FF2B5EF4-FFF2-40B4-BE49-F238E27FC236}">
-                <a16:creationId xmlns:a16="http://schemas.microsoft.com/office/drawing/2014/main" id="{DEE6F68B-D383-4456-A945-5D2426316FC6}"/>
-              </a:ext>
-            </a:extLst>
-          </p:cNvPr>
-          <p:cNvSpPr/>
-          <p:nvPr/>
-        </p:nvSpPr>
-        <p:spPr>
-          <a:xfrm rot="939490">
-            <a:off x="5359872" y="1408834"/>
-            <a:ext cx="1368481" cy="309427"/>
-          </a:xfrm>
-          <a:prstGeom prst="flowChartProcess">
-            <a:avLst/>
-          </a:prstGeom>
-          <a:noFill/>
-          <a:ln>
-            <a:noFill/>
-            <a:prstDash val="dash"/>
-          </a:ln>
-          <a:effectLst/>
-        </p:spPr>
-        <p:style>
-          <a:lnRef idx="2">
-            <a:schemeClr val="accent1">
-              <a:shade val="50000"/>
-            </a:schemeClr>
-          </a:lnRef>
-          <a:fillRef idx="1">
-            <a:schemeClr val="accent1"/>
-          </a:fillRef>
-          <a:effectRef idx="0">
-            <a:schemeClr val="accent1"/>
-          </a:effectRef>
-          <a:fontRef idx="minor">
-            <a:schemeClr val="lt1"/>
-          </a:fontRef>
-        </p:style>
-        <p:txBody>
-          <a:bodyPr rtlCol="0" anchor="ctr"/>
-          <a:lstStyle/>
-          <a:p>
-            <a:r>
-              <a:rPr lang="en-US" altLang="zh-CN" sz="1200" dirty="0"/>
-              <a:t>FIN(</a:t>
-            </a:r>
-            <a:r>
-              <a:rPr lang="en-US" altLang="zh-CN" sz="1200" dirty="0" err="1"/>
-              <a:t>seq</a:t>
-            </a:r>
-            <a:r>
-              <a:rPr lang="en-US" altLang="zh-CN" sz="1200" dirty="0"/>
-              <a:t> = u)</a:t>
-            </a:r>
-            <a:endParaRPr lang="zh-CN" altLang="en-US" sz="1200" dirty="0">
-              <a:solidFill>
-                <a:schemeClr val="bg1"/>
-              </a:solidFill>
-              <a:latin typeface="微软雅黑" panose="020B0503020204020204" pitchFamily="34" charset="-122"/>
-              <a:ea typeface="微软雅黑" panose="020B0503020204020204" pitchFamily="34" charset="-122"/>
-            </a:endParaRPr>
-          </a:p>
-        </p:txBody>
-      </p:sp>
-      <p:sp>
-        <p:nvSpPr>
-          <p:cNvPr id="33" name="流程图: 过程 32">
-            <a:extLst>
-              <a:ext uri="{FF2B5EF4-FFF2-40B4-BE49-F238E27FC236}">
-                <a16:creationId xmlns:a16="http://schemas.microsoft.com/office/drawing/2014/main" id="{DEE6F68B-D383-4456-A945-5D2426316FC6}"/>
-              </a:ext>
-            </a:extLst>
-          </p:cNvPr>
-          <p:cNvSpPr/>
-          <p:nvPr/>
-        </p:nvSpPr>
-        <p:spPr>
-          <a:xfrm rot="20789542">
-            <a:off x="4771785" y="2140644"/>
-            <a:ext cx="2419789" cy="309427"/>
-          </a:xfrm>
-          <a:prstGeom prst="flowChartProcess">
-            <a:avLst/>
-          </a:prstGeom>
-          <a:noFill/>
-          <a:ln>
-            <a:noFill/>
-            <a:prstDash val="dash"/>
-          </a:ln>
-          <a:effectLst/>
-        </p:spPr>
-        <p:style>
-          <a:lnRef idx="2">
-            <a:schemeClr val="accent1">
-              <a:shade val="50000"/>
-            </a:schemeClr>
-          </a:lnRef>
-          <a:fillRef idx="1">
-            <a:schemeClr val="accent1"/>
-          </a:fillRef>
-          <a:effectRef idx="0">
-            <a:schemeClr val="accent1"/>
-          </a:effectRef>
-          <a:fontRef idx="minor">
-            <a:schemeClr val="lt1"/>
-          </a:fontRef>
-        </p:style>
-        <p:txBody>
-          <a:bodyPr rtlCol="0" anchor="ctr"/>
-          <a:lstStyle/>
-          <a:p>
-            <a:r>
-              <a:rPr lang="en-US" altLang="zh-CN" sz="1200" dirty="0"/>
-              <a:t>  ACK(</a:t>
-            </a:r>
-            <a:r>
-              <a:rPr lang="en-US" altLang="zh-CN" sz="1200" dirty="0" err="1"/>
-              <a:t>seq</a:t>
-            </a:r>
-            <a:r>
-              <a:rPr lang="en-US" altLang="zh-CN" sz="1200" dirty="0"/>
-              <a:t> = v , </a:t>
-            </a:r>
-            <a:r>
-              <a:rPr lang="en-US" altLang="zh-CN" sz="1200" dirty="0" err="1"/>
-              <a:t>ack</a:t>
-            </a:r>
-            <a:r>
-              <a:rPr lang="en-US" altLang="zh-CN" sz="1200" dirty="0"/>
-              <a:t> = u + 1)</a:t>
-            </a:r>
-            <a:endParaRPr lang="zh-CN" altLang="en-US" sz="1200" dirty="0">
-              <a:solidFill>
-                <a:schemeClr val="bg1"/>
-              </a:solidFill>
-              <a:latin typeface="微软雅黑" panose="020B0503020204020204" pitchFamily="34" charset="-122"/>
-              <a:ea typeface="微软雅黑" panose="020B0503020204020204" pitchFamily="34" charset="-122"/>
-            </a:endParaRPr>
-          </a:p>
-        </p:txBody>
-      </p:sp>
-      <p:sp>
-        <p:nvSpPr>
-          <p:cNvPr id="34" name="流程图: 过程 33">
-            <a:extLst>
-              <a:ext uri="{FF2B5EF4-FFF2-40B4-BE49-F238E27FC236}">
-                <a16:creationId xmlns:a16="http://schemas.microsoft.com/office/drawing/2014/main" id="{DEE6F68B-D383-4456-A945-5D2426316FC6}"/>
-              </a:ext>
-            </a:extLst>
-          </p:cNvPr>
-          <p:cNvSpPr/>
-          <p:nvPr/>
-        </p:nvSpPr>
-        <p:spPr>
-          <a:xfrm rot="1059811">
-            <a:off x="5049374" y="4147165"/>
-            <a:ext cx="2325699" cy="309427"/>
-          </a:xfrm>
-          <a:prstGeom prst="flowChartProcess">
-            <a:avLst/>
-          </a:prstGeom>
-          <a:noFill/>
-          <a:ln>
-            <a:noFill/>
-            <a:prstDash val="dash"/>
-          </a:ln>
-          <a:effectLst/>
-        </p:spPr>
-        <p:style>
-          <a:lnRef idx="2">
-            <a:schemeClr val="accent1">
-              <a:shade val="50000"/>
-            </a:schemeClr>
-          </a:lnRef>
-          <a:fillRef idx="1">
-            <a:schemeClr val="accent1"/>
-          </a:fillRef>
-          <a:effectRef idx="0">
-            <a:schemeClr val="accent1"/>
-          </a:effectRef>
-          <a:fontRef idx="minor">
-            <a:schemeClr val="lt1"/>
-          </a:fontRef>
-        </p:style>
-        <p:txBody>
-          <a:bodyPr rtlCol="0" anchor="ctr"/>
-          <a:lstStyle/>
-          <a:p>
-            <a:r>
-              <a:rPr lang="en-US" altLang="zh-CN" sz="1200" dirty="0"/>
-              <a:t>ACK(</a:t>
-            </a:r>
-            <a:r>
-              <a:rPr lang="en-US" altLang="zh-CN" sz="1200" dirty="0" err="1"/>
-              <a:t>seq</a:t>
-            </a:r>
-            <a:r>
-              <a:rPr lang="en-US" altLang="zh-CN" sz="1200" dirty="0"/>
-              <a:t> = u +1 , </a:t>
-            </a:r>
-            <a:r>
-              <a:rPr lang="en-US" altLang="zh-CN" sz="1200" dirty="0" err="1"/>
-              <a:t>ack</a:t>
-            </a:r>
-            <a:r>
-              <a:rPr lang="en-US" altLang="zh-CN" sz="1200" dirty="0"/>
-              <a:t> = w + 1)</a:t>
-            </a:r>
-            <a:endParaRPr lang="zh-CN" altLang="en-US" sz="1200" dirty="0">
-              <a:solidFill>
-                <a:schemeClr val="bg1"/>
-              </a:solidFill>
-              <a:latin typeface="微软雅黑" panose="020B0503020204020204" pitchFamily="34" charset="-122"/>
-              <a:ea typeface="微软雅黑" panose="020B0503020204020204" pitchFamily="34" charset="-122"/>
-            </a:endParaRPr>
-          </a:p>
-        </p:txBody>
-      </p:sp>
-      <p:sp>
-        <p:nvSpPr>
-          <p:cNvPr id="26" name="矩形 25"/>
-          <p:cNvSpPr/>
-          <p:nvPr/>
-        </p:nvSpPr>
-        <p:spPr>
-          <a:xfrm>
-            <a:off x="5008343" y="5873651"/>
-            <a:ext cx="2047601" cy="323165"/>
-          </a:xfrm>
-          <a:prstGeom prst="rect">
-            <a:avLst/>
-          </a:prstGeom>
-          <a:effectLst/>
-        </p:spPr>
-        <p:txBody>
-          <a:bodyPr wrap="square">
-            <a:spAutoFit/>
-          </a:bodyPr>
-          <a:lstStyle/>
-          <a:p>
-            <a:r>
-              <a:rPr lang="en-US" altLang="zh-CN" sz="1500" dirty="0">
-                <a:solidFill>
-                  <a:schemeClr val="lt1"/>
-                </a:solidFill>
-                <a:latin typeface="+mn-lt"/>
-                <a:ea typeface="+mn-ea"/>
-                <a:cs typeface="+mn-cs"/>
-              </a:rPr>
-              <a:t>4</a:t>
-            </a:r>
-            <a:r>
-              <a:rPr lang="zh-CN" altLang="en-US" sz="1500" dirty="0">
-                <a:solidFill>
-                  <a:schemeClr val="lt1"/>
-                </a:solidFill>
-                <a:latin typeface="+mn-lt"/>
-                <a:ea typeface="+mn-ea"/>
-                <a:cs typeface="+mn-cs"/>
-              </a:rPr>
-              <a:t>次挥手流程图</a:t>
-            </a:r>
-          </a:p>
-        </p:txBody>
-      </p:sp>
-      <p:sp>
-        <p:nvSpPr>
-          <p:cNvPr id="23" name="矩形 22"/>
-          <p:cNvSpPr/>
-          <p:nvPr/>
-        </p:nvSpPr>
-        <p:spPr bwMode="auto">
-          <a:xfrm>
-            <a:off x="3409200" y="1361306"/>
-            <a:ext cx="1440000" cy="1370396"/>
-          </a:xfrm>
-          <a:prstGeom prst="rect">
-            <a:avLst/>
-          </a:prstGeom>
-          <a:solidFill>
-            <a:srgbClr val="FFAF06"/>
-          </a:solidFill>
-          <a:ln w="12700" cap="flat" cmpd="sng" algn="ctr">
-            <a:noFill/>
-            <a:prstDash val="solid"/>
-            <a:round/>
-            <a:headEnd type="none" w="med" len="med"/>
-            <a:tailEnd type="none"/>
-          </a:ln>
-          <a:effectLst/>
-        </p:spPr>
-        <p:txBody>
-          <a:bodyPr rtlCol="0" anchor="ctr"/>
-          <a:lstStyle/>
-          <a:p>
-            <a:r>
-              <a:rPr lang="en-US" altLang="zh-CN" sz="1400" dirty="0">
-                <a:solidFill>
-                  <a:schemeClr val="bg1"/>
-                </a:solidFill>
-              </a:rPr>
-              <a:t>FIN-WAIT-1</a:t>
-            </a:r>
-            <a:endParaRPr lang="zh-CN" altLang="en-US" sz="1400" dirty="0">
-              <a:solidFill>
-                <a:schemeClr val="bg1"/>
-              </a:solidFill>
-            </a:endParaRPr>
-          </a:p>
-        </p:txBody>
-      </p:sp>
-      <p:sp>
-        <p:nvSpPr>
-          <p:cNvPr id="27" name="矩形 26"/>
-          <p:cNvSpPr/>
-          <p:nvPr/>
-        </p:nvSpPr>
-        <p:spPr bwMode="auto">
-          <a:xfrm>
-            <a:off x="7379984" y="2053926"/>
-            <a:ext cx="1440000" cy="1335168"/>
-          </a:xfrm>
-          <a:prstGeom prst="rect">
-            <a:avLst/>
-          </a:prstGeom>
-          <a:solidFill>
-            <a:srgbClr val="FFAF06"/>
-          </a:solidFill>
-          <a:ln w="12700" cap="flat" cmpd="sng" algn="ctr">
-            <a:noFill/>
-            <a:prstDash val="solid"/>
-            <a:round/>
-            <a:headEnd type="none" w="med" len="med"/>
-            <a:tailEnd type="none"/>
-          </a:ln>
-          <a:effectLst/>
-        </p:spPr>
-        <p:txBody>
-          <a:bodyPr rtlCol="0" anchor="ctr"/>
-          <a:lstStyle/>
-          <a:p>
-            <a:r>
-              <a:rPr lang="en-US" altLang="zh-CN" sz="1400" dirty="0">
-                <a:solidFill>
-                  <a:schemeClr val="bg1"/>
-                </a:solidFill>
-              </a:rPr>
-              <a:t>CLOSE-WAIT</a:t>
-            </a:r>
-            <a:endParaRPr lang="zh-CN" altLang="en-US" sz="1400" dirty="0">
-              <a:solidFill>
-                <a:schemeClr val="bg1"/>
-              </a:solidFill>
-            </a:endParaRPr>
-          </a:p>
-        </p:txBody>
-      </p:sp>
-      <p:sp>
-        <p:nvSpPr>
-          <p:cNvPr id="39" name="矩形 38"/>
-          <p:cNvSpPr/>
-          <p:nvPr/>
-        </p:nvSpPr>
-        <p:spPr bwMode="auto">
-          <a:xfrm>
-            <a:off x="7379984" y="1014362"/>
-            <a:ext cx="1440000" cy="1046218"/>
-          </a:xfrm>
-          <a:prstGeom prst="rect">
-            <a:avLst/>
-          </a:prstGeom>
-          <a:solidFill>
-            <a:srgbClr val="87A13E"/>
-          </a:solidFill>
-          <a:ln w="12700" cap="flat" cmpd="sng" algn="ctr">
-            <a:noFill/>
-            <a:prstDash val="solid"/>
-            <a:round/>
-            <a:headEnd type="none" w="med" len="med"/>
-            <a:tailEnd type="none"/>
-          </a:ln>
-          <a:effectLst/>
-        </p:spPr>
-        <p:txBody>
-          <a:bodyPr rtlCol="0" anchor="ctr"/>
-          <a:lstStyle/>
-          <a:p>
-            <a:r>
-              <a:rPr lang="en-US" altLang="zh-CN" sz="1400" dirty="0">
-                <a:solidFill>
-                  <a:schemeClr val="bg1"/>
-                </a:solidFill>
-              </a:rPr>
-              <a:t>ESTABLISHED</a:t>
-            </a:r>
-            <a:endParaRPr lang="zh-CN" altLang="en-US" sz="1400" dirty="0">
-              <a:solidFill>
-                <a:schemeClr val="bg1"/>
-              </a:solidFill>
-            </a:endParaRPr>
-          </a:p>
-        </p:txBody>
-      </p:sp>
-      <p:sp>
-        <p:nvSpPr>
-          <p:cNvPr id="40" name="矩形 39"/>
-          <p:cNvSpPr/>
-          <p:nvPr/>
-        </p:nvSpPr>
-        <p:spPr bwMode="auto">
-          <a:xfrm>
-            <a:off x="3409200" y="1014288"/>
-            <a:ext cx="1440000" cy="351100"/>
-          </a:xfrm>
-          <a:prstGeom prst="rect">
-            <a:avLst/>
-          </a:prstGeom>
-          <a:solidFill>
-            <a:srgbClr val="87A13E"/>
-          </a:solidFill>
-          <a:ln w="12700" cap="flat" cmpd="sng" algn="ctr">
-            <a:noFill/>
-            <a:prstDash val="solid"/>
-            <a:round/>
-            <a:headEnd type="none" w="med" len="med"/>
-            <a:tailEnd type="none"/>
-          </a:ln>
-          <a:effectLst/>
-        </p:spPr>
-        <p:txBody>
-          <a:bodyPr rtlCol="0" anchor="ctr"/>
-          <a:lstStyle/>
-          <a:p>
-            <a:r>
-              <a:rPr lang="en-US" altLang="zh-CN" sz="1400" dirty="0">
-                <a:solidFill>
-                  <a:schemeClr val="bg1"/>
-                </a:solidFill>
-              </a:rPr>
-              <a:t>ESTABLISHED</a:t>
-            </a:r>
-            <a:endParaRPr lang="zh-CN" altLang="en-US" sz="1400" dirty="0">
-              <a:solidFill>
-                <a:schemeClr val="bg1"/>
-              </a:solidFill>
-            </a:endParaRPr>
-          </a:p>
-        </p:txBody>
-      </p:sp>
-      <p:cxnSp>
-        <p:nvCxnSpPr>
-          <p:cNvPr id="28" name="直接箭头连接符 27"/>
-          <p:cNvCxnSpPr/>
-          <p:nvPr/>
-        </p:nvCxnSpPr>
-        <p:spPr bwMode="auto">
-          <a:xfrm flipV="1">
-            <a:off x="5028276" y="1105037"/>
-            <a:ext cx="2160000" cy="8251"/>
-          </a:xfrm>
-          <a:prstGeom prst="straightConnector1">
-            <a:avLst/>
-          </a:prstGeom>
-          <a:solidFill>
-            <a:srgbClr val="FFFFFF"/>
-          </a:solidFill>
-          <a:ln w="25400" cap="flat" cmpd="sng" algn="ctr">
-            <a:solidFill>
-              <a:srgbClr val="87A13E"/>
-            </a:solidFill>
-            <a:prstDash val="solid"/>
-            <a:round/>
-            <a:headEnd type="arrow" w="med" len="med"/>
-            <a:tailEnd type="arrow"/>
-          </a:ln>
-          <a:effectLst/>
-        </p:spPr>
-      </p:cxnSp>
-      <p:sp>
-        <p:nvSpPr>
-          <p:cNvPr id="29" name="流程图: 过程 28">
-            <a:extLst>
-              <a:ext uri="{FF2B5EF4-FFF2-40B4-BE49-F238E27FC236}">
-                <a16:creationId xmlns:a16="http://schemas.microsoft.com/office/drawing/2014/main" id="{DEE6F68B-D383-4456-A945-5D2426316FC6}"/>
-              </a:ext>
-            </a:extLst>
-          </p:cNvPr>
-          <p:cNvSpPr/>
-          <p:nvPr/>
-        </p:nvSpPr>
-        <p:spPr>
-          <a:xfrm>
-            <a:off x="5077668" y="787722"/>
-            <a:ext cx="2089725" cy="309427"/>
-          </a:xfrm>
-          <a:prstGeom prst="flowChartProcess">
-            <a:avLst/>
-          </a:prstGeom>
-          <a:noFill/>
-          <a:ln>
-            <a:noFill/>
-            <a:prstDash val="dash"/>
-          </a:ln>
-          <a:effectLst/>
-        </p:spPr>
-        <p:style>
-          <a:lnRef idx="2">
-            <a:schemeClr val="accent1">
-              <a:shade val="50000"/>
-            </a:schemeClr>
-          </a:lnRef>
-          <a:fillRef idx="1">
-            <a:schemeClr val="accent1"/>
-          </a:fillRef>
-          <a:effectRef idx="0">
-            <a:schemeClr val="accent1"/>
-          </a:effectRef>
-          <a:fontRef idx="minor">
-            <a:schemeClr val="lt1"/>
-          </a:fontRef>
-        </p:style>
-        <p:txBody>
-          <a:bodyPr rtlCol="0" anchor="ctr"/>
-          <a:lstStyle/>
-          <a:p>
-            <a:r>
-              <a:rPr lang="zh-CN" altLang="en-US" sz="1200" dirty="0">
-                <a:solidFill>
-                  <a:srgbClr val="92D050"/>
-                </a:solidFill>
-              </a:rPr>
-              <a:t>数据传输</a:t>
-            </a:r>
-            <a:endParaRPr lang="zh-CN" altLang="en-US" sz="1200" dirty="0">
-              <a:solidFill>
-                <a:srgbClr val="92D050"/>
-              </a:solidFill>
-              <a:latin typeface="微软雅黑" panose="020B0503020204020204" pitchFamily="34" charset="-122"/>
-              <a:ea typeface="微软雅黑" panose="020B0503020204020204" pitchFamily="34" charset="-122"/>
-            </a:endParaRPr>
-          </a:p>
-        </p:txBody>
-      </p:sp>
-      <p:cxnSp>
-        <p:nvCxnSpPr>
-          <p:cNvPr id="30" name="直接箭头连接符 29"/>
-          <p:cNvCxnSpPr/>
-          <p:nvPr/>
-        </p:nvCxnSpPr>
-        <p:spPr bwMode="auto">
-          <a:xfrm flipV="1">
-            <a:off x="5028276" y="3021758"/>
-            <a:ext cx="2160000" cy="8251"/>
-          </a:xfrm>
-          <a:prstGeom prst="straightConnector1">
-            <a:avLst/>
-          </a:prstGeom>
-          <a:solidFill>
-            <a:srgbClr val="FFFFFF"/>
-          </a:solidFill>
-          <a:ln w="25400" cap="flat" cmpd="sng" algn="ctr">
-            <a:solidFill>
-              <a:srgbClr val="87A13E"/>
-            </a:solidFill>
-            <a:prstDash val="solid"/>
-            <a:round/>
-            <a:headEnd type="arrow" w="med" len="med"/>
-            <a:tailEnd type="none"/>
-          </a:ln>
-          <a:effectLst/>
-        </p:spPr>
-      </p:cxnSp>
-      <p:sp>
-        <p:nvSpPr>
-          <p:cNvPr id="35" name="流程图: 过程 34">
-            <a:extLst>
-              <a:ext uri="{FF2B5EF4-FFF2-40B4-BE49-F238E27FC236}">
-                <a16:creationId xmlns:a16="http://schemas.microsoft.com/office/drawing/2014/main" id="{DEE6F68B-D383-4456-A945-5D2426316FC6}"/>
-              </a:ext>
-            </a:extLst>
-          </p:cNvPr>
-          <p:cNvSpPr/>
-          <p:nvPr/>
-        </p:nvSpPr>
-        <p:spPr>
-          <a:xfrm>
-            <a:off x="5077668" y="2704443"/>
-            <a:ext cx="2089725" cy="309427"/>
-          </a:xfrm>
-          <a:prstGeom prst="flowChartProcess">
-            <a:avLst/>
-          </a:prstGeom>
-          <a:noFill/>
-          <a:ln>
-            <a:noFill/>
-            <a:prstDash val="dash"/>
-          </a:ln>
-          <a:effectLst/>
-        </p:spPr>
-        <p:style>
-          <a:lnRef idx="2">
-            <a:schemeClr val="accent1">
-              <a:shade val="50000"/>
-            </a:schemeClr>
-          </a:lnRef>
-          <a:fillRef idx="1">
-            <a:schemeClr val="accent1"/>
-          </a:fillRef>
-          <a:effectRef idx="0">
-            <a:schemeClr val="accent1"/>
-          </a:effectRef>
-          <a:fontRef idx="minor">
-            <a:schemeClr val="lt1"/>
-          </a:fontRef>
-        </p:style>
-        <p:txBody>
-          <a:bodyPr rtlCol="0" anchor="ctr"/>
-          <a:lstStyle/>
-          <a:p>
-            <a:r>
-              <a:rPr lang="zh-CN" altLang="en-US" sz="1200" dirty="0">
-                <a:solidFill>
-                  <a:srgbClr val="92D050"/>
-                </a:solidFill>
-              </a:rPr>
-              <a:t>数据传输</a:t>
-            </a:r>
-            <a:endParaRPr lang="zh-CN" altLang="en-US" sz="1200" dirty="0">
-              <a:solidFill>
-                <a:srgbClr val="92D050"/>
-              </a:solidFill>
-              <a:latin typeface="微软雅黑" panose="020B0503020204020204" pitchFamily="34" charset="-122"/>
-              <a:ea typeface="微软雅黑" panose="020B0503020204020204" pitchFamily="34" charset="-122"/>
-            </a:endParaRPr>
-          </a:p>
-        </p:txBody>
-      </p:sp>
-      <p:cxnSp>
-        <p:nvCxnSpPr>
-          <p:cNvPr id="36" name="直接箭头连接符 35"/>
-          <p:cNvCxnSpPr/>
-          <p:nvPr/>
-        </p:nvCxnSpPr>
-        <p:spPr bwMode="auto">
-          <a:xfrm flipH="1">
-            <a:off x="4879552" y="3381795"/>
-            <a:ext cx="2485103" cy="601707"/>
-          </a:xfrm>
-          <a:prstGeom prst="straightConnector1">
-            <a:avLst/>
-          </a:prstGeom>
-          <a:solidFill>
-            <a:srgbClr val="FFFFFF"/>
-          </a:solidFill>
-          <a:ln w="25400" cap="flat" cmpd="sng" algn="ctr">
-            <a:solidFill>
-              <a:schemeClr val="bg1"/>
-            </a:solidFill>
-            <a:prstDash val="solid"/>
-            <a:round/>
-            <a:headEnd type="none" w="med" len="med"/>
-            <a:tailEnd type="arrow"/>
-          </a:ln>
-          <a:effectLst>
-            <a:outerShdw blurRad="12700" dist="12700" dir="5400000" algn="ctr" rotWithShape="0">
-              <a:srgbClr val="000000">
-                <a:alpha val="50000"/>
-              </a:srgbClr>
-            </a:outerShdw>
-          </a:effectLst>
-        </p:spPr>
-      </p:cxnSp>
-      <p:sp>
-        <p:nvSpPr>
-          <p:cNvPr id="37" name="流程图: 过程 36">
-            <a:extLst>
-              <a:ext uri="{FF2B5EF4-FFF2-40B4-BE49-F238E27FC236}">
-                <a16:creationId xmlns:a16="http://schemas.microsoft.com/office/drawing/2014/main" id="{DEE6F68B-D383-4456-A945-5D2426316FC6}"/>
-              </a:ext>
-            </a:extLst>
-          </p:cNvPr>
-          <p:cNvSpPr/>
-          <p:nvPr/>
-        </p:nvSpPr>
-        <p:spPr>
-          <a:xfrm rot="20789542">
-            <a:off x="4764709" y="3401120"/>
-            <a:ext cx="2613763" cy="309427"/>
-          </a:xfrm>
-          <a:prstGeom prst="flowChartProcess">
-            <a:avLst/>
-          </a:prstGeom>
-          <a:noFill/>
-          <a:ln>
-            <a:noFill/>
-            <a:prstDash val="dash"/>
-          </a:ln>
-          <a:effectLst/>
-        </p:spPr>
-        <p:style>
-          <a:lnRef idx="2">
-            <a:schemeClr val="accent1">
-              <a:shade val="50000"/>
-            </a:schemeClr>
-          </a:lnRef>
-          <a:fillRef idx="1">
-            <a:schemeClr val="accent1"/>
-          </a:fillRef>
-          <a:effectRef idx="0">
-            <a:schemeClr val="accent1"/>
-          </a:effectRef>
-          <a:fontRef idx="minor">
-            <a:schemeClr val="lt1"/>
-          </a:fontRef>
-        </p:style>
-        <p:txBody>
-          <a:bodyPr rtlCol="0" anchor="ctr"/>
-          <a:lstStyle/>
-          <a:p>
-            <a:r>
-              <a:rPr lang="en-US" altLang="zh-CN" sz="1200" dirty="0"/>
-              <a:t>  (FIN , ACK)(</a:t>
-            </a:r>
-            <a:r>
-              <a:rPr lang="en-US" altLang="zh-CN" sz="1200" dirty="0" err="1"/>
-              <a:t>seq</a:t>
-            </a:r>
-            <a:r>
-              <a:rPr lang="en-US" altLang="zh-CN" sz="1200" dirty="0"/>
-              <a:t> = w , </a:t>
-            </a:r>
-            <a:r>
-              <a:rPr lang="en-US" altLang="zh-CN" sz="1200" dirty="0" err="1"/>
-              <a:t>ack</a:t>
-            </a:r>
-            <a:r>
-              <a:rPr lang="en-US" altLang="zh-CN" sz="1200" dirty="0"/>
-              <a:t> = u + 1)</a:t>
-            </a:r>
-            <a:endParaRPr lang="zh-CN" altLang="en-US" sz="1200" dirty="0">
-              <a:solidFill>
-                <a:schemeClr val="bg1"/>
-              </a:solidFill>
-              <a:latin typeface="微软雅黑" panose="020B0503020204020204" pitchFamily="34" charset="-122"/>
-              <a:ea typeface="微软雅黑" panose="020B0503020204020204" pitchFamily="34" charset="-122"/>
-            </a:endParaRPr>
-          </a:p>
-        </p:txBody>
-      </p:sp>
-      <p:sp>
-        <p:nvSpPr>
-          <p:cNvPr id="43" name="矩形 42"/>
-          <p:cNvSpPr/>
-          <p:nvPr/>
-        </p:nvSpPr>
-        <p:spPr bwMode="auto">
-          <a:xfrm>
-            <a:off x="3409200" y="2728393"/>
-            <a:ext cx="1440000" cy="1299937"/>
-          </a:xfrm>
-          <a:prstGeom prst="rect">
-            <a:avLst/>
-          </a:prstGeom>
-          <a:solidFill>
-            <a:srgbClr val="FFAF06"/>
-          </a:solidFill>
-          <a:ln w="12700" cap="flat" cmpd="sng" algn="ctr">
-            <a:noFill/>
-            <a:prstDash val="solid"/>
-            <a:round/>
-            <a:headEnd type="none" w="med" len="med"/>
-            <a:tailEnd type="none"/>
-          </a:ln>
-          <a:effectLst/>
-        </p:spPr>
-        <p:txBody>
-          <a:bodyPr rtlCol="0" anchor="ctr"/>
-          <a:lstStyle/>
-          <a:p>
-            <a:r>
-              <a:rPr lang="en-US" altLang="zh-CN" sz="1400" dirty="0">
-                <a:solidFill>
-                  <a:schemeClr val="bg1"/>
-                </a:solidFill>
-              </a:rPr>
-              <a:t>FIN-WAIT-2</a:t>
-            </a:r>
-            <a:endParaRPr lang="zh-CN" altLang="en-US" sz="1400" dirty="0">
-              <a:solidFill>
-                <a:schemeClr val="bg1"/>
-              </a:solidFill>
-            </a:endParaRPr>
-          </a:p>
-        </p:txBody>
-      </p:sp>
-      <p:sp>
-        <p:nvSpPr>
-          <p:cNvPr id="45" name="矩形 44"/>
-          <p:cNvSpPr/>
-          <p:nvPr/>
-        </p:nvSpPr>
-        <p:spPr bwMode="auto">
-          <a:xfrm>
-            <a:off x="7379984" y="3381796"/>
-            <a:ext cx="1440000" cy="1434324"/>
-          </a:xfrm>
-          <a:prstGeom prst="rect">
-            <a:avLst/>
-          </a:prstGeom>
-          <a:solidFill>
-            <a:srgbClr val="FFAF06"/>
-          </a:solidFill>
-          <a:ln w="12700" cap="flat" cmpd="sng" algn="ctr">
-            <a:noFill/>
-            <a:prstDash val="solid"/>
-            <a:round/>
-            <a:headEnd type="none" w="med" len="med"/>
-            <a:tailEnd type="none"/>
-          </a:ln>
-          <a:effectLst/>
-        </p:spPr>
-        <p:txBody>
-          <a:bodyPr rtlCol="0" anchor="ctr"/>
-          <a:lstStyle/>
-          <a:p>
-            <a:r>
-              <a:rPr lang="en-US" altLang="zh-CN" sz="1400" dirty="0">
-                <a:solidFill>
-                  <a:schemeClr val="bg1"/>
-                </a:solidFill>
-              </a:rPr>
-              <a:t>LAST-ACK</a:t>
-            </a:r>
-            <a:endParaRPr lang="zh-CN" altLang="en-US" sz="1400" dirty="0">
-              <a:solidFill>
-                <a:schemeClr val="bg1"/>
-              </a:solidFill>
-            </a:endParaRPr>
-          </a:p>
-        </p:txBody>
-      </p:sp>
-      <p:sp>
-        <p:nvSpPr>
-          <p:cNvPr id="46" name="矩形 45"/>
-          <p:cNvSpPr/>
-          <p:nvPr/>
-        </p:nvSpPr>
-        <p:spPr bwMode="auto">
-          <a:xfrm>
-            <a:off x="3409200" y="4015081"/>
-            <a:ext cx="1440000" cy="1319171"/>
-          </a:xfrm>
-          <a:prstGeom prst="rect">
-            <a:avLst/>
-          </a:prstGeom>
-          <a:solidFill>
-            <a:srgbClr val="FFAF06"/>
-          </a:solidFill>
-          <a:ln w="12700" cap="flat" cmpd="sng" algn="ctr">
-            <a:noFill/>
-            <a:prstDash val="solid"/>
-            <a:round/>
-            <a:headEnd type="none" w="med" len="med"/>
-            <a:tailEnd type="none"/>
-          </a:ln>
-          <a:effectLst/>
-        </p:spPr>
-        <p:txBody>
-          <a:bodyPr rtlCol="0" anchor="ctr"/>
-          <a:lstStyle/>
-          <a:p>
-            <a:r>
-              <a:rPr lang="en-US" altLang="zh-CN" sz="1400" dirty="0">
-                <a:solidFill>
-                  <a:schemeClr val="bg1"/>
-                </a:solidFill>
-              </a:rPr>
-              <a:t>TIME-WAIT</a:t>
-            </a:r>
-            <a:endParaRPr lang="zh-CN" altLang="en-US" sz="1400" dirty="0">
-              <a:solidFill>
-                <a:schemeClr val="bg1"/>
-              </a:solidFill>
-            </a:endParaRPr>
-          </a:p>
-        </p:txBody>
-      </p:sp>
-      <p:sp>
-        <p:nvSpPr>
-          <p:cNvPr id="47" name="矩形 46"/>
-          <p:cNvSpPr/>
-          <p:nvPr/>
-        </p:nvSpPr>
-        <p:spPr bwMode="auto">
-          <a:xfrm>
-            <a:off x="3409200" y="5334252"/>
-            <a:ext cx="1440000" cy="504056"/>
-          </a:xfrm>
-          <a:prstGeom prst="rect">
-            <a:avLst/>
-          </a:prstGeom>
-          <a:solidFill>
-            <a:srgbClr val="FE4E29"/>
-          </a:solidFill>
-          <a:ln w="12700" cap="flat" cmpd="sng" algn="ctr">
-            <a:noFill/>
-            <a:prstDash val="solid"/>
-            <a:round/>
-            <a:headEnd type="none" w="med" len="med"/>
-            <a:tailEnd type="none"/>
-          </a:ln>
-          <a:effectLst/>
-        </p:spPr>
-        <p:txBody>
-          <a:bodyPr rtlCol="0" anchor="ctr"/>
-          <a:lstStyle/>
-          <a:p>
-            <a:r>
-              <a:rPr lang="en-US" altLang="zh-CN" sz="1400" dirty="0">
-                <a:solidFill>
-                  <a:schemeClr val="bg1"/>
-                </a:solidFill>
-              </a:rPr>
-              <a:t>CLOSED</a:t>
-            </a:r>
-            <a:endParaRPr lang="zh-CN" altLang="en-US" sz="1400" dirty="0">
-              <a:solidFill>
-                <a:schemeClr val="bg1"/>
-              </a:solidFill>
-            </a:endParaRPr>
-          </a:p>
-        </p:txBody>
-      </p:sp>
-      <p:sp>
-        <p:nvSpPr>
-          <p:cNvPr id="48" name="矩形 47"/>
-          <p:cNvSpPr/>
-          <p:nvPr/>
-        </p:nvSpPr>
-        <p:spPr bwMode="auto">
-          <a:xfrm>
-            <a:off x="7379984" y="4812137"/>
-            <a:ext cx="1440000" cy="1022122"/>
-          </a:xfrm>
-          <a:prstGeom prst="rect">
-            <a:avLst/>
-          </a:prstGeom>
-          <a:solidFill>
-            <a:srgbClr val="FE4E29"/>
-          </a:solidFill>
-          <a:ln w="12700" cap="flat" cmpd="sng" algn="ctr">
-            <a:noFill/>
-            <a:prstDash val="solid"/>
-            <a:round/>
-            <a:headEnd type="none" w="med" len="med"/>
-            <a:tailEnd type="none"/>
-          </a:ln>
-          <a:effectLst/>
-        </p:spPr>
-        <p:txBody>
-          <a:bodyPr rtlCol="0" anchor="ctr"/>
-          <a:lstStyle/>
-          <a:p>
-            <a:r>
-              <a:rPr lang="en-US" altLang="zh-CN" sz="1400" dirty="0">
-                <a:solidFill>
-                  <a:schemeClr val="bg1"/>
-                </a:solidFill>
-              </a:rPr>
-              <a:t>CLOSED</a:t>
-            </a:r>
-            <a:endParaRPr lang="zh-CN" altLang="en-US" sz="1400" dirty="0">
-              <a:solidFill>
-                <a:schemeClr val="bg1"/>
-              </a:solidFill>
-            </a:endParaRPr>
-          </a:p>
-        </p:txBody>
-      </p:sp>
-      <p:cxnSp>
-        <p:nvCxnSpPr>
-          <p:cNvPr id="49" name="直接箭头连接符 48"/>
-          <p:cNvCxnSpPr/>
-          <p:nvPr/>
-        </p:nvCxnSpPr>
-        <p:spPr bwMode="auto">
-          <a:xfrm flipV="1">
-            <a:off x="3401721" y="2703335"/>
-            <a:ext cx="1440000" cy="8251"/>
-          </a:xfrm>
-          <a:prstGeom prst="straightConnector1">
-            <a:avLst/>
-          </a:prstGeom>
-          <a:solidFill>
-            <a:srgbClr val="FFFFFF"/>
-          </a:solidFill>
-          <a:ln w="12700" cap="flat" cmpd="sng" algn="ctr">
-            <a:solidFill>
-              <a:schemeClr val="bg1"/>
-            </a:solidFill>
-            <a:prstDash val="solid"/>
-            <a:round/>
-            <a:headEnd type="none" w="med" len="med"/>
-            <a:tailEnd type="none"/>
-          </a:ln>
-          <a:effectLst/>
-        </p:spPr>
-      </p:cxnSp>
-      <p:cxnSp>
-        <p:nvCxnSpPr>
-          <p:cNvPr id="50" name="直接箭头连接符 49"/>
-          <p:cNvCxnSpPr/>
-          <p:nvPr/>
-        </p:nvCxnSpPr>
-        <p:spPr bwMode="auto">
-          <a:xfrm flipV="1">
-            <a:off x="7371725" y="3388450"/>
-            <a:ext cx="1440000" cy="8251"/>
-          </a:xfrm>
-          <a:prstGeom prst="straightConnector1">
-            <a:avLst/>
-          </a:prstGeom>
-          <a:solidFill>
-            <a:srgbClr val="FFFFFF"/>
-          </a:solidFill>
-          <a:ln w="12700" cap="flat" cmpd="sng" algn="ctr">
-            <a:solidFill>
-              <a:schemeClr val="bg1"/>
-            </a:solidFill>
-            <a:prstDash val="solid"/>
-            <a:round/>
-            <a:headEnd type="none" w="med" len="med"/>
-            <a:tailEnd type="none"/>
-          </a:ln>
-          <a:effectLst/>
-        </p:spPr>
-      </p:cxnSp>
-      <p:cxnSp>
-        <p:nvCxnSpPr>
-          <p:cNvPr id="51" name="直接箭头连接符 50"/>
-          <p:cNvCxnSpPr/>
-          <p:nvPr/>
-        </p:nvCxnSpPr>
-        <p:spPr bwMode="auto">
-          <a:xfrm flipV="1">
-            <a:off x="3409200" y="4004361"/>
-            <a:ext cx="1440000" cy="8251"/>
-          </a:xfrm>
-          <a:prstGeom prst="straightConnector1">
-            <a:avLst/>
-          </a:prstGeom>
-          <a:solidFill>
-            <a:srgbClr val="FFFFFF"/>
-          </a:solidFill>
-          <a:ln w="12700" cap="flat" cmpd="sng" algn="ctr">
-            <a:solidFill>
-              <a:schemeClr val="bg1"/>
-            </a:solidFill>
-            <a:prstDash val="solid"/>
-            <a:round/>
-            <a:headEnd type="none" w="med" len="med"/>
-            <a:tailEnd type="none"/>
-          </a:ln>
-          <a:effectLst/>
-        </p:spPr>
-      </p:cxnSp>
-      <p:sp>
-        <p:nvSpPr>
-          <p:cNvPr id="52" name="流程图: 过程 51">
-            <a:extLst>
-              <a:ext uri="{FF2B5EF4-FFF2-40B4-BE49-F238E27FC236}">
-                <a16:creationId xmlns:a16="http://schemas.microsoft.com/office/drawing/2014/main" id="{DEE6F68B-D383-4456-A945-5D2426316FC6}"/>
-              </a:ext>
-            </a:extLst>
-          </p:cNvPr>
-          <p:cNvSpPr/>
-          <p:nvPr/>
-        </p:nvSpPr>
-        <p:spPr>
-          <a:xfrm>
-            <a:off x="2442472" y="1201422"/>
-            <a:ext cx="1034400" cy="297259"/>
-          </a:xfrm>
-          <a:prstGeom prst="flowChartProcess">
-            <a:avLst/>
-          </a:prstGeom>
-          <a:noFill/>
-          <a:ln>
-            <a:noFill/>
-            <a:prstDash val="dash"/>
-          </a:ln>
-          <a:effectLst/>
-        </p:spPr>
-        <p:style>
-          <a:lnRef idx="2">
-            <a:schemeClr val="accent1">
-              <a:shade val="50000"/>
-            </a:schemeClr>
-          </a:lnRef>
-          <a:fillRef idx="1">
-            <a:schemeClr val="accent1"/>
-          </a:fillRef>
-          <a:effectRef idx="0">
-            <a:schemeClr val="accent1"/>
-          </a:effectRef>
-          <a:fontRef idx="minor">
-            <a:schemeClr val="lt1"/>
-          </a:fontRef>
-        </p:style>
-        <p:txBody>
-          <a:bodyPr rtlCol="0" anchor="ctr"/>
-          <a:lstStyle/>
-          <a:p>
-            <a:r>
-              <a:rPr lang="zh-CN" altLang="en-US" sz="1200" dirty="0">
-                <a:solidFill>
-                  <a:schemeClr val="bg1"/>
-                </a:solidFill>
-              </a:rPr>
-              <a:t>主动关闭</a:t>
-            </a:r>
-            <a:endParaRPr lang="zh-CN" altLang="en-US" sz="1200" dirty="0">
-              <a:solidFill>
-                <a:schemeClr val="bg1"/>
-              </a:solidFill>
-              <a:latin typeface="微软雅黑" panose="020B0503020204020204" pitchFamily="34" charset="-122"/>
-              <a:ea typeface="微软雅黑" panose="020B0503020204020204" pitchFamily="34" charset="-122"/>
-            </a:endParaRPr>
-          </a:p>
-        </p:txBody>
-      </p:sp>
-      <p:sp>
-        <p:nvSpPr>
-          <p:cNvPr id="53" name="流程图: 过程 52">
-            <a:extLst>
-              <a:ext uri="{FF2B5EF4-FFF2-40B4-BE49-F238E27FC236}">
-                <a16:creationId xmlns:a16="http://schemas.microsoft.com/office/drawing/2014/main" id="{DEE6F68B-D383-4456-A945-5D2426316FC6}"/>
-              </a:ext>
-            </a:extLst>
-          </p:cNvPr>
-          <p:cNvSpPr/>
-          <p:nvPr/>
-        </p:nvSpPr>
-        <p:spPr>
-          <a:xfrm>
-            <a:off x="8774713" y="3229731"/>
-            <a:ext cx="921687" cy="297259"/>
-          </a:xfrm>
-          <a:prstGeom prst="flowChartProcess">
-            <a:avLst/>
-          </a:prstGeom>
-          <a:noFill/>
-          <a:ln>
-            <a:noFill/>
-            <a:prstDash val="dash"/>
-          </a:ln>
-          <a:effectLst/>
-        </p:spPr>
-        <p:style>
-          <a:lnRef idx="2">
-            <a:schemeClr val="accent1">
-              <a:shade val="50000"/>
-            </a:schemeClr>
-          </a:lnRef>
-          <a:fillRef idx="1">
-            <a:schemeClr val="accent1"/>
-          </a:fillRef>
-          <a:effectRef idx="0">
-            <a:schemeClr val="accent1"/>
-          </a:effectRef>
-          <a:fontRef idx="minor">
-            <a:schemeClr val="lt1"/>
-          </a:fontRef>
-        </p:style>
-        <p:txBody>
-          <a:bodyPr rtlCol="0" anchor="ctr"/>
-          <a:lstStyle/>
-          <a:p>
-            <a:r>
-              <a:rPr lang="zh-CN" altLang="en-US" sz="1200" dirty="0">
-                <a:solidFill>
-                  <a:schemeClr val="bg1"/>
-                </a:solidFill>
-              </a:rPr>
-              <a:t>被动关闭</a:t>
-            </a:r>
-            <a:endParaRPr lang="zh-CN" altLang="en-US" sz="1200" dirty="0">
-              <a:solidFill>
-                <a:schemeClr val="bg1"/>
-              </a:solidFill>
-              <a:latin typeface="微软雅黑" panose="020B0503020204020204" pitchFamily="34" charset="-122"/>
-              <a:ea typeface="微软雅黑" panose="020B0503020204020204" pitchFamily="34" charset="-122"/>
-            </a:endParaRPr>
-          </a:p>
-        </p:txBody>
-      </p:sp>
-      <p:sp>
-        <p:nvSpPr>
-          <p:cNvPr id="54" name="流程图: 过程 53">
-            <a:extLst>
-              <a:ext uri="{FF2B5EF4-FFF2-40B4-BE49-F238E27FC236}">
-                <a16:creationId xmlns:a16="http://schemas.microsoft.com/office/drawing/2014/main" id="{DEE6F68B-D383-4456-A945-5D2426316FC6}"/>
-              </a:ext>
-            </a:extLst>
-          </p:cNvPr>
-          <p:cNvSpPr/>
-          <p:nvPr/>
-        </p:nvSpPr>
-        <p:spPr>
-          <a:xfrm>
-            <a:off x="2279576" y="4526035"/>
-            <a:ext cx="946382" cy="297259"/>
-          </a:xfrm>
-          <a:prstGeom prst="flowChartProcess">
-            <a:avLst/>
-          </a:prstGeom>
-          <a:noFill/>
-          <a:ln>
-            <a:noFill/>
-            <a:prstDash val="dash"/>
-          </a:ln>
-          <a:effectLst/>
-        </p:spPr>
-        <p:style>
-          <a:lnRef idx="2">
-            <a:schemeClr val="accent1">
-              <a:shade val="50000"/>
-            </a:schemeClr>
-          </a:lnRef>
-          <a:fillRef idx="1">
-            <a:schemeClr val="accent1"/>
-          </a:fillRef>
-          <a:effectRef idx="0">
-            <a:schemeClr val="accent1"/>
-          </a:effectRef>
-          <a:fontRef idx="minor">
-            <a:schemeClr val="lt1"/>
-          </a:fontRef>
-        </p:style>
-        <p:txBody>
-          <a:bodyPr rtlCol="0" anchor="ctr"/>
-          <a:lstStyle/>
-          <a:p>
-            <a:r>
-              <a:rPr lang="zh-CN" altLang="en-US" sz="1200" dirty="0">
-                <a:solidFill>
-                  <a:schemeClr val="bg1"/>
-                </a:solidFill>
-              </a:rPr>
-              <a:t>等待</a:t>
-            </a:r>
-            <a:r>
-              <a:rPr lang="en-US" altLang="zh-CN" sz="1200" dirty="0">
-                <a:solidFill>
-                  <a:schemeClr val="bg1"/>
-                </a:solidFill>
-              </a:rPr>
-              <a:t>2MSL</a:t>
-            </a:r>
-            <a:endParaRPr lang="zh-CN" altLang="en-US" sz="1200" dirty="0">
-              <a:solidFill>
-                <a:schemeClr val="bg1"/>
-              </a:solidFill>
-              <a:latin typeface="微软雅黑" panose="020B0503020204020204" pitchFamily="34" charset="-122"/>
-              <a:ea typeface="微软雅黑" panose="020B0503020204020204" pitchFamily="34" charset="-122"/>
-            </a:endParaRPr>
-          </a:p>
-        </p:txBody>
-      </p:sp>
-      <p:cxnSp>
-        <p:nvCxnSpPr>
-          <p:cNvPr id="14" name="肘形连接符 13"/>
-          <p:cNvCxnSpPr/>
-          <p:nvPr/>
-        </p:nvCxnSpPr>
-        <p:spPr bwMode="auto">
-          <a:xfrm rot="16200000" flipH="1">
-            <a:off x="2931614" y="4854885"/>
-            <a:ext cx="683152" cy="272023"/>
-          </a:xfrm>
-          <a:prstGeom prst="bentConnector3">
-            <a:avLst>
-              <a:gd name="adj1" fmla="val 100194"/>
-            </a:avLst>
-          </a:prstGeom>
-          <a:solidFill>
-            <a:srgbClr val="FFFFFF"/>
-          </a:solidFill>
-          <a:ln w="19050" cap="flat" cmpd="sng" algn="ctr">
-            <a:solidFill>
-              <a:schemeClr val="bg1"/>
-            </a:solidFill>
-            <a:prstDash val="solid"/>
-            <a:round/>
-            <a:headEnd type="none" w="med" len="med"/>
-            <a:tailEnd type="arrow"/>
-          </a:ln>
-          <a:effectLst>
-            <a:outerShdw blurRad="12700" dist="12700" dir="5400000" algn="ctr" rotWithShape="0">
-              <a:srgbClr val="000000">
-                <a:alpha val="50000"/>
-              </a:srgbClr>
-            </a:outerShdw>
-          </a:effectLst>
-        </p:spPr>
-      </p:cxnSp>
-      <p:cxnSp>
-        <p:nvCxnSpPr>
-          <p:cNvPr id="55" name="肘形连接符 54"/>
-          <p:cNvCxnSpPr/>
-          <p:nvPr/>
-        </p:nvCxnSpPr>
-        <p:spPr bwMode="auto">
-          <a:xfrm rot="5400000" flipH="1" flipV="1">
-            <a:off x="2873836" y="4271372"/>
-            <a:ext cx="794958" cy="266574"/>
-          </a:xfrm>
-          <a:prstGeom prst="bentConnector3">
-            <a:avLst>
-              <a:gd name="adj1" fmla="val 98886"/>
-            </a:avLst>
-          </a:prstGeom>
-          <a:solidFill>
-            <a:srgbClr val="FFFFFF"/>
-          </a:solidFill>
-          <a:ln w="19050" cap="flat" cmpd="sng" algn="ctr">
-            <a:solidFill>
-              <a:schemeClr val="bg1"/>
-            </a:solidFill>
-            <a:prstDash val="solid"/>
-            <a:round/>
-            <a:headEnd type="none" w="med" len="med"/>
-            <a:tailEnd type="none"/>
-          </a:ln>
-          <a:effectLst>
-            <a:outerShdw blurRad="12700" dist="12700" dir="5400000" algn="ctr" rotWithShape="0">
-              <a:srgbClr val="000000">
-                <a:alpha val="50000"/>
-              </a:srgbClr>
-            </a:outerShdw>
-          </a:effectLst>
-        </p:spPr>
-      </p:cxnSp>
-    </p:spTree>
-    <p:extLst>
-      <p:ext uri="{BB962C8B-B14F-4D97-AF65-F5344CB8AC3E}">
-        <p14:creationId xmlns:p14="http://schemas.microsoft.com/office/powerpoint/2010/main" val="3913378387"/>
-      </p:ext>
-    </p:extLst>
-  </p:cSld>
-  <p:clrMapOvr>
-    <a:masterClrMapping/>
-  </p:clrMapOvr>
-  <p:transition spd="med"/>
-</p:sld>
-</file>
-
-<file path=ppt/slides/slide15.xml><?xml version="1.0" encoding="utf-8"?>
-<p:sld xmlns:a="http://schemas.openxmlformats.org/drawingml/2006/main" xmlns:r="http://schemas.openxmlformats.org/officeDocument/2006/relationships" xmlns:p="http://schemas.openxmlformats.org/presentationml/2006/main" showMasterSp="0">
-  <p:cSld>
-    <p:bg>
-      <p:bgPr>
-        <a:blipFill dpi="0" rotWithShape="1">
-          <a:blip r:embed="rId2">
-            <a:lum/>
-          </a:blip>
-          <a:srcRect/>
-          <a:stretch>
-            <a:fillRect/>
-          </a:stretch>
-        </a:blipFill>
-        <a:effectLst/>
-      </p:bgPr>
-    </p:bg>
-    <p:spTree>
-      <p:nvGrpSpPr>
-        <p:cNvPr id="1" name=""/>
-        <p:cNvGrpSpPr/>
-        <p:nvPr/>
-      </p:nvGrpSpPr>
-      <p:grpSpPr>
-        <a:xfrm>
-          <a:off x="0" y="0"/>
-          <a:ext cx="0" cy="0"/>
-          <a:chOff x="0" y="0"/>
-          <a:chExt cx="0" cy="0"/>
-        </a:xfrm>
-      </p:grpSpPr>
-      <p:pic>
-        <p:nvPicPr>
-          <p:cNvPr id="79" name="图片 78">
-            <a:extLst>
-              <a:ext uri="{FF2B5EF4-FFF2-40B4-BE49-F238E27FC236}">
-                <a16:creationId xmlns:a16="http://schemas.microsoft.com/office/drawing/2014/main" id="{E2D1C9F4-9C3D-45B1-AFD5-7C10A6DFE41C}"/>
-              </a:ext>
-            </a:extLst>
-          </p:cNvPr>
-          <p:cNvPicPr>
-            <a:picLocks noChangeAspect="1"/>
-          </p:cNvPicPr>
-          <p:nvPr/>
-        </p:nvPicPr>
-        <p:blipFill>
-          <a:blip r:embed="rId3">
-            <a:extLst>
-              <a:ext uri="{28A0092B-C50C-407E-A947-70E740481C1C}">
-                <a14:useLocalDpi xmlns:a14="http://schemas.microsoft.com/office/drawing/2010/main" val="0"/>
-              </a:ext>
-            </a:extLst>
-          </a:blip>
-          <a:stretch>
-            <a:fillRect/>
-          </a:stretch>
-        </p:blipFill>
-        <p:spPr>
-          <a:xfrm>
-            <a:off x="2444939" y="1719646"/>
-            <a:ext cx="6444411" cy="3869594"/>
-          </a:xfrm>
-          <a:prstGeom prst="rect">
-            <a:avLst/>
-          </a:prstGeom>
-          <a:ln>
-            <a:solidFill>
-              <a:schemeClr val="bg1"/>
-            </a:solidFill>
-          </a:ln>
-          <a:effectLst/>
-        </p:spPr>
-      </p:pic>
-      <p:sp>
-        <p:nvSpPr>
-          <p:cNvPr id="30" name="矩形 29">
-            <a:extLst>
-              <a:ext uri="{FF2B5EF4-FFF2-40B4-BE49-F238E27FC236}">
-                <a16:creationId xmlns:a16="http://schemas.microsoft.com/office/drawing/2014/main" id="{4765E529-4A59-4ECE-9314-B29D263FFE19}"/>
-              </a:ext>
-            </a:extLst>
-          </p:cNvPr>
-          <p:cNvSpPr/>
-          <p:nvPr/>
-        </p:nvSpPr>
-        <p:spPr bwMode="auto">
-          <a:xfrm rot="10800000">
-            <a:off x="6598049" y="2916099"/>
-            <a:ext cx="648072" cy="506509"/>
-          </a:xfrm>
-          <a:prstGeom prst="rect">
-            <a:avLst/>
-          </a:prstGeom>
-          <a:solidFill>
-            <a:srgbClr val="505460"/>
-          </a:solidFill>
-          <a:ln w="12700" cap="flat" cmpd="sng" algn="ctr">
-            <a:noFill/>
-            <a:prstDash val="solid"/>
-            <a:round/>
-            <a:headEnd type="none" w="med" len="med"/>
-            <a:tailEnd type="none"/>
-          </a:ln>
-          <a:effectLst/>
-        </p:spPr>
-        <p:txBody>
-          <a:bodyPr rtlCol="0" anchor="ctr"/>
-          <a:lstStyle/>
-          <a:p>
-            <a:endParaRPr lang="zh-CN" altLang="en-US" sz="1400" dirty="0">
-              <a:solidFill>
-                <a:schemeClr val="bg1"/>
-              </a:solidFill>
-            </a:endParaRPr>
-          </a:p>
-        </p:txBody>
-      </p:sp>
-      <p:sp>
-        <p:nvSpPr>
-          <p:cNvPr id="41" name="矩形 40">
-            <a:extLst>
-              <a:ext uri="{FF2B5EF4-FFF2-40B4-BE49-F238E27FC236}">
-                <a16:creationId xmlns:a16="http://schemas.microsoft.com/office/drawing/2014/main" id="{ADC9A9BF-7504-44BC-AEED-726E4ADC2956}"/>
-              </a:ext>
-            </a:extLst>
-          </p:cNvPr>
-          <p:cNvSpPr/>
-          <p:nvPr/>
-        </p:nvSpPr>
-        <p:spPr bwMode="auto">
-          <a:xfrm>
-            <a:off x="3721342" y="1916832"/>
-            <a:ext cx="648072" cy="504056"/>
-          </a:xfrm>
-          <a:prstGeom prst="rect">
-            <a:avLst/>
-          </a:prstGeom>
-          <a:noFill/>
-          <a:ln w="12700" cap="flat" cmpd="sng" algn="ctr">
-            <a:solidFill>
-              <a:schemeClr val="bg1"/>
-            </a:solidFill>
-            <a:prstDash val="solid"/>
-            <a:round/>
-            <a:headEnd type="none" w="med" len="med"/>
-            <a:tailEnd type="none"/>
-          </a:ln>
-          <a:effectLst/>
-        </p:spPr>
-        <p:txBody>
-          <a:bodyPr rtlCol="0" anchor="ctr"/>
-          <a:lstStyle/>
-          <a:p>
-            <a:r>
-              <a:rPr lang="zh-CN" altLang="en-US" sz="1400" dirty="0">
-                <a:solidFill>
-                  <a:schemeClr val="bg1"/>
-                </a:solidFill>
-              </a:rPr>
-              <a:t>空格</a:t>
-            </a:r>
-          </a:p>
-        </p:txBody>
-      </p:sp>
-      <p:sp>
-        <p:nvSpPr>
-          <p:cNvPr id="42" name="矩形 41">
-            <a:extLst>
-              <a:ext uri="{FF2B5EF4-FFF2-40B4-BE49-F238E27FC236}">
-                <a16:creationId xmlns:a16="http://schemas.microsoft.com/office/drawing/2014/main" id="{7AAA25DC-23F1-4047-B85C-90717541729E}"/>
-              </a:ext>
-            </a:extLst>
-          </p:cNvPr>
-          <p:cNvSpPr/>
-          <p:nvPr/>
-        </p:nvSpPr>
-        <p:spPr bwMode="auto">
-          <a:xfrm>
-            <a:off x="2713230" y="1916832"/>
-            <a:ext cx="1008112" cy="504056"/>
-          </a:xfrm>
-          <a:prstGeom prst="rect">
-            <a:avLst/>
-          </a:prstGeom>
-          <a:solidFill>
-            <a:srgbClr val="87A13E"/>
-          </a:solidFill>
-          <a:ln w="12700" cap="flat" cmpd="sng" algn="ctr">
-            <a:solidFill>
-              <a:schemeClr val="bg1"/>
-            </a:solidFill>
-            <a:prstDash val="solid"/>
-            <a:round/>
-            <a:headEnd type="none" w="med" len="med"/>
-            <a:tailEnd type="none"/>
-          </a:ln>
-          <a:effectLst/>
-        </p:spPr>
-        <p:txBody>
-          <a:bodyPr rtlCol="0" anchor="ctr"/>
-          <a:lstStyle/>
-          <a:p>
-            <a:r>
-              <a:rPr lang="zh-CN" altLang="en-US" sz="1400" dirty="0">
-                <a:solidFill>
-                  <a:schemeClr val="bg1"/>
-                </a:solidFill>
-              </a:rPr>
-              <a:t>请求方法</a:t>
-            </a:r>
-          </a:p>
-        </p:txBody>
-      </p:sp>
-      <p:sp>
-        <p:nvSpPr>
-          <p:cNvPr id="44" name="矩形 43">
-            <a:extLst>
-              <a:ext uri="{FF2B5EF4-FFF2-40B4-BE49-F238E27FC236}">
-                <a16:creationId xmlns:a16="http://schemas.microsoft.com/office/drawing/2014/main" id="{E6A040D5-86AE-4D08-87CB-86CA50F84E9F}"/>
-              </a:ext>
-            </a:extLst>
-          </p:cNvPr>
-          <p:cNvSpPr/>
-          <p:nvPr/>
-        </p:nvSpPr>
-        <p:spPr bwMode="auto">
-          <a:xfrm>
-            <a:off x="2711624" y="3937000"/>
-            <a:ext cx="4963734" cy="500112"/>
-          </a:xfrm>
-          <a:prstGeom prst="rect">
-            <a:avLst/>
-          </a:prstGeom>
-          <a:noFill/>
-          <a:ln w="12700" cap="flat" cmpd="sng" algn="ctr">
-            <a:solidFill>
-              <a:schemeClr val="bg1"/>
-            </a:solidFill>
-            <a:prstDash val="solid"/>
-            <a:round/>
-            <a:headEnd type="none" w="med" len="med"/>
-            <a:tailEnd type="none"/>
-          </a:ln>
-          <a:effectLst/>
-        </p:spPr>
-        <p:txBody>
-          <a:bodyPr rtlCol="0" anchor="ctr"/>
-          <a:lstStyle/>
-          <a:p>
-            <a:r>
-              <a:rPr lang="en-US" altLang="zh-CN" sz="1400" dirty="0">
-                <a:solidFill>
-                  <a:schemeClr val="bg1"/>
-                </a:solidFill>
-              </a:rPr>
-              <a:t>CRLF</a:t>
-            </a:r>
-            <a:endParaRPr lang="zh-CN" altLang="en-US" sz="1400" dirty="0">
-              <a:solidFill>
-                <a:schemeClr val="bg1"/>
-              </a:solidFill>
-            </a:endParaRPr>
-          </a:p>
-        </p:txBody>
-      </p:sp>
-      <p:sp>
-        <p:nvSpPr>
-          <p:cNvPr id="56" name="矩形 55">
-            <a:extLst>
-              <a:ext uri="{FF2B5EF4-FFF2-40B4-BE49-F238E27FC236}">
-                <a16:creationId xmlns:a16="http://schemas.microsoft.com/office/drawing/2014/main" id="{B79A3CB5-0323-48E0-9FC3-39878229CB51}"/>
-              </a:ext>
-            </a:extLst>
-          </p:cNvPr>
-          <p:cNvSpPr/>
-          <p:nvPr/>
-        </p:nvSpPr>
-        <p:spPr bwMode="auto">
-          <a:xfrm>
-            <a:off x="4366202" y="1916832"/>
-            <a:ext cx="1008112" cy="504056"/>
-          </a:xfrm>
-          <a:prstGeom prst="rect">
-            <a:avLst/>
-          </a:prstGeom>
-          <a:solidFill>
-            <a:srgbClr val="87A13E"/>
-          </a:solidFill>
-          <a:ln w="12700" cap="flat" cmpd="sng" algn="ctr">
-            <a:solidFill>
-              <a:schemeClr val="bg1"/>
-            </a:solidFill>
-            <a:prstDash val="solid"/>
-            <a:round/>
-            <a:headEnd type="none" w="med" len="med"/>
-            <a:tailEnd type="none"/>
-          </a:ln>
-          <a:effectLst/>
-        </p:spPr>
-        <p:txBody>
-          <a:bodyPr rtlCol="0" anchor="ctr"/>
-          <a:lstStyle/>
-          <a:p>
-            <a:r>
-              <a:rPr lang="en-US" altLang="zh-CN" sz="1400" dirty="0">
-                <a:solidFill>
-                  <a:schemeClr val="bg1"/>
-                </a:solidFill>
-              </a:rPr>
-              <a:t>URL</a:t>
-            </a:r>
-            <a:endParaRPr lang="zh-CN" altLang="en-US" sz="1400" dirty="0">
-              <a:solidFill>
-                <a:schemeClr val="bg1"/>
-              </a:solidFill>
-            </a:endParaRPr>
-          </a:p>
-        </p:txBody>
-      </p:sp>
-      <p:sp>
-        <p:nvSpPr>
-          <p:cNvPr id="57" name="矩形 56">
-            <a:extLst>
-              <a:ext uri="{FF2B5EF4-FFF2-40B4-BE49-F238E27FC236}">
-                <a16:creationId xmlns:a16="http://schemas.microsoft.com/office/drawing/2014/main" id="{6C93715E-5AFD-44E7-9BC2-C0DA887AF135}"/>
-              </a:ext>
-            </a:extLst>
-          </p:cNvPr>
-          <p:cNvSpPr/>
-          <p:nvPr/>
-        </p:nvSpPr>
-        <p:spPr bwMode="auto">
-          <a:xfrm>
-            <a:off x="5374314" y="1916832"/>
-            <a:ext cx="648072" cy="504056"/>
-          </a:xfrm>
-          <a:prstGeom prst="rect">
-            <a:avLst/>
-          </a:prstGeom>
-          <a:noFill/>
-          <a:ln w="12700" cap="flat" cmpd="sng" algn="ctr">
-            <a:solidFill>
-              <a:schemeClr val="bg1"/>
-            </a:solidFill>
-            <a:prstDash val="solid"/>
-            <a:round/>
-            <a:headEnd type="none" w="med" len="med"/>
-            <a:tailEnd type="none"/>
-          </a:ln>
-          <a:effectLst/>
-        </p:spPr>
-        <p:txBody>
-          <a:bodyPr rtlCol="0" anchor="ctr"/>
-          <a:lstStyle/>
-          <a:p>
-            <a:r>
-              <a:rPr lang="zh-CN" altLang="en-US" sz="1400" dirty="0">
-                <a:solidFill>
-                  <a:schemeClr val="bg1"/>
-                </a:solidFill>
-              </a:rPr>
-              <a:t>空格</a:t>
-            </a:r>
-          </a:p>
-        </p:txBody>
-      </p:sp>
-      <p:sp>
-        <p:nvSpPr>
-          <p:cNvPr id="58" name="矩形 57">
-            <a:extLst>
-              <a:ext uri="{FF2B5EF4-FFF2-40B4-BE49-F238E27FC236}">
-                <a16:creationId xmlns:a16="http://schemas.microsoft.com/office/drawing/2014/main" id="{C702CE14-A385-4F9B-8E80-574B680F9DEB}"/>
-              </a:ext>
-            </a:extLst>
-          </p:cNvPr>
-          <p:cNvSpPr/>
-          <p:nvPr/>
-        </p:nvSpPr>
-        <p:spPr bwMode="auto">
-          <a:xfrm>
-            <a:off x="6019174" y="1916832"/>
-            <a:ext cx="1008112" cy="504056"/>
-          </a:xfrm>
-          <a:prstGeom prst="rect">
-            <a:avLst/>
-          </a:prstGeom>
-          <a:solidFill>
-            <a:srgbClr val="87A13E"/>
-          </a:solidFill>
-          <a:ln w="12700" cap="flat" cmpd="sng" algn="ctr">
-            <a:solidFill>
-              <a:schemeClr val="bg1"/>
-            </a:solidFill>
-            <a:prstDash val="solid"/>
-            <a:round/>
-            <a:headEnd type="none" w="med" len="med"/>
-            <a:tailEnd type="none"/>
-          </a:ln>
-          <a:effectLst/>
-        </p:spPr>
-        <p:txBody>
-          <a:bodyPr rtlCol="0" anchor="ctr"/>
-          <a:lstStyle/>
-          <a:p>
-            <a:r>
-              <a:rPr lang="zh-CN" altLang="en-US" sz="1400" dirty="0">
-                <a:solidFill>
-                  <a:schemeClr val="bg1"/>
-                </a:solidFill>
-              </a:rPr>
-              <a:t>协议版本</a:t>
-            </a:r>
-          </a:p>
-        </p:txBody>
-      </p:sp>
-      <p:sp>
-        <p:nvSpPr>
-          <p:cNvPr id="59" name="矩形 58">
-            <a:extLst>
-              <a:ext uri="{FF2B5EF4-FFF2-40B4-BE49-F238E27FC236}">
-                <a16:creationId xmlns:a16="http://schemas.microsoft.com/office/drawing/2014/main" id="{3F458595-BBB6-422A-B4A5-EE5C497A5AC2}"/>
-              </a:ext>
-            </a:extLst>
-          </p:cNvPr>
-          <p:cNvSpPr/>
-          <p:nvPr/>
-        </p:nvSpPr>
-        <p:spPr bwMode="auto">
-          <a:xfrm>
-            <a:off x="7027286" y="1916832"/>
-            <a:ext cx="648072" cy="504056"/>
-          </a:xfrm>
-          <a:prstGeom prst="rect">
-            <a:avLst/>
-          </a:prstGeom>
-          <a:noFill/>
-          <a:ln w="12700" cap="flat" cmpd="sng" algn="ctr">
-            <a:solidFill>
-              <a:schemeClr val="bg1"/>
-            </a:solidFill>
-            <a:prstDash val="solid"/>
-            <a:round/>
-            <a:headEnd type="none" w="med" len="med"/>
-            <a:tailEnd type="none"/>
-          </a:ln>
-          <a:effectLst/>
-        </p:spPr>
-        <p:txBody>
-          <a:bodyPr rtlCol="0" anchor="ctr"/>
-          <a:lstStyle/>
-          <a:p>
-            <a:r>
-              <a:rPr lang="en-US" altLang="zh-CN" sz="1400" dirty="0">
-                <a:solidFill>
-                  <a:schemeClr val="bg1"/>
-                </a:solidFill>
-              </a:rPr>
-              <a:t>CRLF</a:t>
-            </a:r>
-            <a:endParaRPr lang="zh-CN" altLang="en-US" sz="1400" dirty="0">
-              <a:solidFill>
-                <a:schemeClr val="bg1"/>
-              </a:solidFill>
-            </a:endParaRPr>
-          </a:p>
-        </p:txBody>
-      </p:sp>
-      <p:sp>
-        <p:nvSpPr>
-          <p:cNvPr id="61" name="矩形 60">
-            <a:extLst>
-              <a:ext uri="{FF2B5EF4-FFF2-40B4-BE49-F238E27FC236}">
-                <a16:creationId xmlns:a16="http://schemas.microsoft.com/office/drawing/2014/main" id="{60842DCB-35D3-4AF9-8C4E-EADF456FEC4D}"/>
-              </a:ext>
-            </a:extLst>
-          </p:cNvPr>
-          <p:cNvSpPr/>
-          <p:nvPr/>
-        </p:nvSpPr>
-        <p:spPr bwMode="auto">
-          <a:xfrm>
-            <a:off x="4370294" y="2420740"/>
-            <a:ext cx="648072" cy="504056"/>
-          </a:xfrm>
-          <a:prstGeom prst="rect">
-            <a:avLst/>
-          </a:prstGeom>
-          <a:noFill/>
-          <a:ln w="12700" cap="flat" cmpd="sng" algn="ctr">
-            <a:solidFill>
-              <a:schemeClr val="bg1"/>
-            </a:solidFill>
-            <a:prstDash val="solid"/>
-            <a:round/>
-            <a:headEnd type="none" w="med" len="med"/>
-            <a:tailEnd type="none"/>
-          </a:ln>
-          <a:effectLst/>
-        </p:spPr>
-        <p:txBody>
-          <a:bodyPr rtlCol="0" anchor="ctr"/>
-          <a:lstStyle/>
-          <a:p>
-            <a:r>
-              <a:rPr lang="en-US" altLang="zh-CN" sz="1400" dirty="0">
-                <a:solidFill>
-                  <a:schemeClr val="bg1"/>
-                </a:solidFill>
-              </a:rPr>
-              <a:t>:</a:t>
-            </a:r>
-            <a:endParaRPr lang="zh-CN" altLang="en-US" sz="1400" dirty="0">
-              <a:solidFill>
-                <a:schemeClr val="bg1"/>
-              </a:solidFill>
-            </a:endParaRPr>
-          </a:p>
-        </p:txBody>
-      </p:sp>
-      <p:sp>
-        <p:nvSpPr>
-          <p:cNvPr id="62" name="矩形 61">
-            <a:extLst>
-              <a:ext uri="{FF2B5EF4-FFF2-40B4-BE49-F238E27FC236}">
-                <a16:creationId xmlns:a16="http://schemas.microsoft.com/office/drawing/2014/main" id="{BB0DA1DF-1197-4E2D-8F82-1E6EDFB87542}"/>
-              </a:ext>
-            </a:extLst>
-          </p:cNvPr>
-          <p:cNvSpPr/>
-          <p:nvPr/>
-        </p:nvSpPr>
-        <p:spPr bwMode="auto">
-          <a:xfrm>
-            <a:off x="5021696" y="2420641"/>
-            <a:ext cx="2001769" cy="504056"/>
-          </a:xfrm>
-          <a:prstGeom prst="rect">
-            <a:avLst/>
-          </a:prstGeom>
-          <a:solidFill>
-            <a:srgbClr val="FFAF06"/>
-          </a:solidFill>
-          <a:ln w="12700" cap="flat" cmpd="sng" algn="ctr">
-            <a:solidFill>
-              <a:schemeClr val="bg1"/>
-            </a:solidFill>
-            <a:prstDash val="solid"/>
-            <a:round/>
-            <a:headEnd type="none" w="med" len="med"/>
-            <a:tailEnd type="none"/>
-          </a:ln>
-          <a:effectLst/>
-        </p:spPr>
-        <p:txBody>
-          <a:bodyPr rtlCol="0" anchor="ctr"/>
-          <a:lstStyle/>
-          <a:p>
-            <a:r>
-              <a:rPr lang="zh-CN" altLang="en-US" sz="1400" dirty="0">
-                <a:solidFill>
-                  <a:schemeClr val="bg1"/>
-                </a:solidFill>
-              </a:rPr>
-              <a:t>值</a:t>
-            </a:r>
-          </a:p>
-        </p:txBody>
-      </p:sp>
-      <p:sp>
-        <p:nvSpPr>
-          <p:cNvPr id="63" name="矩形 62">
-            <a:extLst>
-              <a:ext uri="{FF2B5EF4-FFF2-40B4-BE49-F238E27FC236}">
-                <a16:creationId xmlns:a16="http://schemas.microsoft.com/office/drawing/2014/main" id="{22FEBFDB-12E0-43DE-88E0-BFF4C94B6FEE}"/>
-              </a:ext>
-            </a:extLst>
-          </p:cNvPr>
-          <p:cNvSpPr/>
-          <p:nvPr/>
-        </p:nvSpPr>
-        <p:spPr bwMode="auto">
-          <a:xfrm>
-            <a:off x="7027286" y="2420888"/>
-            <a:ext cx="648072" cy="504056"/>
-          </a:xfrm>
-          <a:prstGeom prst="rect">
-            <a:avLst/>
-          </a:prstGeom>
-          <a:noFill/>
-          <a:ln w="12700" cap="flat" cmpd="sng" algn="ctr">
-            <a:solidFill>
-              <a:schemeClr val="bg1"/>
-            </a:solidFill>
-            <a:prstDash val="solid"/>
-            <a:round/>
-            <a:headEnd type="none" w="med" len="med"/>
-            <a:tailEnd type="none"/>
-          </a:ln>
-          <a:effectLst/>
-        </p:spPr>
-        <p:txBody>
-          <a:bodyPr rtlCol="0" anchor="ctr"/>
-          <a:lstStyle/>
-          <a:p>
-            <a:r>
-              <a:rPr lang="en-US" altLang="zh-CN" sz="1400" dirty="0">
-                <a:solidFill>
-                  <a:schemeClr val="bg1"/>
-                </a:solidFill>
-              </a:rPr>
-              <a:t>CRLF</a:t>
-            </a:r>
-            <a:endParaRPr lang="zh-CN" altLang="en-US" sz="1400" dirty="0">
-              <a:solidFill>
-                <a:schemeClr val="bg1"/>
-              </a:solidFill>
-            </a:endParaRPr>
-          </a:p>
-        </p:txBody>
-      </p:sp>
-      <p:sp>
-        <p:nvSpPr>
-          <p:cNvPr id="69" name="矩形 68">
-            <a:extLst>
-              <a:ext uri="{FF2B5EF4-FFF2-40B4-BE49-F238E27FC236}">
-                <a16:creationId xmlns:a16="http://schemas.microsoft.com/office/drawing/2014/main" id="{9038F008-DF0C-4AFC-A78A-DFE4BB3DDCFA}"/>
-              </a:ext>
-            </a:extLst>
-          </p:cNvPr>
-          <p:cNvSpPr/>
-          <p:nvPr/>
-        </p:nvSpPr>
-        <p:spPr bwMode="auto">
-          <a:xfrm>
-            <a:off x="4363419" y="3433861"/>
-            <a:ext cx="648072" cy="504056"/>
-          </a:xfrm>
-          <a:prstGeom prst="rect">
-            <a:avLst/>
-          </a:prstGeom>
-          <a:noFill/>
-          <a:ln w="12700" cap="flat" cmpd="sng" algn="ctr">
-            <a:solidFill>
-              <a:schemeClr val="bg1"/>
-            </a:solidFill>
-            <a:prstDash val="solid"/>
-            <a:round/>
-            <a:headEnd type="none" w="med" len="med"/>
-            <a:tailEnd type="none"/>
-          </a:ln>
-          <a:effectLst/>
-        </p:spPr>
-        <p:txBody>
-          <a:bodyPr rtlCol="0" anchor="ctr"/>
-          <a:lstStyle/>
-          <a:p>
-            <a:r>
-              <a:rPr lang="en-US" altLang="zh-CN" sz="1400" dirty="0">
-                <a:solidFill>
-                  <a:schemeClr val="bg1"/>
-                </a:solidFill>
-              </a:rPr>
-              <a:t>:</a:t>
-            </a:r>
-            <a:endParaRPr lang="zh-CN" altLang="en-US" sz="1400" dirty="0">
-              <a:solidFill>
-                <a:schemeClr val="bg1"/>
-              </a:solidFill>
-            </a:endParaRPr>
-          </a:p>
-        </p:txBody>
-      </p:sp>
-      <p:sp>
-        <p:nvSpPr>
-          <p:cNvPr id="72" name="矩形 71">
-            <a:extLst>
-              <a:ext uri="{FF2B5EF4-FFF2-40B4-BE49-F238E27FC236}">
-                <a16:creationId xmlns:a16="http://schemas.microsoft.com/office/drawing/2014/main" id="{9E18071A-C812-412C-9403-F656BF6F6B81}"/>
-              </a:ext>
-            </a:extLst>
-          </p:cNvPr>
-          <p:cNvSpPr/>
-          <p:nvPr/>
-        </p:nvSpPr>
-        <p:spPr bwMode="auto">
-          <a:xfrm>
-            <a:off x="2711624" y="4437112"/>
-            <a:ext cx="4963734" cy="504056"/>
-          </a:xfrm>
-          <a:prstGeom prst="rect">
-            <a:avLst/>
-          </a:prstGeom>
-          <a:solidFill>
-            <a:srgbClr val="2990D0"/>
-          </a:solidFill>
-          <a:ln w="12700" cap="flat" cmpd="sng" algn="ctr">
-            <a:solidFill>
-              <a:schemeClr val="bg1"/>
-            </a:solidFill>
-            <a:prstDash val="solid"/>
-            <a:round/>
-            <a:headEnd type="none" w="med" len="med"/>
-            <a:tailEnd type="none"/>
-          </a:ln>
-          <a:effectLst/>
-        </p:spPr>
-        <p:txBody>
-          <a:bodyPr rtlCol="0" anchor="ctr"/>
-          <a:lstStyle/>
-          <a:p>
-            <a:r>
-              <a:rPr lang="zh-CN" altLang="en-US" sz="1400" dirty="0">
-                <a:solidFill>
-                  <a:schemeClr val="bg1"/>
-                </a:solidFill>
-              </a:rPr>
-              <a:t>请求数据</a:t>
-            </a:r>
-          </a:p>
-        </p:txBody>
-      </p:sp>
-      <p:sp>
-        <p:nvSpPr>
-          <p:cNvPr id="74" name="矩形 73">
-            <a:extLst>
-              <a:ext uri="{FF2B5EF4-FFF2-40B4-BE49-F238E27FC236}">
-                <a16:creationId xmlns:a16="http://schemas.microsoft.com/office/drawing/2014/main" id="{4765E529-4A59-4ECE-9314-B29D263FFE19}"/>
-              </a:ext>
-            </a:extLst>
-          </p:cNvPr>
-          <p:cNvSpPr/>
-          <p:nvPr/>
-        </p:nvSpPr>
-        <p:spPr bwMode="auto">
-          <a:xfrm>
-            <a:off x="3148379" y="2924944"/>
-            <a:ext cx="648072" cy="504056"/>
-          </a:xfrm>
-          <a:prstGeom prst="rect">
-            <a:avLst/>
-          </a:prstGeom>
-          <a:solidFill>
-            <a:srgbClr val="505460"/>
-          </a:solidFill>
-          <a:ln w="12700" cap="flat" cmpd="sng" algn="ctr">
-            <a:noFill/>
-            <a:prstDash val="solid"/>
-            <a:round/>
-            <a:headEnd type="none" w="med" len="med"/>
-            <a:tailEnd type="none"/>
-          </a:ln>
-          <a:effectLst/>
-        </p:spPr>
-        <p:txBody>
-          <a:bodyPr rtlCol="0" anchor="ctr"/>
-          <a:lstStyle/>
-          <a:p>
-            <a:endParaRPr lang="zh-CN" altLang="en-US" sz="1400" dirty="0">
-              <a:solidFill>
-                <a:schemeClr val="bg1"/>
-              </a:solidFill>
-            </a:endParaRPr>
-          </a:p>
-        </p:txBody>
-      </p:sp>
-      <p:sp>
-        <p:nvSpPr>
-          <p:cNvPr id="60" name="矩形 59">
-            <a:extLst>
-              <a:ext uri="{FF2B5EF4-FFF2-40B4-BE49-F238E27FC236}">
-                <a16:creationId xmlns:a16="http://schemas.microsoft.com/office/drawing/2014/main" id="{CD1D7140-71FB-44E5-9E57-1EA0FC395444}"/>
-              </a:ext>
-            </a:extLst>
-          </p:cNvPr>
-          <p:cNvSpPr/>
-          <p:nvPr/>
-        </p:nvSpPr>
-        <p:spPr bwMode="auto">
-          <a:xfrm>
-            <a:off x="2713229" y="2420888"/>
-            <a:ext cx="1655609" cy="504056"/>
-          </a:xfrm>
-          <a:prstGeom prst="rect">
-            <a:avLst/>
-          </a:prstGeom>
-          <a:solidFill>
-            <a:srgbClr val="FFAF06"/>
-          </a:solidFill>
-          <a:ln w="12700" cap="flat" cmpd="sng" algn="ctr">
-            <a:solidFill>
-              <a:schemeClr val="bg1"/>
-            </a:solidFill>
-            <a:prstDash val="solid"/>
-            <a:round/>
-            <a:headEnd type="none" w="med" len="med"/>
-            <a:tailEnd type="none"/>
-          </a:ln>
-          <a:effectLst/>
-        </p:spPr>
-        <p:txBody>
-          <a:bodyPr rtlCol="0" anchor="ctr"/>
-          <a:lstStyle/>
-          <a:p>
-            <a:r>
-              <a:rPr lang="zh-CN" altLang="en-US" sz="1400" dirty="0">
-                <a:solidFill>
-                  <a:schemeClr val="bg1"/>
-                </a:solidFill>
-              </a:rPr>
-              <a:t>头部字段名</a:t>
-            </a:r>
-          </a:p>
-        </p:txBody>
-      </p:sp>
-      <p:sp>
-        <p:nvSpPr>
-          <p:cNvPr id="75" name="矩形 74">
-            <a:extLst>
-              <a:ext uri="{FF2B5EF4-FFF2-40B4-BE49-F238E27FC236}">
-                <a16:creationId xmlns:a16="http://schemas.microsoft.com/office/drawing/2014/main" id="{DABA7181-CB8A-4EDD-A07C-C561AD7165B2}"/>
-              </a:ext>
-            </a:extLst>
-          </p:cNvPr>
-          <p:cNvSpPr/>
-          <p:nvPr/>
-        </p:nvSpPr>
-        <p:spPr bwMode="auto">
-          <a:xfrm>
-            <a:off x="7849689" y="1916684"/>
-            <a:ext cx="872126" cy="504056"/>
-          </a:xfrm>
-          <a:prstGeom prst="rect">
-            <a:avLst/>
-          </a:prstGeom>
-          <a:noFill/>
-          <a:ln w="12700" cap="flat" cmpd="sng" algn="ctr">
-            <a:noFill/>
-            <a:prstDash val="solid"/>
-            <a:round/>
-            <a:headEnd type="none" w="med" len="med"/>
-            <a:tailEnd type="none"/>
-          </a:ln>
-          <a:effectLst/>
-        </p:spPr>
-        <p:txBody>
-          <a:bodyPr rtlCol="0" anchor="ctr"/>
-          <a:lstStyle/>
-          <a:p>
-            <a:r>
-              <a:rPr lang="zh-CN" altLang="en-US" sz="1400" dirty="0">
-                <a:solidFill>
-                  <a:schemeClr val="bg1"/>
-                </a:solidFill>
-              </a:rPr>
-              <a:t>请求行</a:t>
-            </a:r>
-          </a:p>
-        </p:txBody>
-      </p:sp>
-      <p:sp>
-        <p:nvSpPr>
-          <p:cNvPr id="76" name="矩形 75">
-            <a:extLst>
-              <a:ext uri="{FF2B5EF4-FFF2-40B4-BE49-F238E27FC236}">
-                <a16:creationId xmlns:a16="http://schemas.microsoft.com/office/drawing/2014/main" id="{689364AF-5767-4976-A47E-56EDF0C6E921}"/>
-              </a:ext>
-            </a:extLst>
-          </p:cNvPr>
-          <p:cNvSpPr/>
-          <p:nvPr/>
-        </p:nvSpPr>
-        <p:spPr bwMode="auto">
-          <a:xfrm>
-            <a:off x="7881239" y="2925533"/>
-            <a:ext cx="1008112" cy="504056"/>
-          </a:xfrm>
-          <a:prstGeom prst="rect">
-            <a:avLst/>
-          </a:prstGeom>
-          <a:noFill/>
-          <a:ln w="12700" cap="flat" cmpd="sng" algn="ctr">
-            <a:noFill/>
-            <a:prstDash val="solid"/>
-            <a:round/>
-            <a:headEnd type="none" w="med" len="med"/>
-            <a:tailEnd type="none"/>
-          </a:ln>
-          <a:effectLst/>
-        </p:spPr>
-        <p:txBody>
-          <a:bodyPr rtlCol="0" anchor="ctr"/>
-          <a:lstStyle/>
-          <a:p>
-            <a:r>
-              <a:rPr lang="zh-CN" altLang="en-US" sz="1400" dirty="0">
-                <a:solidFill>
-                  <a:schemeClr val="bg1"/>
-                </a:solidFill>
-              </a:rPr>
-              <a:t>请求头部</a:t>
-            </a:r>
-          </a:p>
-        </p:txBody>
-      </p:sp>
-      <p:sp>
-        <p:nvSpPr>
-          <p:cNvPr id="77" name="矩形 76">
-            <a:extLst>
-              <a:ext uri="{FF2B5EF4-FFF2-40B4-BE49-F238E27FC236}">
-                <a16:creationId xmlns:a16="http://schemas.microsoft.com/office/drawing/2014/main" id="{E0E8F088-E60D-409C-A73A-D3B36653BB39}"/>
-              </a:ext>
-            </a:extLst>
-          </p:cNvPr>
-          <p:cNvSpPr/>
-          <p:nvPr/>
-        </p:nvSpPr>
-        <p:spPr bwMode="auto">
-          <a:xfrm>
-            <a:off x="7863194" y="4439519"/>
-            <a:ext cx="1008112" cy="504056"/>
-          </a:xfrm>
-          <a:prstGeom prst="rect">
-            <a:avLst/>
-          </a:prstGeom>
-          <a:noFill/>
-          <a:ln w="12700" cap="flat" cmpd="sng" algn="ctr">
-            <a:noFill/>
-            <a:prstDash val="solid"/>
-            <a:round/>
-            <a:headEnd type="none" w="med" len="med"/>
-            <a:tailEnd type="none"/>
-          </a:ln>
-          <a:effectLst/>
-        </p:spPr>
-        <p:txBody>
-          <a:bodyPr rtlCol="0" anchor="ctr"/>
-          <a:lstStyle/>
-          <a:p>
-            <a:r>
-              <a:rPr lang="zh-CN" altLang="en-US" sz="1400" dirty="0">
-                <a:solidFill>
-                  <a:schemeClr val="bg1"/>
-                </a:solidFill>
-              </a:rPr>
-              <a:t>请求数据</a:t>
-            </a:r>
-          </a:p>
-        </p:txBody>
-      </p:sp>
-      <p:sp>
-        <p:nvSpPr>
-          <p:cNvPr id="4" name="右大括号 3">
-            <a:extLst>
-              <a:ext uri="{FF2B5EF4-FFF2-40B4-BE49-F238E27FC236}">
-                <a16:creationId xmlns:a16="http://schemas.microsoft.com/office/drawing/2014/main" id="{6BB5328E-5970-47C6-BE90-532B638150F7}"/>
-              </a:ext>
-            </a:extLst>
-          </p:cNvPr>
-          <p:cNvSpPr/>
-          <p:nvPr/>
-        </p:nvSpPr>
-        <p:spPr bwMode="auto">
-          <a:xfrm>
-            <a:off x="7769276" y="2534348"/>
-            <a:ext cx="187836" cy="1368152"/>
-          </a:xfrm>
-          <a:custGeom>
-            <a:avLst/>
-            <a:gdLst>
-              <a:gd name="connsiteX0" fmla="*/ 0 w 187835"/>
-              <a:gd name="connsiteY0" fmla="*/ 0 h 1368152"/>
-              <a:gd name="connsiteX1" fmla="*/ 93918 w 187835"/>
-              <a:gd name="connsiteY1" fmla="*/ 15652 h 1368152"/>
-              <a:gd name="connsiteX2" fmla="*/ 93918 w 187835"/>
-              <a:gd name="connsiteY2" fmla="*/ 668424 h 1368152"/>
-              <a:gd name="connsiteX3" fmla="*/ 187836 w 187835"/>
-              <a:gd name="connsiteY3" fmla="*/ 684076 h 1368152"/>
-              <a:gd name="connsiteX4" fmla="*/ 93918 w 187835"/>
-              <a:gd name="connsiteY4" fmla="*/ 699728 h 1368152"/>
-              <a:gd name="connsiteX5" fmla="*/ 93918 w 187835"/>
-              <a:gd name="connsiteY5" fmla="*/ 1352500 h 1368152"/>
-              <a:gd name="connsiteX6" fmla="*/ 0 w 187835"/>
-              <a:gd name="connsiteY6" fmla="*/ 1368152 h 1368152"/>
-              <a:gd name="connsiteX7" fmla="*/ 0 w 187835"/>
-              <a:gd name="connsiteY7" fmla="*/ 0 h 1368152"/>
-              <a:gd name="connsiteX0" fmla="*/ 0 w 187835"/>
-              <a:gd name="connsiteY0" fmla="*/ 0 h 1368152"/>
-              <a:gd name="connsiteX1" fmla="*/ 93918 w 187835"/>
-              <a:gd name="connsiteY1" fmla="*/ 15652 h 1368152"/>
-              <a:gd name="connsiteX2" fmla="*/ 93918 w 187835"/>
-              <a:gd name="connsiteY2" fmla="*/ 668424 h 1368152"/>
-              <a:gd name="connsiteX3" fmla="*/ 187836 w 187835"/>
-              <a:gd name="connsiteY3" fmla="*/ 684076 h 1368152"/>
-              <a:gd name="connsiteX4" fmla="*/ 93918 w 187835"/>
-              <a:gd name="connsiteY4" fmla="*/ 699728 h 1368152"/>
-              <a:gd name="connsiteX5" fmla="*/ 93918 w 187835"/>
-              <a:gd name="connsiteY5" fmla="*/ 1352500 h 1368152"/>
-              <a:gd name="connsiteX6" fmla="*/ 0 w 187835"/>
-              <a:gd name="connsiteY6" fmla="*/ 1368152 h 1368152"/>
-              <a:gd name="connsiteX0" fmla="*/ 0 w 187836"/>
-              <a:gd name="connsiteY0" fmla="*/ 0 h 1368152"/>
-              <a:gd name="connsiteX1" fmla="*/ 93918 w 187836"/>
-              <a:gd name="connsiteY1" fmla="*/ 15652 h 1368152"/>
-              <a:gd name="connsiteX2" fmla="*/ 93918 w 187836"/>
-              <a:gd name="connsiteY2" fmla="*/ 668424 h 1368152"/>
-              <a:gd name="connsiteX3" fmla="*/ 187836 w 187836"/>
-              <a:gd name="connsiteY3" fmla="*/ 684076 h 1368152"/>
-              <a:gd name="connsiteX4" fmla="*/ 93918 w 187836"/>
-              <a:gd name="connsiteY4" fmla="*/ 699728 h 1368152"/>
-              <a:gd name="connsiteX5" fmla="*/ 93918 w 187836"/>
-              <a:gd name="connsiteY5" fmla="*/ 1352500 h 1368152"/>
-              <a:gd name="connsiteX6" fmla="*/ 0 w 187836"/>
-              <a:gd name="connsiteY6" fmla="*/ 1368152 h 1368152"/>
-              <a:gd name="connsiteX7" fmla="*/ 0 w 187836"/>
-              <a:gd name="connsiteY7" fmla="*/ 0 h 1368152"/>
-              <a:gd name="connsiteX0" fmla="*/ 0 w 187836"/>
-              <a:gd name="connsiteY0" fmla="*/ 0 h 1368152"/>
-              <a:gd name="connsiteX1" fmla="*/ 93918 w 187836"/>
-              <a:gd name="connsiteY1" fmla="*/ 15652 h 1368152"/>
-              <a:gd name="connsiteX2" fmla="*/ 93918 w 187836"/>
-              <a:gd name="connsiteY2" fmla="*/ 633499 h 1368152"/>
-              <a:gd name="connsiteX3" fmla="*/ 187836 w 187836"/>
-              <a:gd name="connsiteY3" fmla="*/ 684076 h 1368152"/>
-              <a:gd name="connsiteX4" fmla="*/ 93918 w 187836"/>
-              <a:gd name="connsiteY4" fmla="*/ 699728 h 1368152"/>
-              <a:gd name="connsiteX5" fmla="*/ 93918 w 187836"/>
-              <a:gd name="connsiteY5" fmla="*/ 1352500 h 1368152"/>
-              <a:gd name="connsiteX6" fmla="*/ 0 w 187836"/>
-              <a:gd name="connsiteY6" fmla="*/ 1368152 h 1368152"/>
-              <a:gd name="connsiteX0" fmla="*/ 0 w 187836"/>
-              <a:gd name="connsiteY0" fmla="*/ 0 h 1368152"/>
-              <a:gd name="connsiteX1" fmla="*/ 93918 w 187836"/>
-              <a:gd name="connsiteY1" fmla="*/ 15652 h 1368152"/>
-              <a:gd name="connsiteX2" fmla="*/ 93918 w 187836"/>
-              <a:gd name="connsiteY2" fmla="*/ 668424 h 1368152"/>
-              <a:gd name="connsiteX3" fmla="*/ 187836 w 187836"/>
-              <a:gd name="connsiteY3" fmla="*/ 684076 h 1368152"/>
-              <a:gd name="connsiteX4" fmla="*/ 93918 w 187836"/>
-              <a:gd name="connsiteY4" fmla="*/ 699728 h 1368152"/>
-              <a:gd name="connsiteX5" fmla="*/ 93918 w 187836"/>
-              <a:gd name="connsiteY5" fmla="*/ 1352500 h 1368152"/>
-              <a:gd name="connsiteX6" fmla="*/ 0 w 187836"/>
-              <a:gd name="connsiteY6" fmla="*/ 1368152 h 1368152"/>
-              <a:gd name="connsiteX7" fmla="*/ 0 w 187836"/>
-              <a:gd name="connsiteY7" fmla="*/ 0 h 1368152"/>
-              <a:gd name="connsiteX0" fmla="*/ 0 w 187836"/>
-              <a:gd name="connsiteY0" fmla="*/ 0 h 1368152"/>
-              <a:gd name="connsiteX1" fmla="*/ 93918 w 187836"/>
-              <a:gd name="connsiteY1" fmla="*/ 15652 h 1368152"/>
-              <a:gd name="connsiteX2" fmla="*/ 93918 w 187836"/>
-              <a:gd name="connsiteY2" fmla="*/ 633499 h 1368152"/>
-              <a:gd name="connsiteX3" fmla="*/ 187836 w 187836"/>
-              <a:gd name="connsiteY3" fmla="*/ 684076 h 1368152"/>
-              <a:gd name="connsiteX4" fmla="*/ 93918 w 187836"/>
-              <a:gd name="connsiteY4" fmla="*/ 731478 h 1368152"/>
-              <a:gd name="connsiteX5" fmla="*/ 93918 w 187836"/>
-              <a:gd name="connsiteY5" fmla="*/ 1352500 h 1368152"/>
-              <a:gd name="connsiteX6" fmla="*/ 0 w 187836"/>
-              <a:gd name="connsiteY6" fmla="*/ 1368152 h 1368152"/>
-            </a:gdLst>
-            <a:ahLst/>
-            <a:cxnLst>
-              <a:cxn ang="0">
-                <a:pos x="connsiteX0" y="connsiteY0"/>
-              </a:cxn>
-              <a:cxn ang="0">
-                <a:pos x="connsiteX1" y="connsiteY1"/>
-              </a:cxn>
-              <a:cxn ang="0">
-                <a:pos x="connsiteX2" y="connsiteY2"/>
-              </a:cxn>
-              <a:cxn ang="0">
-                <a:pos x="connsiteX3" y="connsiteY3"/>
-              </a:cxn>
-              <a:cxn ang="0">
-                <a:pos x="connsiteX4" y="connsiteY4"/>
-              </a:cxn>
-              <a:cxn ang="0">
-                <a:pos x="connsiteX5" y="connsiteY5"/>
-              </a:cxn>
-              <a:cxn ang="0">
-                <a:pos x="connsiteX6" y="connsiteY6"/>
-              </a:cxn>
-            </a:cxnLst>
-            <a:rect l="l" t="t" r="r" b="b"/>
-            <a:pathLst>
-              <a:path w="187836" h="1368152" stroke="0" extrusionOk="0">
-                <a:moveTo>
-                  <a:pt x="0" y="0"/>
-                </a:moveTo>
-                <a:cubicBezTo>
-                  <a:pt x="51869" y="0"/>
-                  <a:pt x="93918" y="7008"/>
-                  <a:pt x="93918" y="15652"/>
-                </a:cubicBezTo>
-                <a:lnTo>
-                  <a:pt x="93918" y="668424"/>
-                </a:lnTo>
-                <a:cubicBezTo>
-                  <a:pt x="93918" y="677068"/>
-                  <a:pt x="135967" y="684076"/>
-                  <a:pt x="187836" y="684076"/>
-                </a:cubicBezTo>
-                <a:cubicBezTo>
-                  <a:pt x="135967" y="684076"/>
-                  <a:pt x="93918" y="691084"/>
-                  <a:pt x="93918" y="699728"/>
-                </a:cubicBezTo>
-                <a:lnTo>
-                  <a:pt x="93918" y="1352500"/>
-                </a:lnTo>
-                <a:cubicBezTo>
-                  <a:pt x="93918" y="1361144"/>
-                  <a:pt x="51869" y="1368152"/>
-                  <a:pt x="0" y="1368152"/>
-                </a:cubicBezTo>
-                <a:lnTo>
-                  <a:pt x="0" y="0"/>
-                </a:lnTo>
-                <a:close/>
-              </a:path>
-              <a:path w="187836" h="1368152" fill="none">
-                <a:moveTo>
-                  <a:pt x="0" y="0"/>
-                </a:moveTo>
-                <a:cubicBezTo>
-                  <a:pt x="51869" y="0"/>
-                  <a:pt x="93918" y="7008"/>
-                  <a:pt x="93918" y="15652"/>
-                </a:cubicBezTo>
-                <a:lnTo>
-                  <a:pt x="93918" y="633499"/>
-                </a:lnTo>
-                <a:cubicBezTo>
-                  <a:pt x="93918" y="642143"/>
-                  <a:pt x="187836" y="667746"/>
-                  <a:pt x="187836" y="684076"/>
-                </a:cubicBezTo>
-                <a:cubicBezTo>
-                  <a:pt x="187836" y="700406"/>
-                  <a:pt x="93918" y="722834"/>
-                  <a:pt x="93918" y="731478"/>
-                </a:cubicBezTo>
-                <a:lnTo>
-                  <a:pt x="93918" y="1352500"/>
-                </a:lnTo>
-                <a:cubicBezTo>
-                  <a:pt x="93918" y="1361144"/>
-                  <a:pt x="51869" y="1368152"/>
-                  <a:pt x="0" y="1368152"/>
-                </a:cubicBezTo>
-              </a:path>
-            </a:pathLst>
-          </a:custGeom>
-          <a:noFill/>
-          <a:ln w="12700" cap="flat" cmpd="sng" algn="ctr">
-            <a:solidFill>
-              <a:schemeClr val="bg1"/>
-            </a:solidFill>
-            <a:prstDash val="solid"/>
-            <a:round/>
-            <a:headEnd type="none" w="med" len="med"/>
-            <a:tailEnd type="none"/>
-          </a:ln>
-          <a:effectLst>
-            <a:outerShdw blurRad="12700" dist="12700" dir="5400000" algn="ctr" rotWithShape="0">
-              <a:srgbClr val="000000">
-                <a:alpha val="50000"/>
-              </a:srgbClr>
-            </a:outerShdw>
-          </a:effectLst>
-        </p:spPr>
-        <p:txBody>
-          <a:bodyPr rtlCol="0" anchor="ctr"/>
-          <a:lstStyle/>
-          <a:p>
-            <a:pPr algn="ctr"/>
-            <a:endParaRPr lang="zh-CN" altLang="en-US"/>
-          </a:p>
-        </p:txBody>
-      </p:sp>
-      <p:sp>
-        <p:nvSpPr>
-          <p:cNvPr id="78" name="矩形 77">
-            <a:extLst>
-              <a:ext uri="{FF2B5EF4-FFF2-40B4-BE49-F238E27FC236}">
-                <a16:creationId xmlns:a16="http://schemas.microsoft.com/office/drawing/2014/main" id="{E51BE21F-652A-4A4C-B1FB-63B87926C658}"/>
-              </a:ext>
-            </a:extLst>
-          </p:cNvPr>
-          <p:cNvSpPr/>
-          <p:nvPr/>
-        </p:nvSpPr>
-        <p:spPr bwMode="auto">
-          <a:xfrm>
-            <a:off x="4045378" y="2924944"/>
-            <a:ext cx="1008112" cy="504056"/>
-          </a:xfrm>
-          <a:prstGeom prst="rect">
-            <a:avLst/>
-          </a:prstGeom>
-          <a:noFill/>
-          <a:ln w="12700" cap="flat" cmpd="sng" algn="ctr">
-            <a:noFill/>
-            <a:prstDash val="solid"/>
-            <a:round/>
-            <a:headEnd type="none" w="med" len="med"/>
-            <a:tailEnd type="none"/>
-          </a:ln>
-          <a:effectLst/>
-        </p:spPr>
-        <p:txBody>
-          <a:bodyPr rtlCol="0" anchor="ctr"/>
-          <a:lstStyle/>
-          <a:p>
-            <a:r>
-              <a:rPr lang="en-US" altLang="zh-CN" sz="1400" dirty="0">
-                <a:solidFill>
-                  <a:schemeClr val="bg1"/>
-                </a:solidFill>
-              </a:rPr>
-              <a:t>…</a:t>
-            </a:r>
-            <a:endParaRPr lang="zh-CN" altLang="en-US" sz="1400" dirty="0">
-              <a:solidFill>
-                <a:schemeClr val="bg1"/>
-              </a:solidFill>
-            </a:endParaRPr>
-          </a:p>
-        </p:txBody>
-      </p:sp>
-      <p:sp>
-        <p:nvSpPr>
-          <p:cNvPr id="80" name="矩形 79">
-            <a:extLst>
-              <a:ext uri="{FF2B5EF4-FFF2-40B4-BE49-F238E27FC236}">
-                <a16:creationId xmlns:a16="http://schemas.microsoft.com/office/drawing/2014/main" id="{276C898D-0BD3-4299-A808-9012AD9385A2}"/>
-              </a:ext>
-            </a:extLst>
-          </p:cNvPr>
-          <p:cNvSpPr/>
-          <p:nvPr/>
-        </p:nvSpPr>
-        <p:spPr>
-          <a:xfrm>
-            <a:off x="4688940" y="5122059"/>
-            <a:ext cx="2047601" cy="323165"/>
-          </a:xfrm>
-          <a:prstGeom prst="rect">
-            <a:avLst/>
-          </a:prstGeom>
-          <a:effectLst/>
-        </p:spPr>
-        <p:txBody>
-          <a:bodyPr wrap="square">
-            <a:spAutoFit/>
-          </a:bodyPr>
-          <a:lstStyle/>
-          <a:p>
-            <a:r>
-              <a:rPr lang="en-US" altLang="zh-CN" sz="1500" dirty="0">
-                <a:solidFill>
-                  <a:schemeClr val="lt1"/>
-                </a:solidFill>
-                <a:latin typeface="+mn-lt"/>
-                <a:ea typeface="+mn-ea"/>
-                <a:cs typeface="+mn-cs"/>
-              </a:rPr>
-              <a:t>HTTP</a:t>
-            </a:r>
-            <a:r>
-              <a:rPr lang="zh-CN" altLang="en-US" sz="1500" dirty="0">
-                <a:solidFill>
-                  <a:schemeClr val="lt1"/>
-                </a:solidFill>
-                <a:latin typeface="+mn-lt"/>
-                <a:ea typeface="+mn-ea"/>
-                <a:cs typeface="+mn-cs"/>
-              </a:rPr>
-              <a:t>请求报文</a:t>
-            </a:r>
-          </a:p>
-        </p:txBody>
-      </p:sp>
-      <p:sp>
-        <p:nvSpPr>
-          <p:cNvPr id="27" name="矩形 26">
-            <a:extLst>
-              <a:ext uri="{FF2B5EF4-FFF2-40B4-BE49-F238E27FC236}">
-                <a16:creationId xmlns:a16="http://schemas.microsoft.com/office/drawing/2014/main" id="{BB0DA1DF-1197-4E2D-8F82-1E6EDFB87542}"/>
-              </a:ext>
-            </a:extLst>
-          </p:cNvPr>
-          <p:cNvSpPr/>
-          <p:nvPr/>
-        </p:nvSpPr>
-        <p:spPr bwMode="auto">
-          <a:xfrm>
-            <a:off x="5017157" y="3431815"/>
-            <a:ext cx="2006182" cy="504056"/>
-          </a:xfrm>
-          <a:prstGeom prst="rect">
-            <a:avLst/>
-          </a:prstGeom>
-          <a:solidFill>
-            <a:srgbClr val="FFAF06"/>
-          </a:solidFill>
-          <a:ln w="12700" cap="flat" cmpd="sng" algn="ctr">
-            <a:solidFill>
-              <a:schemeClr val="bg1"/>
-            </a:solidFill>
-            <a:prstDash val="solid"/>
-            <a:round/>
-            <a:headEnd type="none" w="med" len="med"/>
-            <a:tailEnd type="none"/>
-          </a:ln>
-          <a:effectLst/>
-        </p:spPr>
-        <p:txBody>
-          <a:bodyPr rtlCol="0" anchor="ctr"/>
-          <a:lstStyle/>
-          <a:p>
-            <a:r>
-              <a:rPr lang="zh-CN" altLang="en-US" sz="1400" dirty="0">
-                <a:solidFill>
-                  <a:schemeClr val="bg1"/>
-                </a:solidFill>
-              </a:rPr>
-              <a:t>值</a:t>
-            </a:r>
-          </a:p>
-        </p:txBody>
-      </p:sp>
-      <p:sp>
-        <p:nvSpPr>
-          <p:cNvPr id="28" name="矩形 27">
-            <a:extLst>
-              <a:ext uri="{FF2B5EF4-FFF2-40B4-BE49-F238E27FC236}">
-                <a16:creationId xmlns:a16="http://schemas.microsoft.com/office/drawing/2014/main" id="{CD1D7140-71FB-44E5-9E57-1EA0FC395444}"/>
-              </a:ext>
-            </a:extLst>
-          </p:cNvPr>
-          <p:cNvSpPr/>
-          <p:nvPr/>
-        </p:nvSpPr>
-        <p:spPr bwMode="auto">
-          <a:xfrm>
-            <a:off x="2707809" y="3433861"/>
-            <a:ext cx="1655609" cy="504056"/>
-          </a:xfrm>
-          <a:prstGeom prst="rect">
-            <a:avLst/>
-          </a:prstGeom>
-          <a:solidFill>
-            <a:srgbClr val="FFAF06"/>
-          </a:solidFill>
-          <a:ln w="12700" cap="flat" cmpd="sng" algn="ctr">
-            <a:solidFill>
-              <a:schemeClr val="bg1"/>
-            </a:solidFill>
-            <a:prstDash val="solid"/>
-            <a:round/>
-            <a:headEnd type="none" w="med" len="med"/>
-            <a:tailEnd type="none"/>
-          </a:ln>
-          <a:effectLst/>
-        </p:spPr>
-        <p:txBody>
-          <a:bodyPr rtlCol="0" anchor="ctr"/>
-          <a:lstStyle/>
-          <a:p>
-            <a:r>
-              <a:rPr lang="zh-CN" altLang="en-US" sz="1400" dirty="0">
-                <a:solidFill>
-                  <a:schemeClr val="bg1"/>
-                </a:solidFill>
-              </a:rPr>
-              <a:t>头部字段名</a:t>
-            </a:r>
-          </a:p>
-        </p:txBody>
-      </p:sp>
-      <p:sp>
-        <p:nvSpPr>
-          <p:cNvPr id="32" name="矩形 31">
-            <a:extLst>
-              <a:ext uri="{FF2B5EF4-FFF2-40B4-BE49-F238E27FC236}">
-                <a16:creationId xmlns:a16="http://schemas.microsoft.com/office/drawing/2014/main" id="{22FEBFDB-12E0-43DE-88E0-BFF4C94B6FEE}"/>
-              </a:ext>
-            </a:extLst>
-          </p:cNvPr>
-          <p:cNvSpPr/>
-          <p:nvPr/>
-        </p:nvSpPr>
-        <p:spPr bwMode="auto">
-          <a:xfrm>
-            <a:off x="7025312" y="3431815"/>
-            <a:ext cx="650046" cy="504056"/>
-          </a:xfrm>
-          <a:prstGeom prst="rect">
-            <a:avLst/>
-          </a:prstGeom>
-          <a:noFill/>
-          <a:ln w="12700" cap="flat" cmpd="sng" algn="ctr">
-            <a:solidFill>
-              <a:schemeClr val="bg1"/>
-            </a:solidFill>
-            <a:prstDash val="solid"/>
-            <a:round/>
-            <a:headEnd type="none" w="med" len="med"/>
-            <a:tailEnd type="none"/>
-          </a:ln>
-          <a:effectLst/>
-        </p:spPr>
-        <p:txBody>
-          <a:bodyPr rtlCol="0" anchor="ctr"/>
-          <a:lstStyle/>
-          <a:p>
-            <a:r>
-              <a:rPr lang="en-US" altLang="zh-CN" sz="1400" dirty="0">
-                <a:solidFill>
-                  <a:schemeClr val="bg1"/>
-                </a:solidFill>
-              </a:rPr>
-              <a:t>CRLF</a:t>
-            </a:r>
-            <a:endParaRPr lang="zh-CN" altLang="en-US" sz="1400" dirty="0">
-              <a:solidFill>
-                <a:schemeClr val="bg1"/>
-              </a:solidFill>
-            </a:endParaRPr>
-          </a:p>
-        </p:txBody>
-      </p:sp>
-      <p:sp>
-        <p:nvSpPr>
-          <p:cNvPr id="33" name="矩形 32">
-            <a:extLst>
-              <a:ext uri="{FF2B5EF4-FFF2-40B4-BE49-F238E27FC236}">
-                <a16:creationId xmlns:a16="http://schemas.microsoft.com/office/drawing/2014/main" id="{7AAA25DC-23F1-4047-B85C-90717541729E}"/>
-              </a:ext>
-            </a:extLst>
-          </p:cNvPr>
-          <p:cNvSpPr/>
-          <p:nvPr/>
-        </p:nvSpPr>
-        <p:spPr bwMode="auto">
-          <a:xfrm>
-            <a:off x="2707808" y="1915689"/>
-            <a:ext cx="4970579" cy="1513959"/>
-          </a:xfrm>
-          <a:prstGeom prst="rect">
-            <a:avLst/>
-          </a:prstGeom>
-          <a:noFill/>
-          <a:ln w="12700" cap="flat" cmpd="sng" algn="ctr">
-            <a:solidFill>
-              <a:schemeClr val="bg1"/>
-            </a:solidFill>
-            <a:prstDash val="solid"/>
-            <a:round/>
-            <a:headEnd type="none" w="med" len="med"/>
-            <a:tailEnd type="none"/>
-          </a:ln>
-          <a:effectLst/>
-        </p:spPr>
-        <p:txBody>
-          <a:bodyPr rtlCol="0" anchor="ctr"/>
-          <a:lstStyle/>
-          <a:p>
-            <a:endParaRPr lang="zh-CN" altLang="en-US" sz="1400" dirty="0">
-              <a:solidFill>
-                <a:schemeClr val="bg1"/>
-              </a:solidFill>
-            </a:endParaRPr>
-          </a:p>
-        </p:txBody>
-      </p:sp>
-    </p:spTree>
-    <p:extLst>
-      <p:ext uri="{BB962C8B-B14F-4D97-AF65-F5344CB8AC3E}">
-        <p14:creationId xmlns:p14="http://schemas.microsoft.com/office/powerpoint/2010/main" val="3695988199"/>
-      </p:ext>
-    </p:extLst>
-  </p:cSld>
-  <p:clrMapOvr>
-    <a:masterClrMapping/>
-  </p:clrMapOvr>
-  <p:transition spd="med"/>
-</p:sld>
-</file>
-
-<file path=ppt/slides/slide16.xml><?xml version="1.0" encoding="utf-8"?>
-<p:sld xmlns:a="http://schemas.openxmlformats.org/drawingml/2006/main" xmlns:r="http://schemas.openxmlformats.org/officeDocument/2006/relationships" xmlns:p="http://schemas.openxmlformats.org/presentationml/2006/main" showMasterSp="0">
-  <p:cSld>
-    <p:bg>
-      <p:bgPr>
-        <a:blipFill dpi="0" rotWithShape="1">
-          <a:blip r:embed="rId2">
-            <a:lum/>
-          </a:blip>
-          <a:srcRect/>
-          <a:stretch>
-            <a:fillRect/>
-          </a:stretch>
-        </a:blipFill>
-        <a:effectLst/>
-      </p:bgPr>
-    </p:bg>
-    <p:spTree>
-      <p:nvGrpSpPr>
-        <p:cNvPr id="1" name=""/>
-        <p:cNvGrpSpPr/>
-        <p:nvPr/>
-      </p:nvGrpSpPr>
-      <p:grpSpPr>
-        <a:xfrm>
-          <a:off x="0" y="0"/>
-          <a:ext cx="0" cy="0"/>
-          <a:chOff x="0" y="0"/>
-          <a:chExt cx="0" cy="0"/>
-        </a:xfrm>
-      </p:grpSpPr>
-      <p:pic>
-        <p:nvPicPr>
-          <p:cNvPr id="79" name="图片 78">
-            <a:extLst>
-              <a:ext uri="{FF2B5EF4-FFF2-40B4-BE49-F238E27FC236}">
-                <a16:creationId xmlns:a16="http://schemas.microsoft.com/office/drawing/2014/main" id="{E2D1C9F4-9C3D-45B1-AFD5-7C10A6DFE41C}"/>
-              </a:ext>
-            </a:extLst>
-          </p:cNvPr>
-          <p:cNvPicPr>
-            <a:picLocks noChangeAspect="1"/>
-          </p:cNvPicPr>
-          <p:nvPr/>
-        </p:nvPicPr>
-        <p:blipFill>
-          <a:blip r:embed="rId3">
-            <a:extLst>
-              <a:ext uri="{28A0092B-C50C-407E-A947-70E740481C1C}">
-                <a14:useLocalDpi xmlns:a14="http://schemas.microsoft.com/office/drawing/2010/main" val="0"/>
-              </a:ext>
-            </a:extLst>
-          </a:blip>
-          <a:stretch>
-            <a:fillRect/>
-          </a:stretch>
-        </p:blipFill>
-        <p:spPr>
-          <a:xfrm>
-            <a:off x="2444939" y="1719646"/>
-            <a:ext cx="6444411" cy="3869594"/>
-          </a:xfrm>
-          <a:prstGeom prst="rect">
-            <a:avLst/>
-          </a:prstGeom>
-          <a:ln>
-            <a:solidFill>
-              <a:schemeClr val="bg1"/>
-            </a:solidFill>
-          </a:ln>
-          <a:effectLst/>
-        </p:spPr>
-      </p:pic>
-      <p:sp>
-        <p:nvSpPr>
-          <p:cNvPr id="41" name="矩形 40">
-            <a:extLst>
-              <a:ext uri="{FF2B5EF4-FFF2-40B4-BE49-F238E27FC236}">
-                <a16:creationId xmlns:a16="http://schemas.microsoft.com/office/drawing/2014/main" id="{ADC9A9BF-7504-44BC-AEED-726E4ADC2956}"/>
-              </a:ext>
-            </a:extLst>
-          </p:cNvPr>
-          <p:cNvSpPr/>
-          <p:nvPr/>
-        </p:nvSpPr>
-        <p:spPr bwMode="auto">
-          <a:xfrm>
-            <a:off x="3721342" y="1916832"/>
-            <a:ext cx="648072" cy="504056"/>
-          </a:xfrm>
-          <a:prstGeom prst="rect">
-            <a:avLst/>
-          </a:prstGeom>
-          <a:noFill/>
-          <a:ln w="12700" cap="flat" cmpd="sng" algn="ctr">
-            <a:solidFill>
-              <a:schemeClr val="bg1"/>
-            </a:solidFill>
-            <a:prstDash val="solid"/>
-            <a:round/>
-            <a:headEnd type="none" w="med" len="med"/>
-            <a:tailEnd type="none"/>
-          </a:ln>
-          <a:effectLst/>
-        </p:spPr>
-        <p:txBody>
-          <a:bodyPr rtlCol="0" anchor="ctr"/>
-          <a:lstStyle/>
-          <a:p>
-            <a:r>
-              <a:rPr lang="zh-CN" altLang="en-US" sz="1400" dirty="0">
-                <a:solidFill>
-                  <a:schemeClr val="bg1"/>
-                </a:solidFill>
-              </a:rPr>
-              <a:t>空格</a:t>
-            </a:r>
-          </a:p>
-        </p:txBody>
-      </p:sp>
-      <p:sp>
-        <p:nvSpPr>
-          <p:cNvPr id="42" name="矩形 41">
-            <a:extLst>
-              <a:ext uri="{FF2B5EF4-FFF2-40B4-BE49-F238E27FC236}">
-                <a16:creationId xmlns:a16="http://schemas.microsoft.com/office/drawing/2014/main" id="{7AAA25DC-23F1-4047-B85C-90717541729E}"/>
-              </a:ext>
-            </a:extLst>
-          </p:cNvPr>
-          <p:cNvSpPr/>
-          <p:nvPr/>
-        </p:nvSpPr>
-        <p:spPr bwMode="auto">
-          <a:xfrm>
-            <a:off x="2722019" y="1916304"/>
-            <a:ext cx="1008112" cy="504056"/>
-          </a:xfrm>
-          <a:prstGeom prst="rect">
-            <a:avLst/>
-          </a:prstGeom>
-          <a:solidFill>
-            <a:srgbClr val="87A13E"/>
-          </a:solidFill>
-          <a:ln w="12700" cap="flat" cmpd="sng" algn="ctr">
-            <a:solidFill>
-              <a:schemeClr val="bg1"/>
-            </a:solidFill>
-            <a:prstDash val="solid"/>
-            <a:round/>
-            <a:headEnd type="none" w="med" len="med"/>
-            <a:tailEnd type="none"/>
-          </a:ln>
-          <a:effectLst/>
-        </p:spPr>
-        <p:txBody>
-          <a:bodyPr rtlCol="0" anchor="ctr"/>
-          <a:lstStyle/>
-          <a:p>
-            <a:r>
-              <a:rPr lang="zh-CN" altLang="en-US" sz="1400" dirty="0">
-                <a:solidFill>
-                  <a:schemeClr val="bg1"/>
-                </a:solidFill>
-              </a:rPr>
-              <a:t>协议版本</a:t>
-            </a:r>
-          </a:p>
-        </p:txBody>
-      </p:sp>
-      <p:sp>
-        <p:nvSpPr>
-          <p:cNvPr id="44" name="矩形 43">
-            <a:extLst>
-              <a:ext uri="{FF2B5EF4-FFF2-40B4-BE49-F238E27FC236}">
-                <a16:creationId xmlns:a16="http://schemas.microsoft.com/office/drawing/2014/main" id="{E6A040D5-86AE-4D08-87CB-86CA50F84E9F}"/>
-              </a:ext>
-            </a:extLst>
-          </p:cNvPr>
-          <p:cNvSpPr/>
-          <p:nvPr/>
-        </p:nvSpPr>
-        <p:spPr bwMode="auto">
-          <a:xfrm>
-            <a:off x="2720646" y="3932648"/>
-            <a:ext cx="4952738" cy="504056"/>
-          </a:xfrm>
-          <a:prstGeom prst="rect">
-            <a:avLst/>
-          </a:prstGeom>
-          <a:noFill/>
-          <a:ln w="12700" cap="flat" cmpd="sng" algn="ctr">
-            <a:solidFill>
-              <a:schemeClr val="bg1"/>
-            </a:solidFill>
-            <a:prstDash val="solid"/>
-            <a:round/>
-            <a:headEnd type="none" w="med" len="med"/>
-            <a:tailEnd type="none"/>
-          </a:ln>
-          <a:effectLst/>
-        </p:spPr>
-        <p:txBody>
-          <a:bodyPr rtlCol="0" anchor="ctr"/>
-          <a:lstStyle/>
-          <a:p>
-            <a:r>
-              <a:rPr lang="en-US" altLang="zh-CN" sz="1400" dirty="0">
-                <a:solidFill>
-                  <a:schemeClr val="bg1"/>
-                </a:solidFill>
-              </a:rPr>
-              <a:t>CRLF</a:t>
-            </a:r>
-            <a:endParaRPr lang="zh-CN" altLang="en-US" sz="1400" dirty="0">
-              <a:solidFill>
-                <a:schemeClr val="bg1"/>
-              </a:solidFill>
-            </a:endParaRPr>
-          </a:p>
-        </p:txBody>
-      </p:sp>
-      <p:sp>
-        <p:nvSpPr>
-          <p:cNvPr id="56" name="矩形 55">
-            <a:extLst>
-              <a:ext uri="{FF2B5EF4-FFF2-40B4-BE49-F238E27FC236}">
-                <a16:creationId xmlns:a16="http://schemas.microsoft.com/office/drawing/2014/main" id="{B79A3CB5-0323-48E0-9FC3-39878229CB51}"/>
-              </a:ext>
-            </a:extLst>
-          </p:cNvPr>
-          <p:cNvSpPr/>
-          <p:nvPr/>
-        </p:nvSpPr>
-        <p:spPr bwMode="auto">
-          <a:xfrm>
-            <a:off x="4366202" y="1916832"/>
-            <a:ext cx="914194" cy="504056"/>
-          </a:xfrm>
-          <a:prstGeom prst="rect">
-            <a:avLst/>
-          </a:prstGeom>
-          <a:solidFill>
-            <a:srgbClr val="87A13E"/>
-          </a:solidFill>
-          <a:ln w="12700" cap="flat" cmpd="sng" algn="ctr">
-            <a:solidFill>
-              <a:schemeClr val="bg1"/>
-            </a:solidFill>
-            <a:prstDash val="solid"/>
-            <a:round/>
-            <a:headEnd type="none" w="med" len="med"/>
-            <a:tailEnd type="none"/>
-          </a:ln>
-          <a:effectLst/>
-        </p:spPr>
-        <p:txBody>
-          <a:bodyPr rtlCol="0" anchor="ctr"/>
-          <a:lstStyle/>
-          <a:p>
-            <a:r>
-              <a:rPr lang="zh-CN" altLang="en-US" sz="1400" dirty="0">
-                <a:solidFill>
-                  <a:schemeClr val="bg1"/>
-                </a:solidFill>
-              </a:rPr>
-              <a:t>状态码</a:t>
-            </a:r>
-          </a:p>
-        </p:txBody>
-      </p:sp>
-      <p:sp>
-        <p:nvSpPr>
-          <p:cNvPr id="57" name="矩形 56">
-            <a:extLst>
-              <a:ext uri="{FF2B5EF4-FFF2-40B4-BE49-F238E27FC236}">
-                <a16:creationId xmlns:a16="http://schemas.microsoft.com/office/drawing/2014/main" id="{6C93715E-5AFD-44E7-9BC2-C0DA887AF135}"/>
-              </a:ext>
-            </a:extLst>
-          </p:cNvPr>
-          <p:cNvSpPr/>
-          <p:nvPr/>
-        </p:nvSpPr>
-        <p:spPr bwMode="auto">
-          <a:xfrm>
-            <a:off x="5284821" y="1919443"/>
-            <a:ext cx="648072" cy="504056"/>
-          </a:xfrm>
-          <a:prstGeom prst="rect">
-            <a:avLst/>
-          </a:prstGeom>
-          <a:noFill/>
-          <a:ln w="12700" cap="flat" cmpd="sng" algn="ctr">
-            <a:solidFill>
-              <a:schemeClr val="bg1"/>
-            </a:solidFill>
-            <a:prstDash val="solid"/>
-            <a:round/>
-            <a:headEnd type="none" w="med" len="med"/>
-            <a:tailEnd type="none"/>
-          </a:ln>
-          <a:effectLst/>
-        </p:spPr>
-        <p:txBody>
-          <a:bodyPr rtlCol="0" anchor="ctr"/>
-          <a:lstStyle/>
-          <a:p>
-            <a:r>
-              <a:rPr lang="zh-CN" altLang="en-US" sz="1400" dirty="0">
-                <a:solidFill>
-                  <a:schemeClr val="bg1"/>
-                </a:solidFill>
-              </a:rPr>
-              <a:t>空格</a:t>
-            </a:r>
-          </a:p>
-        </p:txBody>
-      </p:sp>
-      <p:sp>
-        <p:nvSpPr>
-          <p:cNvPr id="58" name="矩形 57">
-            <a:extLst>
-              <a:ext uri="{FF2B5EF4-FFF2-40B4-BE49-F238E27FC236}">
-                <a16:creationId xmlns:a16="http://schemas.microsoft.com/office/drawing/2014/main" id="{C702CE14-A385-4F9B-8E80-574B680F9DEB}"/>
-              </a:ext>
-            </a:extLst>
-          </p:cNvPr>
-          <p:cNvSpPr/>
-          <p:nvPr/>
-        </p:nvSpPr>
-        <p:spPr bwMode="auto">
-          <a:xfrm>
-            <a:off x="5932894" y="1916832"/>
-            <a:ext cx="1094392" cy="504056"/>
-          </a:xfrm>
-          <a:prstGeom prst="rect">
-            <a:avLst/>
-          </a:prstGeom>
-          <a:solidFill>
-            <a:srgbClr val="87A13E"/>
-          </a:solidFill>
-          <a:ln w="12700" cap="flat" cmpd="sng" algn="ctr">
-            <a:solidFill>
-              <a:schemeClr val="bg1"/>
-            </a:solidFill>
-            <a:prstDash val="solid"/>
-            <a:round/>
-            <a:headEnd type="none" w="med" len="med"/>
-            <a:tailEnd type="none"/>
-          </a:ln>
-          <a:effectLst/>
-        </p:spPr>
-        <p:txBody>
-          <a:bodyPr rtlCol="0" anchor="ctr"/>
-          <a:lstStyle/>
-          <a:p>
-            <a:r>
-              <a:rPr lang="zh-CN" altLang="en-US" sz="1400" dirty="0">
-                <a:solidFill>
-                  <a:schemeClr val="bg1"/>
-                </a:solidFill>
-              </a:rPr>
-              <a:t>状态码描述</a:t>
-            </a:r>
-          </a:p>
-        </p:txBody>
-      </p:sp>
-      <p:sp>
-        <p:nvSpPr>
-          <p:cNvPr id="59" name="矩形 58">
-            <a:extLst>
-              <a:ext uri="{FF2B5EF4-FFF2-40B4-BE49-F238E27FC236}">
-                <a16:creationId xmlns:a16="http://schemas.microsoft.com/office/drawing/2014/main" id="{3F458595-BBB6-422A-B4A5-EE5C497A5AC2}"/>
-              </a:ext>
-            </a:extLst>
-          </p:cNvPr>
-          <p:cNvSpPr/>
-          <p:nvPr/>
-        </p:nvSpPr>
-        <p:spPr bwMode="auto">
-          <a:xfrm>
-            <a:off x="7027286" y="1916832"/>
-            <a:ext cx="648072" cy="504056"/>
-          </a:xfrm>
-          <a:prstGeom prst="rect">
-            <a:avLst/>
-          </a:prstGeom>
-          <a:noFill/>
-          <a:ln w="12700" cap="flat" cmpd="sng" algn="ctr">
-            <a:solidFill>
-              <a:schemeClr val="bg1"/>
-            </a:solidFill>
-            <a:prstDash val="solid"/>
-            <a:round/>
-            <a:headEnd type="none" w="med" len="med"/>
-            <a:tailEnd type="none"/>
-          </a:ln>
-          <a:effectLst/>
-        </p:spPr>
-        <p:txBody>
-          <a:bodyPr rtlCol="0" anchor="ctr"/>
-          <a:lstStyle/>
-          <a:p>
-            <a:r>
-              <a:rPr lang="en-US" altLang="zh-CN" sz="1400" dirty="0">
-                <a:solidFill>
-                  <a:schemeClr val="bg1"/>
-                </a:solidFill>
-              </a:rPr>
-              <a:t>CRLF</a:t>
-            </a:r>
-            <a:endParaRPr lang="zh-CN" altLang="en-US" sz="1400" dirty="0">
-              <a:solidFill>
-                <a:schemeClr val="bg1"/>
-              </a:solidFill>
-            </a:endParaRPr>
-          </a:p>
-        </p:txBody>
-      </p:sp>
-      <p:sp>
-        <p:nvSpPr>
-          <p:cNvPr id="63" name="矩形 62">
-            <a:extLst>
-              <a:ext uri="{FF2B5EF4-FFF2-40B4-BE49-F238E27FC236}">
-                <a16:creationId xmlns:a16="http://schemas.microsoft.com/office/drawing/2014/main" id="{22FEBFDB-12E0-43DE-88E0-BFF4C94B6FEE}"/>
-              </a:ext>
-            </a:extLst>
-          </p:cNvPr>
-          <p:cNvSpPr/>
-          <p:nvPr/>
-        </p:nvSpPr>
-        <p:spPr bwMode="auto">
-          <a:xfrm>
-            <a:off x="7027286" y="2420888"/>
-            <a:ext cx="648072" cy="504056"/>
-          </a:xfrm>
-          <a:prstGeom prst="rect">
-            <a:avLst/>
-          </a:prstGeom>
-          <a:noFill/>
-          <a:ln w="12700" cap="flat" cmpd="sng" algn="ctr">
-            <a:solidFill>
-              <a:schemeClr val="bg1"/>
-            </a:solidFill>
-            <a:prstDash val="solid"/>
-            <a:round/>
-            <a:headEnd type="none" w="med" len="med"/>
-            <a:tailEnd type="none"/>
-          </a:ln>
-          <a:effectLst/>
-        </p:spPr>
-        <p:txBody>
-          <a:bodyPr rtlCol="0" anchor="ctr"/>
-          <a:lstStyle/>
-          <a:p>
-            <a:r>
-              <a:rPr lang="en-US" altLang="zh-CN" sz="1400" dirty="0">
-                <a:solidFill>
-                  <a:schemeClr val="bg1"/>
-                </a:solidFill>
-              </a:rPr>
-              <a:t>CRLF</a:t>
-            </a:r>
-            <a:endParaRPr lang="zh-CN" altLang="en-US" sz="1400" dirty="0">
-              <a:solidFill>
-                <a:schemeClr val="bg1"/>
-              </a:solidFill>
-            </a:endParaRPr>
-          </a:p>
-        </p:txBody>
-      </p:sp>
-      <p:sp>
-        <p:nvSpPr>
-          <p:cNvPr id="69" name="矩形 68">
-            <a:extLst>
-              <a:ext uri="{FF2B5EF4-FFF2-40B4-BE49-F238E27FC236}">
-                <a16:creationId xmlns:a16="http://schemas.microsoft.com/office/drawing/2014/main" id="{9038F008-DF0C-4AFC-A78A-DFE4BB3DDCFA}"/>
-              </a:ext>
-            </a:extLst>
-          </p:cNvPr>
-          <p:cNvSpPr/>
-          <p:nvPr/>
-        </p:nvSpPr>
-        <p:spPr bwMode="auto">
-          <a:xfrm>
-            <a:off x="4362003" y="3431404"/>
-            <a:ext cx="648072" cy="504056"/>
-          </a:xfrm>
-          <a:prstGeom prst="rect">
-            <a:avLst/>
-          </a:prstGeom>
-          <a:noFill/>
-          <a:ln w="12700" cap="flat" cmpd="sng" algn="ctr">
-            <a:solidFill>
-              <a:schemeClr val="bg1"/>
-            </a:solidFill>
-            <a:prstDash val="solid"/>
-            <a:round/>
-            <a:headEnd type="none" w="med" len="med"/>
-            <a:tailEnd type="none"/>
-          </a:ln>
-          <a:effectLst/>
-        </p:spPr>
-        <p:txBody>
-          <a:bodyPr rtlCol="0" anchor="ctr"/>
-          <a:lstStyle/>
-          <a:p>
-            <a:r>
-              <a:rPr lang="en-US" altLang="zh-CN" sz="1400" dirty="0">
-                <a:solidFill>
-                  <a:schemeClr val="bg1"/>
-                </a:solidFill>
-              </a:rPr>
-              <a:t>:</a:t>
-            </a:r>
-            <a:endParaRPr lang="zh-CN" altLang="en-US" sz="1400" dirty="0">
-              <a:solidFill>
-                <a:schemeClr val="bg1"/>
-              </a:solidFill>
-            </a:endParaRPr>
-          </a:p>
-        </p:txBody>
-      </p:sp>
-      <p:sp>
-        <p:nvSpPr>
-          <p:cNvPr id="72" name="矩形 71">
-            <a:extLst>
-              <a:ext uri="{FF2B5EF4-FFF2-40B4-BE49-F238E27FC236}">
-                <a16:creationId xmlns:a16="http://schemas.microsoft.com/office/drawing/2014/main" id="{9E18071A-C812-412C-9403-F656BF6F6B81}"/>
-              </a:ext>
-            </a:extLst>
-          </p:cNvPr>
-          <p:cNvSpPr/>
-          <p:nvPr/>
-        </p:nvSpPr>
-        <p:spPr bwMode="auto">
-          <a:xfrm>
-            <a:off x="2720646" y="4436649"/>
-            <a:ext cx="4952738" cy="504056"/>
-          </a:xfrm>
-          <a:prstGeom prst="rect">
-            <a:avLst/>
-          </a:prstGeom>
-          <a:solidFill>
-            <a:srgbClr val="2990D0"/>
-          </a:solidFill>
-          <a:ln w="12700" cap="flat" cmpd="sng" algn="ctr">
-            <a:solidFill>
-              <a:schemeClr val="bg1"/>
-            </a:solidFill>
-            <a:prstDash val="solid"/>
-            <a:round/>
-            <a:headEnd type="none" w="med" len="med"/>
-            <a:tailEnd type="none"/>
-          </a:ln>
-          <a:effectLst/>
-        </p:spPr>
-        <p:txBody>
-          <a:bodyPr rtlCol="0" anchor="ctr"/>
-          <a:lstStyle/>
-          <a:p>
-            <a:r>
-              <a:rPr lang="zh-CN" altLang="en-US" sz="1400" dirty="0">
-                <a:solidFill>
-                  <a:schemeClr val="lt1"/>
-                </a:solidFill>
-              </a:rPr>
-              <a:t>响应</a:t>
-            </a:r>
-            <a:r>
-              <a:rPr lang="zh-CN" altLang="en-US" sz="1400" dirty="0">
-                <a:solidFill>
-                  <a:schemeClr val="bg1"/>
-                </a:solidFill>
-              </a:rPr>
-              <a:t>数据</a:t>
-            </a:r>
-          </a:p>
-        </p:txBody>
-      </p:sp>
-      <p:sp>
-        <p:nvSpPr>
-          <p:cNvPr id="60" name="矩形 59">
-            <a:extLst>
-              <a:ext uri="{FF2B5EF4-FFF2-40B4-BE49-F238E27FC236}">
-                <a16:creationId xmlns:a16="http://schemas.microsoft.com/office/drawing/2014/main" id="{CD1D7140-71FB-44E5-9E57-1EA0FC395444}"/>
-              </a:ext>
-            </a:extLst>
-          </p:cNvPr>
-          <p:cNvSpPr/>
-          <p:nvPr/>
-        </p:nvSpPr>
-        <p:spPr bwMode="auto">
-          <a:xfrm>
-            <a:off x="2717897" y="2420640"/>
-            <a:ext cx="1655609" cy="504056"/>
-          </a:xfrm>
-          <a:prstGeom prst="rect">
-            <a:avLst/>
-          </a:prstGeom>
-          <a:solidFill>
-            <a:srgbClr val="FFAF06"/>
-          </a:solidFill>
-          <a:ln w="12700" cap="flat" cmpd="sng" algn="ctr">
-            <a:solidFill>
-              <a:schemeClr val="bg1"/>
-            </a:solidFill>
-            <a:prstDash val="solid"/>
-            <a:round/>
-            <a:headEnd type="none" w="med" len="med"/>
-            <a:tailEnd type="none"/>
-          </a:ln>
-          <a:effectLst/>
-        </p:spPr>
-        <p:txBody>
-          <a:bodyPr rtlCol="0" anchor="ctr"/>
-          <a:lstStyle/>
-          <a:p>
-            <a:r>
-              <a:rPr lang="zh-CN" altLang="en-US" sz="1400" dirty="0">
-                <a:solidFill>
-                  <a:schemeClr val="bg1"/>
-                </a:solidFill>
-              </a:rPr>
-              <a:t>头部字段名</a:t>
-            </a:r>
-          </a:p>
-        </p:txBody>
-      </p:sp>
-      <p:sp>
-        <p:nvSpPr>
-          <p:cNvPr id="75" name="矩形 74">
-            <a:extLst>
-              <a:ext uri="{FF2B5EF4-FFF2-40B4-BE49-F238E27FC236}">
-                <a16:creationId xmlns:a16="http://schemas.microsoft.com/office/drawing/2014/main" id="{DABA7181-CB8A-4EDD-A07C-C561AD7165B2}"/>
-              </a:ext>
-            </a:extLst>
-          </p:cNvPr>
-          <p:cNvSpPr/>
-          <p:nvPr/>
-        </p:nvSpPr>
-        <p:spPr bwMode="auto">
-          <a:xfrm>
-            <a:off x="7849689" y="1916684"/>
-            <a:ext cx="872126" cy="504056"/>
-          </a:xfrm>
-          <a:prstGeom prst="rect">
-            <a:avLst/>
-          </a:prstGeom>
-          <a:noFill/>
-          <a:ln w="12700" cap="flat" cmpd="sng" algn="ctr">
-            <a:noFill/>
-            <a:prstDash val="solid"/>
-            <a:round/>
-            <a:headEnd type="none" w="med" len="med"/>
-            <a:tailEnd type="none"/>
-          </a:ln>
-          <a:effectLst/>
-        </p:spPr>
-        <p:txBody>
-          <a:bodyPr rtlCol="0" anchor="ctr"/>
-          <a:lstStyle/>
-          <a:p>
-            <a:r>
-              <a:rPr lang="zh-CN" altLang="en-US" sz="1400" dirty="0">
-                <a:solidFill>
-                  <a:schemeClr val="bg1"/>
-                </a:solidFill>
-              </a:rPr>
-              <a:t>状态行</a:t>
-            </a:r>
-          </a:p>
-        </p:txBody>
-      </p:sp>
-      <p:sp>
-        <p:nvSpPr>
-          <p:cNvPr id="76" name="矩形 75">
-            <a:extLst>
-              <a:ext uri="{FF2B5EF4-FFF2-40B4-BE49-F238E27FC236}">
-                <a16:creationId xmlns:a16="http://schemas.microsoft.com/office/drawing/2014/main" id="{689364AF-5767-4976-A47E-56EDF0C6E921}"/>
-              </a:ext>
-            </a:extLst>
-          </p:cNvPr>
-          <p:cNvSpPr/>
-          <p:nvPr/>
-        </p:nvSpPr>
-        <p:spPr bwMode="auto">
-          <a:xfrm>
-            <a:off x="7881239" y="2925533"/>
-            <a:ext cx="1008112" cy="504056"/>
-          </a:xfrm>
-          <a:prstGeom prst="rect">
-            <a:avLst/>
-          </a:prstGeom>
-          <a:noFill/>
-          <a:ln w="12700" cap="flat" cmpd="sng" algn="ctr">
-            <a:noFill/>
-            <a:prstDash val="solid"/>
-            <a:round/>
-            <a:headEnd type="none" w="med" len="med"/>
-            <a:tailEnd type="none"/>
-          </a:ln>
-          <a:effectLst/>
-        </p:spPr>
-        <p:txBody>
-          <a:bodyPr rtlCol="0" anchor="ctr"/>
-          <a:lstStyle/>
-          <a:p>
-            <a:r>
-              <a:rPr lang="zh-CN" altLang="en-US" sz="1400" dirty="0">
-                <a:solidFill>
-                  <a:schemeClr val="bg1"/>
-                </a:solidFill>
-              </a:rPr>
-              <a:t>响应头部</a:t>
-            </a:r>
-          </a:p>
-        </p:txBody>
-      </p:sp>
-      <p:sp>
-        <p:nvSpPr>
-          <p:cNvPr id="77" name="矩形 76">
-            <a:extLst>
-              <a:ext uri="{FF2B5EF4-FFF2-40B4-BE49-F238E27FC236}">
-                <a16:creationId xmlns:a16="http://schemas.microsoft.com/office/drawing/2014/main" id="{E0E8F088-E60D-409C-A73A-D3B36653BB39}"/>
-              </a:ext>
-            </a:extLst>
-          </p:cNvPr>
-          <p:cNvSpPr/>
-          <p:nvPr/>
-        </p:nvSpPr>
-        <p:spPr bwMode="auto">
-          <a:xfrm>
-            <a:off x="7863194" y="4439519"/>
-            <a:ext cx="1008112" cy="504056"/>
-          </a:xfrm>
-          <a:prstGeom prst="rect">
-            <a:avLst/>
-          </a:prstGeom>
-          <a:noFill/>
-          <a:ln w="12700" cap="flat" cmpd="sng" algn="ctr">
-            <a:noFill/>
-            <a:prstDash val="solid"/>
-            <a:round/>
-            <a:headEnd type="none" w="med" len="med"/>
-            <a:tailEnd type="none"/>
-          </a:ln>
-          <a:effectLst/>
-        </p:spPr>
-        <p:txBody>
-          <a:bodyPr rtlCol="0" anchor="ctr"/>
-          <a:lstStyle/>
-          <a:p>
-            <a:r>
-              <a:rPr lang="zh-CN" altLang="en-US" sz="1400" dirty="0">
-                <a:solidFill>
-                  <a:schemeClr val="lt1"/>
-                </a:solidFill>
-              </a:rPr>
-              <a:t>响应</a:t>
-            </a:r>
-            <a:r>
-              <a:rPr lang="zh-CN" altLang="en-US" sz="1400" dirty="0">
-                <a:solidFill>
-                  <a:schemeClr val="bg1"/>
-                </a:solidFill>
-              </a:rPr>
-              <a:t>数据</a:t>
-            </a:r>
-          </a:p>
-        </p:txBody>
-      </p:sp>
-      <p:sp>
-        <p:nvSpPr>
-          <p:cNvPr id="4" name="右大括号 3">
-            <a:extLst>
-              <a:ext uri="{FF2B5EF4-FFF2-40B4-BE49-F238E27FC236}">
-                <a16:creationId xmlns:a16="http://schemas.microsoft.com/office/drawing/2014/main" id="{6BB5328E-5970-47C6-BE90-532B638150F7}"/>
-              </a:ext>
-            </a:extLst>
-          </p:cNvPr>
-          <p:cNvSpPr/>
-          <p:nvPr/>
-        </p:nvSpPr>
-        <p:spPr bwMode="auto">
-          <a:xfrm>
-            <a:off x="7769276" y="2534348"/>
-            <a:ext cx="187836" cy="1368152"/>
-          </a:xfrm>
-          <a:custGeom>
-            <a:avLst/>
-            <a:gdLst>
-              <a:gd name="connsiteX0" fmla="*/ 0 w 187835"/>
-              <a:gd name="connsiteY0" fmla="*/ 0 h 1368152"/>
-              <a:gd name="connsiteX1" fmla="*/ 93918 w 187835"/>
-              <a:gd name="connsiteY1" fmla="*/ 15652 h 1368152"/>
-              <a:gd name="connsiteX2" fmla="*/ 93918 w 187835"/>
-              <a:gd name="connsiteY2" fmla="*/ 668424 h 1368152"/>
-              <a:gd name="connsiteX3" fmla="*/ 187836 w 187835"/>
-              <a:gd name="connsiteY3" fmla="*/ 684076 h 1368152"/>
-              <a:gd name="connsiteX4" fmla="*/ 93918 w 187835"/>
-              <a:gd name="connsiteY4" fmla="*/ 699728 h 1368152"/>
-              <a:gd name="connsiteX5" fmla="*/ 93918 w 187835"/>
-              <a:gd name="connsiteY5" fmla="*/ 1352500 h 1368152"/>
-              <a:gd name="connsiteX6" fmla="*/ 0 w 187835"/>
-              <a:gd name="connsiteY6" fmla="*/ 1368152 h 1368152"/>
-              <a:gd name="connsiteX7" fmla="*/ 0 w 187835"/>
-              <a:gd name="connsiteY7" fmla="*/ 0 h 1368152"/>
-              <a:gd name="connsiteX0" fmla="*/ 0 w 187835"/>
-              <a:gd name="connsiteY0" fmla="*/ 0 h 1368152"/>
-              <a:gd name="connsiteX1" fmla="*/ 93918 w 187835"/>
-              <a:gd name="connsiteY1" fmla="*/ 15652 h 1368152"/>
-              <a:gd name="connsiteX2" fmla="*/ 93918 w 187835"/>
-              <a:gd name="connsiteY2" fmla="*/ 668424 h 1368152"/>
-              <a:gd name="connsiteX3" fmla="*/ 187836 w 187835"/>
-              <a:gd name="connsiteY3" fmla="*/ 684076 h 1368152"/>
-              <a:gd name="connsiteX4" fmla="*/ 93918 w 187835"/>
-              <a:gd name="connsiteY4" fmla="*/ 699728 h 1368152"/>
-              <a:gd name="connsiteX5" fmla="*/ 93918 w 187835"/>
-              <a:gd name="connsiteY5" fmla="*/ 1352500 h 1368152"/>
-              <a:gd name="connsiteX6" fmla="*/ 0 w 187835"/>
-              <a:gd name="connsiteY6" fmla="*/ 1368152 h 1368152"/>
-              <a:gd name="connsiteX0" fmla="*/ 0 w 187836"/>
-              <a:gd name="connsiteY0" fmla="*/ 0 h 1368152"/>
-              <a:gd name="connsiteX1" fmla="*/ 93918 w 187836"/>
-              <a:gd name="connsiteY1" fmla="*/ 15652 h 1368152"/>
-              <a:gd name="connsiteX2" fmla="*/ 93918 w 187836"/>
-              <a:gd name="connsiteY2" fmla="*/ 668424 h 1368152"/>
-              <a:gd name="connsiteX3" fmla="*/ 187836 w 187836"/>
-              <a:gd name="connsiteY3" fmla="*/ 684076 h 1368152"/>
-              <a:gd name="connsiteX4" fmla="*/ 93918 w 187836"/>
-              <a:gd name="connsiteY4" fmla="*/ 699728 h 1368152"/>
-              <a:gd name="connsiteX5" fmla="*/ 93918 w 187836"/>
-              <a:gd name="connsiteY5" fmla="*/ 1352500 h 1368152"/>
-              <a:gd name="connsiteX6" fmla="*/ 0 w 187836"/>
-              <a:gd name="connsiteY6" fmla="*/ 1368152 h 1368152"/>
-              <a:gd name="connsiteX7" fmla="*/ 0 w 187836"/>
-              <a:gd name="connsiteY7" fmla="*/ 0 h 1368152"/>
-              <a:gd name="connsiteX0" fmla="*/ 0 w 187836"/>
-              <a:gd name="connsiteY0" fmla="*/ 0 h 1368152"/>
-              <a:gd name="connsiteX1" fmla="*/ 93918 w 187836"/>
-              <a:gd name="connsiteY1" fmla="*/ 15652 h 1368152"/>
-              <a:gd name="connsiteX2" fmla="*/ 93918 w 187836"/>
-              <a:gd name="connsiteY2" fmla="*/ 633499 h 1368152"/>
-              <a:gd name="connsiteX3" fmla="*/ 187836 w 187836"/>
-              <a:gd name="connsiteY3" fmla="*/ 684076 h 1368152"/>
-              <a:gd name="connsiteX4" fmla="*/ 93918 w 187836"/>
-              <a:gd name="connsiteY4" fmla="*/ 699728 h 1368152"/>
-              <a:gd name="connsiteX5" fmla="*/ 93918 w 187836"/>
-              <a:gd name="connsiteY5" fmla="*/ 1352500 h 1368152"/>
-              <a:gd name="connsiteX6" fmla="*/ 0 w 187836"/>
-              <a:gd name="connsiteY6" fmla="*/ 1368152 h 1368152"/>
-              <a:gd name="connsiteX0" fmla="*/ 0 w 187836"/>
-              <a:gd name="connsiteY0" fmla="*/ 0 h 1368152"/>
-              <a:gd name="connsiteX1" fmla="*/ 93918 w 187836"/>
-              <a:gd name="connsiteY1" fmla="*/ 15652 h 1368152"/>
-              <a:gd name="connsiteX2" fmla="*/ 93918 w 187836"/>
-              <a:gd name="connsiteY2" fmla="*/ 668424 h 1368152"/>
-              <a:gd name="connsiteX3" fmla="*/ 187836 w 187836"/>
-              <a:gd name="connsiteY3" fmla="*/ 684076 h 1368152"/>
-              <a:gd name="connsiteX4" fmla="*/ 93918 w 187836"/>
-              <a:gd name="connsiteY4" fmla="*/ 699728 h 1368152"/>
-              <a:gd name="connsiteX5" fmla="*/ 93918 w 187836"/>
-              <a:gd name="connsiteY5" fmla="*/ 1352500 h 1368152"/>
-              <a:gd name="connsiteX6" fmla="*/ 0 w 187836"/>
-              <a:gd name="connsiteY6" fmla="*/ 1368152 h 1368152"/>
-              <a:gd name="connsiteX7" fmla="*/ 0 w 187836"/>
-              <a:gd name="connsiteY7" fmla="*/ 0 h 1368152"/>
-              <a:gd name="connsiteX0" fmla="*/ 0 w 187836"/>
-              <a:gd name="connsiteY0" fmla="*/ 0 h 1368152"/>
-              <a:gd name="connsiteX1" fmla="*/ 93918 w 187836"/>
-              <a:gd name="connsiteY1" fmla="*/ 15652 h 1368152"/>
-              <a:gd name="connsiteX2" fmla="*/ 93918 w 187836"/>
-              <a:gd name="connsiteY2" fmla="*/ 633499 h 1368152"/>
-              <a:gd name="connsiteX3" fmla="*/ 187836 w 187836"/>
-              <a:gd name="connsiteY3" fmla="*/ 684076 h 1368152"/>
-              <a:gd name="connsiteX4" fmla="*/ 93918 w 187836"/>
-              <a:gd name="connsiteY4" fmla="*/ 731478 h 1368152"/>
-              <a:gd name="connsiteX5" fmla="*/ 93918 w 187836"/>
-              <a:gd name="connsiteY5" fmla="*/ 1352500 h 1368152"/>
-              <a:gd name="connsiteX6" fmla="*/ 0 w 187836"/>
-              <a:gd name="connsiteY6" fmla="*/ 1368152 h 1368152"/>
-            </a:gdLst>
-            <a:ahLst/>
-            <a:cxnLst>
-              <a:cxn ang="0">
-                <a:pos x="connsiteX0" y="connsiteY0"/>
-              </a:cxn>
-              <a:cxn ang="0">
-                <a:pos x="connsiteX1" y="connsiteY1"/>
-              </a:cxn>
-              <a:cxn ang="0">
-                <a:pos x="connsiteX2" y="connsiteY2"/>
-              </a:cxn>
-              <a:cxn ang="0">
-                <a:pos x="connsiteX3" y="connsiteY3"/>
-              </a:cxn>
-              <a:cxn ang="0">
-                <a:pos x="connsiteX4" y="connsiteY4"/>
-              </a:cxn>
-              <a:cxn ang="0">
-                <a:pos x="connsiteX5" y="connsiteY5"/>
-              </a:cxn>
-              <a:cxn ang="0">
-                <a:pos x="connsiteX6" y="connsiteY6"/>
-              </a:cxn>
-            </a:cxnLst>
-            <a:rect l="l" t="t" r="r" b="b"/>
-            <a:pathLst>
-              <a:path w="187836" h="1368152" stroke="0" extrusionOk="0">
-                <a:moveTo>
-                  <a:pt x="0" y="0"/>
-                </a:moveTo>
-                <a:cubicBezTo>
-                  <a:pt x="51869" y="0"/>
-                  <a:pt x="93918" y="7008"/>
-                  <a:pt x="93918" y="15652"/>
-                </a:cubicBezTo>
-                <a:lnTo>
-                  <a:pt x="93918" y="668424"/>
-                </a:lnTo>
-                <a:cubicBezTo>
-                  <a:pt x="93918" y="677068"/>
-                  <a:pt x="135967" y="684076"/>
-                  <a:pt x="187836" y="684076"/>
-                </a:cubicBezTo>
-                <a:cubicBezTo>
-                  <a:pt x="135967" y="684076"/>
-                  <a:pt x="93918" y="691084"/>
-                  <a:pt x="93918" y="699728"/>
-                </a:cubicBezTo>
-                <a:lnTo>
-                  <a:pt x="93918" y="1352500"/>
-                </a:lnTo>
-                <a:cubicBezTo>
-                  <a:pt x="93918" y="1361144"/>
-                  <a:pt x="51869" y="1368152"/>
-                  <a:pt x="0" y="1368152"/>
-                </a:cubicBezTo>
-                <a:lnTo>
-                  <a:pt x="0" y="0"/>
-                </a:lnTo>
-                <a:close/>
-              </a:path>
-              <a:path w="187836" h="1368152" fill="none">
-                <a:moveTo>
-                  <a:pt x="0" y="0"/>
-                </a:moveTo>
-                <a:cubicBezTo>
-                  <a:pt x="51869" y="0"/>
-                  <a:pt x="93918" y="7008"/>
-                  <a:pt x="93918" y="15652"/>
-                </a:cubicBezTo>
-                <a:lnTo>
-                  <a:pt x="93918" y="633499"/>
-                </a:lnTo>
-                <a:cubicBezTo>
-                  <a:pt x="93918" y="642143"/>
-                  <a:pt x="187836" y="667746"/>
-                  <a:pt x="187836" y="684076"/>
-                </a:cubicBezTo>
-                <a:cubicBezTo>
-                  <a:pt x="187836" y="700406"/>
-                  <a:pt x="93918" y="722834"/>
-                  <a:pt x="93918" y="731478"/>
-                </a:cubicBezTo>
-                <a:lnTo>
-                  <a:pt x="93918" y="1352500"/>
-                </a:lnTo>
-                <a:cubicBezTo>
-                  <a:pt x="93918" y="1361144"/>
-                  <a:pt x="51869" y="1368152"/>
-                  <a:pt x="0" y="1368152"/>
-                </a:cubicBezTo>
-              </a:path>
-            </a:pathLst>
-          </a:custGeom>
-          <a:noFill/>
-          <a:ln w="12700" cap="flat" cmpd="sng" algn="ctr">
-            <a:solidFill>
-              <a:schemeClr val="bg1"/>
-            </a:solidFill>
-            <a:prstDash val="solid"/>
-            <a:round/>
-            <a:headEnd type="none" w="med" len="med"/>
-            <a:tailEnd type="none"/>
-          </a:ln>
-          <a:effectLst>
-            <a:outerShdw blurRad="12700" dist="12700" dir="5400000" algn="ctr" rotWithShape="0">
-              <a:srgbClr val="000000">
-                <a:alpha val="50000"/>
-              </a:srgbClr>
-            </a:outerShdw>
-          </a:effectLst>
-        </p:spPr>
-        <p:txBody>
-          <a:bodyPr rtlCol="0" anchor="ctr"/>
-          <a:lstStyle/>
-          <a:p>
-            <a:pPr algn="ctr"/>
-            <a:endParaRPr lang="zh-CN" altLang="en-US"/>
-          </a:p>
-        </p:txBody>
-      </p:sp>
-      <p:sp>
-        <p:nvSpPr>
-          <p:cNvPr id="78" name="矩形 77">
-            <a:extLst>
-              <a:ext uri="{FF2B5EF4-FFF2-40B4-BE49-F238E27FC236}">
-                <a16:creationId xmlns:a16="http://schemas.microsoft.com/office/drawing/2014/main" id="{E51BE21F-652A-4A4C-B1FB-63B87926C658}"/>
-              </a:ext>
-            </a:extLst>
-          </p:cNvPr>
-          <p:cNvSpPr/>
-          <p:nvPr/>
-        </p:nvSpPr>
-        <p:spPr bwMode="auto">
-          <a:xfrm>
-            <a:off x="4045378" y="2924944"/>
-            <a:ext cx="1008112" cy="504056"/>
-          </a:xfrm>
-          <a:prstGeom prst="rect">
-            <a:avLst/>
-          </a:prstGeom>
-          <a:noFill/>
-          <a:ln w="12700" cap="flat" cmpd="sng" algn="ctr">
-            <a:noFill/>
-            <a:prstDash val="solid"/>
-            <a:round/>
-            <a:headEnd type="none" w="med" len="med"/>
-            <a:tailEnd type="none"/>
-          </a:ln>
-          <a:effectLst/>
-        </p:spPr>
-        <p:txBody>
-          <a:bodyPr rtlCol="0" anchor="ctr"/>
-          <a:lstStyle/>
-          <a:p>
-            <a:r>
-              <a:rPr lang="en-US" altLang="zh-CN" sz="1400" dirty="0">
-                <a:solidFill>
-                  <a:schemeClr val="bg1"/>
-                </a:solidFill>
-              </a:rPr>
-              <a:t>…</a:t>
-            </a:r>
-            <a:endParaRPr lang="zh-CN" altLang="en-US" sz="1400" dirty="0">
-              <a:solidFill>
-                <a:schemeClr val="bg1"/>
-              </a:solidFill>
-            </a:endParaRPr>
-          </a:p>
-        </p:txBody>
-      </p:sp>
-      <p:sp>
-        <p:nvSpPr>
-          <p:cNvPr id="80" name="矩形 79">
-            <a:extLst>
-              <a:ext uri="{FF2B5EF4-FFF2-40B4-BE49-F238E27FC236}">
-                <a16:creationId xmlns:a16="http://schemas.microsoft.com/office/drawing/2014/main" id="{276C898D-0BD3-4299-A808-9012AD9385A2}"/>
-              </a:ext>
-            </a:extLst>
-          </p:cNvPr>
-          <p:cNvSpPr/>
-          <p:nvPr/>
-        </p:nvSpPr>
-        <p:spPr>
-          <a:xfrm>
-            <a:off x="4688940" y="5122059"/>
-            <a:ext cx="2047601" cy="323165"/>
-          </a:xfrm>
-          <a:prstGeom prst="rect">
-            <a:avLst/>
-          </a:prstGeom>
-          <a:effectLst/>
-        </p:spPr>
-        <p:txBody>
-          <a:bodyPr wrap="square">
-            <a:spAutoFit/>
-          </a:bodyPr>
-          <a:lstStyle/>
-          <a:p>
-            <a:r>
-              <a:rPr lang="en-US" altLang="zh-CN" sz="1500" dirty="0">
-                <a:solidFill>
-                  <a:schemeClr val="lt1"/>
-                </a:solidFill>
-                <a:latin typeface="+mn-lt"/>
-                <a:ea typeface="+mn-ea"/>
-                <a:cs typeface="+mn-cs"/>
-              </a:rPr>
-              <a:t>HTTP</a:t>
-            </a:r>
-            <a:r>
-              <a:rPr lang="zh-CN" altLang="en-US" sz="1500" dirty="0">
-                <a:solidFill>
-                  <a:schemeClr val="lt1"/>
-                </a:solidFill>
-                <a:latin typeface="+mn-lt"/>
-                <a:ea typeface="+mn-ea"/>
-                <a:cs typeface="+mn-cs"/>
-              </a:rPr>
-              <a:t>响应报文</a:t>
-            </a:r>
-          </a:p>
-        </p:txBody>
-      </p:sp>
-      <p:sp>
-        <p:nvSpPr>
-          <p:cNvPr id="28" name="矩形 27">
-            <a:extLst>
-              <a:ext uri="{FF2B5EF4-FFF2-40B4-BE49-F238E27FC236}">
-                <a16:creationId xmlns:a16="http://schemas.microsoft.com/office/drawing/2014/main" id="{CD1D7140-71FB-44E5-9E57-1EA0FC395444}"/>
-              </a:ext>
-            </a:extLst>
-          </p:cNvPr>
-          <p:cNvSpPr/>
-          <p:nvPr/>
-        </p:nvSpPr>
-        <p:spPr bwMode="auto">
-          <a:xfrm>
-            <a:off x="2719426" y="3429185"/>
-            <a:ext cx="1655609" cy="504056"/>
-          </a:xfrm>
-          <a:prstGeom prst="rect">
-            <a:avLst/>
-          </a:prstGeom>
-          <a:solidFill>
-            <a:srgbClr val="FFAF06"/>
-          </a:solidFill>
-          <a:ln w="12700" cap="flat" cmpd="sng" algn="ctr">
-            <a:solidFill>
-              <a:schemeClr val="bg1"/>
-            </a:solidFill>
-            <a:prstDash val="solid"/>
-            <a:round/>
-            <a:headEnd type="none" w="med" len="med"/>
-            <a:tailEnd type="none"/>
-          </a:ln>
-          <a:effectLst/>
-        </p:spPr>
-        <p:txBody>
-          <a:bodyPr rtlCol="0" anchor="ctr"/>
-          <a:lstStyle/>
-          <a:p>
-            <a:r>
-              <a:rPr lang="zh-CN" altLang="en-US" sz="1400" dirty="0">
-                <a:solidFill>
-                  <a:schemeClr val="bg1"/>
-                </a:solidFill>
-              </a:rPr>
-              <a:t>头部字段名</a:t>
-            </a:r>
-          </a:p>
-        </p:txBody>
-      </p:sp>
-      <p:sp>
-        <p:nvSpPr>
-          <p:cNvPr id="31" name="矩形 30">
-            <a:extLst>
-              <a:ext uri="{FF2B5EF4-FFF2-40B4-BE49-F238E27FC236}">
-                <a16:creationId xmlns:a16="http://schemas.microsoft.com/office/drawing/2014/main" id="{60842DCB-35D3-4AF9-8C4E-EADF456FEC4D}"/>
-              </a:ext>
-            </a:extLst>
-          </p:cNvPr>
-          <p:cNvSpPr/>
-          <p:nvPr/>
-        </p:nvSpPr>
-        <p:spPr bwMode="auto">
-          <a:xfrm>
-            <a:off x="4370294" y="2420740"/>
-            <a:ext cx="648072" cy="504056"/>
-          </a:xfrm>
-          <a:prstGeom prst="rect">
-            <a:avLst/>
-          </a:prstGeom>
-          <a:noFill/>
-          <a:ln w="12700" cap="flat" cmpd="sng" algn="ctr">
-            <a:solidFill>
-              <a:schemeClr val="bg1"/>
-            </a:solidFill>
-            <a:prstDash val="solid"/>
-            <a:round/>
-            <a:headEnd type="none" w="med" len="med"/>
-            <a:tailEnd type="none"/>
-          </a:ln>
-          <a:effectLst/>
-        </p:spPr>
-        <p:txBody>
-          <a:bodyPr rtlCol="0" anchor="ctr"/>
-          <a:lstStyle/>
-          <a:p>
-            <a:r>
-              <a:rPr lang="en-US" altLang="zh-CN" sz="1400" dirty="0">
-                <a:solidFill>
-                  <a:schemeClr val="bg1"/>
-                </a:solidFill>
-              </a:rPr>
-              <a:t>:</a:t>
-            </a:r>
-            <a:endParaRPr lang="zh-CN" altLang="en-US" sz="1400" dirty="0">
-              <a:solidFill>
-                <a:schemeClr val="bg1"/>
-              </a:solidFill>
-            </a:endParaRPr>
-          </a:p>
-        </p:txBody>
-      </p:sp>
-      <p:sp>
-        <p:nvSpPr>
-          <p:cNvPr id="32" name="矩形 31">
-            <a:extLst>
-              <a:ext uri="{FF2B5EF4-FFF2-40B4-BE49-F238E27FC236}">
-                <a16:creationId xmlns:a16="http://schemas.microsoft.com/office/drawing/2014/main" id="{BB0DA1DF-1197-4E2D-8F82-1E6EDFB87542}"/>
-              </a:ext>
-            </a:extLst>
-          </p:cNvPr>
-          <p:cNvSpPr/>
-          <p:nvPr/>
-        </p:nvSpPr>
-        <p:spPr bwMode="auto">
-          <a:xfrm>
-            <a:off x="5021696" y="2420641"/>
-            <a:ext cx="2001769" cy="504056"/>
-          </a:xfrm>
-          <a:prstGeom prst="rect">
-            <a:avLst/>
-          </a:prstGeom>
-          <a:solidFill>
-            <a:srgbClr val="FFAF06"/>
-          </a:solidFill>
-          <a:ln w="12700" cap="flat" cmpd="sng" algn="ctr">
-            <a:solidFill>
-              <a:schemeClr val="bg1"/>
-            </a:solidFill>
-            <a:prstDash val="solid"/>
-            <a:round/>
-            <a:headEnd type="none" w="med" len="med"/>
-            <a:tailEnd type="none"/>
-          </a:ln>
-          <a:effectLst/>
-        </p:spPr>
-        <p:txBody>
-          <a:bodyPr rtlCol="0" anchor="ctr"/>
-          <a:lstStyle/>
-          <a:p>
-            <a:r>
-              <a:rPr lang="zh-CN" altLang="en-US" sz="1400" dirty="0">
-                <a:solidFill>
-                  <a:schemeClr val="bg1"/>
-                </a:solidFill>
-              </a:rPr>
-              <a:t>值</a:t>
-            </a:r>
-          </a:p>
-        </p:txBody>
-      </p:sp>
-      <p:sp>
-        <p:nvSpPr>
-          <p:cNvPr id="33" name="矩形 32">
-            <a:extLst>
-              <a:ext uri="{FF2B5EF4-FFF2-40B4-BE49-F238E27FC236}">
-                <a16:creationId xmlns:a16="http://schemas.microsoft.com/office/drawing/2014/main" id="{BB0DA1DF-1197-4E2D-8F82-1E6EDFB87542}"/>
-              </a:ext>
-            </a:extLst>
-          </p:cNvPr>
-          <p:cNvSpPr/>
-          <p:nvPr/>
-        </p:nvSpPr>
-        <p:spPr bwMode="auto">
-          <a:xfrm>
-            <a:off x="5017157" y="3431815"/>
-            <a:ext cx="2006182" cy="504056"/>
-          </a:xfrm>
-          <a:prstGeom prst="rect">
-            <a:avLst/>
-          </a:prstGeom>
-          <a:solidFill>
-            <a:srgbClr val="FFAF06"/>
-          </a:solidFill>
-          <a:ln w="12700" cap="flat" cmpd="sng" algn="ctr">
-            <a:solidFill>
-              <a:schemeClr val="bg1"/>
-            </a:solidFill>
-            <a:prstDash val="solid"/>
-            <a:round/>
-            <a:headEnd type="none" w="med" len="med"/>
-            <a:tailEnd type="none"/>
-          </a:ln>
-          <a:effectLst/>
-        </p:spPr>
-        <p:txBody>
-          <a:bodyPr rtlCol="0" anchor="ctr"/>
-          <a:lstStyle/>
-          <a:p>
-            <a:r>
-              <a:rPr lang="zh-CN" altLang="en-US" sz="1400" dirty="0">
-                <a:solidFill>
-                  <a:schemeClr val="bg1"/>
-                </a:solidFill>
-              </a:rPr>
-              <a:t>值</a:t>
-            </a:r>
-          </a:p>
-        </p:txBody>
-      </p:sp>
-      <p:sp>
-        <p:nvSpPr>
-          <p:cNvPr id="34" name="矩形 33">
-            <a:extLst>
-              <a:ext uri="{FF2B5EF4-FFF2-40B4-BE49-F238E27FC236}">
-                <a16:creationId xmlns:a16="http://schemas.microsoft.com/office/drawing/2014/main" id="{22FEBFDB-12E0-43DE-88E0-BFF4C94B6FEE}"/>
-              </a:ext>
-            </a:extLst>
-          </p:cNvPr>
-          <p:cNvSpPr/>
-          <p:nvPr/>
-        </p:nvSpPr>
-        <p:spPr bwMode="auto">
-          <a:xfrm>
-            <a:off x="7025312" y="3425895"/>
-            <a:ext cx="648072" cy="504056"/>
-          </a:xfrm>
-          <a:prstGeom prst="rect">
-            <a:avLst/>
-          </a:prstGeom>
-          <a:noFill/>
-          <a:ln w="12700" cap="flat" cmpd="sng" algn="ctr">
-            <a:noFill/>
-            <a:prstDash val="solid"/>
-            <a:round/>
-            <a:headEnd type="none" w="med" len="med"/>
-            <a:tailEnd type="none"/>
-          </a:ln>
-          <a:effectLst/>
-        </p:spPr>
-        <p:txBody>
-          <a:bodyPr rtlCol="0" anchor="ctr"/>
-          <a:lstStyle/>
-          <a:p>
-            <a:r>
-              <a:rPr lang="en-US" altLang="zh-CN" sz="1400" dirty="0">
-                <a:solidFill>
-                  <a:schemeClr val="bg1"/>
-                </a:solidFill>
-              </a:rPr>
-              <a:t>CRLF</a:t>
-            </a:r>
-            <a:endParaRPr lang="zh-CN" altLang="en-US" sz="1400" dirty="0">
-              <a:solidFill>
-                <a:schemeClr val="bg1"/>
-              </a:solidFill>
-            </a:endParaRPr>
-          </a:p>
-        </p:txBody>
-      </p:sp>
-      <p:sp>
-        <p:nvSpPr>
-          <p:cNvPr id="35" name="矩形 34">
-            <a:extLst>
-              <a:ext uri="{FF2B5EF4-FFF2-40B4-BE49-F238E27FC236}">
-                <a16:creationId xmlns:a16="http://schemas.microsoft.com/office/drawing/2014/main" id="{7AAA25DC-23F1-4047-B85C-90717541729E}"/>
-              </a:ext>
-            </a:extLst>
-          </p:cNvPr>
-          <p:cNvSpPr/>
-          <p:nvPr/>
-        </p:nvSpPr>
-        <p:spPr bwMode="auto">
-          <a:xfrm>
-            <a:off x="2719427" y="2426110"/>
-            <a:ext cx="4958961" cy="1513959"/>
-          </a:xfrm>
-          <a:prstGeom prst="rect">
-            <a:avLst/>
-          </a:prstGeom>
-          <a:noFill/>
-          <a:ln w="12700" cap="flat" cmpd="sng" algn="ctr">
-            <a:solidFill>
-              <a:schemeClr val="bg1"/>
-            </a:solidFill>
-            <a:prstDash val="solid"/>
-            <a:round/>
-            <a:headEnd type="none" w="med" len="med"/>
-            <a:tailEnd type="none"/>
-          </a:ln>
-          <a:effectLst/>
-        </p:spPr>
-        <p:txBody>
-          <a:bodyPr rtlCol="0" anchor="ctr"/>
-          <a:lstStyle/>
-          <a:p>
-            <a:endParaRPr lang="zh-CN" altLang="en-US" sz="1400" dirty="0">
-              <a:solidFill>
-                <a:schemeClr val="bg1"/>
-              </a:solidFill>
-            </a:endParaRPr>
-          </a:p>
-        </p:txBody>
-      </p:sp>
-      <p:sp>
-        <p:nvSpPr>
-          <p:cNvPr id="37" name="矩形 36">
-            <a:extLst>
-              <a:ext uri="{FF2B5EF4-FFF2-40B4-BE49-F238E27FC236}">
-                <a16:creationId xmlns:a16="http://schemas.microsoft.com/office/drawing/2014/main" id="{7AAA25DC-23F1-4047-B85C-90717541729E}"/>
-              </a:ext>
-            </a:extLst>
-          </p:cNvPr>
-          <p:cNvSpPr/>
-          <p:nvPr/>
-        </p:nvSpPr>
-        <p:spPr bwMode="auto">
-          <a:xfrm>
-            <a:off x="2719426" y="1915689"/>
-            <a:ext cx="4958961" cy="1513959"/>
-          </a:xfrm>
-          <a:prstGeom prst="rect">
-            <a:avLst/>
-          </a:prstGeom>
-          <a:noFill/>
-          <a:ln w="12700" cap="flat" cmpd="sng" algn="ctr">
-            <a:solidFill>
-              <a:schemeClr val="bg1"/>
-            </a:solidFill>
-            <a:prstDash val="solid"/>
-            <a:round/>
-            <a:headEnd type="none" w="med" len="med"/>
-            <a:tailEnd type="none"/>
-          </a:ln>
-          <a:effectLst/>
-        </p:spPr>
-        <p:txBody>
-          <a:bodyPr rtlCol="0" anchor="ctr"/>
-          <a:lstStyle/>
-          <a:p>
-            <a:endParaRPr lang="zh-CN" altLang="en-US" sz="1400" dirty="0">
-              <a:solidFill>
-                <a:schemeClr val="bg1"/>
-              </a:solidFill>
-            </a:endParaRPr>
-          </a:p>
-        </p:txBody>
-      </p:sp>
-    </p:spTree>
-    <p:extLst>
-      <p:ext uri="{BB962C8B-B14F-4D97-AF65-F5344CB8AC3E}">
-        <p14:creationId xmlns:p14="http://schemas.microsoft.com/office/powerpoint/2010/main" val="3504971218"/>
+        <p14:creationId xmlns:p14="http://schemas.microsoft.com/office/powerpoint/2010/main" val="130172384"/>
       </p:ext>
     </p:extLst>
   </p:cSld>
@@ -12534,7 +6642,7 @@
           <p:cNvPr id="141" name="图片 140">
             <a:extLst>
               <a:ext uri="{FF2B5EF4-FFF2-40B4-BE49-F238E27FC236}">
-                <a16:creationId xmlns:a16="http://schemas.microsoft.com/office/drawing/2014/main" id="{C49BA596-B860-41A3-9734-D1BA0CD74A42}"/>
+                <a16:creationId xmlns:a16="http://schemas.microsoft.com/office/drawing/2014/main" xmlns="" id="{C49BA596-B860-41A3-9734-D1BA0CD74A42}"/>
               </a:ext>
             </a:extLst>
           </p:cNvPr>
@@ -12576,7 +6684,7 @@
           <p:cNvPr id="35" name="流程图: 过程 34">
             <a:extLst>
               <a:ext uri="{FF2B5EF4-FFF2-40B4-BE49-F238E27FC236}">
-                <a16:creationId xmlns:a16="http://schemas.microsoft.com/office/drawing/2014/main" id="{DEE6F68B-D383-4456-A945-5D2426316FC6}"/>
+                <a16:creationId xmlns:a16="http://schemas.microsoft.com/office/drawing/2014/main" xmlns="" id="{DEE6F68B-D383-4456-A945-5D2426316FC6}"/>
               </a:ext>
             </a:extLst>
           </p:cNvPr>
@@ -12641,7 +6749,7 @@
           <p:cNvPr id="9" name="流程图: 过程 8">
             <a:extLst>
               <a:ext uri="{FF2B5EF4-FFF2-40B4-BE49-F238E27FC236}">
-                <a16:creationId xmlns:a16="http://schemas.microsoft.com/office/drawing/2014/main" id="{DEE6F68B-D383-4456-A945-5D2426316FC6}"/>
+                <a16:creationId xmlns:a16="http://schemas.microsoft.com/office/drawing/2014/main" xmlns="" id="{DEE6F68B-D383-4456-A945-5D2426316FC6}"/>
               </a:ext>
             </a:extLst>
           </p:cNvPr>
@@ -12722,7 +6830,7 @@
             <p:cNvPr id="12" name="流程图: 过程 11">
               <a:extLst>
                 <a:ext uri="{FF2B5EF4-FFF2-40B4-BE49-F238E27FC236}">
-                  <a16:creationId xmlns:a16="http://schemas.microsoft.com/office/drawing/2014/main" id="{DEE6F68B-D383-4456-A945-5D2426316FC6}"/>
+                  <a16:creationId xmlns:a16="http://schemas.microsoft.com/office/drawing/2014/main" xmlns="" id="{DEE6F68B-D383-4456-A945-5D2426316FC6}"/>
                 </a:ext>
               </a:extLst>
             </p:cNvPr>
@@ -12789,7 +6897,7 @@
             <p:cNvPr id="13" name="流程图: 过程 12">
               <a:extLst>
                 <a:ext uri="{FF2B5EF4-FFF2-40B4-BE49-F238E27FC236}">
-                  <a16:creationId xmlns:a16="http://schemas.microsoft.com/office/drawing/2014/main" id="{DEE6F68B-D383-4456-A945-5D2426316FC6}"/>
+                  <a16:creationId xmlns:a16="http://schemas.microsoft.com/office/drawing/2014/main" xmlns="" id="{DEE6F68B-D383-4456-A945-5D2426316FC6}"/>
                 </a:ext>
               </a:extLst>
             </p:cNvPr>
@@ -12854,7 +6962,7 @@
             <p:cNvPr id="18" name="流程图: 过程 17">
               <a:extLst>
                 <a:ext uri="{FF2B5EF4-FFF2-40B4-BE49-F238E27FC236}">
-                  <a16:creationId xmlns:a16="http://schemas.microsoft.com/office/drawing/2014/main" id="{DEE6F68B-D383-4456-A945-5D2426316FC6}"/>
+                  <a16:creationId xmlns:a16="http://schemas.microsoft.com/office/drawing/2014/main" xmlns="" id="{DEE6F68B-D383-4456-A945-5D2426316FC6}"/>
                 </a:ext>
               </a:extLst>
             </p:cNvPr>
@@ -12928,7 +7036,7 @@
             <p:cNvPr id="23" name="流程图: 过程 22">
               <a:extLst>
                 <a:ext uri="{FF2B5EF4-FFF2-40B4-BE49-F238E27FC236}">
-                  <a16:creationId xmlns:a16="http://schemas.microsoft.com/office/drawing/2014/main" id="{DEE6F68B-D383-4456-A945-5D2426316FC6}"/>
+                  <a16:creationId xmlns:a16="http://schemas.microsoft.com/office/drawing/2014/main" xmlns="" id="{DEE6F68B-D383-4456-A945-5D2426316FC6}"/>
                 </a:ext>
               </a:extLst>
             </p:cNvPr>
@@ -12993,7 +7101,7 @@
             <p:cNvPr id="24" name="流程图: 过程 23">
               <a:extLst>
                 <a:ext uri="{FF2B5EF4-FFF2-40B4-BE49-F238E27FC236}">
-                  <a16:creationId xmlns:a16="http://schemas.microsoft.com/office/drawing/2014/main" id="{DEE6F68B-D383-4456-A945-5D2426316FC6}"/>
+                  <a16:creationId xmlns:a16="http://schemas.microsoft.com/office/drawing/2014/main" xmlns="" id="{DEE6F68B-D383-4456-A945-5D2426316FC6}"/>
                 </a:ext>
               </a:extLst>
             </p:cNvPr>
@@ -13052,7 +7160,7 @@
             <p:cNvPr id="38" name="流程图: 过程 37">
               <a:extLst>
                 <a:ext uri="{FF2B5EF4-FFF2-40B4-BE49-F238E27FC236}">
-                  <a16:creationId xmlns:a16="http://schemas.microsoft.com/office/drawing/2014/main" id="{DEE6F68B-D383-4456-A945-5D2426316FC6}"/>
+                  <a16:creationId xmlns:a16="http://schemas.microsoft.com/office/drawing/2014/main" xmlns="" id="{DEE6F68B-D383-4456-A945-5D2426316FC6}"/>
                 </a:ext>
               </a:extLst>
             </p:cNvPr>
@@ -13119,7 +7227,7 @@
             <p:cNvPr id="39" name="流程图: 过程 38">
               <a:extLst>
                 <a:ext uri="{FF2B5EF4-FFF2-40B4-BE49-F238E27FC236}">
-                  <a16:creationId xmlns:a16="http://schemas.microsoft.com/office/drawing/2014/main" id="{DEE6F68B-D383-4456-A945-5D2426316FC6}"/>
+                  <a16:creationId xmlns:a16="http://schemas.microsoft.com/office/drawing/2014/main" xmlns="" id="{DEE6F68B-D383-4456-A945-5D2426316FC6}"/>
                 </a:ext>
               </a:extLst>
             </p:cNvPr>
@@ -13184,7 +7292,7 @@
             <p:cNvPr id="40" name="流程图: 过程 39">
               <a:extLst>
                 <a:ext uri="{FF2B5EF4-FFF2-40B4-BE49-F238E27FC236}">
-                  <a16:creationId xmlns:a16="http://schemas.microsoft.com/office/drawing/2014/main" id="{DEE6F68B-D383-4456-A945-5D2426316FC6}"/>
+                  <a16:creationId xmlns:a16="http://schemas.microsoft.com/office/drawing/2014/main" xmlns="" id="{DEE6F68B-D383-4456-A945-5D2426316FC6}"/>
                 </a:ext>
               </a:extLst>
             </p:cNvPr>
@@ -13258,7 +7366,7 @@
             <p:cNvPr id="36" name="流程图: 过程 35">
               <a:extLst>
                 <a:ext uri="{FF2B5EF4-FFF2-40B4-BE49-F238E27FC236}">
-                  <a16:creationId xmlns:a16="http://schemas.microsoft.com/office/drawing/2014/main" id="{DEE6F68B-D383-4456-A945-5D2426316FC6}"/>
+                  <a16:creationId xmlns:a16="http://schemas.microsoft.com/office/drawing/2014/main" xmlns="" id="{DEE6F68B-D383-4456-A945-5D2426316FC6}"/>
                 </a:ext>
               </a:extLst>
             </p:cNvPr>
@@ -13319,7 +7427,7 @@
             <p:cNvPr id="37" name="流程图: 过程 36">
               <a:extLst>
                 <a:ext uri="{FF2B5EF4-FFF2-40B4-BE49-F238E27FC236}">
-                  <a16:creationId xmlns:a16="http://schemas.microsoft.com/office/drawing/2014/main" id="{DEE6F68B-D383-4456-A945-5D2426316FC6}"/>
+                  <a16:creationId xmlns:a16="http://schemas.microsoft.com/office/drawing/2014/main" xmlns="" id="{DEE6F68B-D383-4456-A945-5D2426316FC6}"/>
                 </a:ext>
               </a:extLst>
             </p:cNvPr>
@@ -13378,7 +7486,7 @@
             <p:cNvPr id="41" name="流程图: 过程 40">
               <a:extLst>
                 <a:ext uri="{FF2B5EF4-FFF2-40B4-BE49-F238E27FC236}">
-                  <a16:creationId xmlns:a16="http://schemas.microsoft.com/office/drawing/2014/main" id="{DEE6F68B-D383-4456-A945-5D2426316FC6}"/>
+                  <a16:creationId xmlns:a16="http://schemas.microsoft.com/office/drawing/2014/main" xmlns="" id="{DEE6F68B-D383-4456-A945-5D2426316FC6}"/>
                 </a:ext>
               </a:extLst>
             </p:cNvPr>
@@ -13443,7 +7551,7 @@
             <p:cNvPr id="42" name="流程图: 过程 41">
               <a:extLst>
                 <a:ext uri="{FF2B5EF4-FFF2-40B4-BE49-F238E27FC236}">
-                  <a16:creationId xmlns:a16="http://schemas.microsoft.com/office/drawing/2014/main" id="{DEE6F68B-D383-4456-A945-5D2426316FC6}"/>
+                  <a16:creationId xmlns:a16="http://schemas.microsoft.com/office/drawing/2014/main" xmlns="" id="{DEE6F68B-D383-4456-A945-5D2426316FC6}"/>
                 </a:ext>
               </a:extLst>
             </p:cNvPr>
@@ -13502,7 +7610,7 @@
             <p:cNvPr id="43" name="流程图: 过程 42">
               <a:extLst>
                 <a:ext uri="{FF2B5EF4-FFF2-40B4-BE49-F238E27FC236}">
-                  <a16:creationId xmlns:a16="http://schemas.microsoft.com/office/drawing/2014/main" id="{DEE6F68B-D383-4456-A945-5D2426316FC6}"/>
+                  <a16:creationId xmlns:a16="http://schemas.microsoft.com/office/drawing/2014/main" xmlns="" id="{DEE6F68B-D383-4456-A945-5D2426316FC6}"/>
                 </a:ext>
               </a:extLst>
             </p:cNvPr>
@@ -13569,7 +7677,7 @@
             <p:cNvPr id="44" name="流程图: 过程 43">
               <a:extLst>
                 <a:ext uri="{FF2B5EF4-FFF2-40B4-BE49-F238E27FC236}">
-                  <a16:creationId xmlns:a16="http://schemas.microsoft.com/office/drawing/2014/main" id="{DEE6F68B-D383-4456-A945-5D2426316FC6}"/>
+                  <a16:creationId xmlns:a16="http://schemas.microsoft.com/office/drawing/2014/main" xmlns="" id="{DEE6F68B-D383-4456-A945-5D2426316FC6}"/>
                 </a:ext>
               </a:extLst>
             </p:cNvPr>
@@ -13634,7 +7742,7 @@
             <p:cNvPr id="45" name="流程图: 过程 44">
               <a:extLst>
                 <a:ext uri="{FF2B5EF4-FFF2-40B4-BE49-F238E27FC236}">
-                  <a16:creationId xmlns:a16="http://schemas.microsoft.com/office/drawing/2014/main" id="{DEE6F68B-D383-4456-A945-5D2426316FC6}"/>
+                  <a16:creationId xmlns:a16="http://schemas.microsoft.com/office/drawing/2014/main" xmlns="" id="{DEE6F68B-D383-4456-A945-5D2426316FC6}"/>
                 </a:ext>
               </a:extLst>
             </p:cNvPr>
@@ -13694,7 +7802,7 @@
           <p:cNvPr id="96" name="流程图: 过程 95">
             <a:extLst>
               <a:ext uri="{FF2B5EF4-FFF2-40B4-BE49-F238E27FC236}">
-                <a16:creationId xmlns:a16="http://schemas.microsoft.com/office/drawing/2014/main" id="{DEE6F68B-D383-4456-A945-5D2426316FC6}"/>
+                <a16:creationId xmlns:a16="http://schemas.microsoft.com/office/drawing/2014/main" xmlns="" id="{DEE6F68B-D383-4456-A945-5D2426316FC6}"/>
               </a:ext>
             </a:extLst>
           </p:cNvPr>
@@ -13759,7 +7867,7 @@
           <p:cNvPr id="97" name="流程图: 过程 96">
             <a:extLst>
               <a:ext uri="{FF2B5EF4-FFF2-40B4-BE49-F238E27FC236}">
-                <a16:creationId xmlns:a16="http://schemas.microsoft.com/office/drawing/2014/main" id="{DEE6F68B-D383-4456-A945-5D2426316FC6}"/>
+                <a16:creationId xmlns:a16="http://schemas.microsoft.com/office/drawing/2014/main" xmlns="" id="{DEE6F68B-D383-4456-A945-5D2426316FC6}"/>
               </a:ext>
             </a:extLst>
           </p:cNvPr>
@@ -13824,7 +7932,7 @@
           <p:cNvPr id="98" name="流程图: 过程 97">
             <a:extLst>
               <a:ext uri="{FF2B5EF4-FFF2-40B4-BE49-F238E27FC236}">
-                <a16:creationId xmlns:a16="http://schemas.microsoft.com/office/drawing/2014/main" id="{DEE6F68B-D383-4456-A945-5D2426316FC6}"/>
+                <a16:creationId xmlns:a16="http://schemas.microsoft.com/office/drawing/2014/main" xmlns="" id="{DEE6F68B-D383-4456-A945-5D2426316FC6}"/>
               </a:ext>
             </a:extLst>
           </p:cNvPr>
@@ -13889,7 +7997,7 @@
           <p:cNvPr id="99" name="流程图: 过程 98">
             <a:extLst>
               <a:ext uri="{FF2B5EF4-FFF2-40B4-BE49-F238E27FC236}">
-                <a16:creationId xmlns:a16="http://schemas.microsoft.com/office/drawing/2014/main" id="{DEE6F68B-D383-4456-A945-5D2426316FC6}"/>
+                <a16:creationId xmlns:a16="http://schemas.microsoft.com/office/drawing/2014/main" xmlns="" id="{DEE6F68B-D383-4456-A945-5D2426316FC6}"/>
               </a:ext>
             </a:extLst>
           </p:cNvPr>
@@ -14102,7 +8210,7 @@
           <p:cNvPr id="114" name="流程图: 过程 113">
             <a:extLst>
               <a:ext uri="{FF2B5EF4-FFF2-40B4-BE49-F238E27FC236}">
-                <a16:creationId xmlns:a16="http://schemas.microsoft.com/office/drawing/2014/main" id="{DEE6F68B-D383-4456-A945-5D2426316FC6}"/>
+                <a16:creationId xmlns:a16="http://schemas.microsoft.com/office/drawing/2014/main" xmlns="" id="{DEE6F68B-D383-4456-A945-5D2426316FC6}"/>
               </a:ext>
             </a:extLst>
           </p:cNvPr>
@@ -14183,7 +8291,7 @@
             <p:cNvPr id="116" name="流程图: 过程 115">
               <a:extLst>
                 <a:ext uri="{FF2B5EF4-FFF2-40B4-BE49-F238E27FC236}">
-                  <a16:creationId xmlns:a16="http://schemas.microsoft.com/office/drawing/2014/main" id="{DEE6F68B-D383-4456-A945-5D2426316FC6}"/>
+                  <a16:creationId xmlns:a16="http://schemas.microsoft.com/office/drawing/2014/main" xmlns="" id="{DEE6F68B-D383-4456-A945-5D2426316FC6}"/>
                 </a:ext>
               </a:extLst>
             </p:cNvPr>
@@ -14250,7 +8358,7 @@
             <p:cNvPr id="117" name="流程图: 过程 116">
               <a:extLst>
                 <a:ext uri="{FF2B5EF4-FFF2-40B4-BE49-F238E27FC236}">
-                  <a16:creationId xmlns:a16="http://schemas.microsoft.com/office/drawing/2014/main" id="{DEE6F68B-D383-4456-A945-5D2426316FC6}"/>
+                  <a16:creationId xmlns:a16="http://schemas.microsoft.com/office/drawing/2014/main" xmlns="" id="{DEE6F68B-D383-4456-A945-5D2426316FC6}"/>
                 </a:ext>
               </a:extLst>
             </p:cNvPr>
@@ -14315,7 +8423,7 @@
             <p:cNvPr id="118" name="流程图: 过程 117">
               <a:extLst>
                 <a:ext uri="{FF2B5EF4-FFF2-40B4-BE49-F238E27FC236}">
-                  <a16:creationId xmlns:a16="http://schemas.microsoft.com/office/drawing/2014/main" id="{DEE6F68B-D383-4456-A945-5D2426316FC6}"/>
+                  <a16:creationId xmlns:a16="http://schemas.microsoft.com/office/drawing/2014/main" xmlns="" id="{DEE6F68B-D383-4456-A945-5D2426316FC6}"/>
                 </a:ext>
               </a:extLst>
             </p:cNvPr>
@@ -14389,7 +8497,7 @@
             <p:cNvPr id="120" name="流程图: 过程 119">
               <a:extLst>
                 <a:ext uri="{FF2B5EF4-FFF2-40B4-BE49-F238E27FC236}">
-                  <a16:creationId xmlns:a16="http://schemas.microsoft.com/office/drawing/2014/main" id="{DEE6F68B-D383-4456-A945-5D2426316FC6}"/>
+                  <a16:creationId xmlns:a16="http://schemas.microsoft.com/office/drawing/2014/main" xmlns="" id="{DEE6F68B-D383-4456-A945-5D2426316FC6}"/>
                 </a:ext>
               </a:extLst>
             </p:cNvPr>
@@ -14454,7 +8562,7 @@
             <p:cNvPr id="121" name="流程图: 过程 120">
               <a:extLst>
                 <a:ext uri="{FF2B5EF4-FFF2-40B4-BE49-F238E27FC236}">
-                  <a16:creationId xmlns:a16="http://schemas.microsoft.com/office/drawing/2014/main" id="{DEE6F68B-D383-4456-A945-5D2426316FC6}"/>
+                  <a16:creationId xmlns:a16="http://schemas.microsoft.com/office/drawing/2014/main" xmlns="" id="{DEE6F68B-D383-4456-A945-5D2426316FC6}"/>
                 </a:ext>
               </a:extLst>
             </p:cNvPr>
@@ -14513,7 +8621,7 @@
             <p:cNvPr id="122" name="流程图: 过程 121">
               <a:extLst>
                 <a:ext uri="{FF2B5EF4-FFF2-40B4-BE49-F238E27FC236}">
-                  <a16:creationId xmlns:a16="http://schemas.microsoft.com/office/drawing/2014/main" id="{DEE6F68B-D383-4456-A945-5D2426316FC6}"/>
+                  <a16:creationId xmlns:a16="http://schemas.microsoft.com/office/drawing/2014/main" xmlns="" id="{DEE6F68B-D383-4456-A945-5D2426316FC6}"/>
                 </a:ext>
               </a:extLst>
             </p:cNvPr>
@@ -14580,7 +8688,7 @@
             <p:cNvPr id="123" name="流程图: 过程 122">
               <a:extLst>
                 <a:ext uri="{FF2B5EF4-FFF2-40B4-BE49-F238E27FC236}">
-                  <a16:creationId xmlns:a16="http://schemas.microsoft.com/office/drawing/2014/main" id="{DEE6F68B-D383-4456-A945-5D2426316FC6}"/>
+                  <a16:creationId xmlns:a16="http://schemas.microsoft.com/office/drawing/2014/main" xmlns="" id="{DEE6F68B-D383-4456-A945-5D2426316FC6}"/>
                 </a:ext>
               </a:extLst>
             </p:cNvPr>
@@ -14645,7 +8753,7 @@
             <p:cNvPr id="124" name="流程图: 过程 123">
               <a:extLst>
                 <a:ext uri="{FF2B5EF4-FFF2-40B4-BE49-F238E27FC236}">
-                  <a16:creationId xmlns:a16="http://schemas.microsoft.com/office/drawing/2014/main" id="{DEE6F68B-D383-4456-A945-5D2426316FC6}"/>
+                  <a16:creationId xmlns:a16="http://schemas.microsoft.com/office/drawing/2014/main" xmlns="" id="{DEE6F68B-D383-4456-A945-5D2426316FC6}"/>
                 </a:ext>
               </a:extLst>
             </p:cNvPr>
@@ -14719,7 +8827,7 @@
             <p:cNvPr id="126" name="流程图: 过程 125">
               <a:extLst>
                 <a:ext uri="{FF2B5EF4-FFF2-40B4-BE49-F238E27FC236}">
-                  <a16:creationId xmlns:a16="http://schemas.microsoft.com/office/drawing/2014/main" id="{DEE6F68B-D383-4456-A945-5D2426316FC6}"/>
+                  <a16:creationId xmlns:a16="http://schemas.microsoft.com/office/drawing/2014/main" xmlns="" id="{DEE6F68B-D383-4456-A945-5D2426316FC6}"/>
                 </a:ext>
               </a:extLst>
             </p:cNvPr>
@@ -14780,7 +8888,7 @@
             <p:cNvPr id="127" name="流程图: 过程 126">
               <a:extLst>
                 <a:ext uri="{FF2B5EF4-FFF2-40B4-BE49-F238E27FC236}">
-                  <a16:creationId xmlns:a16="http://schemas.microsoft.com/office/drawing/2014/main" id="{DEE6F68B-D383-4456-A945-5D2426316FC6}"/>
+                  <a16:creationId xmlns:a16="http://schemas.microsoft.com/office/drawing/2014/main" xmlns="" id="{DEE6F68B-D383-4456-A945-5D2426316FC6}"/>
                 </a:ext>
               </a:extLst>
             </p:cNvPr>
@@ -14839,7 +8947,7 @@
             <p:cNvPr id="128" name="流程图: 过程 127">
               <a:extLst>
                 <a:ext uri="{FF2B5EF4-FFF2-40B4-BE49-F238E27FC236}">
-                  <a16:creationId xmlns:a16="http://schemas.microsoft.com/office/drawing/2014/main" id="{DEE6F68B-D383-4456-A945-5D2426316FC6}"/>
+                  <a16:creationId xmlns:a16="http://schemas.microsoft.com/office/drawing/2014/main" xmlns="" id="{DEE6F68B-D383-4456-A945-5D2426316FC6}"/>
                 </a:ext>
               </a:extLst>
             </p:cNvPr>
@@ -14904,7 +9012,7 @@
             <p:cNvPr id="129" name="流程图: 过程 128">
               <a:extLst>
                 <a:ext uri="{FF2B5EF4-FFF2-40B4-BE49-F238E27FC236}">
-                  <a16:creationId xmlns:a16="http://schemas.microsoft.com/office/drawing/2014/main" id="{DEE6F68B-D383-4456-A945-5D2426316FC6}"/>
+                  <a16:creationId xmlns:a16="http://schemas.microsoft.com/office/drawing/2014/main" xmlns="" id="{DEE6F68B-D383-4456-A945-5D2426316FC6}"/>
                 </a:ext>
               </a:extLst>
             </p:cNvPr>
@@ -14963,7 +9071,7 @@
             <p:cNvPr id="130" name="流程图: 过程 129">
               <a:extLst>
                 <a:ext uri="{FF2B5EF4-FFF2-40B4-BE49-F238E27FC236}">
-                  <a16:creationId xmlns:a16="http://schemas.microsoft.com/office/drawing/2014/main" id="{DEE6F68B-D383-4456-A945-5D2426316FC6}"/>
+                  <a16:creationId xmlns:a16="http://schemas.microsoft.com/office/drawing/2014/main" xmlns="" id="{DEE6F68B-D383-4456-A945-5D2426316FC6}"/>
                 </a:ext>
               </a:extLst>
             </p:cNvPr>
@@ -15030,7 +9138,7 @@
             <p:cNvPr id="131" name="流程图: 过程 130">
               <a:extLst>
                 <a:ext uri="{FF2B5EF4-FFF2-40B4-BE49-F238E27FC236}">
-                  <a16:creationId xmlns:a16="http://schemas.microsoft.com/office/drawing/2014/main" id="{DEE6F68B-D383-4456-A945-5D2426316FC6}"/>
+                  <a16:creationId xmlns:a16="http://schemas.microsoft.com/office/drawing/2014/main" xmlns="" id="{DEE6F68B-D383-4456-A945-5D2426316FC6}"/>
                 </a:ext>
               </a:extLst>
             </p:cNvPr>
@@ -15095,7 +9203,7 @@
             <p:cNvPr id="132" name="流程图: 过程 131">
               <a:extLst>
                 <a:ext uri="{FF2B5EF4-FFF2-40B4-BE49-F238E27FC236}">
-                  <a16:creationId xmlns:a16="http://schemas.microsoft.com/office/drawing/2014/main" id="{DEE6F68B-D383-4456-A945-5D2426316FC6}"/>
+                  <a16:creationId xmlns:a16="http://schemas.microsoft.com/office/drawing/2014/main" xmlns="" id="{DEE6F68B-D383-4456-A945-5D2426316FC6}"/>
                 </a:ext>
               </a:extLst>
             </p:cNvPr>
@@ -15263,7 +9371,7 @@
           <p:cNvPr id="138" name="流程图: 过程 137">
             <a:extLst>
               <a:ext uri="{FF2B5EF4-FFF2-40B4-BE49-F238E27FC236}">
-                <a16:creationId xmlns:a16="http://schemas.microsoft.com/office/drawing/2014/main" id="{DEE6F68B-D383-4456-A945-5D2426316FC6}"/>
+                <a16:creationId xmlns:a16="http://schemas.microsoft.com/office/drawing/2014/main" xmlns="" id="{DEE6F68B-D383-4456-A945-5D2426316FC6}"/>
               </a:ext>
             </a:extLst>
           </p:cNvPr>
@@ -15328,7 +9436,7 @@
           <p:cNvPr id="139" name="流程图: 过程 138">
             <a:extLst>
               <a:ext uri="{FF2B5EF4-FFF2-40B4-BE49-F238E27FC236}">
-                <a16:creationId xmlns:a16="http://schemas.microsoft.com/office/drawing/2014/main" id="{DEE6F68B-D383-4456-A945-5D2426316FC6}"/>
+                <a16:creationId xmlns:a16="http://schemas.microsoft.com/office/drawing/2014/main" xmlns="" id="{DEE6F68B-D383-4456-A945-5D2426316FC6}"/>
               </a:ext>
             </a:extLst>
           </p:cNvPr>
@@ -15378,6 +9486,14 @@
               </a:rPr>
               <a:t>发送端</a:t>
             </a:r>
+            <a:r>
+              <a:rPr lang="en-US" altLang="zh-CN" sz="1300" dirty="0">
+                <a:solidFill>
+                  <a:srgbClr val="FFC000"/>
+                </a:solidFill>
+              </a:rPr>
+              <a:t/>
+            </a:r>
             <a:br>
               <a:rPr lang="en-US" altLang="zh-CN" sz="1300" dirty="0">
                 <a:solidFill>
@@ -15408,7 +9524,7 @@
           <p:cNvPr id="140" name="流程图: 过程 139">
             <a:extLst>
               <a:ext uri="{FF2B5EF4-FFF2-40B4-BE49-F238E27FC236}">
-                <a16:creationId xmlns:a16="http://schemas.microsoft.com/office/drawing/2014/main" id="{DEE6F68B-D383-4456-A945-5D2426316FC6}"/>
+                <a16:creationId xmlns:a16="http://schemas.microsoft.com/office/drawing/2014/main" xmlns="" id="{DEE6F68B-D383-4456-A945-5D2426316FC6}"/>
               </a:ext>
             </a:extLst>
           </p:cNvPr>
@@ -15457,6 +9573,14 @@
                 </a:solidFill>
               </a:rPr>
               <a:t>接收端</a:t>
+            </a:r>
+            <a:r>
+              <a:rPr lang="en-US" altLang="zh-CN" sz="1300" dirty="0">
+                <a:solidFill>
+                  <a:srgbClr val="FFC000"/>
+                </a:solidFill>
+              </a:rPr>
+              <a:t/>
             </a:r>
             <a:br>
               <a:rPr lang="en-US" altLang="zh-CN" sz="1300" dirty="0">
@@ -15533,7 +9657,7 @@
           <p:cNvPr id="23" name="图片 22">
             <a:extLst>
               <a:ext uri="{FF2B5EF4-FFF2-40B4-BE49-F238E27FC236}">
-                <a16:creationId xmlns:a16="http://schemas.microsoft.com/office/drawing/2014/main" id="{C49BA596-B860-41A3-9734-D1BA0CD74A42}"/>
+                <a16:creationId xmlns:a16="http://schemas.microsoft.com/office/drawing/2014/main" xmlns="" id="{C49BA596-B860-41A3-9734-D1BA0CD74A42}"/>
               </a:ext>
             </a:extLst>
           </p:cNvPr>
@@ -15670,7 +9794,7 @@
           <p:cNvPr id="22" name="流程图: 过程 21">
             <a:extLst>
               <a:ext uri="{FF2B5EF4-FFF2-40B4-BE49-F238E27FC236}">
-                <a16:creationId xmlns:a16="http://schemas.microsoft.com/office/drawing/2014/main" id="{DEE6F68B-D383-4456-A945-5D2426316FC6}"/>
+                <a16:creationId xmlns:a16="http://schemas.microsoft.com/office/drawing/2014/main" xmlns="" id="{DEE6F68B-D383-4456-A945-5D2426316FC6}"/>
               </a:ext>
             </a:extLst>
           </p:cNvPr>
@@ -15776,7 +9900,7 @@
           <p:cNvPr id="11" name="图片 10">
             <a:extLst>
               <a:ext uri="{FF2B5EF4-FFF2-40B4-BE49-F238E27FC236}">
-                <a16:creationId xmlns:a16="http://schemas.microsoft.com/office/drawing/2014/main" id="{C49BA596-B860-41A3-9734-D1BA0CD74A42}"/>
+                <a16:creationId xmlns:a16="http://schemas.microsoft.com/office/drawing/2014/main" xmlns="" id="{C49BA596-B860-41A3-9734-D1BA0CD74A42}"/>
               </a:ext>
             </a:extLst>
           </p:cNvPr>
@@ -15818,7 +9942,7 @@
           <p:cNvPr id="9" name="图片 8">
             <a:extLst>
               <a:ext uri="{FF2B5EF4-FFF2-40B4-BE49-F238E27FC236}">
-                <a16:creationId xmlns:a16="http://schemas.microsoft.com/office/drawing/2014/main" id="{C49BA596-B860-41A3-9734-D1BA0CD74A42}"/>
+                <a16:creationId xmlns:a16="http://schemas.microsoft.com/office/drawing/2014/main" xmlns="" id="{C49BA596-B860-41A3-9734-D1BA0CD74A42}"/>
               </a:ext>
             </a:extLst>
           </p:cNvPr>
@@ -16008,7 +10132,7 @@
           <p:cNvPr id="10" name="流程图: 过程 9">
             <a:extLst>
               <a:ext uri="{FF2B5EF4-FFF2-40B4-BE49-F238E27FC236}">
-                <a16:creationId xmlns:a16="http://schemas.microsoft.com/office/drawing/2014/main" id="{DEE6F68B-D383-4456-A945-5D2426316FC6}"/>
+                <a16:creationId xmlns:a16="http://schemas.microsoft.com/office/drawing/2014/main" xmlns="" id="{DEE6F68B-D383-4456-A945-5D2426316FC6}"/>
               </a:ext>
             </a:extLst>
           </p:cNvPr>
@@ -16106,7 +10230,7 @@
           <p:cNvPr id="18" name="流程图: 过程 17">
             <a:extLst>
               <a:ext uri="{FF2B5EF4-FFF2-40B4-BE49-F238E27FC236}">
-                <a16:creationId xmlns:a16="http://schemas.microsoft.com/office/drawing/2014/main" id="{DEE6F68B-D383-4456-A945-5D2426316FC6}"/>
+                <a16:creationId xmlns:a16="http://schemas.microsoft.com/office/drawing/2014/main" xmlns="" id="{DEE6F68B-D383-4456-A945-5D2426316FC6}"/>
               </a:ext>
             </a:extLst>
           </p:cNvPr>
@@ -16224,7 +10348,7 @@
           <p:cNvPr id="11" name="图片 10">
             <a:extLst>
               <a:ext uri="{FF2B5EF4-FFF2-40B4-BE49-F238E27FC236}">
-                <a16:creationId xmlns:a16="http://schemas.microsoft.com/office/drawing/2014/main" id="{C49BA596-B860-41A3-9734-D1BA0CD74A42}"/>
+                <a16:creationId xmlns:a16="http://schemas.microsoft.com/office/drawing/2014/main" xmlns="" id="{C49BA596-B860-41A3-9734-D1BA0CD74A42}"/>
               </a:ext>
             </a:extLst>
           </p:cNvPr>
@@ -16392,7 +10516,7 @@
           <p:cNvPr id="10" name="流程图: 过程 9">
             <a:extLst>
               <a:ext uri="{FF2B5EF4-FFF2-40B4-BE49-F238E27FC236}">
-                <a16:creationId xmlns:a16="http://schemas.microsoft.com/office/drawing/2014/main" id="{DEE6F68B-D383-4456-A945-5D2426316FC6}"/>
+                <a16:creationId xmlns:a16="http://schemas.microsoft.com/office/drawing/2014/main" xmlns="" id="{DEE6F68B-D383-4456-A945-5D2426316FC6}"/>
               </a:ext>
             </a:extLst>
           </p:cNvPr>
@@ -16490,7 +10614,7 @@
           <p:cNvPr id="18" name="流程图: 过程 17">
             <a:extLst>
               <a:ext uri="{FF2B5EF4-FFF2-40B4-BE49-F238E27FC236}">
-                <a16:creationId xmlns:a16="http://schemas.microsoft.com/office/drawing/2014/main" id="{DEE6F68B-D383-4456-A945-5D2426316FC6}"/>
+                <a16:creationId xmlns:a16="http://schemas.microsoft.com/office/drawing/2014/main" xmlns="" id="{DEE6F68B-D383-4456-A945-5D2426316FC6}"/>
               </a:ext>
             </a:extLst>
           </p:cNvPr>
@@ -16608,7 +10732,7 @@
           <p:cNvPr id="11" name="图片 10">
             <a:extLst>
               <a:ext uri="{FF2B5EF4-FFF2-40B4-BE49-F238E27FC236}">
-                <a16:creationId xmlns:a16="http://schemas.microsoft.com/office/drawing/2014/main" id="{C49BA596-B860-41A3-9734-D1BA0CD74A42}"/>
+                <a16:creationId xmlns:a16="http://schemas.microsoft.com/office/drawing/2014/main" xmlns="" id="{C49BA596-B860-41A3-9734-D1BA0CD74A42}"/>
               </a:ext>
             </a:extLst>
           </p:cNvPr>
@@ -16720,7 +10844,7 @@
           <p:cNvPr id="10" name="流程图: 过程 9">
             <a:extLst>
               <a:ext uri="{FF2B5EF4-FFF2-40B4-BE49-F238E27FC236}">
-                <a16:creationId xmlns:a16="http://schemas.microsoft.com/office/drawing/2014/main" id="{DEE6F68B-D383-4456-A945-5D2426316FC6}"/>
+                <a16:creationId xmlns:a16="http://schemas.microsoft.com/office/drawing/2014/main" xmlns="" id="{DEE6F68B-D383-4456-A945-5D2426316FC6}"/>
               </a:ext>
             </a:extLst>
           </p:cNvPr>
@@ -16830,7 +10954,7 @@
           <p:cNvPr id="11" name="图片 10">
             <a:extLst>
               <a:ext uri="{FF2B5EF4-FFF2-40B4-BE49-F238E27FC236}">
-                <a16:creationId xmlns:a16="http://schemas.microsoft.com/office/drawing/2014/main" id="{C49BA596-B860-41A3-9734-D1BA0CD74A42}"/>
+                <a16:creationId xmlns:a16="http://schemas.microsoft.com/office/drawing/2014/main" xmlns="" id="{C49BA596-B860-41A3-9734-D1BA0CD74A42}"/>
               </a:ext>
             </a:extLst>
           </p:cNvPr>
@@ -16953,7 +11077,7 @@
           <p:cNvPr id="10" name="流程图: 过程 9">
             <a:extLst>
               <a:ext uri="{FF2B5EF4-FFF2-40B4-BE49-F238E27FC236}">
-                <a16:creationId xmlns:a16="http://schemas.microsoft.com/office/drawing/2014/main" id="{DEE6F68B-D383-4456-A945-5D2426316FC6}"/>
+                <a16:creationId xmlns:a16="http://schemas.microsoft.com/office/drawing/2014/main" xmlns="" id="{DEE6F68B-D383-4456-A945-5D2426316FC6}"/>
               </a:ext>
             </a:extLst>
           </p:cNvPr>
@@ -17063,7 +11187,7 @@
           <p:cNvPr id="22" name="图片 21">
             <a:extLst>
               <a:ext uri="{FF2B5EF4-FFF2-40B4-BE49-F238E27FC236}">
-                <a16:creationId xmlns:a16="http://schemas.microsoft.com/office/drawing/2014/main" id="{C49BA596-B860-41A3-9734-D1BA0CD74A42}"/>
+                <a16:creationId xmlns:a16="http://schemas.microsoft.com/office/drawing/2014/main" xmlns="" id="{C49BA596-B860-41A3-9734-D1BA0CD74A42}"/>
               </a:ext>
             </a:extLst>
           </p:cNvPr>
@@ -17327,7 +11451,7 @@
           <p:cNvPr id="13" name="流程图: 过程 12">
             <a:extLst>
               <a:ext uri="{FF2B5EF4-FFF2-40B4-BE49-F238E27FC236}">
-                <a16:creationId xmlns:a16="http://schemas.microsoft.com/office/drawing/2014/main" id="{DEE6F68B-D383-4456-A945-5D2426316FC6}"/>
+                <a16:creationId xmlns:a16="http://schemas.microsoft.com/office/drawing/2014/main" xmlns="" id="{DEE6F68B-D383-4456-A945-5D2426316FC6}"/>
               </a:ext>
             </a:extLst>
           </p:cNvPr>
@@ -17392,7 +11516,7 @@
           <p:cNvPr id="14" name="流程图: 过程 13">
             <a:extLst>
               <a:ext uri="{FF2B5EF4-FFF2-40B4-BE49-F238E27FC236}">
-                <a16:creationId xmlns:a16="http://schemas.microsoft.com/office/drawing/2014/main" id="{DEE6F68B-D383-4456-A945-5D2426316FC6}"/>
+                <a16:creationId xmlns:a16="http://schemas.microsoft.com/office/drawing/2014/main" xmlns="" id="{DEE6F68B-D383-4456-A945-5D2426316FC6}"/>
               </a:ext>
             </a:extLst>
           </p:cNvPr>
@@ -17453,7 +11577,7 @@
           <p:cNvPr id="15" name="流程图: 过程 14">
             <a:extLst>
               <a:ext uri="{FF2B5EF4-FFF2-40B4-BE49-F238E27FC236}">
-                <a16:creationId xmlns:a16="http://schemas.microsoft.com/office/drawing/2014/main" id="{DEE6F68B-D383-4456-A945-5D2426316FC6}"/>
+                <a16:creationId xmlns:a16="http://schemas.microsoft.com/office/drawing/2014/main" xmlns="" id="{DEE6F68B-D383-4456-A945-5D2426316FC6}"/>
               </a:ext>
             </a:extLst>
           </p:cNvPr>
@@ -17514,7 +11638,7 @@
           <p:cNvPr id="16" name="流程图: 过程 15">
             <a:extLst>
               <a:ext uri="{FF2B5EF4-FFF2-40B4-BE49-F238E27FC236}">
-                <a16:creationId xmlns:a16="http://schemas.microsoft.com/office/drawing/2014/main" id="{DEE6F68B-D383-4456-A945-5D2426316FC6}"/>
+                <a16:creationId xmlns:a16="http://schemas.microsoft.com/office/drawing/2014/main" xmlns="" id="{DEE6F68B-D383-4456-A945-5D2426316FC6}"/>
               </a:ext>
             </a:extLst>
           </p:cNvPr>
@@ -17579,7 +11703,7 @@
           <p:cNvPr id="17" name="流程图: 过程 16">
             <a:extLst>
               <a:ext uri="{FF2B5EF4-FFF2-40B4-BE49-F238E27FC236}">
-                <a16:creationId xmlns:a16="http://schemas.microsoft.com/office/drawing/2014/main" id="{DEE6F68B-D383-4456-A945-5D2426316FC6}"/>
+                <a16:creationId xmlns:a16="http://schemas.microsoft.com/office/drawing/2014/main" xmlns="" id="{DEE6F68B-D383-4456-A945-5D2426316FC6}"/>
               </a:ext>
             </a:extLst>
           </p:cNvPr>
@@ -17644,7 +11768,7 @@
           <p:cNvPr id="18" name="流程图: 过程 17">
             <a:extLst>
               <a:ext uri="{FF2B5EF4-FFF2-40B4-BE49-F238E27FC236}">
-                <a16:creationId xmlns:a16="http://schemas.microsoft.com/office/drawing/2014/main" id="{DEE6F68B-D383-4456-A945-5D2426316FC6}"/>
+                <a16:creationId xmlns:a16="http://schemas.microsoft.com/office/drawing/2014/main" xmlns="" id="{DEE6F68B-D383-4456-A945-5D2426316FC6}"/>
               </a:ext>
             </a:extLst>
           </p:cNvPr>
@@ -17709,7 +11833,7 @@
           <p:cNvPr id="20" name="流程图: 过程 19">
             <a:extLst>
               <a:ext uri="{FF2B5EF4-FFF2-40B4-BE49-F238E27FC236}">
-                <a16:creationId xmlns:a16="http://schemas.microsoft.com/office/drawing/2014/main" id="{DEE6F68B-D383-4456-A945-5D2426316FC6}"/>
+                <a16:creationId xmlns:a16="http://schemas.microsoft.com/office/drawing/2014/main" xmlns="" id="{DEE6F68B-D383-4456-A945-5D2426316FC6}"/>
               </a:ext>
             </a:extLst>
           </p:cNvPr>
@@ -17774,7 +11898,7 @@
           <p:cNvPr id="21" name="流程图: 过程 20">
             <a:extLst>
               <a:ext uri="{FF2B5EF4-FFF2-40B4-BE49-F238E27FC236}">
-                <a16:creationId xmlns:a16="http://schemas.microsoft.com/office/drawing/2014/main" id="{DEE6F68B-D383-4456-A945-5D2426316FC6}"/>
+                <a16:creationId xmlns:a16="http://schemas.microsoft.com/office/drawing/2014/main" xmlns="" id="{DEE6F68B-D383-4456-A945-5D2426316FC6}"/>
               </a:ext>
             </a:extLst>
           </p:cNvPr>
@@ -17839,6 +11963,10 @@
             <a:r>
               <a:rPr lang="zh-CN" altLang="en-US" sz="1500" dirty="0"/>
               <a:t>运算结果一致，</a:t>
+            </a:r>
+            <a:r>
+              <a:rPr lang="en-US" altLang="zh-CN" sz="1500" dirty="0"/>
+              <a:t/>
             </a:r>
             <a:br>
               <a:rPr lang="en-US" altLang="zh-CN" sz="1500" dirty="0"/>
@@ -17907,7 +12035,7 @@
           <p:cNvPr id="30" name="图片 29">
             <a:extLst>
               <a:ext uri="{FF2B5EF4-FFF2-40B4-BE49-F238E27FC236}">
-                <a16:creationId xmlns:a16="http://schemas.microsoft.com/office/drawing/2014/main" id="{C49BA596-B860-41A3-9734-D1BA0CD74A42}"/>
+                <a16:creationId xmlns:a16="http://schemas.microsoft.com/office/drawing/2014/main" xmlns="" id="{C49BA596-B860-41A3-9734-D1BA0CD74A42}"/>
               </a:ext>
             </a:extLst>
           </p:cNvPr>
@@ -18002,7 +12130,7 @@
           <p:cNvPr id="18" name="流程图: 过程 17">
             <a:extLst>
               <a:ext uri="{FF2B5EF4-FFF2-40B4-BE49-F238E27FC236}">
-                <a16:creationId xmlns:a16="http://schemas.microsoft.com/office/drawing/2014/main" id="{DEE6F68B-D383-4456-A945-5D2426316FC6}"/>
+                <a16:creationId xmlns:a16="http://schemas.microsoft.com/office/drawing/2014/main" xmlns="" id="{DEE6F68B-D383-4456-A945-5D2426316FC6}"/>
               </a:ext>
             </a:extLst>
           </p:cNvPr>

--- a/计算机网络/互联网协议/示意图.pptx
+++ b/计算机网络/互联网协议/示意图.pptx
@@ -776,7 +776,7 @@
           <p:cNvPr id="4097" name="Rectangle 1">
             <a:extLst>
               <a:ext uri="{FF2B5EF4-FFF2-40B4-BE49-F238E27FC236}">
-                <a16:creationId xmlns:a16="http://schemas.microsoft.com/office/drawing/2014/main" xmlns="" id="{565A64E7-9CD6-4CA0-BB1F-239A37432A4C}"/>
+                <a16:creationId xmlns="" xmlns:a16="http://schemas.microsoft.com/office/drawing/2014/main" id="{565A64E7-9CD6-4CA0-BB1F-239A37432A4C}"/>
               </a:ext>
             </a:extLst>
           </p:cNvPr>
@@ -836,7 +836,7 @@
           <p:cNvPr id="4098" name="Rectangle 2">
             <a:extLst>
               <a:ext uri="{FF2B5EF4-FFF2-40B4-BE49-F238E27FC236}">
-                <a16:creationId xmlns:a16="http://schemas.microsoft.com/office/drawing/2014/main" xmlns="" id="{BEC89F56-1C5B-450B-BA44-8C5C6738B526}"/>
+                <a16:creationId xmlns="" xmlns:a16="http://schemas.microsoft.com/office/drawing/2014/main" id="{BEC89F56-1C5B-450B-BA44-8C5C6738B526}"/>
               </a:ext>
             </a:extLst>
           </p:cNvPr>
@@ -1119,7 +1119,7 @@
           <p:cNvPr id="2" name="标题 1">
             <a:extLst>
               <a:ext uri="{FF2B5EF4-FFF2-40B4-BE49-F238E27FC236}">
-                <a16:creationId xmlns:a16="http://schemas.microsoft.com/office/drawing/2014/main" xmlns="" id="{33920F4C-4250-4125-8984-E27C967C7C91}"/>
+                <a16:creationId xmlns="" xmlns:a16="http://schemas.microsoft.com/office/drawing/2014/main" id="{33920F4C-4250-4125-8984-E27C967C7C91}"/>
               </a:ext>
             </a:extLst>
           </p:cNvPr>
@@ -1159,7 +1159,7 @@
           <p:cNvPr id="3" name="副标题 2">
             <a:extLst>
               <a:ext uri="{FF2B5EF4-FFF2-40B4-BE49-F238E27FC236}">
-                <a16:creationId xmlns:a16="http://schemas.microsoft.com/office/drawing/2014/main" xmlns="" id="{CCF65E6E-81FD-4631-BDBA-343341FD9BED}"/>
+                <a16:creationId xmlns="" xmlns:a16="http://schemas.microsoft.com/office/drawing/2014/main" id="{CCF65E6E-81FD-4631-BDBA-343341FD9BED}"/>
               </a:ext>
             </a:extLst>
           </p:cNvPr>
@@ -1232,7 +1232,7 @@
           <p:cNvPr id="4" name="灯片编号占位符 3">
             <a:extLst>
               <a:ext uri="{FF2B5EF4-FFF2-40B4-BE49-F238E27FC236}">
-                <a16:creationId xmlns:a16="http://schemas.microsoft.com/office/drawing/2014/main" xmlns="" id="{47937965-0035-43F3-A8F9-BA99A5C466AA}"/>
+                <a16:creationId xmlns="" xmlns:a16="http://schemas.microsoft.com/office/drawing/2014/main" id="{47937965-0035-43F3-A8F9-BA99A5C466AA}"/>
               </a:ext>
             </a:extLst>
           </p:cNvPr>
@@ -1296,7 +1296,7 @@
           <p:cNvPr id="2" name="标题 1">
             <a:extLst>
               <a:ext uri="{FF2B5EF4-FFF2-40B4-BE49-F238E27FC236}">
-                <a16:creationId xmlns:a16="http://schemas.microsoft.com/office/drawing/2014/main" xmlns="" id="{5B0188C7-8DF4-45E6-BB0A-3DE8FA47D954}"/>
+                <a16:creationId xmlns="" xmlns:a16="http://schemas.microsoft.com/office/drawing/2014/main" id="{5B0188C7-8DF4-45E6-BB0A-3DE8FA47D954}"/>
               </a:ext>
             </a:extLst>
           </p:cNvPr>
@@ -1332,7 +1332,7 @@
           <p:cNvPr id="3" name="竖排文字占位符 2">
             <a:extLst>
               <a:ext uri="{FF2B5EF4-FFF2-40B4-BE49-F238E27FC236}">
-                <a16:creationId xmlns:a16="http://schemas.microsoft.com/office/drawing/2014/main" xmlns="" id="{332766E8-BF75-446A-964B-9715DDF66D28}"/>
+                <a16:creationId xmlns="" xmlns:a16="http://schemas.microsoft.com/office/drawing/2014/main" id="{332766E8-BF75-446A-964B-9715DDF66D28}"/>
               </a:ext>
             </a:extLst>
           </p:cNvPr>
@@ -1397,7 +1397,7 @@
           <p:cNvPr id="4" name="灯片编号占位符 3">
             <a:extLst>
               <a:ext uri="{FF2B5EF4-FFF2-40B4-BE49-F238E27FC236}">
-                <a16:creationId xmlns:a16="http://schemas.microsoft.com/office/drawing/2014/main" xmlns="" id="{553A1DE0-A6FD-4D1F-A299-AD52DB77F17D}"/>
+                <a16:creationId xmlns="" xmlns:a16="http://schemas.microsoft.com/office/drawing/2014/main" id="{553A1DE0-A6FD-4D1F-A299-AD52DB77F17D}"/>
               </a:ext>
             </a:extLst>
           </p:cNvPr>
@@ -1461,7 +1461,7 @@
           <p:cNvPr id="2" name="竖排标题 1">
             <a:extLst>
               <a:ext uri="{FF2B5EF4-FFF2-40B4-BE49-F238E27FC236}">
-                <a16:creationId xmlns:a16="http://schemas.microsoft.com/office/drawing/2014/main" xmlns="" id="{91216533-0BD7-4F3B-AC52-7D59BF32C6B7}"/>
+                <a16:creationId xmlns="" xmlns:a16="http://schemas.microsoft.com/office/drawing/2014/main" id="{91216533-0BD7-4F3B-AC52-7D59BF32C6B7}"/>
               </a:ext>
             </a:extLst>
           </p:cNvPr>
@@ -1497,7 +1497,7 @@
           <p:cNvPr id="3" name="竖排文字占位符 2">
             <a:extLst>
               <a:ext uri="{FF2B5EF4-FFF2-40B4-BE49-F238E27FC236}">
-                <a16:creationId xmlns:a16="http://schemas.microsoft.com/office/drawing/2014/main" xmlns="" id="{4B9DCB10-4EE5-4A4E-A344-9273E798B8A0}"/>
+                <a16:creationId xmlns="" xmlns:a16="http://schemas.microsoft.com/office/drawing/2014/main" id="{4B9DCB10-4EE5-4A4E-A344-9273E798B8A0}"/>
               </a:ext>
             </a:extLst>
           </p:cNvPr>
@@ -1562,7 +1562,7 @@
           <p:cNvPr id="4" name="灯片编号占位符 3">
             <a:extLst>
               <a:ext uri="{FF2B5EF4-FFF2-40B4-BE49-F238E27FC236}">
-                <a16:creationId xmlns:a16="http://schemas.microsoft.com/office/drawing/2014/main" xmlns="" id="{36606AC1-ADDE-49A6-9E3D-5F936A179597}"/>
+                <a16:creationId xmlns="" xmlns:a16="http://schemas.microsoft.com/office/drawing/2014/main" id="{36606AC1-ADDE-49A6-9E3D-5F936A179597}"/>
               </a:ext>
             </a:extLst>
           </p:cNvPr>
@@ -1626,7 +1626,7 @@
           <p:cNvPr id="2" name="标题 1">
             <a:extLst>
               <a:ext uri="{FF2B5EF4-FFF2-40B4-BE49-F238E27FC236}">
-                <a16:creationId xmlns:a16="http://schemas.microsoft.com/office/drawing/2014/main" xmlns="" id="{1AB45643-41E5-4F8A-A3FB-70282E6F91E4}"/>
+                <a16:creationId xmlns="" xmlns:a16="http://schemas.microsoft.com/office/drawing/2014/main" id="{1AB45643-41E5-4F8A-A3FB-70282E6F91E4}"/>
               </a:ext>
             </a:extLst>
           </p:cNvPr>
@@ -1662,7 +1662,7 @@
           <p:cNvPr id="3" name="内容占位符 2">
             <a:extLst>
               <a:ext uri="{FF2B5EF4-FFF2-40B4-BE49-F238E27FC236}">
-                <a16:creationId xmlns:a16="http://schemas.microsoft.com/office/drawing/2014/main" xmlns="" id="{E635A896-792B-4191-811D-D0D9BE8A97FD}"/>
+                <a16:creationId xmlns="" xmlns:a16="http://schemas.microsoft.com/office/drawing/2014/main" id="{E635A896-792B-4191-811D-D0D9BE8A97FD}"/>
               </a:ext>
             </a:extLst>
           </p:cNvPr>
@@ -1727,7 +1727,7 @@
           <p:cNvPr id="4" name="灯片编号占位符 3">
             <a:extLst>
               <a:ext uri="{FF2B5EF4-FFF2-40B4-BE49-F238E27FC236}">
-                <a16:creationId xmlns:a16="http://schemas.microsoft.com/office/drawing/2014/main" xmlns="" id="{2752FF08-65C9-4F66-835B-7EDC0DD8252F}"/>
+                <a16:creationId xmlns="" xmlns:a16="http://schemas.microsoft.com/office/drawing/2014/main" id="{2752FF08-65C9-4F66-835B-7EDC0DD8252F}"/>
               </a:ext>
             </a:extLst>
           </p:cNvPr>
@@ -1791,7 +1791,7 @@
           <p:cNvPr id="2" name="标题 1">
             <a:extLst>
               <a:ext uri="{FF2B5EF4-FFF2-40B4-BE49-F238E27FC236}">
-                <a16:creationId xmlns:a16="http://schemas.microsoft.com/office/drawing/2014/main" xmlns="" id="{DEF0F9E6-6E4E-4C9E-A98D-EF8DABD21CAB}"/>
+                <a16:creationId xmlns="" xmlns:a16="http://schemas.microsoft.com/office/drawing/2014/main" id="{DEF0F9E6-6E4E-4C9E-A98D-EF8DABD21CAB}"/>
               </a:ext>
             </a:extLst>
           </p:cNvPr>
@@ -1831,7 +1831,7 @@
           <p:cNvPr id="3" name="文本占位符 2">
             <a:extLst>
               <a:ext uri="{FF2B5EF4-FFF2-40B4-BE49-F238E27FC236}">
-                <a16:creationId xmlns:a16="http://schemas.microsoft.com/office/drawing/2014/main" xmlns="" id="{8D9ABEE6-AE6E-4050-8164-5EBC00252ACF}"/>
+                <a16:creationId xmlns="" xmlns:a16="http://schemas.microsoft.com/office/drawing/2014/main" id="{8D9ABEE6-AE6E-4050-8164-5EBC00252ACF}"/>
               </a:ext>
             </a:extLst>
           </p:cNvPr>
@@ -1905,7 +1905,7 @@
           <p:cNvPr id="4" name="灯片编号占位符 3">
             <a:extLst>
               <a:ext uri="{FF2B5EF4-FFF2-40B4-BE49-F238E27FC236}">
-                <a16:creationId xmlns:a16="http://schemas.microsoft.com/office/drawing/2014/main" xmlns="" id="{8E786AA7-4871-4B03-B855-2BCA04E63482}"/>
+                <a16:creationId xmlns="" xmlns:a16="http://schemas.microsoft.com/office/drawing/2014/main" id="{8E786AA7-4871-4B03-B855-2BCA04E63482}"/>
               </a:ext>
             </a:extLst>
           </p:cNvPr>
@@ -1969,7 +1969,7 @@
           <p:cNvPr id="2" name="标题 1">
             <a:extLst>
               <a:ext uri="{FF2B5EF4-FFF2-40B4-BE49-F238E27FC236}">
-                <a16:creationId xmlns:a16="http://schemas.microsoft.com/office/drawing/2014/main" xmlns="" id="{757AFEB8-002C-464E-9FC8-10826243CD30}"/>
+                <a16:creationId xmlns="" xmlns:a16="http://schemas.microsoft.com/office/drawing/2014/main" id="{757AFEB8-002C-464E-9FC8-10826243CD30}"/>
               </a:ext>
             </a:extLst>
           </p:cNvPr>
@@ -2005,7 +2005,7 @@
           <p:cNvPr id="3" name="内容占位符 2">
             <a:extLst>
               <a:ext uri="{FF2B5EF4-FFF2-40B4-BE49-F238E27FC236}">
-                <a16:creationId xmlns:a16="http://schemas.microsoft.com/office/drawing/2014/main" xmlns="" id="{343C147F-0E80-4BC5-88C0-0B13AB1C0E8E}"/>
+                <a16:creationId xmlns="" xmlns:a16="http://schemas.microsoft.com/office/drawing/2014/main" id="{343C147F-0E80-4BC5-88C0-0B13AB1C0E8E}"/>
               </a:ext>
             </a:extLst>
           </p:cNvPr>
@@ -2070,7 +2070,7 @@
           <p:cNvPr id="4" name="内容占位符 3">
             <a:extLst>
               <a:ext uri="{FF2B5EF4-FFF2-40B4-BE49-F238E27FC236}">
-                <a16:creationId xmlns:a16="http://schemas.microsoft.com/office/drawing/2014/main" xmlns="" id="{ABE29A0D-470A-4D24-B5E4-D69B45AFAA1A}"/>
+                <a16:creationId xmlns="" xmlns:a16="http://schemas.microsoft.com/office/drawing/2014/main" id="{ABE29A0D-470A-4D24-B5E4-D69B45AFAA1A}"/>
               </a:ext>
             </a:extLst>
           </p:cNvPr>
@@ -2135,7 +2135,7 @@
           <p:cNvPr id="5" name="灯片编号占位符 4">
             <a:extLst>
               <a:ext uri="{FF2B5EF4-FFF2-40B4-BE49-F238E27FC236}">
-                <a16:creationId xmlns:a16="http://schemas.microsoft.com/office/drawing/2014/main" xmlns="" id="{3D4E71FC-FA32-40B2-A781-96D870E3A664}"/>
+                <a16:creationId xmlns="" xmlns:a16="http://schemas.microsoft.com/office/drawing/2014/main" id="{3D4E71FC-FA32-40B2-A781-96D870E3A664}"/>
               </a:ext>
             </a:extLst>
           </p:cNvPr>
@@ -2199,7 +2199,7 @@
           <p:cNvPr id="2" name="标题 1">
             <a:extLst>
               <a:ext uri="{FF2B5EF4-FFF2-40B4-BE49-F238E27FC236}">
-                <a16:creationId xmlns:a16="http://schemas.microsoft.com/office/drawing/2014/main" xmlns="" id="{D088E822-3460-4549-B734-2357F8BD35D2}"/>
+                <a16:creationId xmlns="" xmlns:a16="http://schemas.microsoft.com/office/drawing/2014/main" id="{D088E822-3460-4549-B734-2357F8BD35D2}"/>
               </a:ext>
             </a:extLst>
           </p:cNvPr>
@@ -2235,7 +2235,7 @@
           <p:cNvPr id="3" name="文本占位符 2">
             <a:extLst>
               <a:ext uri="{FF2B5EF4-FFF2-40B4-BE49-F238E27FC236}">
-                <a16:creationId xmlns:a16="http://schemas.microsoft.com/office/drawing/2014/main" xmlns="" id="{25F6B7B6-AAD1-46DE-812D-E279B2BA4CAA}"/>
+                <a16:creationId xmlns="" xmlns:a16="http://schemas.microsoft.com/office/drawing/2014/main" id="{25F6B7B6-AAD1-46DE-812D-E279B2BA4CAA}"/>
               </a:ext>
             </a:extLst>
           </p:cNvPr>
@@ -2309,7 +2309,7 @@
           <p:cNvPr id="4" name="内容占位符 3">
             <a:extLst>
               <a:ext uri="{FF2B5EF4-FFF2-40B4-BE49-F238E27FC236}">
-                <a16:creationId xmlns:a16="http://schemas.microsoft.com/office/drawing/2014/main" xmlns="" id="{E6EF8512-4BCF-429F-98B6-A40F21E02F3B}"/>
+                <a16:creationId xmlns="" xmlns:a16="http://schemas.microsoft.com/office/drawing/2014/main" id="{E6EF8512-4BCF-429F-98B6-A40F21E02F3B}"/>
               </a:ext>
             </a:extLst>
           </p:cNvPr>
@@ -2374,7 +2374,7 @@
           <p:cNvPr id="5" name="文本占位符 4">
             <a:extLst>
               <a:ext uri="{FF2B5EF4-FFF2-40B4-BE49-F238E27FC236}">
-                <a16:creationId xmlns:a16="http://schemas.microsoft.com/office/drawing/2014/main" xmlns="" id="{2E43955C-CB2E-44EA-8DEC-762EDA6D8F57}"/>
+                <a16:creationId xmlns="" xmlns:a16="http://schemas.microsoft.com/office/drawing/2014/main" id="{2E43955C-CB2E-44EA-8DEC-762EDA6D8F57}"/>
               </a:ext>
             </a:extLst>
           </p:cNvPr>
@@ -2448,7 +2448,7 @@
           <p:cNvPr id="6" name="内容占位符 5">
             <a:extLst>
               <a:ext uri="{FF2B5EF4-FFF2-40B4-BE49-F238E27FC236}">
-                <a16:creationId xmlns:a16="http://schemas.microsoft.com/office/drawing/2014/main" xmlns="" id="{FF04F6E5-926D-46BC-967B-30BA700C57B5}"/>
+                <a16:creationId xmlns="" xmlns:a16="http://schemas.microsoft.com/office/drawing/2014/main" id="{FF04F6E5-926D-46BC-967B-30BA700C57B5}"/>
               </a:ext>
             </a:extLst>
           </p:cNvPr>
@@ -2513,7 +2513,7 @@
           <p:cNvPr id="7" name="灯片编号占位符 6">
             <a:extLst>
               <a:ext uri="{FF2B5EF4-FFF2-40B4-BE49-F238E27FC236}">
-                <a16:creationId xmlns:a16="http://schemas.microsoft.com/office/drawing/2014/main" xmlns="" id="{A67352EA-DCBA-42ED-B669-CF6A9048E629}"/>
+                <a16:creationId xmlns="" xmlns:a16="http://schemas.microsoft.com/office/drawing/2014/main" id="{A67352EA-DCBA-42ED-B669-CF6A9048E629}"/>
               </a:ext>
             </a:extLst>
           </p:cNvPr>
@@ -2577,7 +2577,7 @@
           <p:cNvPr id="2" name="标题 1">
             <a:extLst>
               <a:ext uri="{FF2B5EF4-FFF2-40B4-BE49-F238E27FC236}">
-                <a16:creationId xmlns:a16="http://schemas.microsoft.com/office/drawing/2014/main" xmlns="" id="{566439B8-A890-4BF3-A5FC-9269282A0AA1}"/>
+                <a16:creationId xmlns="" xmlns:a16="http://schemas.microsoft.com/office/drawing/2014/main" id="{566439B8-A890-4BF3-A5FC-9269282A0AA1}"/>
               </a:ext>
             </a:extLst>
           </p:cNvPr>
@@ -2613,7 +2613,7 @@
           <p:cNvPr id="3" name="灯片编号占位符 2">
             <a:extLst>
               <a:ext uri="{FF2B5EF4-FFF2-40B4-BE49-F238E27FC236}">
-                <a16:creationId xmlns:a16="http://schemas.microsoft.com/office/drawing/2014/main" xmlns="" id="{DC232DAC-B15C-46F2-8CAE-846C4A5E236A}"/>
+                <a16:creationId xmlns="" xmlns:a16="http://schemas.microsoft.com/office/drawing/2014/main" id="{DC232DAC-B15C-46F2-8CAE-846C4A5E236A}"/>
               </a:ext>
             </a:extLst>
           </p:cNvPr>
@@ -2677,7 +2677,7 @@
           <p:cNvPr id="2" name="灯片编号占位符 1">
             <a:extLst>
               <a:ext uri="{FF2B5EF4-FFF2-40B4-BE49-F238E27FC236}">
-                <a16:creationId xmlns:a16="http://schemas.microsoft.com/office/drawing/2014/main" xmlns="" id="{97A36CCC-2ABB-464B-82A7-289602FB00C7}"/>
+                <a16:creationId xmlns="" xmlns:a16="http://schemas.microsoft.com/office/drawing/2014/main" id="{97A36CCC-2ABB-464B-82A7-289602FB00C7}"/>
               </a:ext>
             </a:extLst>
           </p:cNvPr>
@@ -2741,7 +2741,7 @@
           <p:cNvPr id="2" name="标题 1">
             <a:extLst>
               <a:ext uri="{FF2B5EF4-FFF2-40B4-BE49-F238E27FC236}">
-                <a16:creationId xmlns:a16="http://schemas.microsoft.com/office/drawing/2014/main" xmlns="" id="{34A01729-8E96-427E-B87C-84725AC1F1A2}"/>
+                <a16:creationId xmlns="" xmlns:a16="http://schemas.microsoft.com/office/drawing/2014/main" id="{34A01729-8E96-427E-B87C-84725AC1F1A2}"/>
               </a:ext>
             </a:extLst>
           </p:cNvPr>
@@ -2781,7 +2781,7 @@
           <p:cNvPr id="3" name="内容占位符 2">
             <a:extLst>
               <a:ext uri="{FF2B5EF4-FFF2-40B4-BE49-F238E27FC236}">
-                <a16:creationId xmlns:a16="http://schemas.microsoft.com/office/drawing/2014/main" xmlns="" id="{E129B704-0C29-4DA0-AAE3-8730A27EC2C3}"/>
+                <a16:creationId xmlns="" xmlns:a16="http://schemas.microsoft.com/office/drawing/2014/main" id="{E129B704-0C29-4DA0-AAE3-8730A27EC2C3}"/>
               </a:ext>
             </a:extLst>
           </p:cNvPr>
@@ -2874,7 +2874,7 @@
           <p:cNvPr id="4" name="文本占位符 3">
             <a:extLst>
               <a:ext uri="{FF2B5EF4-FFF2-40B4-BE49-F238E27FC236}">
-                <a16:creationId xmlns:a16="http://schemas.microsoft.com/office/drawing/2014/main" xmlns="" id="{BD61614F-03CD-4D7C-AB94-0D876667233E}"/>
+                <a16:creationId xmlns="" xmlns:a16="http://schemas.microsoft.com/office/drawing/2014/main" id="{BD61614F-03CD-4D7C-AB94-0D876667233E}"/>
               </a:ext>
             </a:extLst>
           </p:cNvPr>
@@ -2948,7 +2948,7 @@
           <p:cNvPr id="5" name="灯片编号占位符 4">
             <a:extLst>
               <a:ext uri="{FF2B5EF4-FFF2-40B4-BE49-F238E27FC236}">
-                <a16:creationId xmlns:a16="http://schemas.microsoft.com/office/drawing/2014/main" xmlns="" id="{5F584EEA-F424-4D5A-9512-C341C6F74527}"/>
+                <a16:creationId xmlns="" xmlns:a16="http://schemas.microsoft.com/office/drawing/2014/main" id="{5F584EEA-F424-4D5A-9512-C341C6F74527}"/>
               </a:ext>
             </a:extLst>
           </p:cNvPr>
@@ -3012,7 +3012,7 @@
           <p:cNvPr id="2" name="标题 1">
             <a:extLst>
               <a:ext uri="{FF2B5EF4-FFF2-40B4-BE49-F238E27FC236}">
-                <a16:creationId xmlns:a16="http://schemas.microsoft.com/office/drawing/2014/main" xmlns="" id="{8AC0D9A2-D4AA-4901-B563-F938E76BA47B}"/>
+                <a16:creationId xmlns="" xmlns:a16="http://schemas.microsoft.com/office/drawing/2014/main" id="{8AC0D9A2-D4AA-4901-B563-F938E76BA47B}"/>
               </a:ext>
             </a:extLst>
           </p:cNvPr>
@@ -3052,7 +3052,7 @@
           <p:cNvPr id="3" name="图片占位符 2">
             <a:extLst>
               <a:ext uri="{FF2B5EF4-FFF2-40B4-BE49-F238E27FC236}">
-                <a16:creationId xmlns:a16="http://schemas.microsoft.com/office/drawing/2014/main" xmlns="" id="{55B52424-42FD-4880-9E96-0C7B44DF59E6}"/>
+                <a16:creationId xmlns="" xmlns:a16="http://schemas.microsoft.com/office/drawing/2014/main" id="{55B52424-42FD-4880-9E96-0C7B44DF59E6}"/>
               </a:ext>
             </a:extLst>
           </p:cNvPr>
@@ -3122,7 +3122,7 @@
           <p:cNvPr id="4" name="文本占位符 3">
             <a:extLst>
               <a:ext uri="{FF2B5EF4-FFF2-40B4-BE49-F238E27FC236}">
-                <a16:creationId xmlns:a16="http://schemas.microsoft.com/office/drawing/2014/main" xmlns="" id="{A9ACC898-B51A-4746-96CF-9C1B90950FE9}"/>
+                <a16:creationId xmlns="" xmlns:a16="http://schemas.microsoft.com/office/drawing/2014/main" id="{A9ACC898-B51A-4746-96CF-9C1B90950FE9}"/>
               </a:ext>
             </a:extLst>
           </p:cNvPr>
@@ -3196,7 +3196,7 @@
           <p:cNvPr id="5" name="灯片编号占位符 4">
             <a:extLst>
               <a:ext uri="{FF2B5EF4-FFF2-40B4-BE49-F238E27FC236}">
-                <a16:creationId xmlns:a16="http://schemas.microsoft.com/office/drawing/2014/main" xmlns="" id="{FF76DA64-88F7-483C-AE16-E94C47973A01}"/>
+                <a16:creationId xmlns="" xmlns:a16="http://schemas.microsoft.com/office/drawing/2014/main" id="{FF76DA64-88F7-483C-AE16-E94C47973A01}"/>
               </a:ext>
             </a:extLst>
           </p:cNvPr>
@@ -3268,7 +3268,7 @@
           <p:cNvPr id="2049" name="Picture 1" descr="ppt元素-11.png">
             <a:extLst>
               <a:ext uri="{FF2B5EF4-FFF2-40B4-BE49-F238E27FC236}">
-                <a16:creationId xmlns:a16="http://schemas.microsoft.com/office/drawing/2014/main" xmlns="" id="{4CBE4F7A-DF60-480C-A0F2-6DFBCF878D11}"/>
+                <a16:creationId xmlns="" xmlns:a16="http://schemas.microsoft.com/office/drawing/2014/main" id="{4CBE4F7A-DF60-480C-A0F2-6DFBCF878D11}"/>
               </a:ext>
             </a:extLst>
           </p:cNvPr>
@@ -3339,7 +3339,7 @@
           <p:cNvPr id="2050" name="Rectangle 2">
             <a:extLst>
               <a:ext uri="{FF2B5EF4-FFF2-40B4-BE49-F238E27FC236}">
-                <a16:creationId xmlns:a16="http://schemas.microsoft.com/office/drawing/2014/main" xmlns="" id="{8C0EE73C-67BB-4C42-8BD8-750C3733AD42}"/>
+                <a16:creationId xmlns="" xmlns:a16="http://schemas.microsoft.com/office/drawing/2014/main" id="{8C0EE73C-67BB-4C42-8BD8-750C3733AD42}"/>
               </a:ext>
             </a:extLst>
           </p:cNvPr>
@@ -3890,7 +3890,7 @@
           <p:cNvPr id="34" name="图片 33">
             <a:extLst>
               <a:ext uri="{FF2B5EF4-FFF2-40B4-BE49-F238E27FC236}">
-                <a16:creationId xmlns:a16="http://schemas.microsoft.com/office/drawing/2014/main" xmlns="" id="{C49BA596-B860-41A3-9734-D1BA0CD74A42}"/>
+                <a16:creationId xmlns="" xmlns:a16="http://schemas.microsoft.com/office/drawing/2014/main" id="{C49BA596-B860-41A3-9734-D1BA0CD74A42}"/>
               </a:ext>
             </a:extLst>
           </p:cNvPr>
@@ -4376,7 +4376,7 @@
           <p:cNvPr id="35" name="流程图: 过程 34">
             <a:extLst>
               <a:ext uri="{FF2B5EF4-FFF2-40B4-BE49-F238E27FC236}">
-                <a16:creationId xmlns:a16="http://schemas.microsoft.com/office/drawing/2014/main" xmlns="" id="{DEE6F68B-D383-4456-A945-5D2426316FC6}"/>
+                <a16:creationId xmlns="" xmlns:a16="http://schemas.microsoft.com/office/drawing/2014/main" id="{DEE6F68B-D383-4456-A945-5D2426316FC6}"/>
               </a:ext>
             </a:extLst>
           </p:cNvPr>
@@ -4482,7 +4482,7 @@
           <p:cNvPr id="21" name="图片 20">
             <a:extLst>
               <a:ext uri="{FF2B5EF4-FFF2-40B4-BE49-F238E27FC236}">
-                <a16:creationId xmlns:a16="http://schemas.microsoft.com/office/drawing/2014/main" xmlns="" id="{C49BA596-B860-41A3-9734-D1BA0CD74A42}"/>
+                <a16:creationId xmlns="" xmlns:a16="http://schemas.microsoft.com/office/drawing/2014/main" id="{C49BA596-B860-41A3-9734-D1BA0CD74A42}"/>
               </a:ext>
             </a:extLst>
           </p:cNvPr>
@@ -4650,7 +4650,7 @@
           <p:cNvPr id="24" name="流程图: 过程 23">
             <a:extLst>
               <a:ext uri="{FF2B5EF4-FFF2-40B4-BE49-F238E27FC236}">
-                <a16:creationId xmlns:a16="http://schemas.microsoft.com/office/drawing/2014/main" xmlns="" id="{DEE6F68B-D383-4456-A945-5D2426316FC6}"/>
+                <a16:creationId xmlns="" xmlns:a16="http://schemas.microsoft.com/office/drawing/2014/main" id="{DEE6F68B-D383-4456-A945-5D2426316FC6}"/>
               </a:ext>
             </a:extLst>
           </p:cNvPr>
@@ -4825,7 +4825,7 @@
           <p:cNvPr id="29" name="流程图: 过程 28">
             <a:extLst>
               <a:ext uri="{FF2B5EF4-FFF2-40B4-BE49-F238E27FC236}">
-                <a16:creationId xmlns:a16="http://schemas.microsoft.com/office/drawing/2014/main" xmlns="" id="{DEE6F68B-D383-4456-A945-5D2426316FC6}"/>
+                <a16:creationId xmlns="" xmlns:a16="http://schemas.microsoft.com/office/drawing/2014/main" id="{DEE6F68B-D383-4456-A945-5D2426316FC6}"/>
               </a:ext>
             </a:extLst>
           </p:cNvPr>
@@ -4925,7 +4925,7 @@
           <p:cNvPr id="10" name="流程图: 过程 9">
             <a:extLst>
               <a:ext uri="{FF2B5EF4-FFF2-40B4-BE49-F238E27FC236}">
-                <a16:creationId xmlns:a16="http://schemas.microsoft.com/office/drawing/2014/main" xmlns="" id="{DEE6F68B-D383-4456-A945-5D2426316FC6}"/>
+                <a16:creationId xmlns="" xmlns:a16="http://schemas.microsoft.com/office/drawing/2014/main" id="{DEE6F68B-D383-4456-A945-5D2426316FC6}"/>
               </a:ext>
             </a:extLst>
           </p:cNvPr>
@@ -5039,7 +5039,7 @@
           <p:cNvPr id="21" name="图片 20">
             <a:extLst>
               <a:ext uri="{FF2B5EF4-FFF2-40B4-BE49-F238E27FC236}">
-                <a16:creationId xmlns:a16="http://schemas.microsoft.com/office/drawing/2014/main" xmlns="" id="{C49BA596-B860-41A3-9734-D1BA0CD74A42}"/>
+                <a16:creationId xmlns="" xmlns:a16="http://schemas.microsoft.com/office/drawing/2014/main" id="{C49BA596-B860-41A3-9734-D1BA0CD74A42}"/>
               </a:ext>
             </a:extLst>
           </p:cNvPr>
@@ -5063,7 +5063,7 @@
         <p:spPr>
           <a:xfrm>
             <a:off x="3215680" y="1628800"/>
-            <a:ext cx="5587246" cy="3816424"/>
+            <a:ext cx="5587246" cy="3960440"/>
           </a:xfrm>
           <a:prstGeom prst="rect">
             <a:avLst/>
@@ -5207,7 +5207,7 @@
           <p:cNvPr id="24" name="流程图: 过程 23">
             <a:extLst>
               <a:ext uri="{FF2B5EF4-FFF2-40B4-BE49-F238E27FC236}">
-                <a16:creationId xmlns:a16="http://schemas.microsoft.com/office/drawing/2014/main" xmlns="" id="{DEE6F68B-D383-4456-A945-5D2426316FC6}"/>
+                <a16:creationId xmlns="" xmlns:a16="http://schemas.microsoft.com/office/drawing/2014/main" id="{DEE6F68B-D383-4456-A945-5D2426316FC6}"/>
               </a:ext>
             </a:extLst>
           </p:cNvPr>
@@ -5382,7 +5382,7 @@
           <p:cNvPr id="29" name="流程图: 过程 28">
             <a:extLst>
               <a:ext uri="{FF2B5EF4-FFF2-40B4-BE49-F238E27FC236}">
-                <a16:creationId xmlns:a16="http://schemas.microsoft.com/office/drawing/2014/main" xmlns="" id="{DEE6F68B-D383-4456-A945-5D2426316FC6}"/>
+                <a16:creationId xmlns="" xmlns:a16="http://schemas.microsoft.com/office/drawing/2014/main" id="{DEE6F68B-D383-4456-A945-5D2426316FC6}"/>
               </a:ext>
             </a:extLst>
           </p:cNvPr>
@@ -5590,7 +5590,7 @@
           <p:cNvPr id="13" name="流程图: 过程 12">
             <a:extLst>
               <a:ext uri="{FF2B5EF4-FFF2-40B4-BE49-F238E27FC236}">
-                <a16:creationId xmlns:a16="http://schemas.microsoft.com/office/drawing/2014/main" xmlns="" id="{DEE6F68B-D383-4456-A945-5D2426316FC6}"/>
+                <a16:creationId xmlns="" xmlns:a16="http://schemas.microsoft.com/office/drawing/2014/main" id="{DEE6F68B-D383-4456-A945-5D2426316FC6}"/>
               </a:ext>
             </a:extLst>
           </p:cNvPr>
@@ -5655,7 +5655,7 @@
           <p:cNvPr id="16" name="流程图: 过程 15">
             <a:extLst>
               <a:ext uri="{FF2B5EF4-FFF2-40B4-BE49-F238E27FC236}">
-                <a16:creationId xmlns:a16="http://schemas.microsoft.com/office/drawing/2014/main" xmlns="" id="{DEE6F68B-D383-4456-A945-5D2426316FC6}"/>
+                <a16:creationId xmlns="" xmlns:a16="http://schemas.microsoft.com/office/drawing/2014/main" id="{DEE6F68B-D383-4456-A945-5D2426316FC6}"/>
               </a:ext>
             </a:extLst>
           </p:cNvPr>
@@ -5665,7 +5665,7 @@
         <p:spPr>
           <a:xfrm>
             <a:off x="4636291" y="5098708"/>
-            <a:ext cx="2793623" cy="304578"/>
+            <a:ext cx="2793623" cy="346516"/>
           </a:xfrm>
           <a:prstGeom prst="flowChartProcess">
             <a:avLst/>
@@ -5781,7 +5781,7 @@
           <p:cNvPr id="21" name="图片 20">
             <a:extLst>
               <a:ext uri="{FF2B5EF4-FFF2-40B4-BE49-F238E27FC236}">
-                <a16:creationId xmlns:a16="http://schemas.microsoft.com/office/drawing/2014/main" xmlns="" id="{C49BA596-B860-41A3-9734-D1BA0CD74A42}"/>
+                <a16:creationId xmlns="" xmlns:a16="http://schemas.microsoft.com/office/drawing/2014/main" id="{C49BA596-B860-41A3-9734-D1BA0CD74A42}"/>
               </a:ext>
             </a:extLst>
           </p:cNvPr>
@@ -5805,7 +5805,7 @@
         <p:spPr>
           <a:xfrm>
             <a:off x="3287688" y="1412776"/>
-            <a:ext cx="5587246" cy="4824536"/>
+            <a:ext cx="5587246" cy="4896544"/>
           </a:xfrm>
           <a:prstGeom prst="rect">
             <a:avLst/>
@@ -5949,7 +5949,7 @@
           <p:cNvPr id="24" name="流程图: 过程 23">
             <a:extLst>
               <a:ext uri="{FF2B5EF4-FFF2-40B4-BE49-F238E27FC236}">
-                <a16:creationId xmlns:a16="http://schemas.microsoft.com/office/drawing/2014/main" xmlns="" id="{DEE6F68B-D383-4456-A945-5D2426316FC6}"/>
+                <a16:creationId xmlns="" xmlns:a16="http://schemas.microsoft.com/office/drawing/2014/main" id="{DEE6F68B-D383-4456-A945-5D2426316FC6}"/>
               </a:ext>
             </a:extLst>
           </p:cNvPr>
@@ -6124,7 +6124,7 @@
           <p:cNvPr id="29" name="流程图: 过程 28">
             <a:extLst>
               <a:ext uri="{FF2B5EF4-FFF2-40B4-BE49-F238E27FC236}">
-                <a16:creationId xmlns:a16="http://schemas.microsoft.com/office/drawing/2014/main" xmlns="" id="{DEE6F68B-D383-4456-A945-5D2426316FC6}"/>
+                <a16:creationId xmlns="" xmlns:a16="http://schemas.microsoft.com/office/drawing/2014/main" id="{DEE6F68B-D383-4456-A945-5D2426316FC6}"/>
               </a:ext>
             </a:extLst>
           </p:cNvPr>
@@ -6332,7 +6332,7 @@
           <p:cNvPr id="13" name="流程图: 过程 12">
             <a:extLst>
               <a:ext uri="{FF2B5EF4-FFF2-40B4-BE49-F238E27FC236}">
-                <a16:creationId xmlns:a16="http://schemas.microsoft.com/office/drawing/2014/main" xmlns="" id="{DEE6F68B-D383-4456-A945-5D2426316FC6}"/>
+                <a16:creationId xmlns="" xmlns:a16="http://schemas.microsoft.com/office/drawing/2014/main" id="{DEE6F68B-D383-4456-A945-5D2426316FC6}"/>
               </a:ext>
             </a:extLst>
           </p:cNvPr>
@@ -6451,7 +6451,7 @@
           <p:cNvPr id="15" name="流程图: 过程 14">
             <a:extLst>
               <a:ext uri="{FF2B5EF4-FFF2-40B4-BE49-F238E27FC236}">
-                <a16:creationId xmlns:a16="http://schemas.microsoft.com/office/drawing/2014/main" xmlns="" id="{DEE6F68B-D383-4456-A945-5D2426316FC6}"/>
+                <a16:creationId xmlns="" xmlns:a16="http://schemas.microsoft.com/office/drawing/2014/main" id="{DEE6F68B-D383-4456-A945-5D2426316FC6}"/>
               </a:ext>
             </a:extLst>
           </p:cNvPr>
@@ -6512,7 +6512,7 @@
           <p:cNvPr id="16" name="流程图: 过程 15">
             <a:extLst>
               <a:ext uri="{FF2B5EF4-FFF2-40B4-BE49-F238E27FC236}">
-                <a16:creationId xmlns:a16="http://schemas.microsoft.com/office/drawing/2014/main" xmlns="" id="{DEE6F68B-D383-4456-A945-5D2426316FC6}"/>
+                <a16:creationId xmlns="" xmlns:a16="http://schemas.microsoft.com/office/drawing/2014/main" id="{DEE6F68B-D383-4456-A945-5D2426316FC6}"/>
               </a:ext>
             </a:extLst>
           </p:cNvPr>
@@ -6642,7 +6642,7 @@
           <p:cNvPr id="141" name="图片 140">
             <a:extLst>
               <a:ext uri="{FF2B5EF4-FFF2-40B4-BE49-F238E27FC236}">
-                <a16:creationId xmlns:a16="http://schemas.microsoft.com/office/drawing/2014/main" xmlns="" id="{C49BA596-B860-41A3-9734-D1BA0CD74A42}"/>
+                <a16:creationId xmlns="" xmlns:a16="http://schemas.microsoft.com/office/drawing/2014/main" id="{C49BA596-B860-41A3-9734-D1BA0CD74A42}"/>
               </a:ext>
             </a:extLst>
           </p:cNvPr>
@@ -6684,7 +6684,7 @@
           <p:cNvPr id="35" name="流程图: 过程 34">
             <a:extLst>
               <a:ext uri="{FF2B5EF4-FFF2-40B4-BE49-F238E27FC236}">
-                <a16:creationId xmlns:a16="http://schemas.microsoft.com/office/drawing/2014/main" xmlns="" id="{DEE6F68B-D383-4456-A945-5D2426316FC6}"/>
+                <a16:creationId xmlns="" xmlns:a16="http://schemas.microsoft.com/office/drawing/2014/main" id="{DEE6F68B-D383-4456-A945-5D2426316FC6}"/>
               </a:ext>
             </a:extLst>
           </p:cNvPr>
@@ -6749,7 +6749,7 @@
           <p:cNvPr id="9" name="流程图: 过程 8">
             <a:extLst>
               <a:ext uri="{FF2B5EF4-FFF2-40B4-BE49-F238E27FC236}">
-                <a16:creationId xmlns:a16="http://schemas.microsoft.com/office/drawing/2014/main" xmlns="" id="{DEE6F68B-D383-4456-A945-5D2426316FC6}"/>
+                <a16:creationId xmlns="" xmlns:a16="http://schemas.microsoft.com/office/drawing/2014/main" id="{DEE6F68B-D383-4456-A945-5D2426316FC6}"/>
               </a:ext>
             </a:extLst>
           </p:cNvPr>
@@ -6830,7 +6830,7 @@
             <p:cNvPr id="12" name="流程图: 过程 11">
               <a:extLst>
                 <a:ext uri="{FF2B5EF4-FFF2-40B4-BE49-F238E27FC236}">
-                  <a16:creationId xmlns:a16="http://schemas.microsoft.com/office/drawing/2014/main" xmlns="" id="{DEE6F68B-D383-4456-A945-5D2426316FC6}"/>
+                  <a16:creationId xmlns="" xmlns:a16="http://schemas.microsoft.com/office/drawing/2014/main" id="{DEE6F68B-D383-4456-A945-5D2426316FC6}"/>
                 </a:ext>
               </a:extLst>
             </p:cNvPr>
@@ -6897,7 +6897,7 @@
             <p:cNvPr id="13" name="流程图: 过程 12">
               <a:extLst>
                 <a:ext uri="{FF2B5EF4-FFF2-40B4-BE49-F238E27FC236}">
-                  <a16:creationId xmlns:a16="http://schemas.microsoft.com/office/drawing/2014/main" xmlns="" id="{DEE6F68B-D383-4456-A945-5D2426316FC6}"/>
+                  <a16:creationId xmlns="" xmlns:a16="http://schemas.microsoft.com/office/drawing/2014/main" id="{DEE6F68B-D383-4456-A945-5D2426316FC6}"/>
                 </a:ext>
               </a:extLst>
             </p:cNvPr>
@@ -6962,7 +6962,7 @@
             <p:cNvPr id="18" name="流程图: 过程 17">
               <a:extLst>
                 <a:ext uri="{FF2B5EF4-FFF2-40B4-BE49-F238E27FC236}">
-                  <a16:creationId xmlns:a16="http://schemas.microsoft.com/office/drawing/2014/main" xmlns="" id="{DEE6F68B-D383-4456-A945-5D2426316FC6}"/>
+                  <a16:creationId xmlns="" xmlns:a16="http://schemas.microsoft.com/office/drawing/2014/main" id="{DEE6F68B-D383-4456-A945-5D2426316FC6}"/>
                 </a:ext>
               </a:extLst>
             </p:cNvPr>
@@ -7036,7 +7036,7 @@
             <p:cNvPr id="23" name="流程图: 过程 22">
               <a:extLst>
                 <a:ext uri="{FF2B5EF4-FFF2-40B4-BE49-F238E27FC236}">
-                  <a16:creationId xmlns:a16="http://schemas.microsoft.com/office/drawing/2014/main" xmlns="" id="{DEE6F68B-D383-4456-A945-5D2426316FC6}"/>
+                  <a16:creationId xmlns="" xmlns:a16="http://schemas.microsoft.com/office/drawing/2014/main" id="{DEE6F68B-D383-4456-A945-5D2426316FC6}"/>
                 </a:ext>
               </a:extLst>
             </p:cNvPr>
@@ -7101,7 +7101,7 @@
             <p:cNvPr id="24" name="流程图: 过程 23">
               <a:extLst>
                 <a:ext uri="{FF2B5EF4-FFF2-40B4-BE49-F238E27FC236}">
-                  <a16:creationId xmlns:a16="http://schemas.microsoft.com/office/drawing/2014/main" xmlns="" id="{DEE6F68B-D383-4456-A945-5D2426316FC6}"/>
+                  <a16:creationId xmlns="" xmlns:a16="http://schemas.microsoft.com/office/drawing/2014/main" id="{DEE6F68B-D383-4456-A945-5D2426316FC6}"/>
                 </a:ext>
               </a:extLst>
             </p:cNvPr>
@@ -7160,7 +7160,7 @@
             <p:cNvPr id="38" name="流程图: 过程 37">
               <a:extLst>
                 <a:ext uri="{FF2B5EF4-FFF2-40B4-BE49-F238E27FC236}">
-                  <a16:creationId xmlns:a16="http://schemas.microsoft.com/office/drawing/2014/main" xmlns="" id="{DEE6F68B-D383-4456-A945-5D2426316FC6}"/>
+                  <a16:creationId xmlns="" xmlns:a16="http://schemas.microsoft.com/office/drawing/2014/main" id="{DEE6F68B-D383-4456-A945-5D2426316FC6}"/>
                 </a:ext>
               </a:extLst>
             </p:cNvPr>
@@ -7227,7 +7227,7 @@
             <p:cNvPr id="39" name="流程图: 过程 38">
               <a:extLst>
                 <a:ext uri="{FF2B5EF4-FFF2-40B4-BE49-F238E27FC236}">
-                  <a16:creationId xmlns:a16="http://schemas.microsoft.com/office/drawing/2014/main" xmlns="" id="{DEE6F68B-D383-4456-A945-5D2426316FC6}"/>
+                  <a16:creationId xmlns="" xmlns:a16="http://schemas.microsoft.com/office/drawing/2014/main" id="{DEE6F68B-D383-4456-A945-5D2426316FC6}"/>
                 </a:ext>
               </a:extLst>
             </p:cNvPr>
@@ -7292,7 +7292,7 @@
             <p:cNvPr id="40" name="流程图: 过程 39">
               <a:extLst>
                 <a:ext uri="{FF2B5EF4-FFF2-40B4-BE49-F238E27FC236}">
-                  <a16:creationId xmlns:a16="http://schemas.microsoft.com/office/drawing/2014/main" xmlns="" id="{DEE6F68B-D383-4456-A945-5D2426316FC6}"/>
+                  <a16:creationId xmlns="" xmlns:a16="http://schemas.microsoft.com/office/drawing/2014/main" id="{DEE6F68B-D383-4456-A945-5D2426316FC6}"/>
                 </a:ext>
               </a:extLst>
             </p:cNvPr>
@@ -7366,7 +7366,7 @@
             <p:cNvPr id="36" name="流程图: 过程 35">
               <a:extLst>
                 <a:ext uri="{FF2B5EF4-FFF2-40B4-BE49-F238E27FC236}">
-                  <a16:creationId xmlns:a16="http://schemas.microsoft.com/office/drawing/2014/main" xmlns="" id="{DEE6F68B-D383-4456-A945-5D2426316FC6}"/>
+                  <a16:creationId xmlns="" xmlns:a16="http://schemas.microsoft.com/office/drawing/2014/main" id="{DEE6F68B-D383-4456-A945-5D2426316FC6}"/>
                 </a:ext>
               </a:extLst>
             </p:cNvPr>
@@ -7427,7 +7427,7 @@
             <p:cNvPr id="37" name="流程图: 过程 36">
               <a:extLst>
                 <a:ext uri="{FF2B5EF4-FFF2-40B4-BE49-F238E27FC236}">
-                  <a16:creationId xmlns:a16="http://schemas.microsoft.com/office/drawing/2014/main" xmlns="" id="{DEE6F68B-D383-4456-A945-5D2426316FC6}"/>
+                  <a16:creationId xmlns="" xmlns:a16="http://schemas.microsoft.com/office/drawing/2014/main" id="{DEE6F68B-D383-4456-A945-5D2426316FC6}"/>
                 </a:ext>
               </a:extLst>
             </p:cNvPr>
@@ -7486,7 +7486,7 @@
             <p:cNvPr id="41" name="流程图: 过程 40">
               <a:extLst>
                 <a:ext uri="{FF2B5EF4-FFF2-40B4-BE49-F238E27FC236}">
-                  <a16:creationId xmlns:a16="http://schemas.microsoft.com/office/drawing/2014/main" xmlns="" id="{DEE6F68B-D383-4456-A945-5D2426316FC6}"/>
+                  <a16:creationId xmlns="" xmlns:a16="http://schemas.microsoft.com/office/drawing/2014/main" id="{DEE6F68B-D383-4456-A945-5D2426316FC6}"/>
                 </a:ext>
               </a:extLst>
             </p:cNvPr>
@@ -7551,7 +7551,7 @@
             <p:cNvPr id="42" name="流程图: 过程 41">
               <a:extLst>
                 <a:ext uri="{FF2B5EF4-FFF2-40B4-BE49-F238E27FC236}">
-                  <a16:creationId xmlns:a16="http://schemas.microsoft.com/office/drawing/2014/main" xmlns="" id="{DEE6F68B-D383-4456-A945-5D2426316FC6}"/>
+                  <a16:creationId xmlns="" xmlns:a16="http://schemas.microsoft.com/office/drawing/2014/main" id="{DEE6F68B-D383-4456-A945-5D2426316FC6}"/>
                 </a:ext>
               </a:extLst>
             </p:cNvPr>
@@ -7610,7 +7610,7 @@
             <p:cNvPr id="43" name="流程图: 过程 42">
               <a:extLst>
                 <a:ext uri="{FF2B5EF4-FFF2-40B4-BE49-F238E27FC236}">
-                  <a16:creationId xmlns:a16="http://schemas.microsoft.com/office/drawing/2014/main" xmlns="" id="{DEE6F68B-D383-4456-A945-5D2426316FC6}"/>
+                  <a16:creationId xmlns="" xmlns:a16="http://schemas.microsoft.com/office/drawing/2014/main" id="{DEE6F68B-D383-4456-A945-5D2426316FC6}"/>
                 </a:ext>
               </a:extLst>
             </p:cNvPr>
@@ -7677,7 +7677,7 @@
             <p:cNvPr id="44" name="流程图: 过程 43">
               <a:extLst>
                 <a:ext uri="{FF2B5EF4-FFF2-40B4-BE49-F238E27FC236}">
-                  <a16:creationId xmlns:a16="http://schemas.microsoft.com/office/drawing/2014/main" xmlns="" id="{DEE6F68B-D383-4456-A945-5D2426316FC6}"/>
+                  <a16:creationId xmlns="" xmlns:a16="http://schemas.microsoft.com/office/drawing/2014/main" id="{DEE6F68B-D383-4456-A945-5D2426316FC6}"/>
                 </a:ext>
               </a:extLst>
             </p:cNvPr>
@@ -7742,7 +7742,7 @@
             <p:cNvPr id="45" name="流程图: 过程 44">
               <a:extLst>
                 <a:ext uri="{FF2B5EF4-FFF2-40B4-BE49-F238E27FC236}">
-                  <a16:creationId xmlns:a16="http://schemas.microsoft.com/office/drawing/2014/main" xmlns="" id="{DEE6F68B-D383-4456-A945-5D2426316FC6}"/>
+                  <a16:creationId xmlns="" xmlns:a16="http://schemas.microsoft.com/office/drawing/2014/main" id="{DEE6F68B-D383-4456-A945-5D2426316FC6}"/>
                 </a:ext>
               </a:extLst>
             </p:cNvPr>
@@ -7802,7 +7802,7 @@
           <p:cNvPr id="96" name="流程图: 过程 95">
             <a:extLst>
               <a:ext uri="{FF2B5EF4-FFF2-40B4-BE49-F238E27FC236}">
-                <a16:creationId xmlns:a16="http://schemas.microsoft.com/office/drawing/2014/main" xmlns="" id="{DEE6F68B-D383-4456-A945-5D2426316FC6}"/>
+                <a16:creationId xmlns="" xmlns:a16="http://schemas.microsoft.com/office/drawing/2014/main" id="{DEE6F68B-D383-4456-A945-5D2426316FC6}"/>
               </a:ext>
             </a:extLst>
           </p:cNvPr>
@@ -7867,7 +7867,7 @@
           <p:cNvPr id="97" name="流程图: 过程 96">
             <a:extLst>
               <a:ext uri="{FF2B5EF4-FFF2-40B4-BE49-F238E27FC236}">
-                <a16:creationId xmlns:a16="http://schemas.microsoft.com/office/drawing/2014/main" xmlns="" id="{DEE6F68B-D383-4456-A945-5D2426316FC6}"/>
+                <a16:creationId xmlns="" xmlns:a16="http://schemas.microsoft.com/office/drawing/2014/main" id="{DEE6F68B-D383-4456-A945-5D2426316FC6}"/>
               </a:ext>
             </a:extLst>
           </p:cNvPr>
@@ -7932,7 +7932,7 @@
           <p:cNvPr id="98" name="流程图: 过程 97">
             <a:extLst>
               <a:ext uri="{FF2B5EF4-FFF2-40B4-BE49-F238E27FC236}">
-                <a16:creationId xmlns:a16="http://schemas.microsoft.com/office/drawing/2014/main" xmlns="" id="{DEE6F68B-D383-4456-A945-5D2426316FC6}"/>
+                <a16:creationId xmlns="" xmlns:a16="http://schemas.microsoft.com/office/drawing/2014/main" id="{DEE6F68B-D383-4456-A945-5D2426316FC6}"/>
               </a:ext>
             </a:extLst>
           </p:cNvPr>
@@ -7997,7 +7997,7 @@
           <p:cNvPr id="99" name="流程图: 过程 98">
             <a:extLst>
               <a:ext uri="{FF2B5EF4-FFF2-40B4-BE49-F238E27FC236}">
-                <a16:creationId xmlns:a16="http://schemas.microsoft.com/office/drawing/2014/main" xmlns="" id="{DEE6F68B-D383-4456-A945-5D2426316FC6}"/>
+                <a16:creationId xmlns="" xmlns:a16="http://schemas.microsoft.com/office/drawing/2014/main" id="{DEE6F68B-D383-4456-A945-5D2426316FC6}"/>
               </a:ext>
             </a:extLst>
           </p:cNvPr>
@@ -8210,7 +8210,7 @@
           <p:cNvPr id="114" name="流程图: 过程 113">
             <a:extLst>
               <a:ext uri="{FF2B5EF4-FFF2-40B4-BE49-F238E27FC236}">
-                <a16:creationId xmlns:a16="http://schemas.microsoft.com/office/drawing/2014/main" xmlns="" id="{DEE6F68B-D383-4456-A945-5D2426316FC6}"/>
+                <a16:creationId xmlns="" xmlns:a16="http://schemas.microsoft.com/office/drawing/2014/main" id="{DEE6F68B-D383-4456-A945-5D2426316FC6}"/>
               </a:ext>
             </a:extLst>
           </p:cNvPr>
@@ -8291,7 +8291,7 @@
             <p:cNvPr id="116" name="流程图: 过程 115">
               <a:extLst>
                 <a:ext uri="{FF2B5EF4-FFF2-40B4-BE49-F238E27FC236}">
-                  <a16:creationId xmlns:a16="http://schemas.microsoft.com/office/drawing/2014/main" xmlns="" id="{DEE6F68B-D383-4456-A945-5D2426316FC6}"/>
+                  <a16:creationId xmlns="" xmlns:a16="http://schemas.microsoft.com/office/drawing/2014/main" id="{DEE6F68B-D383-4456-A945-5D2426316FC6}"/>
                 </a:ext>
               </a:extLst>
             </p:cNvPr>
@@ -8358,7 +8358,7 @@
             <p:cNvPr id="117" name="流程图: 过程 116">
               <a:extLst>
                 <a:ext uri="{FF2B5EF4-FFF2-40B4-BE49-F238E27FC236}">
-                  <a16:creationId xmlns:a16="http://schemas.microsoft.com/office/drawing/2014/main" xmlns="" id="{DEE6F68B-D383-4456-A945-5D2426316FC6}"/>
+                  <a16:creationId xmlns="" xmlns:a16="http://schemas.microsoft.com/office/drawing/2014/main" id="{DEE6F68B-D383-4456-A945-5D2426316FC6}"/>
                 </a:ext>
               </a:extLst>
             </p:cNvPr>
@@ -8423,7 +8423,7 @@
             <p:cNvPr id="118" name="流程图: 过程 117">
               <a:extLst>
                 <a:ext uri="{FF2B5EF4-FFF2-40B4-BE49-F238E27FC236}">
-                  <a16:creationId xmlns:a16="http://schemas.microsoft.com/office/drawing/2014/main" xmlns="" id="{DEE6F68B-D383-4456-A945-5D2426316FC6}"/>
+                  <a16:creationId xmlns="" xmlns:a16="http://schemas.microsoft.com/office/drawing/2014/main" id="{DEE6F68B-D383-4456-A945-5D2426316FC6}"/>
                 </a:ext>
               </a:extLst>
             </p:cNvPr>
@@ -8497,7 +8497,7 @@
             <p:cNvPr id="120" name="流程图: 过程 119">
               <a:extLst>
                 <a:ext uri="{FF2B5EF4-FFF2-40B4-BE49-F238E27FC236}">
-                  <a16:creationId xmlns:a16="http://schemas.microsoft.com/office/drawing/2014/main" xmlns="" id="{DEE6F68B-D383-4456-A945-5D2426316FC6}"/>
+                  <a16:creationId xmlns="" xmlns:a16="http://schemas.microsoft.com/office/drawing/2014/main" id="{DEE6F68B-D383-4456-A945-5D2426316FC6}"/>
                 </a:ext>
               </a:extLst>
             </p:cNvPr>
@@ -8562,7 +8562,7 @@
             <p:cNvPr id="121" name="流程图: 过程 120">
               <a:extLst>
                 <a:ext uri="{FF2B5EF4-FFF2-40B4-BE49-F238E27FC236}">
-                  <a16:creationId xmlns:a16="http://schemas.microsoft.com/office/drawing/2014/main" xmlns="" id="{DEE6F68B-D383-4456-A945-5D2426316FC6}"/>
+                  <a16:creationId xmlns="" xmlns:a16="http://schemas.microsoft.com/office/drawing/2014/main" id="{DEE6F68B-D383-4456-A945-5D2426316FC6}"/>
                 </a:ext>
               </a:extLst>
             </p:cNvPr>
@@ -8621,7 +8621,7 @@
             <p:cNvPr id="122" name="流程图: 过程 121">
               <a:extLst>
                 <a:ext uri="{FF2B5EF4-FFF2-40B4-BE49-F238E27FC236}">
-                  <a16:creationId xmlns:a16="http://schemas.microsoft.com/office/drawing/2014/main" xmlns="" id="{DEE6F68B-D383-4456-A945-5D2426316FC6}"/>
+                  <a16:creationId xmlns="" xmlns:a16="http://schemas.microsoft.com/office/drawing/2014/main" id="{DEE6F68B-D383-4456-A945-5D2426316FC6}"/>
                 </a:ext>
               </a:extLst>
             </p:cNvPr>
@@ -8688,7 +8688,7 @@
             <p:cNvPr id="123" name="流程图: 过程 122">
               <a:extLst>
                 <a:ext uri="{FF2B5EF4-FFF2-40B4-BE49-F238E27FC236}">
-                  <a16:creationId xmlns:a16="http://schemas.microsoft.com/office/drawing/2014/main" xmlns="" id="{DEE6F68B-D383-4456-A945-5D2426316FC6}"/>
+                  <a16:creationId xmlns="" xmlns:a16="http://schemas.microsoft.com/office/drawing/2014/main" id="{DEE6F68B-D383-4456-A945-5D2426316FC6}"/>
                 </a:ext>
               </a:extLst>
             </p:cNvPr>
@@ -8753,7 +8753,7 @@
             <p:cNvPr id="124" name="流程图: 过程 123">
               <a:extLst>
                 <a:ext uri="{FF2B5EF4-FFF2-40B4-BE49-F238E27FC236}">
-                  <a16:creationId xmlns:a16="http://schemas.microsoft.com/office/drawing/2014/main" xmlns="" id="{DEE6F68B-D383-4456-A945-5D2426316FC6}"/>
+                  <a16:creationId xmlns="" xmlns:a16="http://schemas.microsoft.com/office/drawing/2014/main" id="{DEE6F68B-D383-4456-A945-5D2426316FC6}"/>
                 </a:ext>
               </a:extLst>
             </p:cNvPr>
@@ -8827,7 +8827,7 @@
             <p:cNvPr id="126" name="流程图: 过程 125">
               <a:extLst>
                 <a:ext uri="{FF2B5EF4-FFF2-40B4-BE49-F238E27FC236}">
-                  <a16:creationId xmlns:a16="http://schemas.microsoft.com/office/drawing/2014/main" xmlns="" id="{DEE6F68B-D383-4456-A945-5D2426316FC6}"/>
+                  <a16:creationId xmlns="" xmlns:a16="http://schemas.microsoft.com/office/drawing/2014/main" id="{DEE6F68B-D383-4456-A945-5D2426316FC6}"/>
                 </a:ext>
               </a:extLst>
             </p:cNvPr>
@@ -8888,7 +8888,7 @@
             <p:cNvPr id="127" name="流程图: 过程 126">
               <a:extLst>
                 <a:ext uri="{FF2B5EF4-FFF2-40B4-BE49-F238E27FC236}">
-                  <a16:creationId xmlns:a16="http://schemas.microsoft.com/office/drawing/2014/main" xmlns="" id="{DEE6F68B-D383-4456-A945-5D2426316FC6}"/>
+                  <a16:creationId xmlns="" xmlns:a16="http://schemas.microsoft.com/office/drawing/2014/main" id="{DEE6F68B-D383-4456-A945-5D2426316FC6}"/>
                 </a:ext>
               </a:extLst>
             </p:cNvPr>
@@ -8947,7 +8947,7 @@
             <p:cNvPr id="128" name="流程图: 过程 127">
               <a:extLst>
                 <a:ext uri="{FF2B5EF4-FFF2-40B4-BE49-F238E27FC236}">
-                  <a16:creationId xmlns:a16="http://schemas.microsoft.com/office/drawing/2014/main" xmlns="" id="{DEE6F68B-D383-4456-A945-5D2426316FC6}"/>
+                  <a16:creationId xmlns="" xmlns:a16="http://schemas.microsoft.com/office/drawing/2014/main" id="{DEE6F68B-D383-4456-A945-5D2426316FC6}"/>
                 </a:ext>
               </a:extLst>
             </p:cNvPr>
@@ -9012,7 +9012,7 @@
             <p:cNvPr id="129" name="流程图: 过程 128">
               <a:extLst>
                 <a:ext uri="{FF2B5EF4-FFF2-40B4-BE49-F238E27FC236}">
-                  <a16:creationId xmlns:a16="http://schemas.microsoft.com/office/drawing/2014/main" xmlns="" id="{DEE6F68B-D383-4456-A945-5D2426316FC6}"/>
+                  <a16:creationId xmlns="" xmlns:a16="http://schemas.microsoft.com/office/drawing/2014/main" id="{DEE6F68B-D383-4456-A945-5D2426316FC6}"/>
                 </a:ext>
               </a:extLst>
             </p:cNvPr>
@@ -9071,7 +9071,7 @@
             <p:cNvPr id="130" name="流程图: 过程 129">
               <a:extLst>
                 <a:ext uri="{FF2B5EF4-FFF2-40B4-BE49-F238E27FC236}">
-                  <a16:creationId xmlns:a16="http://schemas.microsoft.com/office/drawing/2014/main" xmlns="" id="{DEE6F68B-D383-4456-A945-5D2426316FC6}"/>
+                  <a16:creationId xmlns="" xmlns:a16="http://schemas.microsoft.com/office/drawing/2014/main" id="{DEE6F68B-D383-4456-A945-5D2426316FC6}"/>
                 </a:ext>
               </a:extLst>
             </p:cNvPr>
@@ -9138,7 +9138,7 @@
             <p:cNvPr id="131" name="流程图: 过程 130">
               <a:extLst>
                 <a:ext uri="{FF2B5EF4-FFF2-40B4-BE49-F238E27FC236}">
-                  <a16:creationId xmlns:a16="http://schemas.microsoft.com/office/drawing/2014/main" xmlns="" id="{DEE6F68B-D383-4456-A945-5D2426316FC6}"/>
+                  <a16:creationId xmlns="" xmlns:a16="http://schemas.microsoft.com/office/drawing/2014/main" id="{DEE6F68B-D383-4456-A945-5D2426316FC6}"/>
                 </a:ext>
               </a:extLst>
             </p:cNvPr>
@@ -9203,7 +9203,7 @@
             <p:cNvPr id="132" name="流程图: 过程 131">
               <a:extLst>
                 <a:ext uri="{FF2B5EF4-FFF2-40B4-BE49-F238E27FC236}">
-                  <a16:creationId xmlns:a16="http://schemas.microsoft.com/office/drawing/2014/main" xmlns="" id="{DEE6F68B-D383-4456-A945-5D2426316FC6}"/>
+                  <a16:creationId xmlns="" xmlns:a16="http://schemas.microsoft.com/office/drawing/2014/main" id="{DEE6F68B-D383-4456-A945-5D2426316FC6}"/>
                 </a:ext>
               </a:extLst>
             </p:cNvPr>
@@ -9371,7 +9371,7 @@
           <p:cNvPr id="138" name="流程图: 过程 137">
             <a:extLst>
               <a:ext uri="{FF2B5EF4-FFF2-40B4-BE49-F238E27FC236}">
-                <a16:creationId xmlns:a16="http://schemas.microsoft.com/office/drawing/2014/main" xmlns="" id="{DEE6F68B-D383-4456-A945-5D2426316FC6}"/>
+                <a16:creationId xmlns="" xmlns:a16="http://schemas.microsoft.com/office/drawing/2014/main" id="{DEE6F68B-D383-4456-A945-5D2426316FC6}"/>
               </a:ext>
             </a:extLst>
           </p:cNvPr>
@@ -9436,7 +9436,7 @@
           <p:cNvPr id="139" name="流程图: 过程 138">
             <a:extLst>
               <a:ext uri="{FF2B5EF4-FFF2-40B4-BE49-F238E27FC236}">
-                <a16:creationId xmlns:a16="http://schemas.microsoft.com/office/drawing/2014/main" xmlns="" id="{DEE6F68B-D383-4456-A945-5D2426316FC6}"/>
+                <a16:creationId xmlns="" xmlns:a16="http://schemas.microsoft.com/office/drawing/2014/main" id="{DEE6F68B-D383-4456-A945-5D2426316FC6}"/>
               </a:ext>
             </a:extLst>
           </p:cNvPr>
@@ -9524,7 +9524,7 @@
           <p:cNvPr id="140" name="流程图: 过程 139">
             <a:extLst>
               <a:ext uri="{FF2B5EF4-FFF2-40B4-BE49-F238E27FC236}">
-                <a16:creationId xmlns:a16="http://schemas.microsoft.com/office/drawing/2014/main" xmlns="" id="{DEE6F68B-D383-4456-A945-5D2426316FC6}"/>
+                <a16:creationId xmlns="" xmlns:a16="http://schemas.microsoft.com/office/drawing/2014/main" id="{DEE6F68B-D383-4456-A945-5D2426316FC6}"/>
               </a:ext>
             </a:extLst>
           </p:cNvPr>
@@ -9657,7 +9657,7 @@
           <p:cNvPr id="23" name="图片 22">
             <a:extLst>
               <a:ext uri="{FF2B5EF4-FFF2-40B4-BE49-F238E27FC236}">
-                <a16:creationId xmlns:a16="http://schemas.microsoft.com/office/drawing/2014/main" xmlns="" id="{C49BA596-B860-41A3-9734-D1BA0CD74A42}"/>
+                <a16:creationId xmlns="" xmlns:a16="http://schemas.microsoft.com/office/drawing/2014/main" id="{C49BA596-B860-41A3-9734-D1BA0CD74A42}"/>
               </a:ext>
             </a:extLst>
           </p:cNvPr>
@@ -9794,7 +9794,7 @@
           <p:cNvPr id="22" name="流程图: 过程 21">
             <a:extLst>
               <a:ext uri="{FF2B5EF4-FFF2-40B4-BE49-F238E27FC236}">
-                <a16:creationId xmlns:a16="http://schemas.microsoft.com/office/drawing/2014/main" xmlns="" id="{DEE6F68B-D383-4456-A945-5D2426316FC6}"/>
+                <a16:creationId xmlns="" xmlns:a16="http://schemas.microsoft.com/office/drawing/2014/main" id="{DEE6F68B-D383-4456-A945-5D2426316FC6}"/>
               </a:ext>
             </a:extLst>
           </p:cNvPr>
@@ -9900,7 +9900,7 @@
           <p:cNvPr id="11" name="图片 10">
             <a:extLst>
               <a:ext uri="{FF2B5EF4-FFF2-40B4-BE49-F238E27FC236}">
-                <a16:creationId xmlns:a16="http://schemas.microsoft.com/office/drawing/2014/main" xmlns="" id="{C49BA596-B860-41A3-9734-D1BA0CD74A42}"/>
+                <a16:creationId xmlns="" xmlns:a16="http://schemas.microsoft.com/office/drawing/2014/main" id="{C49BA596-B860-41A3-9734-D1BA0CD74A42}"/>
               </a:ext>
             </a:extLst>
           </p:cNvPr>
@@ -9942,7 +9942,7 @@
           <p:cNvPr id="9" name="图片 8">
             <a:extLst>
               <a:ext uri="{FF2B5EF4-FFF2-40B4-BE49-F238E27FC236}">
-                <a16:creationId xmlns:a16="http://schemas.microsoft.com/office/drawing/2014/main" xmlns="" id="{C49BA596-B860-41A3-9734-D1BA0CD74A42}"/>
+                <a16:creationId xmlns="" xmlns:a16="http://schemas.microsoft.com/office/drawing/2014/main" id="{C49BA596-B860-41A3-9734-D1BA0CD74A42}"/>
               </a:ext>
             </a:extLst>
           </p:cNvPr>
@@ -10132,7 +10132,7 @@
           <p:cNvPr id="10" name="流程图: 过程 9">
             <a:extLst>
               <a:ext uri="{FF2B5EF4-FFF2-40B4-BE49-F238E27FC236}">
-                <a16:creationId xmlns:a16="http://schemas.microsoft.com/office/drawing/2014/main" xmlns="" id="{DEE6F68B-D383-4456-A945-5D2426316FC6}"/>
+                <a16:creationId xmlns="" xmlns:a16="http://schemas.microsoft.com/office/drawing/2014/main" id="{DEE6F68B-D383-4456-A945-5D2426316FC6}"/>
               </a:ext>
             </a:extLst>
           </p:cNvPr>
@@ -10230,7 +10230,7 @@
           <p:cNvPr id="18" name="流程图: 过程 17">
             <a:extLst>
               <a:ext uri="{FF2B5EF4-FFF2-40B4-BE49-F238E27FC236}">
-                <a16:creationId xmlns:a16="http://schemas.microsoft.com/office/drawing/2014/main" xmlns="" id="{DEE6F68B-D383-4456-A945-5D2426316FC6}"/>
+                <a16:creationId xmlns="" xmlns:a16="http://schemas.microsoft.com/office/drawing/2014/main" id="{DEE6F68B-D383-4456-A945-5D2426316FC6}"/>
               </a:ext>
             </a:extLst>
           </p:cNvPr>
@@ -10348,7 +10348,7 @@
           <p:cNvPr id="11" name="图片 10">
             <a:extLst>
               <a:ext uri="{FF2B5EF4-FFF2-40B4-BE49-F238E27FC236}">
-                <a16:creationId xmlns:a16="http://schemas.microsoft.com/office/drawing/2014/main" xmlns="" id="{C49BA596-B860-41A3-9734-D1BA0CD74A42}"/>
+                <a16:creationId xmlns="" xmlns:a16="http://schemas.microsoft.com/office/drawing/2014/main" id="{C49BA596-B860-41A3-9734-D1BA0CD74A42}"/>
               </a:ext>
             </a:extLst>
           </p:cNvPr>
@@ -10516,7 +10516,7 @@
           <p:cNvPr id="10" name="流程图: 过程 9">
             <a:extLst>
               <a:ext uri="{FF2B5EF4-FFF2-40B4-BE49-F238E27FC236}">
-                <a16:creationId xmlns:a16="http://schemas.microsoft.com/office/drawing/2014/main" xmlns="" id="{DEE6F68B-D383-4456-A945-5D2426316FC6}"/>
+                <a16:creationId xmlns="" xmlns:a16="http://schemas.microsoft.com/office/drawing/2014/main" id="{DEE6F68B-D383-4456-A945-5D2426316FC6}"/>
               </a:ext>
             </a:extLst>
           </p:cNvPr>
@@ -10614,7 +10614,7 @@
           <p:cNvPr id="18" name="流程图: 过程 17">
             <a:extLst>
               <a:ext uri="{FF2B5EF4-FFF2-40B4-BE49-F238E27FC236}">
-                <a16:creationId xmlns:a16="http://schemas.microsoft.com/office/drawing/2014/main" xmlns="" id="{DEE6F68B-D383-4456-A945-5D2426316FC6}"/>
+                <a16:creationId xmlns="" xmlns:a16="http://schemas.microsoft.com/office/drawing/2014/main" id="{DEE6F68B-D383-4456-A945-5D2426316FC6}"/>
               </a:ext>
             </a:extLst>
           </p:cNvPr>
@@ -10732,7 +10732,7 @@
           <p:cNvPr id="11" name="图片 10">
             <a:extLst>
               <a:ext uri="{FF2B5EF4-FFF2-40B4-BE49-F238E27FC236}">
-                <a16:creationId xmlns:a16="http://schemas.microsoft.com/office/drawing/2014/main" xmlns="" id="{C49BA596-B860-41A3-9734-D1BA0CD74A42}"/>
+                <a16:creationId xmlns="" xmlns:a16="http://schemas.microsoft.com/office/drawing/2014/main" id="{C49BA596-B860-41A3-9734-D1BA0CD74A42}"/>
               </a:ext>
             </a:extLst>
           </p:cNvPr>
@@ -10844,7 +10844,7 @@
           <p:cNvPr id="10" name="流程图: 过程 9">
             <a:extLst>
               <a:ext uri="{FF2B5EF4-FFF2-40B4-BE49-F238E27FC236}">
-                <a16:creationId xmlns:a16="http://schemas.microsoft.com/office/drawing/2014/main" xmlns="" id="{DEE6F68B-D383-4456-A945-5D2426316FC6}"/>
+                <a16:creationId xmlns="" xmlns:a16="http://schemas.microsoft.com/office/drawing/2014/main" id="{DEE6F68B-D383-4456-A945-5D2426316FC6}"/>
               </a:ext>
             </a:extLst>
           </p:cNvPr>
@@ -10954,7 +10954,7 @@
           <p:cNvPr id="11" name="图片 10">
             <a:extLst>
               <a:ext uri="{FF2B5EF4-FFF2-40B4-BE49-F238E27FC236}">
-                <a16:creationId xmlns:a16="http://schemas.microsoft.com/office/drawing/2014/main" xmlns="" id="{C49BA596-B860-41A3-9734-D1BA0CD74A42}"/>
+                <a16:creationId xmlns="" xmlns:a16="http://schemas.microsoft.com/office/drawing/2014/main" id="{C49BA596-B860-41A3-9734-D1BA0CD74A42}"/>
               </a:ext>
             </a:extLst>
           </p:cNvPr>
@@ -11077,7 +11077,7 @@
           <p:cNvPr id="10" name="流程图: 过程 9">
             <a:extLst>
               <a:ext uri="{FF2B5EF4-FFF2-40B4-BE49-F238E27FC236}">
-                <a16:creationId xmlns:a16="http://schemas.microsoft.com/office/drawing/2014/main" xmlns="" id="{DEE6F68B-D383-4456-A945-5D2426316FC6}"/>
+                <a16:creationId xmlns="" xmlns:a16="http://schemas.microsoft.com/office/drawing/2014/main" id="{DEE6F68B-D383-4456-A945-5D2426316FC6}"/>
               </a:ext>
             </a:extLst>
           </p:cNvPr>
@@ -11187,7 +11187,7 @@
           <p:cNvPr id="22" name="图片 21">
             <a:extLst>
               <a:ext uri="{FF2B5EF4-FFF2-40B4-BE49-F238E27FC236}">
-                <a16:creationId xmlns:a16="http://schemas.microsoft.com/office/drawing/2014/main" xmlns="" id="{C49BA596-B860-41A3-9734-D1BA0CD74A42}"/>
+                <a16:creationId xmlns="" xmlns:a16="http://schemas.microsoft.com/office/drawing/2014/main" id="{C49BA596-B860-41A3-9734-D1BA0CD74A42}"/>
               </a:ext>
             </a:extLst>
           </p:cNvPr>
@@ -11451,7 +11451,7 @@
           <p:cNvPr id="13" name="流程图: 过程 12">
             <a:extLst>
               <a:ext uri="{FF2B5EF4-FFF2-40B4-BE49-F238E27FC236}">
-                <a16:creationId xmlns:a16="http://schemas.microsoft.com/office/drawing/2014/main" xmlns="" id="{DEE6F68B-D383-4456-A945-5D2426316FC6}"/>
+                <a16:creationId xmlns="" xmlns:a16="http://schemas.microsoft.com/office/drawing/2014/main" id="{DEE6F68B-D383-4456-A945-5D2426316FC6}"/>
               </a:ext>
             </a:extLst>
           </p:cNvPr>
@@ -11516,7 +11516,7 @@
           <p:cNvPr id="14" name="流程图: 过程 13">
             <a:extLst>
               <a:ext uri="{FF2B5EF4-FFF2-40B4-BE49-F238E27FC236}">
-                <a16:creationId xmlns:a16="http://schemas.microsoft.com/office/drawing/2014/main" xmlns="" id="{DEE6F68B-D383-4456-A945-5D2426316FC6}"/>
+                <a16:creationId xmlns="" xmlns:a16="http://schemas.microsoft.com/office/drawing/2014/main" id="{DEE6F68B-D383-4456-A945-5D2426316FC6}"/>
               </a:ext>
             </a:extLst>
           </p:cNvPr>
@@ -11577,7 +11577,7 @@
           <p:cNvPr id="15" name="流程图: 过程 14">
             <a:extLst>
               <a:ext uri="{FF2B5EF4-FFF2-40B4-BE49-F238E27FC236}">
-                <a16:creationId xmlns:a16="http://schemas.microsoft.com/office/drawing/2014/main" xmlns="" id="{DEE6F68B-D383-4456-A945-5D2426316FC6}"/>
+                <a16:creationId xmlns="" xmlns:a16="http://schemas.microsoft.com/office/drawing/2014/main" id="{DEE6F68B-D383-4456-A945-5D2426316FC6}"/>
               </a:ext>
             </a:extLst>
           </p:cNvPr>
@@ -11638,7 +11638,7 @@
           <p:cNvPr id="16" name="流程图: 过程 15">
             <a:extLst>
               <a:ext uri="{FF2B5EF4-FFF2-40B4-BE49-F238E27FC236}">
-                <a16:creationId xmlns:a16="http://schemas.microsoft.com/office/drawing/2014/main" xmlns="" id="{DEE6F68B-D383-4456-A945-5D2426316FC6}"/>
+                <a16:creationId xmlns="" xmlns:a16="http://schemas.microsoft.com/office/drawing/2014/main" id="{DEE6F68B-D383-4456-A945-5D2426316FC6}"/>
               </a:ext>
             </a:extLst>
           </p:cNvPr>
@@ -11703,7 +11703,7 @@
           <p:cNvPr id="17" name="流程图: 过程 16">
             <a:extLst>
               <a:ext uri="{FF2B5EF4-FFF2-40B4-BE49-F238E27FC236}">
-                <a16:creationId xmlns:a16="http://schemas.microsoft.com/office/drawing/2014/main" xmlns="" id="{DEE6F68B-D383-4456-A945-5D2426316FC6}"/>
+                <a16:creationId xmlns="" xmlns:a16="http://schemas.microsoft.com/office/drawing/2014/main" id="{DEE6F68B-D383-4456-A945-5D2426316FC6}"/>
               </a:ext>
             </a:extLst>
           </p:cNvPr>
@@ -11768,7 +11768,7 @@
           <p:cNvPr id="18" name="流程图: 过程 17">
             <a:extLst>
               <a:ext uri="{FF2B5EF4-FFF2-40B4-BE49-F238E27FC236}">
-                <a16:creationId xmlns:a16="http://schemas.microsoft.com/office/drawing/2014/main" xmlns="" id="{DEE6F68B-D383-4456-A945-5D2426316FC6}"/>
+                <a16:creationId xmlns="" xmlns:a16="http://schemas.microsoft.com/office/drawing/2014/main" id="{DEE6F68B-D383-4456-A945-5D2426316FC6}"/>
               </a:ext>
             </a:extLst>
           </p:cNvPr>
@@ -11833,7 +11833,7 @@
           <p:cNvPr id="20" name="流程图: 过程 19">
             <a:extLst>
               <a:ext uri="{FF2B5EF4-FFF2-40B4-BE49-F238E27FC236}">
-                <a16:creationId xmlns:a16="http://schemas.microsoft.com/office/drawing/2014/main" xmlns="" id="{DEE6F68B-D383-4456-A945-5D2426316FC6}"/>
+                <a16:creationId xmlns="" xmlns:a16="http://schemas.microsoft.com/office/drawing/2014/main" id="{DEE6F68B-D383-4456-A945-5D2426316FC6}"/>
               </a:ext>
             </a:extLst>
           </p:cNvPr>
@@ -11898,7 +11898,7 @@
           <p:cNvPr id="21" name="流程图: 过程 20">
             <a:extLst>
               <a:ext uri="{FF2B5EF4-FFF2-40B4-BE49-F238E27FC236}">
-                <a16:creationId xmlns:a16="http://schemas.microsoft.com/office/drawing/2014/main" xmlns="" id="{DEE6F68B-D383-4456-A945-5D2426316FC6}"/>
+                <a16:creationId xmlns="" xmlns:a16="http://schemas.microsoft.com/office/drawing/2014/main" id="{DEE6F68B-D383-4456-A945-5D2426316FC6}"/>
               </a:ext>
             </a:extLst>
           </p:cNvPr>
@@ -12035,7 +12035,7 @@
           <p:cNvPr id="30" name="图片 29">
             <a:extLst>
               <a:ext uri="{FF2B5EF4-FFF2-40B4-BE49-F238E27FC236}">
-                <a16:creationId xmlns:a16="http://schemas.microsoft.com/office/drawing/2014/main" xmlns="" id="{C49BA596-B860-41A3-9734-D1BA0CD74A42}"/>
+                <a16:creationId xmlns="" xmlns:a16="http://schemas.microsoft.com/office/drawing/2014/main" id="{C49BA596-B860-41A3-9734-D1BA0CD74A42}"/>
               </a:ext>
             </a:extLst>
           </p:cNvPr>
@@ -12130,7 +12130,7 @@
           <p:cNvPr id="18" name="流程图: 过程 17">
             <a:extLst>
               <a:ext uri="{FF2B5EF4-FFF2-40B4-BE49-F238E27FC236}">
-                <a16:creationId xmlns:a16="http://schemas.microsoft.com/office/drawing/2014/main" xmlns="" id="{DEE6F68B-D383-4456-A945-5D2426316FC6}"/>
+                <a16:creationId xmlns="" xmlns:a16="http://schemas.microsoft.com/office/drawing/2014/main" id="{DEE6F68B-D383-4456-A945-5D2426316FC6}"/>
               </a:ext>
             </a:extLst>
           </p:cNvPr>
